--- a/Step Synthesizer/16-Steps Sequencer and Synthesizer.pptx
+++ b/Step Synthesizer/16-Steps Sequencer and Synthesizer.pptx
@@ -5,10 +5,10 @@
     <p:sldMasterId id="2147483649" r:id="rId1"/>
   </p:sldMasterIdLst>
   <p:notesMasterIdLst>
-    <p:notesMasterId r:id="rId20"/>
+    <p:notesMasterId r:id="rId28"/>
   </p:notesMasterIdLst>
   <p:handoutMasterIdLst>
-    <p:handoutMasterId r:id="rId21"/>
+    <p:handoutMasterId r:id="rId29"/>
   </p:handoutMasterIdLst>
   <p:sldIdLst>
     <p:sldId id="256" r:id="rId2"/>
@@ -24,11 +24,19 @@
     <p:sldId id="448" r:id="rId12"/>
     <p:sldId id="445" r:id="rId13"/>
     <p:sldId id="446" r:id="rId14"/>
-    <p:sldId id="449" r:id="rId15"/>
-    <p:sldId id="450" r:id="rId16"/>
-    <p:sldId id="416" r:id="rId17"/>
-    <p:sldId id="451" r:id="rId18"/>
-    <p:sldId id="432" r:id="rId19"/>
+    <p:sldId id="453" r:id="rId15"/>
+    <p:sldId id="455" r:id="rId16"/>
+    <p:sldId id="458" r:id="rId17"/>
+    <p:sldId id="460" r:id="rId18"/>
+    <p:sldId id="459" r:id="rId19"/>
+    <p:sldId id="456" r:id="rId20"/>
+    <p:sldId id="449" r:id="rId21"/>
+    <p:sldId id="450" r:id="rId22"/>
+    <p:sldId id="462" r:id="rId23"/>
+    <p:sldId id="464" r:id="rId24"/>
+    <p:sldId id="416" r:id="rId25"/>
+    <p:sldId id="451" r:id="rId26"/>
+    <p:sldId id="432" r:id="rId27"/>
   </p:sldIdLst>
   <p:sldSz cx="9144000" cy="6858000" type="screen4x3"/>
   <p:notesSz cx="6858000" cy="9144000"/>
@@ -206,7 +214,7 @@
           <p:cNvPr id="2" name="頁首版面配置區 1">
             <a:extLst>
               <a:ext uri="{FF2B5EF4-FFF2-40B4-BE49-F238E27FC236}">
-                <a16:creationId xmlns="" xmlns:a16="http://schemas.microsoft.com/office/drawing/2014/main" id="{E76CB522-063C-4334-8637-97AE96CE7E41}"/>
+                <a16:creationId xmlns:a16="http://schemas.microsoft.com/office/drawing/2014/main" id="{E76CB522-063C-4334-8637-97AE96CE7E41}"/>
               </a:ext>
             </a:extLst>
           </p:cNvPr>
@@ -247,7 +255,7 @@
           <p:cNvPr id="3" name="日期版面配置區 2">
             <a:extLst>
               <a:ext uri="{FF2B5EF4-FFF2-40B4-BE49-F238E27FC236}">
-                <a16:creationId xmlns="" xmlns:a16="http://schemas.microsoft.com/office/drawing/2014/main" id="{1FF28336-5BB1-4345-A8B6-A9CB3F1E0B20}"/>
+                <a16:creationId xmlns:a16="http://schemas.microsoft.com/office/drawing/2014/main" id="{1FF28336-5BB1-4345-A8B6-A9CB3F1E0B20}"/>
               </a:ext>
             </a:extLst>
           </p:cNvPr>
@@ -298,7 +306,7 @@
           <p:cNvPr id="4" name="頁尾版面配置區 3">
             <a:extLst>
               <a:ext uri="{FF2B5EF4-FFF2-40B4-BE49-F238E27FC236}">
-                <a16:creationId xmlns="" xmlns:a16="http://schemas.microsoft.com/office/drawing/2014/main" id="{47BB12A5-DAD5-481C-9C8E-5F5C317E84F6}"/>
+                <a16:creationId xmlns:a16="http://schemas.microsoft.com/office/drawing/2014/main" id="{47BB12A5-DAD5-481C-9C8E-5F5C317E84F6}"/>
               </a:ext>
             </a:extLst>
           </p:cNvPr>
@@ -339,7 +347,7 @@
           <p:cNvPr id="5" name="投影片編號版面配置區 4">
             <a:extLst>
               <a:ext uri="{FF2B5EF4-FFF2-40B4-BE49-F238E27FC236}">
-                <a16:creationId xmlns="" xmlns:a16="http://schemas.microsoft.com/office/drawing/2014/main" id="{C0FA3E16-78E2-4232-9D50-BE176A269F88}"/>
+                <a16:creationId xmlns:a16="http://schemas.microsoft.com/office/drawing/2014/main" id="{C0FA3E16-78E2-4232-9D50-BE176A269F88}"/>
               </a:ext>
             </a:extLst>
           </p:cNvPr>
@@ -427,7 +435,7 @@
           <p:cNvPr id="7170" name="Rectangle 2">
             <a:extLst>
               <a:ext uri="{FF2B5EF4-FFF2-40B4-BE49-F238E27FC236}">
-                <a16:creationId xmlns="" xmlns:a16="http://schemas.microsoft.com/office/drawing/2014/main" id="{3C49F939-3C39-479D-944D-4415793FC36E}"/>
+                <a16:creationId xmlns:a16="http://schemas.microsoft.com/office/drawing/2014/main" id="{3C49F939-3C39-479D-944D-4415793FC36E}"/>
               </a:ext>
             </a:extLst>
           </p:cNvPr>
@@ -481,7 +489,7 @@
           <p:cNvPr id="7171" name="Rectangle 3">
             <a:extLst>
               <a:ext uri="{FF2B5EF4-FFF2-40B4-BE49-F238E27FC236}">
-                <a16:creationId xmlns="" xmlns:a16="http://schemas.microsoft.com/office/drawing/2014/main" id="{3FB9CBBF-A2B5-4E64-A6B5-E8484880BBE3}"/>
+                <a16:creationId xmlns:a16="http://schemas.microsoft.com/office/drawing/2014/main" id="{3FB9CBBF-A2B5-4E64-A6B5-E8484880BBE3}"/>
               </a:ext>
             </a:extLst>
           </p:cNvPr>
@@ -535,7 +543,7 @@
           <p:cNvPr id="3076" name="Rectangle 4">
             <a:extLst>
               <a:ext uri="{FF2B5EF4-FFF2-40B4-BE49-F238E27FC236}">
-                <a16:creationId xmlns="" xmlns:a16="http://schemas.microsoft.com/office/drawing/2014/main" id="{87D7CD1D-83A5-461F-B699-103997521F9A}"/>
+                <a16:creationId xmlns:a16="http://schemas.microsoft.com/office/drawing/2014/main" id="{87D7CD1D-83A5-461F-B699-103997521F9A}"/>
               </a:ext>
             </a:extLst>
           </p:cNvPr>
@@ -579,7 +587,7 @@
           <p:cNvPr id="7173" name="Rectangle 5">
             <a:extLst>
               <a:ext uri="{FF2B5EF4-FFF2-40B4-BE49-F238E27FC236}">
-                <a16:creationId xmlns="" xmlns:a16="http://schemas.microsoft.com/office/drawing/2014/main" id="{577B9827-BA1E-4004-95E2-BBB1034A4168}"/>
+                <a16:creationId xmlns:a16="http://schemas.microsoft.com/office/drawing/2014/main" id="{577B9827-BA1E-4004-95E2-BBB1034A4168}"/>
               </a:ext>
             </a:extLst>
           </p:cNvPr>
@@ -656,7 +664,7 @@
           <p:cNvPr id="7174" name="Rectangle 6">
             <a:extLst>
               <a:ext uri="{FF2B5EF4-FFF2-40B4-BE49-F238E27FC236}">
-                <a16:creationId xmlns="" xmlns:a16="http://schemas.microsoft.com/office/drawing/2014/main" id="{6579FDA9-7F25-4C42-B37F-2BE0A8025C9D}"/>
+                <a16:creationId xmlns:a16="http://schemas.microsoft.com/office/drawing/2014/main" id="{6579FDA9-7F25-4C42-B37F-2BE0A8025C9D}"/>
               </a:ext>
             </a:extLst>
           </p:cNvPr>
@@ -710,7 +718,7 @@
           <p:cNvPr id="7175" name="Rectangle 7">
             <a:extLst>
               <a:ext uri="{FF2B5EF4-FFF2-40B4-BE49-F238E27FC236}">
-                <a16:creationId xmlns="" xmlns:a16="http://schemas.microsoft.com/office/drawing/2014/main" id="{8594F320-7541-47E1-8974-4F6AF22707CE}"/>
+                <a16:creationId xmlns:a16="http://schemas.microsoft.com/office/drawing/2014/main" id="{8594F320-7541-47E1-8974-4F6AF22707CE}"/>
               </a:ext>
             </a:extLst>
           </p:cNvPr>
@@ -920,7 +928,7 @@
           <p:cNvPr id="6146" name="投影片圖像版面配置區 1">
             <a:extLst>
               <a:ext uri="{FF2B5EF4-FFF2-40B4-BE49-F238E27FC236}">
-                <a16:creationId xmlns="" xmlns:a16="http://schemas.microsoft.com/office/drawing/2014/main" id="{EC3C8F7D-833E-43DE-A6AC-EF11F4306F0C}"/>
+                <a16:creationId xmlns:a16="http://schemas.microsoft.com/office/drawing/2014/main" id="{EC3C8F7D-833E-43DE-A6AC-EF11F4306F0C}"/>
               </a:ext>
             </a:extLst>
           </p:cNvPr>
@@ -940,7 +948,7 @@
           <p:cNvPr id="6147" name="備忘稿版面配置區 2">
             <a:extLst>
               <a:ext uri="{FF2B5EF4-FFF2-40B4-BE49-F238E27FC236}">
-                <a16:creationId xmlns="" xmlns:a16="http://schemas.microsoft.com/office/drawing/2014/main" id="{389768CC-7F5A-49CE-AFE7-AA960A3C4774}"/>
+                <a16:creationId xmlns:a16="http://schemas.microsoft.com/office/drawing/2014/main" id="{389768CC-7F5A-49CE-AFE7-AA960A3C4774}"/>
               </a:ext>
             </a:extLst>
           </p:cNvPr>
@@ -989,7 +997,7 @@
           <p:cNvPr id="6148" name="投影片編號版面配置區 3">
             <a:extLst>
               <a:ext uri="{FF2B5EF4-FFF2-40B4-BE49-F238E27FC236}">
-                <a16:creationId xmlns="" xmlns:a16="http://schemas.microsoft.com/office/drawing/2014/main" id="{5BA5B0CF-DD84-460E-9ADC-5E6EE6C76D3A}"/>
+                <a16:creationId xmlns:a16="http://schemas.microsoft.com/office/drawing/2014/main" id="{5BA5B0CF-DD84-460E-9ADC-5E6EE6C76D3A}"/>
               </a:ext>
             </a:extLst>
           </p:cNvPr>
@@ -1137,6 +1145,96 @@
     <p:extLst>
       <p:ext uri="{BB962C8B-B14F-4D97-AF65-F5344CB8AC3E}">
         <p14:creationId xmlns:p14="http://schemas.microsoft.com/office/powerpoint/2010/main" val="1795937601"/>
+      </p:ext>
+    </p:extLst>
+  </p:cSld>
+  <p:clrMapOvr>
+    <a:masterClrMapping/>
+  </p:clrMapOvr>
+</p:notes>
+</file>
+
+<file path=ppt/notesSlides/notesSlide2.xml><?xml version="1.0" encoding="utf-8"?>
+<p:notes xmlns:a="http://schemas.openxmlformats.org/drawingml/2006/main" xmlns:r="http://schemas.openxmlformats.org/officeDocument/2006/relationships" xmlns:p="http://schemas.openxmlformats.org/presentationml/2006/main">
+  <p:cSld>
+    <p:spTree>
+      <p:nvGrpSpPr>
+        <p:cNvPr id="1" name=""/>
+        <p:cNvGrpSpPr/>
+        <p:nvPr/>
+      </p:nvGrpSpPr>
+      <p:grpSpPr>
+        <a:xfrm>
+          <a:off x="0" y="0"/>
+          <a:ext cx="0" cy="0"/>
+          <a:chOff x="0" y="0"/>
+          <a:chExt cx="0" cy="0"/>
+        </a:xfrm>
+      </p:grpSpPr>
+      <p:sp>
+        <p:nvSpPr>
+          <p:cNvPr id="2" name="幻灯片图像占位符 1"/>
+          <p:cNvSpPr>
+            <a:spLocks noGrp="1" noRot="1" noChangeAspect="1"/>
+          </p:cNvSpPr>
+          <p:nvPr>
+            <p:ph type="sldImg"/>
+          </p:nvPr>
+        </p:nvSpPr>
+        <p:spPr/>
+      </p:sp>
+      <p:sp>
+        <p:nvSpPr>
+          <p:cNvPr id="3" name="备注占位符 2"/>
+          <p:cNvSpPr>
+            <a:spLocks noGrp="1"/>
+          </p:cNvSpPr>
+          <p:nvPr>
+            <p:ph type="body" idx="1"/>
+          </p:nvPr>
+        </p:nvSpPr>
+        <p:spPr/>
+        <p:txBody>
+          <a:bodyPr/>
+          <a:lstStyle/>
+          <a:p>
+            <a:endParaRPr lang="zh-CN" altLang="en-US" dirty="0"/>
+          </a:p>
+        </p:txBody>
+      </p:sp>
+      <p:sp>
+        <p:nvSpPr>
+          <p:cNvPr id="4" name="灯片编号占位符 3"/>
+          <p:cNvSpPr>
+            <a:spLocks noGrp="1"/>
+          </p:cNvSpPr>
+          <p:nvPr>
+            <p:ph type="sldNum" sz="quarter" idx="10"/>
+          </p:nvPr>
+        </p:nvSpPr>
+        <p:spPr/>
+        <p:txBody>
+          <a:bodyPr/>
+          <a:lstStyle/>
+          <a:p>
+            <a:pPr>
+              <a:defRPr/>
+            </a:pPr>
+            <a:fld id="{BB732EDB-A0EA-4211-B0DD-CA91767D8E5C}" type="slidenum">
+              <a:rPr lang="en-US" altLang="zh-TW" smtClean="0"/>
+              <a:pPr>
+                <a:defRPr/>
+              </a:pPr>
+              <a:t>18</a:t>
+            </a:fld>
+            <a:endParaRPr lang="en-US" altLang="zh-TW"/>
+          </a:p>
+        </p:txBody>
+      </p:sp>
+    </p:spTree>
+    <p:extLst>
+      <p:ext uri="{BB962C8B-B14F-4D97-AF65-F5344CB8AC3E}">
+        <p14:creationId xmlns:p14="http://schemas.microsoft.com/office/powerpoint/2010/main" val="3406795113"/>
       </p:ext>
     </p:extLst>
   </p:cSld>
@@ -1168,7 +1266,7 @@
           <p:cNvPr id="4" name="Freeform 7">
             <a:extLst>
               <a:ext uri="{FF2B5EF4-FFF2-40B4-BE49-F238E27FC236}">
-                <a16:creationId xmlns="" xmlns:a16="http://schemas.microsoft.com/office/drawing/2014/main" id="{750F7EFC-738B-40F4-9228-80138CA09E8F}"/>
+                <a16:creationId xmlns:a16="http://schemas.microsoft.com/office/drawing/2014/main" id="{750F7EFC-738B-40F4-9228-80138CA09E8F}"/>
               </a:ext>
             </a:extLst>
           </p:cNvPr>
@@ -1255,7 +1353,7 @@
           <p:cNvPr id="5" name="Line 8">
             <a:extLst>
               <a:ext uri="{FF2B5EF4-FFF2-40B4-BE49-F238E27FC236}">
-                <a16:creationId xmlns="" xmlns:a16="http://schemas.microsoft.com/office/drawing/2014/main" id="{A8BF059F-E7DC-474A-BE4E-D8D52EB414AC}"/>
+                <a16:creationId xmlns:a16="http://schemas.microsoft.com/office/drawing/2014/main" id="{A8BF059F-E7DC-474A-BE4E-D8D52EB414AC}"/>
               </a:ext>
             </a:extLst>
           </p:cNvPr>
@@ -1366,7 +1464,7 @@
           <p:cNvPr id="6" name="Rectangle 4">
             <a:extLst>
               <a:ext uri="{FF2B5EF4-FFF2-40B4-BE49-F238E27FC236}">
-                <a16:creationId xmlns="" xmlns:a16="http://schemas.microsoft.com/office/drawing/2014/main" id="{FBB55CE5-91D8-4D08-83DA-0DEDB2ADFC0A}"/>
+                <a16:creationId xmlns:a16="http://schemas.microsoft.com/office/drawing/2014/main" id="{FBB55CE5-91D8-4D08-83DA-0DEDB2ADFC0A}"/>
               </a:ext>
             </a:extLst>
           </p:cNvPr>
@@ -1405,7 +1503,7 @@
           <p:cNvPr id="7" name="Rectangle 5">
             <a:extLst>
               <a:ext uri="{FF2B5EF4-FFF2-40B4-BE49-F238E27FC236}">
-                <a16:creationId xmlns="" xmlns:a16="http://schemas.microsoft.com/office/drawing/2014/main" id="{C58A5409-A0DD-4267-9925-17BCB34C939B}"/>
+                <a16:creationId xmlns:a16="http://schemas.microsoft.com/office/drawing/2014/main" id="{C58A5409-A0DD-4267-9925-17BCB34C939B}"/>
               </a:ext>
             </a:extLst>
           </p:cNvPr>
@@ -1445,7 +1543,7 @@
           <p:cNvPr id="8" name="Rectangle 6">
             <a:extLst>
               <a:ext uri="{FF2B5EF4-FFF2-40B4-BE49-F238E27FC236}">
-                <a16:creationId xmlns="" xmlns:a16="http://schemas.microsoft.com/office/drawing/2014/main" id="{B0C2239C-9B9F-446B-8FD7-2836F0894AA8}"/>
+                <a16:creationId xmlns:a16="http://schemas.microsoft.com/office/drawing/2014/main" id="{B0C2239C-9B9F-446B-8FD7-2836F0894AA8}"/>
               </a:ext>
             </a:extLst>
           </p:cNvPr>
@@ -1587,7 +1685,7 @@
           <p:cNvPr id="4" name="Rectangle 4">
             <a:extLst>
               <a:ext uri="{FF2B5EF4-FFF2-40B4-BE49-F238E27FC236}">
-                <a16:creationId xmlns="" xmlns:a16="http://schemas.microsoft.com/office/drawing/2014/main" id="{37BC324B-21BF-46E8-979C-0D030E9B739A}"/>
+                <a16:creationId xmlns:a16="http://schemas.microsoft.com/office/drawing/2014/main" id="{37BC324B-21BF-46E8-979C-0D030E9B739A}"/>
               </a:ext>
             </a:extLst>
           </p:cNvPr>
@@ -1628,7 +1726,7 @@
           <p:cNvPr id="5" name="Rectangle 5">
             <a:extLst>
               <a:ext uri="{FF2B5EF4-FFF2-40B4-BE49-F238E27FC236}">
-                <a16:creationId xmlns="" xmlns:a16="http://schemas.microsoft.com/office/drawing/2014/main" id="{DDB84B02-B344-4624-87BA-EA01364FB784}"/>
+                <a16:creationId xmlns:a16="http://schemas.microsoft.com/office/drawing/2014/main" id="{DDB84B02-B344-4624-87BA-EA01364FB784}"/>
               </a:ext>
             </a:extLst>
           </p:cNvPr>
@@ -1665,7 +1763,7 @@
           <p:cNvPr id="6" name="Rectangle 6">
             <a:extLst>
               <a:ext uri="{FF2B5EF4-FFF2-40B4-BE49-F238E27FC236}">
-                <a16:creationId xmlns="" xmlns:a16="http://schemas.microsoft.com/office/drawing/2014/main" id="{C70ED082-D478-4A11-8003-89087A2F42C9}"/>
+                <a16:creationId xmlns:a16="http://schemas.microsoft.com/office/drawing/2014/main" id="{C70ED082-D478-4A11-8003-89087A2F42C9}"/>
               </a:ext>
             </a:extLst>
           </p:cNvPr>
@@ -1819,7 +1917,7 @@
           <p:cNvPr id="4" name="Rectangle 4">
             <a:extLst>
               <a:ext uri="{FF2B5EF4-FFF2-40B4-BE49-F238E27FC236}">
-                <a16:creationId xmlns="" xmlns:a16="http://schemas.microsoft.com/office/drawing/2014/main" id="{5E9577C0-2E7B-488E-A10E-3BBD17FE4AF3}"/>
+                <a16:creationId xmlns:a16="http://schemas.microsoft.com/office/drawing/2014/main" id="{5E9577C0-2E7B-488E-A10E-3BBD17FE4AF3}"/>
               </a:ext>
             </a:extLst>
           </p:cNvPr>
@@ -1860,7 +1958,7 @@
           <p:cNvPr id="5" name="Rectangle 5">
             <a:extLst>
               <a:ext uri="{FF2B5EF4-FFF2-40B4-BE49-F238E27FC236}">
-                <a16:creationId xmlns="" xmlns:a16="http://schemas.microsoft.com/office/drawing/2014/main" id="{D4B3C37B-B762-468B-BA68-1DDAF00C018E}"/>
+                <a16:creationId xmlns:a16="http://schemas.microsoft.com/office/drawing/2014/main" id="{D4B3C37B-B762-468B-BA68-1DDAF00C018E}"/>
               </a:ext>
             </a:extLst>
           </p:cNvPr>
@@ -1897,7 +1995,7 @@
           <p:cNvPr id="6" name="Rectangle 6">
             <a:extLst>
               <a:ext uri="{FF2B5EF4-FFF2-40B4-BE49-F238E27FC236}">
-                <a16:creationId xmlns="" xmlns:a16="http://schemas.microsoft.com/office/drawing/2014/main" id="{0760838C-7777-4119-88CD-4E09EC6ABAF3}"/>
+                <a16:creationId xmlns:a16="http://schemas.microsoft.com/office/drawing/2014/main" id="{0760838C-7777-4119-88CD-4E09EC6ABAF3}"/>
               </a:ext>
             </a:extLst>
           </p:cNvPr>
@@ -2041,7 +2139,7 @@
           <p:cNvPr id="4" name="Rectangle 4">
             <a:extLst>
               <a:ext uri="{FF2B5EF4-FFF2-40B4-BE49-F238E27FC236}">
-                <a16:creationId xmlns="" xmlns:a16="http://schemas.microsoft.com/office/drawing/2014/main" id="{049B014D-7241-4E18-AB5A-4C46ED058690}"/>
+                <a16:creationId xmlns:a16="http://schemas.microsoft.com/office/drawing/2014/main" id="{049B014D-7241-4E18-AB5A-4C46ED058690}"/>
               </a:ext>
             </a:extLst>
           </p:cNvPr>
@@ -2082,7 +2180,7 @@
           <p:cNvPr id="5" name="Rectangle 5">
             <a:extLst>
               <a:ext uri="{FF2B5EF4-FFF2-40B4-BE49-F238E27FC236}">
-                <a16:creationId xmlns="" xmlns:a16="http://schemas.microsoft.com/office/drawing/2014/main" id="{47722A8C-F6DB-41A2-9448-70324F8B326D}"/>
+                <a16:creationId xmlns:a16="http://schemas.microsoft.com/office/drawing/2014/main" id="{47722A8C-F6DB-41A2-9448-70324F8B326D}"/>
               </a:ext>
             </a:extLst>
           </p:cNvPr>
@@ -2119,7 +2217,7 @@
           <p:cNvPr id="6" name="Rectangle 6">
             <a:extLst>
               <a:ext uri="{FF2B5EF4-FFF2-40B4-BE49-F238E27FC236}">
-                <a16:creationId xmlns="" xmlns:a16="http://schemas.microsoft.com/office/drawing/2014/main" id="{DDCE198D-04AD-48C0-84E7-17D0BF50DC5F}"/>
+                <a16:creationId xmlns:a16="http://schemas.microsoft.com/office/drawing/2014/main" id="{DDCE198D-04AD-48C0-84E7-17D0BF50DC5F}"/>
               </a:ext>
             </a:extLst>
           </p:cNvPr>
@@ -2286,7 +2384,7 @@
           <p:cNvPr id="4" name="Rectangle 4">
             <a:extLst>
               <a:ext uri="{FF2B5EF4-FFF2-40B4-BE49-F238E27FC236}">
-                <a16:creationId xmlns="" xmlns:a16="http://schemas.microsoft.com/office/drawing/2014/main" id="{6140A0DF-FC79-4CCC-B828-C4D50483270F}"/>
+                <a16:creationId xmlns:a16="http://schemas.microsoft.com/office/drawing/2014/main" id="{6140A0DF-FC79-4CCC-B828-C4D50483270F}"/>
               </a:ext>
             </a:extLst>
           </p:cNvPr>
@@ -2327,7 +2425,7 @@
           <p:cNvPr id="5" name="Rectangle 5">
             <a:extLst>
               <a:ext uri="{FF2B5EF4-FFF2-40B4-BE49-F238E27FC236}">
-                <a16:creationId xmlns="" xmlns:a16="http://schemas.microsoft.com/office/drawing/2014/main" id="{B3CB3378-EC84-499D-8783-5F96E8F395F2}"/>
+                <a16:creationId xmlns:a16="http://schemas.microsoft.com/office/drawing/2014/main" id="{B3CB3378-EC84-499D-8783-5F96E8F395F2}"/>
               </a:ext>
             </a:extLst>
           </p:cNvPr>
@@ -2364,7 +2462,7 @@
           <p:cNvPr id="6" name="Rectangle 6">
             <a:extLst>
               <a:ext uri="{FF2B5EF4-FFF2-40B4-BE49-F238E27FC236}">
-                <a16:creationId xmlns="" xmlns:a16="http://schemas.microsoft.com/office/drawing/2014/main" id="{D6BD10CE-E746-4821-9F60-9AB249B1BD38}"/>
+                <a16:creationId xmlns:a16="http://schemas.microsoft.com/office/drawing/2014/main" id="{D6BD10CE-E746-4821-9F60-9AB249B1BD38}"/>
               </a:ext>
             </a:extLst>
           </p:cNvPr>
@@ -2625,7 +2723,7 @@
           <p:cNvPr id="5" name="Rectangle 4">
             <a:extLst>
               <a:ext uri="{FF2B5EF4-FFF2-40B4-BE49-F238E27FC236}">
-                <a16:creationId xmlns="" xmlns:a16="http://schemas.microsoft.com/office/drawing/2014/main" id="{1A6810D0-2ACA-402F-B6BE-1FEC9EC74019}"/>
+                <a16:creationId xmlns:a16="http://schemas.microsoft.com/office/drawing/2014/main" id="{1A6810D0-2ACA-402F-B6BE-1FEC9EC74019}"/>
               </a:ext>
             </a:extLst>
           </p:cNvPr>
@@ -2666,7 +2764,7 @@
           <p:cNvPr id="6" name="Rectangle 5">
             <a:extLst>
               <a:ext uri="{FF2B5EF4-FFF2-40B4-BE49-F238E27FC236}">
-                <a16:creationId xmlns="" xmlns:a16="http://schemas.microsoft.com/office/drawing/2014/main" id="{8BF396A8-A290-48E2-A3E8-03A0A0056749}"/>
+                <a16:creationId xmlns:a16="http://schemas.microsoft.com/office/drawing/2014/main" id="{8BF396A8-A290-48E2-A3E8-03A0A0056749}"/>
               </a:ext>
             </a:extLst>
           </p:cNvPr>
@@ -2703,7 +2801,7 @@
           <p:cNvPr id="7" name="Rectangle 6">
             <a:extLst>
               <a:ext uri="{FF2B5EF4-FFF2-40B4-BE49-F238E27FC236}">
-                <a16:creationId xmlns="" xmlns:a16="http://schemas.microsoft.com/office/drawing/2014/main" id="{87051A76-03F9-4828-B950-7A2D88B17274}"/>
+                <a16:creationId xmlns:a16="http://schemas.microsoft.com/office/drawing/2014/main" id="{87051A76-03F9-4828-B950-7A2D88B17274}"/>
               </a:ext>
             </a:extLst>
           </p:cNvPr>
@@ -3103,7 +3201,7 @@
           <p:cNvPr id="7" name="Rectangle 4">
             <a:extLst>
               <a:ext uri="{FF2B5EF4-FFF2-40B4-BE49-F238E27FC236}">
-                <a16:creationId xmlns="" xmlns:a16="http://schemas.microsoft.com/office/drawing/2014/main" id="{AF525112-F03B-4073-BAC4-872C33216E32}"/>
+                <a16:creationId xmlns:a16="http://schemas.microsoft.com/office/drawing/2014/main" id="{AF525112-F03B-4073-BAC4-872C33216E32}"/>
               </a:ext>
             </a:extLst>
           </p:cNvPr>
@@ -3144,7 +3242,7 @@
           <p:cNvPr id="8" name="Rectangle 5">
             <a:extLst>
               <a:ext uri="{FF2B5EF4-FFF2-40B4-BE49-F238E27FC236}">
-                <a16:creationId xmlns="" xmlns:a16="http://schemas.microsoft.com/office/drawing/2014/main" id="{C7C32BD4-CE63-4425-BE82-11E5CC1F4AF0}"/>
+                <a16:creationId xmlns:a16="http://schemas.microsoft.com/office/drawing/2014/main" id="{C7C32BD4-CE63-4425-BE82-11E5CC1F4AF0}"/>
               </a:ext>
             </a:extLst>
           </p:cNvPr>
@@ -3181,7 +3279,7 @@
           <p:cNvPr id="9" name="Rectangle 6">
             <a:extLst>
               <a:ext uri="{FF2B5EF4-FFF2-40B4-BE49-F238E27FC236}">
-                <a16:creationId xmlns="" xmlns:a16="http://schemas.microsoft.com/office/drawing/2014/main" id="{1D1371EF-C441-4B96-A23A-A7AC3C829D04}"/>
+                <a16:creationId xmlns:a16="http://schemas.microsoft.com/office/drawing/2014/main" id="{1D1371EF-C441-4B96-A23A-A7AC3C829D04}"/>
               </a:ext>
             </a:extLst>
           </p:cNvPr>
@@ -3274,7 +3372,7 @@
           <p:cNvPr id="3" name="Rectangle 4">
             <a:extLst>
               <a:ext uri="{FF2B5EF4-FFF2-40B4-BE49-F238E27FC236}">
-                <a16:creationId xmlns="" xmlns:a16="http://schemas.microsoft.com/office/drawing/2014/main" id="{81744BEC-618E-4446-8389-33E024CB658B}"/>
+                <a16:creationId xmlns:a16="http://schemas.microsoft.com/office/drawing/2014/main" id="{81744BEC-618E-4446-8389-33E024CB658B}"/>
               </a:ext>
             </a:extLst>
           </p:cNvPr>
@@ -3315,7 +3413,7 @@
           <p:cNvPr id="4" name="Rectangle 5">
             <a:extLst>
               <a:ext uri="{FF2B5EF4-FFF2-40B4-BE49-F238E27FC236}">
-                <a16:creationId xmlns="" xmlns:a16="http://schemas.microsoft.com/office/drawing/2014/main" id="{1474A5BD-30F3-4C7E-AC68-5C45BA919BA0}"/>
+                <a16:creationId xmlns:a16="http://schemas.microsoft.com/office/drawing/2014/main" id="{1474A5BD-30F3-4C7E-AC68-5C45BA919BA0}"/>
               </a:ext>
             </a:extLst>
           </p:cNvPr>
@@ -3352,7 +3450,7 @@
           <p:cNvPr id="5" name="Rectangle 6">
             <a:extLst>
               <a:ext uri="{FF2B5EF4-FFF2-40B4-BE49-F238E27FC236}">
-                <a16:creationId xmlns="" xmlns:a16="http://schemas.microsoft.com/office/drawing/2014/main" id="{F4CE630B-0F4B-4B03-9D85-7E9166752E52}"/>
+                <a16:creationId xmlns:a16="http://schemas.microsoft.com/office/drawing/2014/main" id="{F4CE630B-0F4B-4B03-9D85-7E9166752E52}"/>
               </a:ext>
             </a:extLst>
           </p:cNvPr>
@@ -3423,7 +3521,7 @@
           <p:cNvPr id="2" name="Rectangle 4">
             <a:extLst>
               <a:ext uri="{FF2B5EF4-FFF2-40B4-BE49-F238E27FC236}">
-                <a16:creationId xmlns="" xmlns:a16="http://schemas.microsoft.com/office/drawing/2014/main" id="{9423D919-F1A7-419D-BDFF-8FCEE374561D}"/>
+                <a16:creationId xmlns:a16="http://schemas.microsoft.com/office/drawing/2014/main" id="{9423D919-F1A7-419D-BDFF-8FCEE374561D}"/>
               </a:ext>
             </a:extLst>
           </p:cNvPr>
@@ -3464,7 +3562,7 @@
           <p:cNvPr id="3" name="Rectangle 5">
             <a:extLst>
               <a:ext uri="{FF2B5EF4-FFF2-40B4-BE49-F238E27FC236}">
-                <a16:creationId xmlns="" xmlns:a16="http://schemas.microsoft.com/office/drawing/2014/main" id="{F24FA310-1868-40EB-8CC9-3E57A5D01C61}"/>
+                <a16:creationId xmlns:a16="http://schemas.microsoft.com/office/drawing/2014/main" id="{F24FA310-1868-40EB-8CC9-3E57A5D01C61}"/>
               </a:ext>
             </a:extLst>
           </p:cNvPr>
@@ -3501,7 +3599,7 @@
           <p:cNvPr id="4" name="Rectangle 6">
             <a:extLst>
               <a:ext uri="{FF2B5EF4-FFF2-40B4-BE49-F238E27FC236}">
-                <a16:creationId xmlns="" xmlns:a16="http://schemas.microsoft.com/office/drawing/2014/main" id="{4988301E-8CFE-43F6-A5AC-3F956931AC00}"/>
+                <a16:creationId xmlns:a16="http://schemas.microsoft.com/office/drawing/2014/main" id="{4988301E-8CFE-43F6-A5AC-3F956931AC00}"/>
               </a:ext>
             </a:extLst>
           </p:cNvPr>
@@ -3752,7 +3850,7 @@
           <p:cNvPr id="5" name="Rectangle 4">
             <a:extLst>
               <a:ext uri="{FF2B5EF4-FFF2-40B4-BE49-F238E27FC236}">
-                <a16:creationId xmlns="" xmlns:a16="http://schemas.microsoft.com/office/drawing/2014/main" id="{5AB9D794-1AD6-4F84-A1B1-9D5E26F6C0DF}"/>
+                <a16:creationId xmlns:a16="http://schemas.microsoft.com/office/drawing/2014/main" id="{5AB9D794-1AD6-4F84-A1B1-9D5E26F6C0DF}"/>
               </a:ext>
             </a:extLst>
           </p:cNvPr>
@@ -3793,7 +3891,7 @@
           <p:cNvPr id="6" name="Rectangle 5">
             <a:extLst>
               <a:ext uri="{FF2B5EF4-FFF2-40B4-BE49-F238E27FC236}">
-                <a16:creationId xmlns="" xmlns:a16="http://schemas.microsoft.com/office/drawing/2014/main" id="{B01753F8-35B8-4FA7-B585-B8230C5EDF7A}"/>
+                <a16:creationId xmlns:a16="http://schemas.microsoft.com/office/drawing/2014/main" id="{B01753F8-35B8-4FA7-B585-B8230C5EDF7A}"/>
               </a:ext>
             </a:extLst>
           </p:cNvPr>
@@ -3830,7 +3928,7 @@
           <p:cNvPr id="7" name="Rectangle 6">
             <a:extLst>
               <a:ext uri="{FF2B5EF4-FFF2-40B4-BE49-F238E27FC236}">
-                <a16:creationId xmlns="" xmlns:a16="http://schemas.microsoft.com/office/drawing/2014/main" id="{3647C9DE-8024-47FA-9275-DDACB077EB36}"/>
+                <a16:creationId xmlns:a16="http://schemas.microsoft.com/office/drawing/2014/main" id="{3647C9DE-8024-47FA-9275-DDACB077EB36}"/>
               </a:ext>
             </a:extLst>
           </p:cNvPr>
@@ -4059,7 +4157,7 @@
           <p:cNvPr id="5" name="Rectangle 4">
             <a:extLst>
               <a:ext uri="{FF2B5EF4-FFF2-40B4-BE49-F238E27FC236}">
-                <a16:creationId xmlns="" xmlns:a16="http://schemas.microsoft.com/office/drawing/2014/main" id="{E1F19CE6-5EFD-43DC-8341-C001D1EC7334}"/>
+                <a16:creationId xmlns:a16="http://schemas.microsoft.com/office/drawing/2014/main" id="{E1F19CE6-5EFD-43DC-8341-C001D1EC7334}"/>
               </a:ext>
             </a:extLst>
           </p:cNvPr>
@@ -4100,7 +4198,7 @@
           <p:cNvPr id="6" name="Rectangle 5">
             <a:extLst>
               <a:ext uri="{FF2B5EF4-FFF2-40B4-BE49-F238E27FC236}">
-                <a16:creationId xmlns="" xmlns:a16="http://schemas.microsoft.com/office/drawing/2014/main" id="{4831FE9B-DC75-48EA-B7D3-BE027C625E13}"/>
+                <a16:creationId xmlns:a16="http://schemas.microsoft.com/office/drawing/2014/main" id="{4831FE9B-DC75-48EA-B7D3-BE027C625E13}"/>
               </a:ext>
             </a:extLst>
           </p:cNvPr>
@@ -4137,7 +4235,7 @@
           <p:cNvPr id="7" name="Rectangle 6">
             <a:extLst>
               <a:ext uri="{FF2B5EF4-FFF2-40B4-BE49-F238E27FC236}">
-                <a16:creationId xmlns="" xmlns:a16="http://schemas.microsoft.com/office/drawing/2014/main" id="{1D344D9F-8881-4D4F-98DD-72F9F62D83E1}"/>
+                <a16:creationId xmlns:a16="http://schemas.microsoft.com/office/drawing/2014/main" id="{1D344D9F-8881-4D4F-98DD-72F9F62D83E1}"/>
               </a:ext>
             </a:extLst>
           </p:cNvPr>
@@ -4216,7 +4314,7 @@
           <p:cNvPr id="1026" name="Rectangle 2">
             <a:extLst>
               <a:ext uri="{FF2B5EF4-FFF2-40B4-BE49-F238E27FC236}">
-                <a16:creationId xmlns="" xmlns:a16="http://schemas.microsoft.com/office/drawing/2014/main" id="{D7261492-9218-424C-9F14-3630BCD89A53}"/>
+                <a16:creationId xmlns:a16="http://schemas.microsoft.com/office/drawing/2014/main" id="{D7261492-9218-424C-9F14-3630BCD89A53}"/>
               </a:ext>
             </a:extLst>
           </p:cNvPr>
@@ -4280,7 +4378,7 @@
           <p:cNvPr id="1027" name="Rectangle 3">
             <a:extLst>
               <a:ext uri="{FF2B5EF4-FFF2-40B4-BE49-F238E27FC236}">
-                <a16:creationId xmlns="" xmlns:a16="http://schemas.microsoft.com/office/drawing/2014/main" id="{586D1FB6-B989-45DC-8A27-73391A5015EE}"/>
+                <a16:creationId xmlns:a16="http://schemas.microsoft.com/office/drawing/2014/main" id="{586D1FB6-B989-45DC-8A27-73391A5015EE}"/>
               </a:ext>
             </a:extLst>
           </p:cNvPr>
@@ -4372,7 +4470,7 @@
           <p:cNvPr id="184324" name="Rectangle 4">
             <a:extLst>
               <a:ext uri="{FF2B5EF4-FFF2-40B4-BE49-F238E27FC236}">
-                <a16:creationId xmlns="" xmlns:a16="http://schemas.microsoft.com/office/drawing/2014/main" id="{D64214E5-B94E-4E3B-A185-6D49F6004B8E}"/>
+                <a16:creationId xmlns:a16="http://schemas.microsoft.com/office/drawing/2014/main" id="{D64214E5-B94E-4E3B-A185-6D49F6004B8E}"/>
               </a:ext>
             </a:extLst>
           </p:cNvPr>
@@ -4433,7 +4531,7 @@
           <p:cNvPr id="184325" name="Rectangle 5">
             <a:extLst>
               <a:ext uri="{FF2B5EF4-FFF2-40B4-BE49-F238E27FC236}">
-                <a16:creationId xmlns="" xmlns:a16="http://schemas.microsoft.com/office/drawing/2014/main" id="{6445AC17-FD62-474A-81A5-1F634F7AB540}"/>
+                <a16:creationId xmlns:a16="http://schemas.microsoft.com/office/drawing/2014/main" id="{6445AC17-FD62-474A-81A5-1F634F7AB540}"/>
               </a:ext>
             </a:extLst>
           </p:cNvPr>
@@ -4490,7 +4588,7 @@
           <p:cNvPr id="184326" name="Rectangle 6">
             <a:extLst>
               <a:ext uri="{FF2B5EF4-FFF2-40B4-BE49-F238E27FC236}">
-                <a16:creationId xmlns="" xmlns:a16="http://schemas.microsoft.com/office/drawing/2014/main" id="{DE84DF5B-2093-4567-8988-316B46575C74}"/>
+                <a16:creationId xmlns:a16="http://schemas.microsoft.com/office/drawing/2014/main" id="{DE84DF5B-2093-4567-8988-316B46575C74}"/>
               </a:ext>
             </a:extLst>
           </p:cNvPr>
@@ -4551,7 +4649,7 @@
           <p:cNvPr id="1031" name="Freeform 7">
             <a:extLst>
               <a:ext uri="{FF2B5EF4-FFF2-40B4-BE49-F238E27FC236}">
-                <a16:creationId xmlns="" xmlns:a16="http://schemas.microsoft.com/office/drawing/2014/main" id="{1045231D-3107-4D0F-B6B9-84A7137E8DC3}"/>
+                <a16:creationId xmlns:a16="http://schemas.microsoft.com/office/drawing/2014/main" id="{1045231D-3107-4D0F-B6B9-84A7137E8DC3}"/>
               </a:ext>
             </a:extLst>
           </p:cNvPr>
@@ -4638,7 +4736,7 @@
           <p:cNvPr id="1032" name="Line 8">
             <a:extLst>
               <a:ext uri="{FF2B5EF4-FFF2-40B4-BE49-F238E27FC236}">
-                <a16:creationId xmlns="" xmlns:a16="http://schemas.microsoft.com/office/drawing/2014/main" id="{5CBE764C-7F1D-41CE-B35C-C16E8D74705D}"/>
+                <a16:creationId xmlns:a16="http://schemas.microsoft.com/office/drawing/2014/main" id="{5CBE764C-7F1D-41CE-B35C-C16E8D74705D}"/>
               </a:ext>
             </a:extLst>
           </p:cNvPr>
@@ -5133,7 +5231,7 @@
           <p:cNvPr id="5122" name="Rectangle 2">
             <a:extLst>
               <a:ext uri="{FF2B5EF4-FFF2-40B4-BE49-F238E27FC236}">
-                <a16:creationId xmlns="" xmlns:a16="http://schemas.microsoft.com/office/drawing/2014/main" id="{FAB6A4D5-CC55-4B47-B964-4430E6BA7792}"/>
+                <a16:creationId xmlns:a16="http://schemas.microsoft.com/office/drawing/2014/main" id="{FAB6A4D5-CC55-4B47-B964-4430E6BA7792}"/>
               </a:ext>
             </a:extLst>
           </p:cNvPr>
@@ -5151,7 +5249,7 @@
           <a:p>
             <a:pPr eaLnBrk="1" hangingPunct="1"/>
             <a:r>
-              <a:rPr lang="en-US" altLang="zh-CN" sz="4600" b="1" dirty="0" smtClean="0">
+              <a:rPr lang="en-US" altLang="zh-CN" sz="4600" b="1" dirty="0">
                 <a:ea typeface="新細明體" panose="02020500000000000000" pitchFamily="18" charset="-120"/>
               </a:rPr>
               <a:t>16-Steps Sequencer and Synthesizer</a:t>
@@ -5167,7 +5265,7 @@
           <p:cNvPr id="5123" name="Rectangle 3">
             <a:extLst>
               <a:ext uri="{FF2B5EF4-FFF2-40B4-BE49-F238E27FC236}">
-                <a16:creationId xmlns="" xmlns:a16="http://schemas.microsoft.com/office/drawing/2014/main" id="{5EABE032-D161-4123-841F-A13306CACD14}"/>
+                <a16:creationId xmlns:a16="http://schemas.microsoft.com/office/drawing/2014/main" id="{5EABE032-D161-4123-841F-A13306CACD14}"/>
               </a:ext>
             </a:extLst>
           </p:cNvPr>
@@ -5195,18 +5293,10 @@
                 <a:ea typeface="新細明體" panose="02020500000000000000" pitchFamily="18" charset="-120"/>
                 <a:cs typeface="Times New Roman" panose="02020603050405020304" pitchFamily="18" charset="0"/>
               </a:rPr>
-              <a:t>Zhuowen </a:t>
-            </a:r>
-            <a:r>
-              <a:rPr lang="en-US" altLang="zh-TW" b="1" dirty="0" smtClean="0">
-                <a:latin typeface="Times New Roman" panose="02020603050405020304" pitchFamily="18" charset="0"/>
-                <a:ea typeface="新細明體" panose="02020500000000000000" pitchFamily="18" charset="-120"/>
-                <a:cs typeface="Times New Roman" panose="02020603050405020304" pitchFamily="18" charset="0"/>
-              </a:rPr>
-              <a:t>Lin &amp; </a:t>
-            </a:r>
-            <a:r>
-              <a:rPr lang="en-US" altLang="zh-TW" b="1" dirty="0" err="1" smtClean="0">
+              <a:t>Zhuowen Lin &amp; </a:t>
+            </a:r>
+            <a:r>
+              <a:rPr lang="en-US" altLang="zh-TW" b="1" dirty="0" err="1">
                 <a:latin typeface="Times New Roman" panose="02020603050405020304" pitchFamily="18" charset="0"/>
                 <a:ea typeface="新細明體" panose="02020500000000000000" pitchFamily="18" charset="-120"/>
                 <a:cs typeface="Times New Roman" panose="02020603050405020304" pitchFamily="18" charset="0"/>
@@ -5214,7 +5304,7 @@
               <a:t>Jinyue</a:t>
             </a:r>
             <a:r>
-              <a:rPr lang="en-US" altLang="zh-TW" b="1" dirty="0" smtClean="0">
+              <a:rPr lang="en-US" altLang="zh-TW" b="1" dirty="0">
                 <a:latin typeface="Times New Roman" panose="02020603050405020304" pitchFamily="18" charset="0"/>
                 <a:ea typeface="新細明體" panose="02020500000000000000" pitchFamily="18" charset="-120"/>
                 <a:cs typeface="Times New Roman" panose="02020603050405020304" pitchFamily="18" charset="0"/>
@@ -5222,7 +5312,7 @@
               <a:t> </a:t>
             </a:r>
             <a:r>
-              <a:rPr lang="en-US" altLang="zh-TW" b="1" dirty="0" err="1" smtClean="0">
+              <a:rPr lang="en-US" altLang="zh-TW" b="1" dirty="0" err="1">
                 <a:latin typeface="Times New Roman" panose="02020603050405020304" pitchFamily="18" charset="0"/>
                 <a:ea typeface="新細明體" panose="02020500000000000000" pitchFamily="18" charset="-120"/>
                 <a:cs typeface="Times New Roman" panose="02020603050405020304" pitchFamily="18" charset="0"/>
@@ -5238,18 +5328,13 @@
           <a:p>
             <a:pPr eaLnBrk="1" hangingPunct="1"/>
             <a:r>
-              <a:rPr lang="en-US" altLang="zh-TW" b="1" dirty="0" smtClean="0">
+              <a:rPr lang="en-US" altLang="zh-TW" b="1" dirty="0">
                 <a:latin typeface="Times New Roman" panose="02020603050405020304" pitchFamily="18" charset="0"/>
                 <a:ea typeface="新細明體" panose="02020500000000000000" pitchFamily="18" charset="-120"/>
                 <a:cs typeface="Times New Roman" panose="02020603050405020304" pitchFamily="18" charset="0"/>
               </a:rPr>
               <a:t>11510818 &amp; 11510478</a:t>
             </a:r>
-            <a:endParaRPr lang="en-US" altLang="zh-TW" b="1" dirty="0">
-              <a:latin typeface="Times New Roman" panose="02020603050405020304" pitchFamily="18" charset="0"/>
-              <a:ea typeface="新細明體" panose="02020500000000000000" pitchFamily="18" charset="-120"/>
-              <a:cs typeface="Times New Roman" panose="02020603050405020304" pitchFamily="18" charset="0"/>
-            </a:endParaRPr>
           </a:p>
           <a:p>
             <a:pPr eaLnBrk="1" hangingPunct="1"/>
@@ -5282,7 +5367,7 @@
           <p:cNvPr id="2" name="日期版面配置區 1">
             <a:extLst>
               <a:ext uri="{FF2B5EF4-FFF2-40B4-BE49-F238E27FC236}">
-                <a16:creationId xmlns="" xmlns:a16="http://schemas.microsoft.com/office/drawing/2014/main" id="{5E073E5D-FF66-46A7-AA04-D9EA500CB10B}"/>
+                <a16:creationId xmlns:a16="http://schemas.microsoft.com/office/drawing/2014/main" id="{5E073E5D-FF66-46A7-AA04-D9EA500CB10B}"/>
               </a:ext>
             </a:extLst>
           </p:cNvPr>
@@ -5317,13 +5402,6 @@
   <p:clrMapOvr>
     <a:masterClrMapping/>
   </p:clrMapOvr>
-  <p:timing>
-    <p:tnLst>
-      <p:par>
-        <p:cTn id="1" dur="indefinite" restart="never" nodeType="tmRoot"/>
-      </p:par>
-    </p:tnLst>
-  </p:timing>
 </p:sld>
 </file>
 
@@ -5349,7 +5427,7 @@
           <p:cNvPr id="13314" name="Title 1">
             <a:extLst>
               <a:ext uri="{FF2B5EF4-FFF2-40B4-BE49-F238E27FC236}">
-                <a16:creationId xmlns="" xmlns:a16="http://schemas.microsoft.com/office/drawing/2014/main" id="{A3FB24C1-DD16-4D31-96FE-40461E6C9FF3}"/>
+                <a16:creationId xmlns:a16="http://schemas.microsoft.com/office/drawing/2014/main" id="{A3FB24C1-DD16-4D31-96FE-40461E6C9FF3}"/>
               </a:ext>
             </a:extLst>
           </p:cNvPr>
@@ -5372,16 +5450,10 @@
           <a:p>
             <a:pPr eaLnBrk="1" hangingPunct="1"/>
             <a:r>
-              <a:rPr lang="en-US" altLang="zh-CN" b="1" dirty="0" smtClean="0">
+              <a:rPr lang="en-US" altLang="zh-CN" b="1" dirty="0">
                 <a:ea typeface="新細明體" panose="02020500000000000000" pitchFamily="18" charset="-120"/>
               </a:rPr>
               <a:t>Counter – Tone / Switch Tracker</a:t>
-            </a:r>
-            <a:r>
-              <a:rPr lang="en-US" altLang="zh-TW" b="1" dirty="0">
-                <a:ea typeface="新細明體" panose="02020500000000000000" pitchFamily="18" charset="-120"/>
-              </a:rPr>
-              <a:t/>
             </a:r>
             <a:br>
               <a:rPr lang="en-US" altLang="zh-TW" b="1" dirty="0">
@@ -5399,7 +5471,7 @@
           <p:cNvPr id="2" name="日期版面配置區 1">
             <a:extLst>
               <a:ext uri="{FF2B5EF4-FFF2-40B4-BE49-F238E27FC236}">
-                <a16:creationId xmlns="" xmlns:a16="http://schemas.microsoft.com/office/drawing/2014/main" id="{EBBA9EE1-CF91-48B5-A5FC-39944E1C0D91}"/>
+                <a16:creationId xmlns:a16="http://schemas.microsoft.com/office/drawing/2014/main" id="{EBBA9EE1-CF91-48B5-A5FC-39944E1C0D91}"/>
               </a:ext>
             </a:extLst>
           </p:cNvPr>
@@ -5434,7 +5506,7 @@
           <p:cNvPr id="9" name="Content Placeholder 2">
             <a:extLst>
               <a:ext uri="{FF2B5EF4-FFF2-40B4-BE49-F238E27FC236}">
-                <a16:creationId xmlns="" xmlns:a16="http://schemas.microsoft.com/office/drawing/2014/main" xmlns:a14="http://schemas.microsoft.com/office/drawing/2010/main" xmlns:mc="http://schemas.openxmlformats.org/markup-compatibility/2006" id="{F5C80A76-C6C0-4B40-B6C8-C5CC24D58369}"/>
+                <a16:creationId xmlns:a16="http://schemas.microsoft.com/office/drawing/2014/main" id="{F5C80A76-C6C0-4B40-B6C8-C5CC24D58369}"/>
               </a:ext>
             </a:extLst>
           </p:cNvPr>
@@ -5668,7 +5740,7 @@
           <a:p>
             <a:pPr eaLnBrk="1" hangingPunct="1"/>
             <a:r>
-              <a:rPr lang="en-US" altLang="zh-CN" sz="2100" kern="0" dirty="0" smtClean="0">
+              <a:rPr lang="en-US" altLang="zh-CN" sz="2100" kern="0" dirty="0">
                 <a:ea typeface="新細明體" panose="02020500000000000000" pitchFamily="18" charset="-120"/>
               </a:rPr>
               <a:t>Keep track of the tone</a:t>
@@ -5677,7 +5749,7 @@
           <a:p>
             <a:pPr lvl="1" eaLnBrk="1" hangingPunct="1"/>
             <a:r>
-              <a:rPr lang="en-US" altLang="zh-CN" sz="1700" kern="0" dirty="0" smtClean="0">
+              <a:rPr lang="en-US" altLang="zh-CN" sz="1700" kern="0" dirty="0">
                 <a:ea typeface="新細明體" panose="02020500000000000000" pitchFamily="18" charset="-120"/>
               </a:rPr>
               <a:t>Speaker knows which tone to be played</a:t>
@@ -5686,7 +5758,7 @@
           <a:p>
             <a:pPr lvl="1" eaLnBrk="1" hangingPunct="1"/>
             <a:r>
-              <a:rPr lang="en-US" altLang="zh-CN" sz="1700" kern="0" dirty="0" smtClean="0">
+              <a:rPr lang="en-US" altLang="zh-CN" sz="1700" kern="0" dirty="0">
                 <a:ea typeface="新細明體" panose="02020500000000000000" pitchFamily="18" charset="-120"/>
               </a:rPr>
               <a:t>Seven segment display knows which number to be displayed</a:t>
@@ -5695,7 +5767,7 @@
           <a:p>
             <a:pPr eaLnBrk="1" hangingPunct="1"/>
             <a:r>
-              <a:rPr lang="en-US" altLang="zh-CN" sz="2100" kern="0" dirty="0" smtClean="0">
+              <a:rPr lang="en-US" altLang="zh-CN" sz="2100" kern="0" dirty="0">
                 <a:ea typeface="新細明體" panose="02020500000000000000" pitchFamily="18" charset="-120"/>
               </a:rPr>
               <a:t>Keep track of the switch</a:t>
@@ -5704,7 +5776,7 @@
           <a:p>
             <a:pPr lvl="1" eaLnBrk="1" hangingPunct="1"/>
             <a:r>
-              <a:rPr lang="en-US" altLang="zh-CN" sz="1700" kern="0" dirty="0" smtClean="0">
+              <a:rPr lang="en-US" altLang="zh-CN" sz="1700" kern="0" dirty="0">
                 <a:ea typeface="新細明體" panose="02020500000000000000" pitchFamily="18" charset="-120"/>
               </a:rPr>
               <a:t>Speaker knows which switch position to be played</a:t>
@@ -5713,7 +5785,7 @@
           <a:p>
             <a:pPr lvl="1" eaLnBrk="1" hangingPunct="1"/>
             <a:r>
-              <a:rPr lang="en-US" altLang="zh-CN" sz="1700" kern="0" dirty="0" smtClean="0">
+              <a:rPr lang="en-US" altLang="zh-CN" sz="1700" kern="0" dirty="0">
                 <a:ea typeface="新細明體" panose="02020500000000000000" pitchFamily="18" charset="-120"/>
               </a:rPr>
               <a:t>Counter increasing speed: BPM</a:t>
@@ -5722,7 +5794,7 @@
           <a:p>
             <a:pPr eaLnBrk="1" hangingPunct="1"/>
             <a:r>
-              <a:rPr lang="en-US" altLang="zh-CN" sz="2100" kern="0" dirty="0" smtClean="0">
+              <a:rPr lang="en-US" altLang="zh-CN" sz="2100" kern="0" dirty="0">
                 <a:ea typeface="新細明體" panose="02020500000000000000" pitchFamily="18" charset="-120"/>
               </a:rPr>
               <a:t>T flip-flop</a:t>
@@ -5734,13 +5806,13 @@
           <a:p>
             <a:pPr lvl="1" eaLnBrk="1" hangingPunct="1"/>
             <a:r>
-              <a:rPr lang="en-US" altLang="zh-CN" sz="1700" kern="0" dirty="0" smtClean="0">
+              <a:rPr lang="en-US" altLang="zh-CN" sz="1700" kern="0" dirty="0">
                 <a:ea typeface="新細明體" panose="02020500000000000000" pitchFamily="18" charset="-120"/>
               </a:rPr>
               <a:t>4 bits </a:t>
             </a:r>
             <a:r>
-              <a:rPr lang="en-US" altLang="zh-CN" sz="1700" kern="0" dirty="0" smtClean="0">
+              <a:rPr lang="en-US" altLang="zh-CN" sz="1700" kern="0" dirty="0">
                 <a:ea typeface="新細明體" panose="02020500000000000000" pitchFamily="18" charset="-120"/>
                 <a:sym typeface="Wingdings" panose="05000000000000000000" pitchFamily="2" charset="2"/>
               </a:rPr>
@@ -5750,67 +5822,32 @@
           <a:p>
             <a:pPr lvl="1" eaLnBrk="1" hangingPunct="1"/>
             <a:r>
-              <a:rPr lang="en-US" altLang="zh-CN" sz="1700" kern="0" dirty="0" smtClean="0">
-                <a:ea typeface="新細明體" panose="02020500000000000000" pitchFamily="18" charset="-120"/>
-                <a:sym typeface="Wingdings" panose="05000000000000000000" pitchFamily="2" charset="2"/>
-              </a:rPr>
-              <a:t>Least </a:t>
-            </a:r>
-            <a:r>
               <a:rPr lang="en-US" altLang="zh-CN" sz="1700" kern="0" dirty="0">
                 <a:ea typeface="新細明體" panose="02020500000000000000" pitchFamily="18" charset="-120"/>
                 <a:sym typeface="Wingdings" panose="05000000000000000000" pitchFamily="2" charset="2"/>
               </a:rPr>
-              <a:t>significant </a:t>
-            </a:r>
-            <a:r>
-              <a:rPr lang="en-US" altLang="zh-CN" sz="1700" kern="0" dirty="0" smtClean="0">
-                <a:ea typeface="新細明體" panose="02020500000000000000" pitchFamily="18" charset="-120"/>
-                <a:sym typeface="Wingdings" panose="05000000000000000000" pitchFamily="2" charset="2"/>
-              </a:rPr>
-              <a:t>bit: toggle </a:t>
-            </a:r>
+              <a:t>Least significant bit: toggle each time</a:t>
+            </a:r>
+          </a:p>
+          <a:p>
+            <a:pPr lvl="1" eaLnBrk="1" hangingPunct="1"/>
             <a:r>
               <a:rPr lang="en-US" altLang="zh-CN" sz="1700" kern="0" dirty="0">
                 <a:ea typeface="新細明體" panose="02020500000000000000" pitchFamily="18" charset="-120"/>
                 <a:sym typeface="Wingdings" panose="05000000000000000000" pitchFamily="2" charset="2"/>
               </a:rPr>
-              <a:t>each </a:t>
-            </a:r>
-            <a:r>
-              <a:rPr lang="en-US" altLang="zh-CN" sz="1700" kern="0" dirty="0" smtClean="0">
-                <a:ea typeface="新細明體" panose="02020500000000000000" pitchFamily="18" charset="-120"/>
-                <a:sym typeface="Wingdings" panose="05000000000000000000" pitchFamily="2" charset="2"/>
-              </a:rPr>
-              <a:t>time</a:t>
+              <a:t>The other bits: toggle when all of bits below them are equal to one. </a:t>
             </a:r>
           </a:p>
           <a:p>
             <a:pPr lvl="1" eaLnBrk="1" hangingPunct="1"/>
-            <a:r>
-              <a:rPr lang="en-US" altLang="zh-CN" sz="1700" kern="0" dirty="0" smtClean="0">
-                <a:ea typeface="新細明體" panose="02020500000000000000" pitchFamily="18" charset="-120"/>
-                <a:sym typeface="Wingdings" panose="05000000000000000000" pitchFamily="2" charset="2"/>
-              </a:rPr>
-              <a:t>The other bits: toggle when all </a:t>
-            </a:r>
-            <a:r>
-              <a:rPr lang="en-US" altLang="zh-CN" sz="1700" kern="0" dirty="0">
-                <a:ea typeface="新細明體" panose="02020500000000000000" pitchFamily="18" charset="-120"/>
-                <a:sym typeface="Wingdings" panose="05000000000000000000" pitchFamily="2" charset="2"/>
-              </a:rPr>
-              <a:t>of bits below them are equal to one. </a:t>
-            </a:r>
-          </a:p>
-          <a:p>
-            <a:pPr lvl="1" eaLnBrk="1" hangingPunct="1"/>
-            <a:endParaRPr lang="en-US" altLang="zh-CN" sz="1700" kern="0" dirty="0" smtClean="0">
+            <a:endParaRPr lang="en-US" altLang="zh-CN" sz="1700" kern="0" dirty="0">
               <a:ea typeface="新細明體" panose="02020500000000000000" pitchFamily="18" charset="-120"/>
             </a:endParaRPr>
           </a:p>
           <a:p>
             <a:pPr lvl="1" eaLnBrk="1" hangingPunct="1"/>
-            <a:endParaRPr lang="en-US" altLang="zh-CN" sz="1700" kern="0" dirty="0" smtClean="0">
+            <a:endParaRPr lang="en-US" altLang="zh-CN" sz="1700" kern="0" dirty="0">
               <a:ea typeface="新細明體" panose="02020500000000000000" pitchFamily="18" charset="-120"/>
             </a:endParaRPr>
           </a:p>
@@ -5821,7 +5858,7 @@
           <p:cNvPr id="6" name="頁尾版面配置區 2">
             <a:extLst>
               <a:ext uri="{FF2B5EF4-FFF2-40B4-BE49-F238E27FC236}">
-                <a16:creationId xmlns="" xmlns:a16="http://schemas.microsoft.com/office/drawing/2014/main" id="{61D255B9-2D4F-4013-951E-B50709A0B821}"/>
+                <a16:creationId xmlns:a16="http://schemas.microsoft.com/office/drawing/2014/main" id="{61D255B9-2D4F-4013-951E-B50709A0B821}"/>
               </a:ext>
             </a:extLst>
           </p:cNvPr>
@@ -5863,13 +5900,6 @@
   <p:clrMapOvr>
     <a:masterClrMapping/>
   </p:clrMapOvr>
-  <p:timing>
-    <p:tnLst>
-      <p:par>
-        <p:cTn id="1" dur="indefinite" restart="never" nodeType="tmRoot"/>
-      </p:par>
-    </p:tnLst>
-  </p:timing>
 </p:sld>
 </file>
 
@@ -5895,7 +5925,7 @@
           <p:cNvPr id="13314" name="Title 1">
             <a:extLst>
               <a:ext uri="{FF2B5EF4-FFF2-40B4-BE49-F238E27FC236}">
-                <a16:creationId xmlns="" xmlns:a16="http://schemas.microsoft.com/office/drawing/2014/main" id="{A3FB24C1-DD16-4D31-96FE-40461E6C9FF3}"/>
+                <a16:creationId xmlns:a16="http://schemas.microsoft.com/office/drawing/2014/main" id="{A3FB24C1-DD16-4D31-96FE-40461E6C9FF3}"/>
               </a:ext>
             </a:extLst>
           </p:cNvPr>
@@ -5918,16 +5948,10 @@
           <a:p>
             <a:pPr eaLnBrk="1" hangingPunct="1"/>
             <a:r>
-              <a:rPr lang="en-US" altLang="zh-CN" b="1" dirty="0" smtClean="0">
+              <a:rPr lang="en-US" altLang="zh-CN" b="1" dirty="0">
                 <a:ea typeface="新細明體" panose="02020500000000000000" pitchFamily="18" charset="-120"/>
               </a:rPr>
               <a:t>D Flip-Flop</a:t>
-            </a:r>
-            <a:r>
-              <a:rPr lang="en-US" altLang="zh-TW" b="1" dirty="0">
-                <a:ea typeface="新細明體" panose="02020500000000000000" pitchFamily="18" charset="-120"/>
-              </a:rPr>
-              <a:t/>
             </a:r>
             <a:br>
               <a:rPr lang="en-US" altLang="zh-TW" b="1" dirty="0">
@@ -5945,7 +5969,7 @@
           <p:cNvPr id="2" name="日期版面配置區 1">
             <a:extLst>
               <a:ext uri="{FF2B5EF4-FFF2-40B4-BE49-F238E27FC236}">
-                <a16:creationId xmlns="" xmlns:a16="http://schemas.microsoft.com/office/drawing/2014/main" id="{EBBA9EE1-CF91-48B5-A5FC-39944E1C0D91}"/>
+                <a16:creationId xmlns:a16="http://schemas.microsoft.com/office/drawing/2014/main" id="{EBBA9EE1-CF91-48B5-A5FC-39944E1C0D91}"/>
               </a:ext>
             </a:extLst>
           </p:cNvPr>
@@ -5980,7 +6004,7 @@
           <p:cNvPr id="9" name="Content Placeholder 2">
             <a:extLst>
               <a:ext uri="{FF2B5EF4-FFF2-40B4-BE49-F238E27FC236}">
-                <a16:creationId xmlns="" xmlns:a16="http://schemas.microsoft.com/office/drawing/2014/main" xmlns:a14="http://schemas.microsoft.com/office/drawing/2010/main" xmlns:mc="http://schemas.openxmlformats.org/markup-compatibility/2006" id="{F5C80A76-C6C0-4B40-B6C8-C5CC24D58369}"/>
+                <a16:creationId xmlns:a16="http://schemas.microsoft.com/office/drawing/2014/main" id="{F5C80A76-C6C0-4B40-B6C8-C5CC24D58369}"/>
               </a:ext>
             </a:extLst>
           </p:cNvPr>
@@ -6214,7 +6238,7 @@
           <a:p>
             <a:pPr eaLnBrk="1" hangingPunct="1"/>
             <a:r>
-              <a:rPr lang="en-US" altLang="zh-CN" sz="2100" kern="0" dirty="0" smtClean="0">
+              <a:rPr lang="en-US" altLang="zh-CN" sz="2100" kern="0" dirty="0">
                 <a:ea typeface="新細明體" panose="02020500000000000000" pitchFamily="18" charset="-120"/>
               </a:rPr>
               <a:t>Remember the tone of 16 switches</a:t>
@@ -6222,7 +6246,7 @@
           </a:p>
           <a:p>
             <a:pPr lvl="1" eaLnBrk="1" hangingPunct="1"/>
-            <a:endParaRPr lang="en-US" altLang="zh-CN" sz="1700" kern="0" dirty="0" smtClean="0">
+            <a:endParaRPr lang="en-US" altLang="zh-CN" sz="1700" kern="0" dirty="0">
               <a:ea typeface="新細明體" panose="02020500000000000000" pitchFamily="18" charset="-120"/>
             </a:endParaRPr>
           </a:p>
@@ -6233,7 +6257,7 @@
           <p:cNvPr id="6" name="頁尾版面配置區 2">
             <a:extLst>
               <a:ext uri="{FF2B5EF4-FFF2-40B4-BE49-F238E27FC236}">
-                <a16:creationId xmlns="" xmlns:a16="http://schemas.microsoft.com/office/drawing/2014/main" id="{61D255B9-2D4F-4013-951E-B50709A0B821}"/>
+                <a16:creationId xmlns:a16="http://schemas.microsoft.com/office/drawing/2014/main" id="{61D255B9-2D4F-4013-951E-B50709A0B821}"/>
               </a:ext>
             </a:extLst>
           </p:cNvPr>
@@ -6275,13 +6299,6 @@
   <p:clrMapOvr>
     <a:masterClrMapping/>
   </p:clrMapOvr>
-  <p:timing>
-    <p:tnLst>
-      <p:par>
-        <p:cTn id="1" dur="indefinite" restart="never" nodeType="tmRoot"/>
-      </p:par>
-    </p:tnLst>
-  </p:timing>
 </p:sld>
 </file>
 
@@ -6307,7 +6324,7 @@
           <p:cNvPr id="13314" name="Title 1">
             <a:extLst>
               <a:ext uri="{FF2B5EF4-FFF2-40B4-BE49-F238E27FC236}">
-                <a16:creationId xmlns="" xmlns:a16="http://schemas.microsoft.com/office/drawing/2014/main" id="{A3FB24C1-DD16-4D31-96FE-40461E6C9FF3}"/>
+                <a16:creationId xmlns:a16="http://schemas.microsoft.com/office/drawing/2014/main" id="{A3FB24C1-DD16-4D31-96FE-40461E6C9FF3}"/>
               </a:ext>
             </a:extLst>
           </p:cNvPr>
@@ -6330,16 +6347,10 @@
           <a:p>
             <a:pPr eaLnBrk="1" hangingPunct="1"/>
             <a:r>
-              <a:rPr lang="en-US" altLang="zh-TW" b="1" dirty="0" smtClean="0">
+              <a:rPr lang="en-US" altLang="zh-TW" b="1" dirty="0">
                 <a:ea typeface="新細明體" panose="02020500000000000000" pitchFamily="18" charset="-120"/>
               </a:rPr>
               <a:t>Seven Segment Display</a:t>
-            </a:r>
-            <a:r>
-              <a:rPr lang="en-US" altLang="zh-TW" b="1" dirty="0">
-                <a:ea typeface="新細明體" panose="02020500000000000000" pitchFamily="18" charset="-120"/>
-              </a:rPr>
-              <a:t/>
             </a:r>
             <a:br>
               <a:rPr lang="en-US" altLang="zh-TW" b="1" dirty="0">
@@ -6357,7 +6368,7 @@
           <p:cNvPr id="2" name="日期版面配置區 1">
             <a:extLst>
               <a:ext uri="{FF2B5EF4-FFF2-40B4-BE49-F238E27FC236}">
-                <a16:creationId xmlns="" xmlns:a16="http://schemas.microsoft.com/office/drawing/2014/main" id="{EBBA9EE1-CF91-48B5-A5FC-39944E1C0D91}"/>
+                <a16:creationId xmlns:a16="http://schemas.microsoft.com/office/drawing/2014/main" id="{EBBA9EE1-CF91-48B5-A5FC-39944E1C0D91}"/>
               </a:ext>
             </a:extLst>
           </p:cNvPr>
@@ -6392,7 +6403,7 @@
           <p:cNvPr id="9" name="Content Placeholder 2">
             <a:extLst>
               <a:ext uri="{FF2B5EF4-FFF2-40B4-BE49-F238E27FC236}">
-                <a16:creationId xmlns="" xmlns:a16="http://schemas.microsoft.com/office/drawing/2014/main" xmlns:a14="http://schemas.microsoft.com/office/drawing/2010/main" xmlns:mc="http://schemas.openxmlformats.org/markup-compatibility/2006" id="{F5C80A76-C6C0-4B40-B6C8-C5CC24D58369}"/>
+                <a16:creationId xmlns:a16="http://schemas.microsoft.com/office/drawing/2014/main" id="{F5C80A76-C6C0-4B40-B6C8-C5CC24D58369}"/>
               </a:ext>
             </a:extLst>
           </p:cNvPr>
@@ -6626,7 +6637,7 @@
           <a:p>
             <a:pPr eaLnBrk="1" hangingPunct="1"/>
             <a:r>
-              <a:rPr lang="en-US" altLang="zh-CN" sz="2100" kern="0" dirty="0" smtClean="0">
+              <a:rPr lang="en-US" altLang="zh-CN" sz="2100" kern="0" dirty="0">
                 <a:ea typeface="新細明體" panose="02020500000000000000" pitchFamily="18" charset="-120"/>
               </a:rPr>
               <a:t>Course Lab 3</a:t>
@@ -6648,7 +6659,7 @@
           <p:cNvPr id="6" name="頁尾版面配置區 2">
             <a:extLst>
               <a:ext uri="{FF2B5EF4-FFF2-40B4-BE49-F238E27FC236}">
-                <a16:creationId xmlns="" xmlns:a16="http://schemas.microsoft.com/office/drawing/2014/main" id="{61D255B9-2D4F-4013-951E-B50709A0B821}"/>
+                <a16:creationId xmlns:a16="http://schemas.microsoft.com/office/drawing/2014/main" id="{61D255B9-2D4F-4013-951E-B50709A0B821}"/>
               </a:ext>
             </a:extLst>
           </p:cNvPr>
@@ -6690,18 +6701,11 @@
   <p:clrMapOvr>
     <a:masterClrMapping/>
   </p:clrMapOvr>
-  <p:timing>
-    <p:tnLst>
-      <p:par>
-        <p:cTn id="1" dur="indefinite" restart="never" nodeType="tmRoot"/>
-      </p:par>
-    </p:tnLst>
-  </p:timing>
 </p:sld>
 </file>
 
 <file path=ppt/slides/slide13.xml><?xml version="1.0" encoding="utf-8"?>
-<p:sld xmlns:a="http://schemas.openxmlformats.org/drawingml/2006/main" xmlns:r="http://schemas.openxmlformats.org/officeDocument/2006/relationships" xmlns:p="http://schemas.openxmlformats.org/presentationml/2006/main">
+<p:sld xmlns:a="http://schemas.openxmlformats.org/drawingml/2006/main" xmlns:r="http://schemas.openxmlformats.org/officeDocument/2006/relationships" xmlns:p="http://schemas.openxmlformats.org/presentationml/2006/main" show="0">
   <p:cSld>
     <p:spTree>
       <p:nvGrpSpPr>
@@ -6722,7 +6726,7 @@
           <p:cNvPr id="13314" name="Title 1">
             <a:extLst>
               <a:ext uri="{FF2B5EF4-FFF2-40B4-BE49-F238E27FC236}">
-                <a16:creationId xmlns="" xmlns:a16="http://schemas.microsoft.com/office/drawing/2014/main" id="{A3FB24C1-DD16-4D31-96FE-40461E6C9FF3}"/>
+                <a16:creationId xmlns:a16="http://schemas.microsoft.com/office/drawing/2014/main" id="{A3FB24C1-DD16-4D31-96FE-40461E6C9FF3}"/>
               </a:ext>
             </a:extLst>
           </p:cNvPr>
@@ -6745,16 +6749,10 @@
           <a:p>
             <a:pPr eaLnBrk="1" hangingPunct="1"/>
             <a:r>
-              <a:rPr lang="en-US" altLang="zh-TW" b="1" dirty="0" smtClean="0">
+              <a:rPr lang="en-US" altLang="zh-TW" b="1" dirty="0">
                 <a:ea typeface="新細明體" panose="02020500000000000000" pitchFamily="18" charset="-120"/>
               </a:rPr>
               <a:t>Square Wave Generator</a:t>
-            </a:r>
-            <a:r>
-              <a:rPr lang="en-US" altLang="zh-TW" b="1" dirty="0">
-                <a:ea typeface="新細明體" panose="02020500000000000000" pitchFamily="18" charset="-120"/>
-              </a:rPr>
-              <a:t/>
             </a:r>
             <a:br>
               <a:rPr lang="en-US" altLang="zh-TW" b="1" dirty="0">
@@ -6772,7 +6770,7 @@
           <p:cNvPr id="2" name="日期版面配置區 1">
             <a:extLst>
               <a:ext uri="{FF2B5EF4-FFF2-40B4-BE49-F238E27FC236}">
-                <a16:creationId xmlns="" xmlns:a16="http://schemas.microsoft.com/office/drawing/2014/main" id="{EBBA9EE1-CF91-48B5-A5FC-39944E1C0D91}"/>
+                <a16:creationId xmlns:a16="http://schemas.microsoft.com/office/drawing/2014/main" id="{EBBA9EE1-CF91-48B5-A5FC-39944E1C0D91}"/>
               </a:ext>
             </a:extLst>
           </p:cNvPr>
@@ -6807,7 +6805,7 @@
           <p:cNvPr id="9" name="Content Placeholder 2">
             <a:extLst>
               <a:ext uri="{FF2B5EF4-FFF2-40B4-BE49-F238E27FC236}">
-                <a16:creationId xmlns="" xmlns:a16="http://schemas.microsoft.com/office/drawing/2014/main" xmlns:a14="http://schemas.microsoft.com/office/drawing/2010/main" xmlns:mc="http://schemas.openxmlformats.org/markup-compatibility/2006" id="{F5C80A76-C6C0-4B40-B6C8-C5CC24D58369}"/>
+                <a16:creationId xmlns:a16="http://schemas.microsoft.com/office/drawing/2014/main" id="{F5C80A76-C6C0-4B40-B6C8-C5CC24D58369}"/>
               </a:ext>
             </a:extLst>
           </p:cNvPr>
@@ -7041,7 +7039,7 @@
           <a:p>
             <a:pPr eaLnBrk="1" hangingPunct="1"/>
             <a:r>
-              <a:rPr lang="en-US" altLang="zh-CN" sz="2100" kern="0" dirty="0" smtClean="0">
+              <a:rPr lang="en-US" altLang="zh-CN" sz="2100" kern="0" dirty="0">
                 <a:ea typeface="新細明體" panose="02020500000000000000" pitchFamily="18" charset="-120"/>
               </a:rPr>
               <a:t>Change frequency dividing factor</a:t>
@@ -7060,7 +7058,7 @@
           <p:cNvPr id="6" name="頁尾版面配置區 2">
             <a:extLst>
               <a:ext uri="{FF2B5EF4-FFF2-40B4-BE49-F238E27FC236}">
-                <a16:creationId xmlns="" xmlns:a16="http://schemas.microsoft.com/office/drawing/2014/main" id="{61D255B9-2D4F-4013-951E-B50709A0B821}"/>
+                <a16:creationId xmlns:a16="http://schemas.microsoft.com/office/drawing/2014/main" id="{61D255B9-2D4F-4013-951E-B50709A0B821}"/>
               </a:ext>
             </a:extLst>
           </p:cNvPr>
@@ -7117,9 +7115,27 @@
                 <a:tableStyleId>{5C22544A-7EE6-4342-B048-85BDC9FD1C3A}</a:tableStyleId>
               </a:tblPr>
               <a:tblGrid>
-                <a:gridCol w="1352037"/>
-                <a:gridCol w="1352037"/>
-                <a:gridCol w="1352037"/>
+                <a:gridCol w="1352037">
+                  <a:extLst>
+                    <a:ext uri="{9D8B030D-6E8A-4147-A177-3AD203B41FA5}">
+                      <a16:colId xmlns:a16="http://schemas.microsoft.com/office/drawing/2014/main" val="20000"/>
+                    </a:ext>
+                  </a:extLst>
+                </a:gridCol>
+                <a:gridCol w="1352037">
+                  <a:extLst>
+                    <a:ext uri="{9D8B030D-6E8A-4147-A177-3AD203B41FA5}">
+                      <a16:colId xmlns:a16="http://schemas.microsoft.com/office/drawing/2014/main" val="20001"/>
+                    </a:ext>
+                  </a:extLst>
+                </a:gridCol>
+                <a:gridCol w="1352037">
+                  <a:extLst>
+                    <a:ext uri="{9D8B030D-6E8A-4147-A177-3AD203B41FA5}">
+                      <a16:colId xmlns:a16="http://schemas.microsoft.com/office/drawing/2014/main" val="20002"/>
+                    </a:ext>
+                  </a:extLst>
+                </a:gridCol>
               </a:tblGrid>
               <a:tr h="241780">
                 <a:tc>
@@ -7129,7 +7145,7 @@
                     <a:p>
                       <a:pPr algn="ctr"/>
                       <a:r>
-                        <a:rPr lang="en-US" altLang="zh-CN" dirty="0" smtClean="0"/>
+                        <a:rPr lang="en-US" altLang="zh-CN" dirty="0"/>
                         <a:t>Number</a:t>
                       </a:r>
                       <a:endParaRPr lang="zh-CN" altLang="en-US" dirty="0"/>
@@ -7144,7 +7160,7 @@
                     <a:p>
                       <a:pPr algn="ctr"/>
                       <a:r>
-                        <a:rPr lang="en-US" altLang="zh-CN" dirty="0" smtClean="0"/>
+                        <a:rPr lang="en-US" altLang="zh-CN" dirty="0"/>
                         <a:t>Tone</a:t>
                       </a:r>
                       <a:endParaRPr lang="zh-CN" altLang="en-US" dirty="0"/>
@@ -7159,7 +7175,7 @@
                     <a:p>
                       <a:pPr algn="ctr"/>
                       <a:r>
-                        <a:rPr lang="en-US" altLang="zh-CN" dirty="0" smtClean="0"/>
+                        <a:rPr lang="en-US" altLang="zh-CN" dirty="0"/>
                         <a:t>Max Count</a:t>
                       </a:r>
                       <a:endParaRPr lang="zh-CN" altLang="en-US" dirty="0"/>
@@ -7167,6 +7183,11 @@
                   </a:txBody>
                   <a:tcPr/>
                 </a:tc>
+                <a:extLst>
+                  <a:ext uri="{0D108BD9-81ED-4DB2-BD59-A6C34878D82A}">
+                    <a16:rowId xmlns:a16="http://schemas.microsoft.com/office/drawing/2014/main" val="10000"/>
+                  </a:ext>
+                </a:extLst>
               </a:tr>
               <a:tr h="241780">
                 <a:tc>
@@ -7176,7 +7197,7 @@
                     <a:p>
                       <a:pPr algn="ctr"/>
                       <a:r>
-                        <a:rPr lang="en-US" altLang="zh-CN" dirty="0" smtClean="0"/>
+                        <a:rPr lang="en-US" altLang="zh-CN" dirty="0"/>
                         <a:t>0</a:t>
                       </a:r>
                       <a:endParaRPr lang="zh-CN" altLang="en-US" dirty="0"/>
@@ -7191,7 +7212,7 @@
                     <a:p>
                       <a:pPr algn="ctr"/>
                       <a:r>
-                        <a:rPr lang="en-US" altLang="zh-CN" dirty="0" smtClean="0"/>
+                        <a:rPr lang="en-US" altLang="zh-CN" dirty="0"/>
                         <a:t>0</a:t>
                       </a:r>
                       <a:endParaRPr lang="zh-CN" altLang="en-US" dirty="0"/>
@@ -7206,7 +7227,7 @@
                     <a:p>
                       <a:pPr algn="ctr"/>
                       <a:r>
-                        <a:rPr lang="en-US" altLang="zh-CN" dirty="0" smtClean="0"/>
+                        <a:rPr lang="en-US" altLang="zh-CN" dirty="0"/>
                         <a:t>0</a:t>
                       </a:r>
                       <a:endParaRPr lang="zh-CN" altLang="en-US" dirty="0"/>
@@ -7214,6 +7235,11 @@
                   </a:txBody>
                   <a:tcPr/>
                 </a:tc>
+                <a:extLst>
+                  <a:ext uri="{0D108BD9-81ED-4DB2-BD59-A6C34878D82A}">
+                    <a16:rowId xmlns:a16="http://schemas.microsoft.com/office/drawing/2014/main" val="10001"/>
+                  </a:ext>
+                </a:extLst>
               </a:tr>
               <a:tr h="241780">
                 <a:tc>
@@ -7223,7 +7249,7 @@
                     <a:p>
                       <a:pPr algn="ctr"/>
                       <a:r>
-                        <a:rPr lang="en-US" altLang="zh-CN" dirty="0" smtClean="0"/>
+                        <a:rPr lang="en-US" altLang="zh-CN" dirty="0"/>
                         <a:t>1</a:t>
                       </a:r>
                       <a:endParaRPr lang="zh-CN" altLang="en-US" dirty="0"/>
@@ -7238,7 +7264,7 @@
                     <a:p>
                       <a:pPr algn="ctr"/>
                       <a:r>
-                        <a:rPr lang="en-US" altLang="zh-CN" dirty="0" smtClean="0"/>
+                        <a:rPr lang="en-US" altLang="zh-CN" dirty="0"/>
                         <a:t>a</a:t>
                       </a:r>
                       <a:endParaRPr lang="zh-CN" altLang="en-US" dirty="0"/>
@@ -7269,7 +7295,7 @@
                         <a:defRPr/>
                       </a:pPr>
                       <a:r>
-                        <a:rPr lang="en-US" altLang="zh-CN" sz="1800" b="0" kern="1200" dirty="0" smtClean="0">
+                        <a:rPr lang="en-US" altLang="zh-CN" sz="1800" b="0" kern="1200" dirty="0">
                           <a:solidFill>
                             <a:schemeClr val="dk1"/>
                           </a:solidFill>
@@ -7280,7 +7306,7 @@
                         </a:rPr>
                         <a:t>227272</a:t>
                       </a:r>
-                      <a:endParaRPr lang="zh-CN" altLang="en-US" sz="1800" b="0" kern="1200" dirty="0" smtClean="0">
+                      <a:endParaRPr lang="zh-CN" altLang="en-US" sz="1800" b="0" kern="1200" dirty="0">
                         <a:solidFill>
                           <a:schemeClr val="dk1"/>
                         </a:solidFill>
@@ -7293,6 +7319,11 @@
                   </a:txBody>
                   <a:tcPr/>
                 </a:tc>
+                <a:extLst>
+                  <a:ext uri="{0D108BD9-81ED-4DB2-BD59-A6C34878D82A}">
+                    <a16:rowId xmlns:a16="http://schemas.microsoft.com/office/drawing/2014/main" val="10002"/>
+                  </a:ext>
+                </a:extLst>
               </a:tr>
               <a:tr h="241780">
                 <a:tc>
@@ -7302,7 +7333,7 @@
                     <a:p>
                       <a:pPr algn="ctr"/>
                       <a:r>
-                        <a:rPr lang="en-US" altLang="zh-CN" dirty="0" smtClean="0"/>
+                        <a:rPr lang="en-US" altLang="zh-CN" dirty="0"/>
                         <a:t>2</a:t>
                       </a:r>
                       <a:endParaRPr lang="zh-CN" altLang="en-US" dirty="0"/>
@@ -7317,7 +7348,7 @@
                     <a:p>
                       <a:pPr algn="ctr"/>
                       <a:r>
-                        <a:rPr lang="en-US" altLang="zh-CN" dirty="0" smtClean="0"/>
+                        <a:rPr lang="en-US" altLang="zh-CN" dirty="0"/>
                         <a:t>c1</a:t>
                       </a:r>
                       <a:endParaRPr lang="zh-CN" altLang="en-US" dirty="0"/>
@@ -7348,7 +7379,7 @@
                         <a:defRPr/>
                       </a:pPr>
                       <a:r>
-                        <a:rPr lang="en-US" altLang="zh-CN" sz="1800" b="0" kern="1200" dirty="0" smtClean="0">
+                        <a:rPr lang="en-US" altLang="zh-CN" sz="1800" b="0" kern="1200" dirty="0">
                           <a:solidFill>
                             <a:schemeClr val="dk1"/>
                           </a:solidFill>
@@ -7359,7 +7390,7 @@
                         </a:rPr>
                         <a:t>191114</a:t>
                       </a:r>
-                      <a:endParaRPr lang="zh-CN" altLang="en-US" sz="1800" b="0" kern="1200" dirty="0" smtClean="0">
+                      <a:endParaRPr lang="zh-CN" altLang="en-US" sz="1800" b="0" kern="1200" dirty="0">
                         <a:solidFill>
                           <a:schemeClr val="dk1"/>
                         </a:solidFill>
@@ -7372,6 +7403,11 @@
                   </a:txBody>
                   <a:tcPr/>
                 </a:tc>
+                <a:extLst>
+                  <a:ext uri="{0D108BD9-81ED-4DB2-BD59-A6C34878D82A}">
+                    <a16:rowId xmlns:a16="http://schemas.microsoft.com/office/drawing/2014/main" val="10003"/>
+                  </a:ext>
+                </a:extLst>
               </a:tr>
               <a:tr h="241780">
                 <a:tc>
@@ -7381,7 +7417,7 @@
                     <a:p>
                       <a:pPr algn="ctr"/>
                       <a:r>
-                        <a:rPr lang="en-US" altLang="zh-CN" dirty="0" smtClean="0"/>
+                        <a:rPr lang="en-US" altLang="zh-CN" dirty="0"/>
                         <a:t>3</a:t>
                       </a:r>
                       <a:endParaRPr lang="zh-CN" altLang="en-US" dirty="0"/>
@@ -7396,7 +7432,7 @@
                     <a:p>
                       <a:pPr algn="ctr"/>
                       <a:r>
-                        <a:rPr lang="en-US" altLang="zh-CN" dirty="0" smtClean="0"/>
+                        <a:rPr lang="en-US" altLang="zh-CN" dirty="0"/>
                         <a:t>d1</a:t>
                       </a:r>
                       <a:endParaRPr lang="zh-CN" altLang="en-US" dirty="0"/>
@@ -7427,7 +7463,7 @@
                         <a:defRPr/>
                       </a:pPr>
                       <a:r>
-                        <a:rPr lang="en-US" altLang="zh-CN" sz="1800" b="0" kern="1200" dirty="0" smtClean="0">
+                        <a:rPr lang="en-US" altLang="zh-CN" sz="1800" b="0" kern="1200" dirty="0">
                           <a:solidFill>
                             <a:schemeClr val="dk1"/>
                           </a:solidFill>
@@ -7438,7 +7474,7 @@
                         </a:rPr>
                         <a:t>170262</a:t>
                       </a:r>
-                      <a:endParaRPr lang="zh-CN" altLang="en-US" sz="1800" b="0" kern="1200" dirty="0" smtClean="0">
+                      <a:endParaRPr lang="zh-CN" altLang="en-US" sz="1800" b="0" kern="1200" dirty="0">
                         <a:solidFill>
                           <a:schemeClr val="dk1"/>
                         </a:solidFill>
@@ -7451,6 +7487,11 @@
                   </a:txBody>
                   <a:tcPr/>
                 </a:tc>
+                <a:extLst>
+                  <a:ext uri="{0D108BD9-81ED-4DB2-BD59-A6C34878D82A}">
+                    <a16:rowId xmlns:a16="http://schemas.microsoft.com/office/drawing/2014/main" val="10004"/>
+                  </a:ext>
+                </a:extLst>
               </a:tr>
               <a:tr h="241780">
                 <a:tc>
@@ -7460,7 +7501,7 @@
                     <a:p>
                       <a:pPr algn="ctr"/>
                       <a:r>
-                        <a:rPr lang="en-US" altLang="zh-CN" dirty="0" smtClean="0"/>
+                        <a:rPr lang="en-US" altLang="zh-CN" dirty="0"/>
                         <a:t>4</a:t>
                       </a:r>
                       <a:endParaRPr lang="zh-CN" altLang="en-US" dirty="0"/>
@@ -7475,7 +7516,7 @@
                     <a:p>
                       <a:pPr algn="ctr"/>
                       <a:r>
-                        <a:rPr lang="en-US" altLang="zh-CN" dirty="0" smtClean="0"/>
+                        <a:rPr lang="en-US" altLang="zh-CN" dirty="0"/>
                         <a:t>e1</a:t>
                       </a:r>
                       <a:endParaRPr lang="zh-CN" altLang="en-US" dirty="0"/>
@@ -7506,7 +7547,7 @@
                         <a:defRPr/>
                       </a:pPr>
                       <a:r>
-                        <a:rPr lang="en-US" altLang="zh-CN" sz="1800" b="0" kern="1200" dirty="0" smtClean="0">
+                        <a:rPr lang="en-US" altLang="zh-CN" sz="1800" b="0" kern="1200" dirty="0">
                           <a:solidFill>
                             <a:schemeClr val="dk1"/>
                           </a:solidFill>
@@ -7517,7 +7558,7 @@
                         </a:rPr>
                         <a:t>150372</a:t>
                       </a:r>
-                      <a:endParaRPr lang="zh-CN" altLang="en-US" sz="1800" b="0" kern="1200" dirty="0" smtClean="0">
+                      <a:endParaRPr lang="zh-CN" altLang="en-US" sz="1800" b="0" kern="1200" dirty="0">
                         <a:solidFill>
                           <a:schemeClr val="dk1"/>
                         </a:solidFill>
@@ -7530,6 +7571,11 @@
                   </a:txBody>
                   <a:tcPr/>
                 </a:tc>
+                <a:extLst>
+                  <a:ext uri="{0D108BD9-81ED-4DB2-BD59-A6C34878D82A}">
+                    <a16:rowId xmlns:a16="http://schemas.microsoft.com/office/drawing/2014/main" val="10005"/>
+                  </a:ext>
+                </a:extLst>
               </a:tr>
               <a:tr h="241780">
                 <a:tc>
@@ -7539,7 +7585,7 @@
                     <a:p>
                       <a:pPr algn="ctr"/>
                       <a:r>
-                        <a:rPr lang="en-US" altLang="zh-CN" dirty="0" smtClean="0"/>
+                        <a:rPr lang="en-US" altLang="zh-CN" dirty="0"/>
                         <a:t>5</a:t>
                       </a:r>
                       <a:endParaRPr lang="zh-CN" altLang="en-US" dirty="0"/>
@@ -7554,7 +7600,7 @@
                     <a:p>
                       <a:pPr algn="ctr"/>
                       <a:r>
-                        <a:rPr lang="en-US" altLang="zh-CN" dirty="0" smtClean="0"/>
+                        <a:rPr lang="en-US" altLang="zh-CN" dirty="0"/>
                         <a:t>g1</a:t>
                       </a:r>
                       <a:endParaRPr lang="zh-CN" altLang="en-US" dirty="0"/>
@@ -7569,7 +7615,7 @@
                     <a:p>
                       <a:pPr algn="ctr"/>
                       <a:r>
-                        <a:rPr lang="en-US" altLang="zh-CN" sz="1800" b="0" kern="1200" dirty="0" smtClean="0">
+                        <a:rPr lang="en-US" altLang="zh-CN" sz="1800" b="0" kern="1200" dirty="0">
                           <a:solidFill>
                             <a:schemeClr val="dk1"/>
                           </a:solidFill>
@@ -7593,6 +7639,11 @@
                   </a:txBody>
                   <a:tcPr/>
                 </a:tc>
+                <a:extLst>
+                  <a:ext uri="{0D108BD9-81ED-4DB2-BD59-A6C34878D82A}">
+                    <a16:rowId xmlns:a16="http://schemas.microsoft.com/office/drawing/2014/main" val="10006"/>
+                  </a:ext>
+                </a:extLst>
               </a:tr>
               <a:tr h="241780">
                 <a:tc>
@@ -7602,7 +7653,7 @@
                     <a:p>
                       <a:pPr algn="ctr"/>
                       <a:r>
-                        <a:rPr lang="en-US" altLang="zh-CN" dirty="0" smtClean="0"/>
+                        <a:rPr lang="en-US" altLang="zh-CN" dirty="0"/>
                         <a:t>6</a:t>
                       </a:r>
                       <a:endParaRPr lang="zh-CN" altLang="en-US" dirty="0"/>
@@ -7617,7 +7668,7 @@
                     <a:p>
                       <a:pPr algn="ctr"/>
                       <a:r>
-                        <a:rPr lang="en-US" altLang="zh-CN" dirty="0" smtClean="0"/>
+                        <a:rPr lang="en-US" altLang="zh-CN" dirty="0"/>
                         <a:t>a1</a:t>
                       </a:r>
                       <a:endParaRPr lang="zh-CN" altLang="en-US" dirty="0"/>
@@ -7632,7 +7683,7 @@
                     <a:p>
                       <a:pPr algn="ctr"/>
                       <a:r>
-                        <a:rPr lang="en-US" altLang="zh-CN" sz="1800" b="0" kern="1200" dirty="0" smtClean="0">
+                        <a:rPr lang="en-US" altLang="zh-CN" sz="1800" b="0" kern="1200" dirty="0">
                           <a:solidFill>
                             <a:schemeClr val="dk1"/>
                           </a:solidFill>
@@ -7656,6 +7707,11 @@
                   </a:txBody>
                   <a:tcPr/>
                 </a:tc>
+                <a:extLst>
+                  <a:ext uri="{0D108BD9-81ED-4DB2-BD59-A6C34878D82A}">
+                    <a16:rowId xmlns:a16="http://schemas.microsoft.com/office/drawing/2014/main" val="10007"/>
+                  </a:ext>
+                </a:extLst>
               </a:tr>
               <a:tr h="241780">
                 <a:tc>
@@ -7665,7 +7721,7 @@
                     <a:p>
                       <a:pPr algn="ctr"/>
                       <a:r>
-                        <a:rPr lang="en-US" altLang="zh-CN" dirty="0" smtClean="0"/>
+                        <a:rPr lang="en-US" altLang="zh-CN" dirty="0"/>
                         <a:t>7</a:t>
                       </a:r>
                       <a:endParaRPr lang="zh-CN" altLang="en-US" dirty="0"/>
@@ -7680,7 +7736,7 @@
                     <a:p>
                       <a:pPr algn="ctr"/>
                       <a:r>
-                        <a:rPr lang="en-US" altLang="zh-CN" dirty="0" smtClean="0"/>
+                        <a:rPr lang="en-US" altLang="zh-CN" dirty="0"/>
                         <a:t>c2</a:t>
                       </a:r>
                       <a:endParaRPr lang="zh-CN" altLang="en-US" dirty="0"/>
@@ -7711,7 +7767,7 @@
                         <a:defRPr/>
                       </a:pPr>
                       <a:r>
-                        <a:rPr lang="en-US" altLang="zh-CN" sz="1800" b="0" kern="1200" dirty="0" smtClean="0">
+                        <a:rPr lang="en-US" altLang="zh-CN" sz="1800" b="0" kern="1200" dirty="0">
                           <a:solidFill>
                             <a:schemeClr val="dk1"/>
                           </a:solidFill>
@@ -7722,7 +7778,7 @@
                         </a:rPr>
                         <a:t>95556</a:t>
                       </a:r>
-                      <a:endParaRPr lang="zh-CN" altLang="en-US" sz="1800" b="0" kern="1200" dirty="0" smtClean="0">
+                      <a:endParaRPr lang="zh-CN" altLang="en-US" sz="1800" b="0" kern="1200" dirty="0">
                         <a:solidFill>
                           <a:schemeClr val="dk1"/>
                         </a:solidFill>
@@ -7735,6 +7791,11 @@
                   </a:txBody>
                   <a:tcPr/>
                 </a:tc>
+                <a:extLst>
+                  <a:ext uri="{0D108BD9-81ED-4DB2-BD59-A6C34878D82A}">
+                    <a16:rowId xmlns:a16="http://schemas.microsoft.com/office/drawing/2014/main" val="10008"/>
+                  </a:ext>
+                </a:extLst>
               </a:tr>
             </a:tbl>
           </a:graphicData>
@@ -7765,9 +7826,27 @@
                 <a:tableStyleId>{5C22544A-7EE6-4342-B048-85BDC9FD1C3A}</a:tableStyleId>
               </a:tblPr>
               <a:tblGrid>
-                <a:gridCol w="1352037"/>
-                <a:gridCol w="1352037"/>
-                <a:gridCol w="1352037"/>
+                <a:gridCol w="1352037">
+                  <a:extLst>
+                    <a:ext uri="{9D8B030D-6E8A-4147-A177-3AD203B41FA5}">
+                      <a16:colId xmlns:a16="http://schemas.microsoft.com/office/drawing/2014/main" val="20000"/>
+                    </a:ext>
+                  </a:extLst>
+                </a:gridCol>
+                <a:gridCol w="1352037">
+                  <a:extLst>
+                    <a:ext uri="{9D8B030D-6E8A-4147-A177-3AD203B41FA5}">
+                      <a16:colId xmlns:a16="http://schemas.microsoft.com/office/drawing/2014/main" val="20001"/>
+                    </a:ext>
+                  </a:extLst>
+                </a:gridCol>
+                <a:gridCol w="1352037">
+                  <a:extLst>
+                    <a:ext uri="{9D8B030D-6E8A-4147-A177-3AD203B41FA5}">
+                      <a16:colId xmlns:a16="http://schemas.microsoft.com/office/drawing/2014/main" val="20002"/>
+                    </a:ext>
+                  </a:extLst>
+                </a:gridCol>
               </a:tblGrid>
               <a:tr h="241780">
                 <a:tc>
@@ -7777,7 +7856,7 @@
                     <a:p>
                       <a:pPr algn="ctr"/>
                       <a:r>
-                        <a:rPr lang="en-US" altLang="zh-CN" dirty="0" smtClean="0"/>
+                        <a:rPr lang="en-US" altLang="zh-CN" dirty="0"/>
                         <a:t>Number</a:t>
                       </a:r>
                       <a:endParaRPr lang="zh-CN" altLang="en-US" dirty="0"/>
@@ -7792,7 +7871,7 @@
                     <a:p>
                       <a:pPr algn="ctr"/>
                       <a:r>
-                        <a:rPr lang="en-US" altLang="zh-CN" dirty="0" smtClean="0"/>
+                        <a:rPr lang="en-US" altLang="zh-CN" dirty="0"/>
                         <a:t>Tone</a:t>
                       </a:r>
                       <a:endParaRPr lang="zh-CN" altLang="en-US" dirty="0"/>
@@ -7807,7 +7886,7 @@
                     <a:p>
                       <a:pPr algn="ctr"/>
                       <a:r>
-                        <a:rPr lang="en-US" altLang="zh-CN" dirty="0" smtClean="0"/>
+                        <a:rPr lang="en-US" altLang="zh-CN" dirty="0"/>
                         <a:t>Max Count</a:t>
                       </a:r>
                       <a:endParaRPr lang="zh-CN" altLang="en-US" dirty="0"/>
@@ -7815,6 +7894,11 @@
                   </a:txBody>
                   <a:tcPr/>
                 </a:tc>
+                <a:extLst>
+                  <a:ext uri="{0D108BD9-81ED-4DB2-BD59-A6C34878D82A}">
+                    <a16:rowId xmlns:a16="http://schemas.microsoft.com/office/drawing/2014/main" val="10000"/>
+                  </a:ext>
+                </a:extLst>
               </a:tr>
               <a:tr h="241780">
                 <a:tc>
@@ -7824,7 +7908,7 @@
                     <a:p>
                       <a:pPr algn="ctr"/>
                       <a:r>
-                        <a:rPr lang="en-US" altLang="zh-CN" dirty="0" smtClean="0"/>
+                        <a:rPr lang="en-US" altLang="zh-CN" dirty="0"/>
                         <a:t>8</a:t>
                       </a:r>
                       <a:endParaRPr lang="zh-CN" altLang="en-US" dirty="0"/>
@@ -7839,7 +7923,7 @@
                     <a:p>
                       <a:pPr algn="ctr"/>
                       <a:r>
-                        <a:rPr lang="en-US" altLang="zh-CN" dirty="0" smtClean="0"/>
+                        <a:rPr lang="en-US" altLang="zh-CN" dirty="0"/>
                         <a:t>d2</a:t>
                       </a:r>
                       <a:endParaRPr lang="zh-CN" altLang="en-US" dirty="0"/>
@@ -7854,7 +7938,7 @@
                     <a:p>
                       <a:pPr algn="ctr"/>
                       <a:r>
-                        <a:rPr lang="en-US" altLang="zh-CN" sz="1800" b="0" kern="1200" dirty="0" smtClean="0">
+                        <a:rPr lang="en-US" altLang="zh-CN" sz="1800" b="0" kern="1200" dirty="0">
                           <a:solidFill>
                             <a:schemeClr val="dk1"/>
                           </a:solidFill>
@@ -7878,6 +7962,11 @@
                   </a:txBody>
                   <a:tcPr/>
                 </a:tc>
+                <a:extLst>
+                  <a:ext uri="{0D108BD9-81ED-4DB2-BD59-A6C34878D82A}">
+                    <a16:rowId xmlns:a16="http://schemas.microsoft.com/office/drawing/2014/main" val="10001"/>
+                  </a:ext>
+                </a:extLst>
               </a:tr>
               <a:tr h="241780">
                 <a:tc>
@@ -7887,7 +7976,7 @@
                     <a:p>
                       <a:pPr algn="ctr"/>
                       <a:r>
-                        <a:rPr lang="en-US" altLang="zh-CN" dirty="0" smtClean="0"/>
+                        <a:rPr lang="en-US" altLang="zh-CN" dirty="0"/>
                         <a:t>9</a:t>
                       </a:r>
                       <a:endParaRPr lang="zh-CN" altLang="en-US" dirty="0"/>
@@ -7902,7 +7991,7 @@
                     <a:p>
                       <a:pPr algn="ctr"/>
                       <a:r>
-                        <a:rPr lang="en-US" altLang="zh-CN" dirty="0" smtClean="0"/>
+                        <a:rPr lang="en-US" altLang="zh-CN" dirty="0"/>
                         <a:t>e2</a:t>
                       </a:r>
                       <a:endParaRPr lang="zh-CN" altLang="en-US" dirty="0"/>
@@ -7917,7 +8006,7 @@
                     <a:p>
                       <a:pPr algn="ctr"/>
                       <a:r>
-                        <a:rPr lang="en-US" altLang="zh-CN" sz="1800" b="0" kern="1200" dirty="0" smtClean="0">
+                        <a:rPr lang="en-US" altLang="zh-CN" sz="1800" b="0" kern="1200" dirty="0">
                           <a:solidFill>
                             <a:schemeClr val="dk1"/>
                           </a:solidFill>
@@ -7941,6 +8030,11 @@
                   </a:txBody>
                   <a:tcPr/>
                 </a:tc>
+                <a:extLst>
+                  <a:ext uri="{0D108BD9-81ED-4DB2-BD59-A6C34878D82A}">
+                    <a16:rowId xmlns:a16="http://schemas.microsoft.com/office/drawing/2014/main" val="10002"/>
+                  </a:ext>
+                </a:extLst>
               </a:tr>
               <a:tr h="241780">
                 <a:tc>
@@ -7950,7 +8044,7 @@
                     <a:p>
                       <a:pPr algn="ctr"/>
                       <a:r>
-                        <a:rPr lang="en-US" altLang="zh-CN" dirty="0" smtClean="0"/>
+                        <a:rPr lang="en-US" altLang="zh-CN" dirty="0"/>
                         <a:t>10</a:t>
                       </a:r>
                       <a:endParaRPr lang="zh-CN" altLang="en-US" dirty="0"/>
@@ -7965,7 +8059,7 @@
                     <a:p>
                       <a:pPr algn="ctr"/>
                       <a:r>
-                        <a:rPr lang="en-US" altLang="zh-CN" dirty="0" smtClean="0"/>
+                        <a:rPr lang="en-US" altLang="zh-CN" dirty="0"/>
                         <a:t>g2</a:t>
                       </a:r>
                       <a:endParaRPr lang="zh-CN" altLang="en-US" dirty="0"/>
@@ -7980,7 +8074,7 @@
                     <a:p>
                       <a:pPr algn="ctr"/>
                       <a:r>
-                        <a:rPr lang="en-US" altLang="zh-CN" sz="1800" b="0" kern="1200" dirty="0" smtClean="0">
+                        <a:rPr lang="en-US" altLang="zh-CN" sz="1800" b="0" kern="1200" dirty="0">
                           <a:solidFill>
                             <a:schemeClr val="dk1"/>
                           </a:solidFill>
@@ -8004,6 +8098,11 @@
                   </a:txBody>
                   <a:tcPr/>
                 </a:tc>
+                <a:extLst>
+                  <a:ext uri="{0D108BD9-81ED-4DB2-BD59-A6C34878D82A}">
+                    <a16:rowId xmlns:a16="http://schemas.microsoft.com/office/drawing/2014/main" val="10003"/>
+                  </a:ext>
+                </a:extLst>
               </a:tr>
               <a:tr h="241780">
                 <a:tc>
@@ -8013,7 +8112,7 @@
                     <a:p>
                       <a:pPr algn="ctr"/>
                       <a:r>
-                        <a:rPr lang="en-US" altLang="zh-CN" dirty="0" smtClean="0"/>
+                        <a:rPr lang="en-US" altLang="zh-CN" dirty="0"/>
                         <a:t>11</a:t>
                       </a:r>
                       <a:endParaRPr lang="zh-CN" altLang="en-US" dirty="0"/>
@@ -8028,7 +8127,7 @@
                     <a:p>
                       <a:pPr algn="ctr"/>
                       <a:r>
-                        <a:rPr lang="en-US" altLang="zh-CN" dirty="0" smtClean="0"/>
+                        <a:rPr lang="en-US" altLang="zh-CN" dirty="0"/>
                         <a:t>a2</a:t>
                       </a:r>
                       <a:endParaRPr lang="zh-CN" altLang="en-US" dirty="0"/>
@@ -8043,7 +8142,7 @@
                     <a:p>
                       <a:pPr algn="ctr"/>
                       <a:r>
-                        <a:rPr lang="en-US" altLang="zh-CN" sz="1800" b="0" kern="1200" dirty="0" smtClean="0">
+                        <a:rPr lang="en-US" altLang="zh-CN" sz="1800" b="0" kern="1200" dirty="0">
                           <a:solidFill>
                             <a:schemeClr val="dk1"/>
                           </a:solidFill>
@@ -8067,6 +8166,11 @@
                   </a:txBody>
                   <a:tcPr/>
                 </a:tc>
+                <a:extLst>
+                  <a:ext uri="{0D108BD9-81ED-4DB2-BD59-A6C34878D82A}">
+                    <a16:rowId xmlns:a16="http://schemas.microsoft.com/office/drawing/2014/main" val="10004"/>
+                  </a:ext>
+                </a:extLst>
               </a:tr>
               <a:tr h="241780">
                 <a:tc>
@@ -8076,7 +8180,7 @@
                     <a:p>
                       <a:pPr algn="ctr"/>
                       <a:r>
-                        <a:rPr lang="en-US" altLang="zh-CN" dirty="0" smtClean="0"/>
+                        <a:rPr lang="en-US" altLang="zh-CN" dirty="0"/>
                         <a:t>12</a:t>
                       </a:r>
                       <a:endParaRPr lang="zh-CN" altLang="en-US" dirty="0"/>
@@ -8091,7 +8195,7 @@
                     <a:p>
                       <a:pPr algn="ctr"/>
                       <a:r>
-                        <a:rPr lang="en-US" altLang="zh-CN" dirty="0" smtClean="0"/>
+                        <a:rPr lang="en-US" altLang="zh-CN" dirty="0"/>
                         <a:t>c3</a:t>
                       </a:r>
                       <a:endParaRPr lang="zh-CN" altLang="en-US" dirty="0"/>
@@ -8106,7 +8210,7 @@
                     <a:p>
                       <a:pPr algn="ctr"/>
                       <a:r>
-                        <a:rPr lang="en-US" altLang="zh-CN" sz="1800" b="0" kern="1200" dirty="0" smtClean="0">
+                        <a:rPr lang="en-US" altLang="zh-CN" sz="1800" b="0" kern="1200" dirty="0">
                           <a:solidFill>
                             <a:schemeClr val="dk1"/>
                           </a:solidFill>
@@ -8130,6 +8234,11 @@
                   </a:txBody>
                   <a:tcPr/>
                 </a:tc>
+                <a:extLst>
+                  <a:ext uri="{0D108BD9-81ED-4DB2-BD59-A6C34878D82A}">
+                    <a16:rowId xmlns:a16="http://schemas.microsoft.com/office/drawing/2014/main" val="10005"/>
+                  </a:ext>
+                </a:extLst>
               </a:tr>
               <a:tr h="241780">
                 <a:tc>
@@ -8139,7 +8248,7 @@
                     <a:p>
                       <a:pPr algn="ctr"/>
                       <a:r>
-                        <a:rPr lang="en-US" altLang="zh-CN" dirty="0" smtClean="0"/>
+                        <a:rPr lang="en-US" altLang="zh-CN" dirty="0"/>
                         <a:t>13</a:t>
                       </a:r>
                       <a:endParaRPr lang="zh-CN" altLang="en-US" dirty="0"/>
@@ -8154,7 +8263,7 @@
                     <a:p>
                       <a:pPr algn="ctr"/>
                       <a:r>
-                        <a:rPr lang="en-US" altLang="zh-CN" dirty="0" smtClean="0"/>
+                        <a:rPr lang="en-US" altLang="zh-CN" dirty="0"/>
                         <a:t>d3</a:t>
                       </a:r>
                       <a:endParaRPr lang="zh-CN" altLang="en-US" dirty="0"/>
@@ -8169,7 +8278,7 @@
                     <a:p>
                       <a:pPr algn="ctr"/>
                       <a:r>
-                        <a:rPr lang="en-US" altLang="zh-CN" sz="1800" b="0" kern="1200" dirty="0" smtClean="0">
+                        <a:rPr lang="en-US" altLang="zh-CN" sz="1800" b="0" kern="1200" dirty="0">
                           <a:solidFill>
                             <a:schemeClr val="dk1"/>
                           </a:solidFill>
@@ -8193,6 +8302,11 @@
                   </a:txBody>
                   <a:tcPr/>
                 </a:tc>
+                <a:extLst>
+                  <a:ext uri="{0D108BD9-81ED-4DB2-BD59-A6C34878D82A}">
+                    <a16:rowId xmlns:a16="http://schemas.microsoft.com/office/drawing/2014/main" val="10006"/>
+                  </a:ext>
+                </a:extLst>
               </a:tr>
               <a:tr h="241780">
                 <a:tc>
@@ -8202,7 +8316,7 @@
                     <a:p>
                       <a:pPr algn="ctr"/>
                       <a:r>
-                        <a:rPr lang="en-US" altLang="zh-CN" dirty="0" smtClean="0"/>
+                        <a:rPr lang="en-US" altLang="zh-CN" dirty="0"/>
                         <a:t>14</a:t>
                       </a:r>
                       <a:endParaRPr lang="zh-CN" altLang="en-US" dirty="0"/>
@@ -8217,7 +8331,7 @@
                     <a:p>
                       <a:pPr algn="ctr"/>
                       <a:r>
-                        <a:rPr lang="en-US" altLang="zh-CN" dirty="0" smtClean="0"/>
+                        <a:rPr lang="en-US" altLang="zh-CN" dirty="0"/>
                         <a:t>e3</a:t>
                       </a:r>
                       <a:endParaRPr lang="zh-CN" altLang="en-US" dirty="0"/>
@@ -8232,7 +8346,7 @@
                     <a:p>
                       <a:pPr algn="ctr"/>
                       <a:r>
-                        <a:rPr lang="en-US" altLang="zh-CN" sz="1800" b="0" kern="1200" dirty="0" smtClean="0">
+                        <a:rPr lang="en-US" altLang="zh-CN" sz="1800" b="0" kern="1200" dirty="0">
                           <a:solidFill>
                             <a:schemeClr val="dk1"/>
                           </a:solidFill>
@@ -8256,6 +8370,11 @@
                   </a:txBody>
                   <a:tcPr/>
                 </a:tc>
+                <a:extLst>
+                  <a:ext uri="{0D108BD9-81ED-4DB2-BD59-A6C34878D82A}">
+                    <a16:rowId xmlns:a16="http://schemas.microsoft.com/office/drawing/2014/main" val="10007"/>
+                  </a:ext>
+                </a:extLst>
               </a:tr>
               <a:tr h="241780">
                 <a:tc>
@@ -8265,7 +8384,7 @@
                     <a:p>
                       <a:pPr algn="ctr"/>
                       <a:r>
-                        <a:rPr lang="en-US" altLang="zh-CN" dirty="0" smtClean="0"/>
+                        <a:rPr lang="en-US" altLang="zh-CN" dirty="0"/>
                         <a:t>15</a:t>
                       </a:r>
                       <a:endParaRPr lang="zh-CN" altLang="en-US" dirty="0"/>
@@ -8280,7 +8399,7 @@
                     <a:p>
                       <a:pPr algn="ctr"/>
                       <a:r>
-                        <a:rPr lang="en-US" altLang="zh-CN" dirty="0" smtClean="0"/>
+                        <a:rPr lang="en-US" altLang="zh-CN" dirty="0"/>
                         <a:t>g3</a:t>
                       </a:r>
                       <a:endParaRPr lang="zh-CN" altLang="en-US" dirty="0"/>
@@ -8295,7 +8414,7 @@
                     <a:p>
                       <a:pPr algn="ctr"/>
                       <a:r>
-                        <a:rPr lang="en-US" altLang="zh-CN" sz="1800" b="0" kern="1200" dirty="0" smtClean="0">
+                        <a:rPr lang="en-US" altLang="zh-CN" sz="1800" b="0" kern="1200" dirty="0">
                           <a:solidFill>
                             <a:schemeClr val="dk1"/>
                           </a:solidFill>
@@ -8319,6 +8438,11 @@
                   </a:txBody>
                   <a:tcPr/>
                 </a:tc>
+                <a:extLst>
+                  <a:ext uri="{0D108BD9-81ED-4DB2-BD59-A6C34878D82A}">
+                    <a16:rowId xmlns:a16="http://schemas.microsoft.com/office/drawing/2014/main" val="10008"/>
+                  </a:ext>
+                </a:extLst>
               </a:tr>
             </a:tbl>
           </a:graphicData>
@@ -8334,13 +8458,6 @@
   <p:clrMapOvr>
     <a:masterClrMapping/>
   </p:clrMapOvr>
-  <p:timing>
-    <p:tnLst>
-      <p:par>
-        <p:cTn id="1" dur="indefinite" restart="never" nodeType="tmRoot"/>
-      </p:par>
-    </p:tnLst>
-  </p:timing>
 </p:sld>
 </file>
 
@@ -8366,7 +8483,7 @@
           <p:cNvPr id="13314" name="Title 1">
             <a:extLst>
               <a:ext uri="{FF2B5EF4-FFF2-40B4-BE49-F238E27FC236}">
-                <a16:creationId xmlns="" xmlns:a16="http://schemas.microsoft.com/office/drawing/2014/main" id="{A3FB24C1-DD16-4D31-96FE-40461E6C9FF3}"/>
+                <a16:creationId xmlns:a16="http://schemas.microsoft.com/office/drawing/2014/main" id="{A3FB24C1-DD16-4D31-96FE-40461E6C9FF3}"/>
               </a:ext>
             </a:extLst>
           </p:cNvPr>
@@ -8389,16 +8506,16 @@
           <a:p>
             <a:pPr eaLnBrk="1" hangingPunct="1"/>
             <a:r>
-              <a:rPr lang="en-US" altLang="zh-CN" b="1" dirty="0" smtClean="0">
+              <a:rPr lang="en-US" altLang="zh-CN" b="1" dirty="0">
                 <a:ea typeface="新細明體" panose="02020500000000000000" pitchFamily="18" charset="-120"/>
               </a:rPr>
-              <a:t>Connecting Components</a:t>
+              <a:t>Sine</a:t>
             </a:r>
             <a:r>
               <a:rPr lang="en-US" altLang="zh-TW" b="1" dirty="0">
                 <a:ea typeface="新細明體" panose="02020500000000000000" pitchFamily="18" charset="-120"/>
               </a:rPr>
-              <a:t/>
+              <a:t> Wave Generator</a:t>
             </a:r>
             <a:br>
               <a:rPr lang="en-US" altLang="zh-TW" b="1" dirty="0">
@@ -8416,7 +8533,7 @@
           <p:cNvPr id="2" name="日期版面配置區 1">
             <a:extLst>
               <a:ext uri="{FF2B5EF4-FFF2-40B4-BE49-F238E27FC236}">
-                <a16:creationId xmlns="" xmlns:a16="http://schemas.microsoft.com/office/drawing/2014/main" id="{EBBA9EE1-CF91-48B5-A5FC-39944E1C0D91}"/>
+                <a16:creationId xmlns:a16="http://schemas.microsoft.com/office/drawing/2014/main" id="{EBBA9EE1-CF91-48B5-A5FC-39944E1C0D91}"/>
               </a:ext>
             </a:extLst>
           </p:cNvPr>
@@ -8451,7 +8568,7 @@
           <p:cNvPr id="9" name="Content Placeholder 2">
             <a:extLst>
               <a:ext uri="{FF2B5EF4-FFF2-40B4-BE49-F238E27FC236}">
-                <a16:creationId xmlns="" xmlns:a16="http://schemas.microsoft.com/office/drawing/2014/main" xmlns:a14="http://schemas.microsoft.com/office/drawing/2010/main" xmlns:mc="http://schemas.openxmlformats.org/markup-compatibility/2006" id="{F5C80A76-C6C0-4B40-B6C8-C5CC24D58369}"/>
+                <a16:creationId xmlns:a16="http://schemas.microsoft.com/office/drawing/2014/main" id="{F5C80A76-C6C0-4B40-B6C8-C5CC24D58369}"/>
               </a:ext>
             </a:extLst>
           </p:cNvPr>
@@ -8683,8 +8800,71 @@
             </a:lvl9pPr>
           </a:lstStyle>
           <a:p>
+            <a:pPr eaLnBrk="1" hangingPunct="1"/>
+            <a:r>
+              <a:rPr lang="en-US" altLang="zh-CN" sz="2100" kern="0" dirty="0">
+                <a:ea typeface="新細明體" panose="02020500000000000000" pitchFamily="18" charset="-120"/>
+              </a:rPr>
+              <a:t>Waveform dictionary</a:t>
+            </a:r>
+          </a:p>
+          <a:p>
             <a:pPr lvl="1" eaLnBrk="1" hangingPunct="1"/>
-            <a:endParaRPr lang="en-US" altLang="zh-CN" sz="1700" kern="0" dirty="0" smtClean="0">
+            <a:r>
+              <a:rPr lang="en-US" altLang="zh-CN" sz="1700" kern="0" dirty="0">
+                <a:ea typeface="新細明體" panose="02020500000000000000" pitchFamily="18" charset="-120"/>
+              </a:rPr>
+              <a:t>512-length arrays</a:t>
+            </a:r>
+          </a:p>
+          <a:p>
+            <a:pPr lvl="1" eaLnBrk="1" hangingPunct="1"/>
+            <a:r>
+              <a:rPr lang="en-US" altLang="zh-CN" sz="1700" kern="0" dirty="0">
+                <a:ea typeface="新細明體" panose="02020500000000000000" pitchFamily="18" charset="-120"/>
+              </a:rPr>
+              <a:t>Respective frequencies</a:t>
+            </a:r>
+            <a:endParaRPr lang="en-US" altLang="zh-CN" sz="2100" kern="0" dirty="0">
+              <a:ea typeface="新細明體" panose="02020500000000000000" pitchFamily="18" charset="-120"/>
+            </a:endParaRPr>
+          </a:p>
+          <a:p>
+            <a:pPr eaLnBrk="1" hangingPunct="1"/>
+            <a:r>
+              <a:rPr lang="en-US" altLang="zh-CN" sz="2100" kern="0" dirty="0">
+                <a:ea typeface="新細明體" panose="02020500000000000000" pitchFamily="18" charset="-120"/>
+              </a:rPr>
+              <a:t>Value loader</a:t>
+            </a:r>
+          </a:p>
+          <a:p>
+            <a:pPr lvl="1" eaLnBrk="1" hangingPunct="1"/>
+            <a:r>
+              <a:rPr lang="en-US" altLang="zh-CN" sz="1700" kern="0" dirty="0">
+                <a:ea typeface="新細明體" panose="02020500000000000000" pitchFamily="18" charset="-120"/>
+              </a:rPr>
+              <a:t>Index: read value</a:t>
+            </a:r>
+          </a:p>
+          <a:p>
+            <a:pPr lvl="1" eaLnBrk="1" hangingPunct="1"/>
+            <a:r>
+              <a:rPr lang="en-US" altLang="zh-CN" sz="1700" kern="0" dirty="0">
+                <a:ea typeface="新細明體" panose="02020500000000000000" pitchFamily="18" charset="-120"/>
+              </a:rPr>
+              <a:t>Different max values</a:t>
+            </a:r>
+          </a:p>
+          <a:p>
+            <a:pPr eaLnBrk="1" hangingPunct="1"/>
+            <a:endParaRPr lang="en-US" altLang="zh-CN" sz="1700" kern="0" dirty="0">
+              <a:ea typeface="新細明體" panose="02020500000000000000" pitchFamily="18" charset="-120"/>
+            </a:endParaRPr>
+          </a:p>
+          <a:p>
+            <a:pPr lvl="1" eaLnBrk="1" hangingPunct="1"/>
+            <a:endParaRPr lang="en-US" altLang="zh-CN" sz="1700" kern="0" dirty="0">
               <a:ea typeface="新細明體" panose="02020500000000000000" pitchFamily="18" charset="-120"/>
             </a:endParaRPr>
           </a:p>
@@ -8695,7 +8875,4596 @@
           <p:cNvPr id="6" name="頁尾版面配置區 2">
             <a:extLst>
               <a:ext uri="{FF2B5EF4-FFF2-40B4-BE49-F238E27FC236}">
-                <a16:creationId xmlns="" xmlns:a16="http://schemas.microsoft.com/office/drawing/2014/main" id="{61D255B9-2D4F-4013-951E-B50709A0B821}"/>
+                <a16:creationId xmlns:a16="http://schemas.microsoft.com/office/drawing/2014/main" id="{61D255B9-2D4F-4013-951E-B50709A0B821}"/>
+              </a:ext>
+            </a:extLst>
+          </p:cNvPr>
+          <p:cNvSpPr>
+            <a:spLocks noGrp="1"/>
+          </p:cNvSpPr>
+          <p:nvPr>
+            <p:ph type="ftr" sz="quarter" idx="11"/>
+          </p:nvPr>
+        </p:nvSpPr>
+        <p:spPr>
+          <a:xfrm>
+            <a:off x="3056012" y="6246036"/>
+            <a:ext cx="3031976" cy="457200"/>
+          </a:xfrm>
+        </p:spPr>
+        <p:txBody>
+          <a:bodyPr/>
+          <a:lstStyle/>
+          <a:p>
+            <a:pPr>
+              <a:defRPr/>
+            </a:pPr>
+            <a:r>
+              <a:rPr lang="en-US" altLang="zh-CN" dirty="0"/>
+              <a:t>Southern University of Science and Technology</a:t>
+            </a:r>
+            <a:endParaRPr lang="en-US" altLang="en-US" dirty="0"/>
+          </a:p>
+        </p:txBody>
+      </p:sp>
+      <p:sp>
+        <p:nvSpPr>
+          <p:cNvPr id="3" name="AutoShape 2" descr="tones.png">
+            <a:extLst>
+              <a:ext uri="{FF2B5EF4-FFF2-40B4-BE49-F238E27FC236}">
+                <a16:creationId xmlns:a16="http://schemas.microsoft.com/office/drawing/2014/main" id="{2D1FD832-8C6E-4C37-A52E-0AB1999D96AA}"/>
+              </a:ext>
+            </a:extLst>
+          </p:cNvPr>
+          <p:cNvSpPr>
+            <a:spLocks noChangeAspect="1" noChangeArrowheads="1"/>
+          </p:cNvSpPr>
+          <p:nvPr/>
+        </p:nvSpPr>
+        <p:spPr bwMode="auto">
+          <a:xfrm>
+            <a:off x="4419600" y="3276600"/>
+            <a:ext cx="304800" cy="304800"/>
+          </a:xfrm>
+          <a:prstGeom prst="rect">
+            <a:avLst/>
+          </a:prstGeom>
+          <a:noFill/>
+          <a:extLst>
+            <a:ext uri="{909E8E84-426E-40DD-AFC4-6F175D3DCCD1}">
+              <a14:hiddenFill xmlns:a14="http://schemas.microsoft.com/office/drawing/2010/main">
+                <a:solidFill>
+                  <a:srgbClr val="FFFFFF"/>
+                </a:solidFill>
+              </a14:hiddenFill>
+            </a:ext>
+          </a:extLst>
+        </p:spPr>
+        <p:txBody>
+          <a:bodyPr vert="horz" wrap="square" lIns="91440" tIns="45720" rIns="91440" bIns="45720" numCol="1" anchor="t" anchorCtr="0" compatLnSpc="1">
+            <a:prstTxWarp prst="textNoShape">
+              <a:avLst/>
+            </a:prstTxWarp>
+          </a:bodyPr>
+          <a:lstStyle/>
+          <a:p>
+            <a:endParaRPr lang="zh-CN" altLang="en-US"/>
+          </a:p>
+        </p:txBody>
+      </p:sp>
+      <p:pic>
+        <p:nvPicPr>
+          <p:cNvPr id="5" name="图片 4">
+            <a:extLst>
+              <a:ext uri="{FF2B5EF4-FFF2-40B4-BE49-F238E27FC236}">
+                <a16:creationId xmlns:a16="http://schemas.microsoft.com/office/drawing/2014/main" id="{74CC4BD5-1D2C-4C60-8E4A-41805B134B19}"/>
+              </a:ext>
+            </a:extLst>
+          </p:cNvPr>
+          <p:cNvPicPr>
+            <a:picLocks noChangeAspect="1"/>
+          </p:cNvPicPr>
+          <p:nvPr/>
+        </p:nvPicPr>
+        <p:blipFill rotWithShape="1">
+          <a:blip r:embed="rId2"/>
+          <a:srcRect l="29525" t="17801" r="30313" b="24800"/>
+          <a:stretch/>
+        </p:blipFill>
+        <p:spPr>
+          <a:xfrm>
+            <a:off x="3923928" y="1230517"/>
+            <a:ext cx="5090255" cy="4092166"/>
+          </a:xfrm>
+          <a:prstGeom prst="rect">
+            <a:avLst/>
+          </a:prstGeom>
+        </p:spPr>
+      </p:pic>
+    </p:spTree>
+    <p:extLst>
+      <p:ext uri="{BB962C8B-B14F-4D97-AF65-F5344CB8AC3E}">
+        <p14:creationId xmlns:p14="http://schemas.microsoft.com/office/powerpoint/2010/main" val="3307838422"/>
+      </p:ext>
+    </p:extLst>
+  </p:cSld>
+  <p:clrMapOvr>
+    <a:masterClrMapping/>
+  </p:clrMapOvr>
+</p:sld>
+</file>
+
+<file path=ppt/slides/slide15.xml><?xml version="1.0" encoding="utf-8"?>
+<p:sld xmlns:a="http://schemas.openxmlformats.org/drawingml/2006/main" xmlns:r="http://schemas.openxmlformats.org/officeDocument/2006/relationships" xmlns:p="http://schemas.openxmlformats.org/presentationml/2006/main">
+  <p:cSld>
+    <p:spTree>
+      <p:nvGrpSpPr>
+        <p:cNvPr id="1" name=""/>
+        <p:cNvGrpSpPr/>
+        <p:nvPr/>
+      </p:nvGrpSpPr>
+      <p:grpSpPr>
+        <a:xfrm>
+          <a:off x="0" y="0"/>
+          <a:ext cx="0" cy="0"/>
+          <a:chOff x="0" y="0"/>
+          <a:chExt cx="0" cy="0"/>
+        </a:xfrm>
+      </p:grpSpPr>
+      <p:sp>
+        <p:nvSpPr>
+          <p:cNvPr id="13314" name="Title 1">
+            <a:extLst>
+              <a:ext uri="{FF2B5EF4-FFF2-40B4-BE49-F238E27FC236}">
+                <a16:creationId xmlns:a16="http://schemas.microsoft.com/office/drawing/2014/main" id="{A3FB24C1-DD16-4D31-96FE-40461E6C9FF3}"/>
+              </a:ext>
+            </a:extLst>
+          </p:cNvPr>
+          <p:cNvSpPr>
+            <a:spLocks noGrp="1" noChangeArrowheads="1"/>
+          </p:cNvSpPr>
+          <p:nvPr>
+            <p:ph type="title" idx="4294967295"/>
+          </p:nvPr>
+        </p:nvSpPr>
+        <p:spPr>
+          <a:xfrm>
+            <a:off x="557213" y="360363"/>
+            <a:ext cx="8229600" cy="1139825"/>
+          </a:xfrm>
+        </p:spPr>
+        <p:txBody>
+          <a:bodyPr anchor="ctr"/>
+          <a:lstStyle/>
+          <a:p>
+            <a:pPr eaLnBrk="1" hangingPunct="1"/>
+            <a:r>
+              <a:rPr lang="en-US" altLang="zh-CN" b="1" dirty="0">
+                <a:ea typeface="新細明體" panose="02020500000000000000" pitchFamily="18" charset="-120"/>
+              </a:rPr>
+              <a:t>Sine</a:t>
+            </a:r>
+            <a:r>
+              <a:rPr lang="en-US" altLang="zh-TW" b="1" dirty="0">
+                <a:ea typeface="新細明體" panose="02020500000000000000" pitchFamily="18" charset="-120"/>
+              </a:rPr>
+              <a:t> Wave Generator - frequency</a:t>
+            </a:r>
+            <a:br>
+              <a:rPr lang="en-US" altLang="zh-TW" b="1" dirty="0">
+                <a:ea typeface="新細明體" panose="02020500000000000000" pitchFamily="18" charset="-120"/>
+              </a:rPr>
+            </a:br>
+            <a:endParaRPr lang="zh-TW" altLang="en-US" b="1" dirty="0">
+              <a:ea typeface="新細明體" panose="02020500000000000000" pitchFamily="18" charset="-120"/>
+            </a:endParaRPr>
+          </a:p>
+        </p:txBody>
+      </p:sp>
+      <p:sp>
+        <p:nvSpPr>
+          <p:cNvPr id="2" name="日期版面配置區 1">
+            <a:extLst>
+              <a:ext uri="{FF2B5EF4-FFF2-40B4-BE49-F238E27FC236}">
+                <a16:creationId xmlns:a16="http://schemas.microsoft.com/office/drawing/2014/main" id="{EBBA9EE1-CF91-48B5-A5FC-39944E1C0D91}"/>
+              </a:ext>
+            </a:extLst>
+          </p:cNvPr>
+          <p:cNvSpPr>
+            <a:spLocks noGrp="1"/>
+          </p:cNvSpPr>
+          <p:nvPr>
+            <p:ph type="dt" sz="quarter" idx="10"/>
+          </p:nvPr>
+        </p:nvSpPr>
+        <p:spPr/>
+        <p:txBody>
+          <a:bodyPr/>
+          <a:lstStyle/>
+          <a:p>
+            <a:pPr>
+              <a:defRPr/>
+            </a:pPr>
+            <a:fld id="{579B02EA-46D1-47B1-8324-179A3B4D3F83}" type="datetime1">
+              <a:rPr lang="en-US" altLang="en-US"/>
+              <a:pPr>
+                <a:defRPr/>
+              </a:pPr>
+              <a:t>6/14/2018</a:t>
+            </a:fld>
+            <a:endParaRPr lang="en-US" altLang="en-US"/>
+          </a:p>
+        </p:txBody>
+      </p:sp>
+      <p:sp>
+        <p:nvSpPr>
+          <p:cNvPr id="9" name="Content Placeholder 2">
+            <a:extLst>
+              <a:ext uri="{FF2B5EF4-FFF2-40B4-BE49-F238E27FC236}">
+                <a16:creationId xmlns:a16="http://schemas.microsoft.com/office/drawing/2014/main" id="{F5C80A76-C6C0-4B40-B6C8-C5CC24D58369}"/>
+              </a:ext>
+            </a:extLst>
+          </p:cNvPr>
+          <p:cNvSpPr txBox="1">
+            <a:spLocks noChangeArrowheads="1"/>
+          </p:cNvSpPr>
+          <p:nvPr/>
+        </p:nvSpPr>
+        <p:spPr bwMode="auto">
+          <a:xfrm>
+            <a:off x="457200" y="1600200"/>
+            <a:ext cx="8229600" cy="4530725"/>
+          </a:xfrm>
+          <a:prstGeom prst="rect">
+            <a:avLst/>
+          </a:prstGeom>
+          <a:noFill/>
+          <a:ln>
+            <a:noFill/>
+          </a:ln>
+          <a:extLst>
+            <a:ext uri="{909E8E84-426E-40DD-AFC4-6F175D3DCCD1}">
+              <a14:hiddenFill xmlns:a14="http://schemas.microsoft.com/office/drawing/2010/main">
+                <a:solidFill>
+                  <a:srgbClr val="FFFFFF"/>
+                </a:solidFill>
+              </a14:hiddenFill>
+            </a:ext>
+            <a:ext uri="{91240B29-F687-4F45-9708-019B960494DF}">
+              <a14:hiddenLine xmlns:a14="http://schemas.microsoft.com/office/drawing/2010/main" w="9525">
+                <a:solidFill>
+                  <a:srgbClr val="000000"/>
+                </a:solidFill>
+                <a:miter lim="800000"/>
+                <a:headEnd/>
+                <a:tailEnd/>
+              </a14:hiddenLine>
+            </a:ext>
+          </a:extLst>
+        </p:spPr>
+        <p:txBody>
+          <a:bodyPr vert="horz" wrap="square" lIns="91440" tIns="45720" rIns="91440" bIns="45720" numCol="1" anchor="t" anchorCtr="0" compatLnSpc="1">
+            <a:prstTxWarp prst="textNoShape">
+              <a:avLst/>
+            </a:prstTxWarp>
+          </a:bodyPr>
+          <a:lstStyle>
+            <a:lvl1pPr marL="342900" indent="-342900" algn="l" rtl="0" eaLnBrk="0" fontAlgn="base" hangingPunct="0">
+              <a:spcBef>
+                <a:spcPct val="20000"/>
+              </a:spcBef>
+              <a:spcAft>
+                <a:spcPct val="0"/>
+              </a:spcAft>
+              <a:buClr>
+                <a:schemeClr val="accent1"/>
+              </a:buClr>
+              <a:buSzPct val="65000"/>
+              <a:buFont typeface="Wingdings" panose="05000000000000000000" pitchFamily="2" charset="2"/>
+              <a:buChar char="n"/>
+              <a:defRPr sz="3000">
+                <a:solidFill>
+                  <a:schemeClr val="tx1"/>
+                </a:solidFill>
+                <a:latin typeface="+mn-lt"/>
+                <a:ea typeface="+mn-ea"/>
+                <a:cs typeface="+mn-cs"/>
+              </a:defRPr>
+            </a:lvl1pPr>
+            <a:lvl2pPr marL="669925" indent="-325438" algn="l" rtl="0" eaLnBrk="0" fontAlgn="base" hangingPunct="0">
+              <a:spcBef>
+                <a:spcPct val="20000"/>
+              </a:spcBef>
+              <a:spcAft>
+                <a:spcPct val="0"/>
+              </a:spcAft>
+              <a:buClr>
+                <a:schemeClr val="accent2"/>
+              </a:buClr>
+              <a:buSzPct val="60000"/>
+              <a:buFont typeface="Wingdings" panose="05000000000000000000" pitchFamily="2" charset="2"/>
+              <a:buChar char="q"/>
+              <a:defRPr sz="2600">
+                <a:solidFill>
+                  <a:schemeClr val="tx1"/>
+                </a:solidFill>
+                <a:latin typeface="+mn-lt"/>
+              </a:defRPr>
+            </a:lvl2pPr>
+            <a:lvl3pPr marL="1022350" indent="-350838" algn="l" rtl="0" eaLnBrk="0" fontAlgn="base" hangingPunct="0">
+              <a:spcBef>
+                <a:spcPct val="20000"/>
+              </a:spcBef>
+              <a:spcAft>
+                <a:spcPct val="0"/>
+              </a:spcAft>
+              <a:buClr>
+                <a:schemeClr val="accent1"/>
+              </a:buClr>
+              <a:buSzPct val="65000"/>
+              <a:buFont typeface="Wingdings" panose="05000000000000000000" pitchFamily="2" charset="2"/>
+              <a:buChar char="n"/>
+              <a:defRPr sz="2200">
+                <a:solidFill>
+                  <a:schemeClr val="tx1"/>
+                </a:solidFill>
+                <a:latin typeface="+mn-lt"/>
+              </a:defRPr>
+            </a:lvl3pPr>
+            <a:lvl4pPr marL="1339850" indent="-315913" algn="l" rtl="0" eaLnBrk="0" fontAlgn="base" hangingPunct="0">
+              <a:spcBef>
+                <a:spcPct val="20000"/>
+              </a:spcBef>
+              <a:spcAft>
+                <a:spcPct val="0"/>
+              </a:spcAft>
+              <a:buClr>
+                <a:schemeClr val="accent2"/>
+              </a:buClr>
+              <a:buSzPct val="70000"/>
+              <a:buFont typeface="Wingdings" panose="05000000000000000000" pitchFamily="2" charset="2"/>
+              <a:buChar char="q"/>
+              <a:defRPr sz="2000">
+                <a:solidFill>
+                  <a:schemeClr val="tx1"/>
+                </a:solidFill>
+                <a:latin typeface="+mn-lt"/>
+              </a:defRPr>
+            </a:lvl4pPr>
+            <a:lvl5pPr marL="1681163" indent="-339725" algn="l" rtl="0" eaLnBrk="0" fontAlgn="base" hangingPunct="0">
+              <a:spcBef>
+                <a:spcPct val="20000"/>
+              </a:spcBef>
+              <a:spcAft>
+                <a:spcPct val="0"/>
+              </a:spcAft>
+              <a:buClr>
+                <a:schemeClr val="accent1"/>
+              </a:buClr>
+              <a:buSzPct val="75000"/>
+              <a:buFont typeface="Wingdings" panose="05000000000000000000" pitchFamily="2" charset="2"/>
+              <a:buChar char="§"/>
+              <a:defRPr sz="2000">
+                <a:solidFill>
+                  <a:schemeClr val="tx1"/>
+                </a:solidFill>
+                <a:latin typeface="+mn-lt"/>
+              </a:defRPr>
+            </a:lvl5pPr>
+            <a:lvl6pPr marL="2138363" indent="-339725" algn="l" rtl="0" fontAlgn="base">
+              <a:spcBef>
+                <a:spcPct val="20000"/>
+              </a:spcBef>
+              <a:spcAft>
+                <a:spcPct val="0"/>
+              </a:spcAft>
+              <a:buClr>
+                <a:schemeClr val="accent1"/>
+              </a:buClr>
+              <a:buSzPct val="75000"/>
+              <a:buFont typeface="Wingdings" pitchFamily="2" charset="2"/>
+              <a:buChar char="§"/>
+              <a:defRPr sz="2000">
+                <a:solidFill>
+                  <a:schemeClr val="tx1"/>
+                </a:solidFill>
+                <a:latin typeface="+mn-lt"/>
+              </a:defRPr>
+            </a:lvl6pPr>
+            <a:lvl7pPr marL="2595563" indent="-339725" algn="l" rtl="0" fontAlgn="base">
+              <a:spcBef>
+                <a:spcPct val="20000"/>
+              </a:spcBef>
+              <a:spcAft>
+                <a:spcPct val="0"/>
+              </a:spcAft>
+              <a:buClr>
+                <a:schemeClr val="accent1"/>
+              </a:buClr>
+              <a:buSzPct val="75000"/>
+              <a:buFont typeface="Wingdings" pitchFamily="2" charset="2"/>
+              <a:buChar char="§"/>
+              <a:defRPr sz="2000">
+                <a:solidFill>
+                  <a:schemeClr val="tx1"/>
+                </a:solidFill>
+                <a:latin typeface="+mn-lt"/>
+              </a:defRPr>
+            </a:lvl7pPr>
+            <a:lvl8pPr marL="3052763" indent="-339725" algn="l" rtl="0" fontAlgn="base">
+              <a:spcBef>
+                <a:spcPct val="20000"/>
+              </a:spcBef>
+              <a:spcAft>
+                <a:spcPct val="0"/>
+              </a:spcAft>
+              <a:buClr>
+                <a:schemeClr val="accent1"/>
+              </a:buClr>
+              <a:buSzPct val="75000"/>
+              <a:buFont typeface="Wingdings" pitchFamily="2" charset="2"/>
+              <a:buChar char="§"/>
+              <a:defRPr sz="2000">
+                <a:solidFill>
+                  <a:schemeClr val="tx1"/>
+                </a:solidFill>
+                <a:latin typeface="+mn-lt"/>
+              </a:defRPr>
+            </a:lvl8pPr>
+            <a:lvl9pPr marL="3509963" indent="-339725" algn="l" rtl="0" fontAlgn="base">
+              <a:spcBef>
+                <a:spcPct val="20000"/>
+              </a:spcBef>
+              <a:spcAft>
+                <a:spcPct val="0"/>
+              </a:spcAft>
+              <a:buClr>
+                <a:schemeClr val="accent1"/>
+              </a:buClr>
+              <a:buSzPct val="75000"/>
+              <a:buFont typeface="Wingdings" pitchFamily="2" charset="2"/>
+              <a:buChar char="§"/>
+              <a:defRPr sz="2000">
+                <a:solidFill>
+                  <a:schemeClr val="tx1"/>
+                </a:solidFill>
+                <a:latin typeface="+mn-lt"/>
+              </a:defRPr>
+            </a:lvl9pPr>
+          </a:lstStyle>
+          <a:p>
+            <a:pPr eaLnBrk="1" hangingPunct="1"/>
+            <a:r>
+              <a:rPr lang="en-US" altLang="zh-CN" sz="2100" kern="0" dirty="0">
+                <a:ea typeface="新細明體" panose="02020500000000000000" pitchFamily="18" charset="-120"/>
+              </a:rPr>
+              <a:t>Octave freq. divider</a:t>
+            </a:r>
+          </a:p>
+          <a:p>
+            <a:pPr lvl="1" eaLnBrk="1" hangingPunct="1"/>
+            <a:r>
+              <a:rPr lang="en-US" altLang="zh-CN" sz="1700" kern="0" dirty="0">
+                <a:ea typeface="新細明體" panose="02020500000000000000" pitchFamily="18" charset="-120"/>
+              </a:rPr>
+              <a:t>Save memory space</a:t>
+            </a:r>
+          </a:p>
+          <a:p>
+            <a:pPr lvl="1" eaLnBrk="1" hangingPunct="1"/>
+            <a:r>
+              <a:rPr lang="en-US" altLang="zh-CN" sz="1700" kern="0" dirty="0">
+                <a:ea typeface="新細明體" panose="02020500000000000000" pitchFamily="18" charset="-120"/>
+              </a:rPr>
+              <a:t>Use only Five distinct dictionaries</a:t>
+            </a:r>
+          </a:p>
+          <a:p>
+            <a:pPr eaLnBrk="1" hangingPunct="1"/>
+            <a:r>
+              <a:rPr lang="en-US" altLang="zh-CN" sz="2100" kern="0" dirty="0">
+                <a:ea typeface="新細明體" panose="02020500000000000000" pitchFamily="18" charset="-120"/>
+              </a:rPr>
+              <a:t>Physical freq. divider</a:t>
+            </a:r>
+          </a:p>
+          <a:p>
+            <a:pPr lvl="1" eaLnBrk="1" hangingPunct="1"/>
+            <a:r>
+              <a:rPr lang="en-US" altLang="zh-CN" sz="1700" kern="0" dirty="0">
+                <a:ea typeface="新細明體" panose="02020500000000000000" pitchFamily="18" charset="-120"/>
+              </a:rPr>
+              <a:t>Divides oscillator </a:t>
+            </a:r>
+            <a:r>
+              <a:rPr lang="en-US" altLang="zh-CN" sz="1700" kern="0" dirty="0" err="1">
+                <a:ea typeface="新細明體" panose="02020500000000000000" pitchFamily="18" charset="-120"/>
+              </a:rPr>
+              <a:t>clk</a:t>
+            </a:r>
+            <a:r>
+              <a:rPr lang="en-US" altLang="zh-CN" sz="1700" kern="0" dirty="0">
+                <a:ea typeface="新細明體" panose="02020500000000000000" pitchFamily="18" charset="-120"/>
+              </a:rPr>
+              <a:t> into real sine wave </a:t>
+            </a:r>
+            <a:r>
+              <a:rPr lang="en-US" altLang="zh-CN" sz="1700" kern="0" dirty="0" err="1">
+                <a:ea typeface="新細明體" panose="02020500000000000000" pitchFamily="18" charset="-120"/>
+              </a:rPr>
+              <a:t>clk</a:t>
+            </a:r>
+            <a:endParaRPr lang="en-US" altLang="zh-CN" sz="1700" kern="0" dirty="0">
+              <a:ea typeface="新細明體" panose="02020500000000000000" pitchFamily="18" charset="-120"/>
+            </a:endParaRPr>
+          </a:p>
+          <a:p>
+            <a:pPr lvl="1" eaLnBrk="1" hangingPunct="1"/>
+            <a:endParaRPr lang="en-US" altLang="zh-CN" sz="1700" kern="0" dirty="0">
+              <a:ea typeface="新細明體" panose="02020500000000000000" pitchFamily="18" charset="-120"/>
+            </a:endParaRPr>
+          </a:p>
+          <a:p>
+            <a:pPr eaLnBrk="1" hangingPunct="1"/>
+            <a:endParaRPr lang="en-US" altLang="zh-CN" sz="1700" kern="0" dirty="0">
+              <a:ea typeface="新細明體" panose="02020500000000000000" pitchFamily="18" charset="-120"/>
+            </a:endParaRPr>
+          </a:p>
+          <a:p>
+            <a:pPr lvl="1" eaLnBrk="1" hangingPunct="1"/>
+            <a:endParaRPr lang="en-US" altLang="zh-CN" sz="1700" kern="0" dirty="0">
+              <a:ea typeface="新細明體" panose="02020500000000000000" pitchFamily="18" charset="-120"/>
+            </a:endParaRPr>
+          </a:p>
+        </p:txBody>
+      </p:sp>
+      <p:sp>
+        <p:nvSpPr>
+          <p:cNvPr id="6" name="頁尾版面配置區 2">
+            <a:extLst>
+              <a:ext uri="{FF2B5EF4-FFF2-40B4-BE49-F238E27FC236}">
+                <a16:creationId xmlns:a16="http://schemas.microsoft.com/office/drawing/2014/main" id="{61D255B9-2D4F-4013-951E-B50709A0B821}"/>
+              </a:ext>
+            </a:extLst>
+          </p:cNvPr>
+          <p:cNvSpPr>
+            <a:spLocks noGrp="1"/>
+          </p:cNvSpPr>
+          <p:nvPr>
+            <p:ph type="ftr" sz="quarter" idx="11"/>
+          </p:nvPr>
+        </p:nvSpPr>
+        <p:spPr>
+          <a:xfrm>
+            <a:off x="3056012" y="6246036"/>
+            <a:ext cx="3031976" cy="457200"/>
+          </a:xfrm>
+        </p:spPr>
+        <p:txBody>
+          <a:bodyPr/>
+          <a:lstStyle/>
+          <a:p>
+            <a:pPr>
+              <a:defRPr/>
+            </a:pPr>
+            <a:r>
+              <a:rPr lang="en-US" altLang="zh-CN" dirty="0"/>
+              <a:t>Southern University of Science and Technology</a:t>
+            </a:r>
+            <a:endParaRPr lang="en-US" altLang="en-US" dirty="0"/>
+          </a:p>
+        </p:txBody>
+      </p:sp>
+      <p:sp>
+        <p:nvSpPr>
+          <p:cNvPr id="3" name="AutoShape 2" descr="tones.png">
+            <a:extLst>
+              <a:ext uri="{FF2B5EF4-FFF2-40B4-BE49-F238E27FC236}">
+                <a16:creationId xmlns:a16="http://schemas.microsoft.com/office/drawing/2014/main" id="{2D1FD832-8C6E-4C37-A52E-0AB1999D96AA}"/>
+              </a:ext>
+            </a:extLst>
+          </p:cNvPr>
+          <p:cNvSpPr>
+            <a:spLocks noChangeAspect="1" noChangeArrowheads="1"/>
+          </p:cNvSpPr>
+          <p:nvPr/>
+        </p:nvSpPr>
+        <p:spPr bwMode="auto">
+          <a:xfrm>
+            <a:off x="4419600" y="3276600"/>
+            <a:ext cx="304800" cy="304800"/>
+          </a:xfrm>
+          <a:prstGeom prst="rect">
+            <a:avLst/>
+          </a:prstGeom>
+          <a:noFill/>
+          <a:extLst>
+            <a:ext uri="{909E8E84-426E-40DD-AFC4-6F175D3DCCD1}">
+              <a14:hiddenFill xmlns:a14="http://schemas.microsoft.com/office/drawing/2010/main">
+                <a:solidFill>
+                  <a:srgbClr val="FFFFFF"/>
+                </a:solidFill>
+              </a14:hiddenFill>
+            </a:ext>
+          </a:extLst>
+        </p:spPr>
+        <p:txBody>
+          <a:bodyPr vert="horz" wrap="square" lIns="91440" tIns="45720" rIns="91440" bIns="45720" numCol="1" anchor="t" anchorCtr="0" compatLnSpc="1">
+            <a:prstTxWarp prst="textNoShape">
+              <a:avLst/>
+            </a:prstTxWarp>
+          </a:bodyPr>
+          <a:lstStyle/>
+          <a:p>
+            <a:endParaRPr lang="zh-CN" altLang="en-US"/>
+          </a:p>
+        </p:txBody>
+      </p:sp>
+      <p:pic>
+        <p:nvPicPr>
+          <p:cNvPr id="4" name="图片 3">
+            <a:extLst>
+              <a:ext uri="{FF2B5EF4-FFF2-40B4-BE49-F238E27FC236}">
+                <a16:creationId xmlns:a16="http://schemas.microsoft.com/office/drawing/2014/main" id="{1EE7737E-C245-4839-8119-20298907D537}"/>
+              </a:ext>
+            </a:extLst>
+          </p:cNvPr>
+          <p:cNvPicPr>
+            <a:picLocks noChangeAspect="1"/>
+          </p:cNvPicPr>
+          <p:nvPr/>
+        </p:nvPicPr>
+        <p:blipFill>
+          <a:blip r:embed="rId2"/>
+          <a:stretch>
+            <a:fillRect/>
+          </a:stretch>
+        </p:blipFill>
+        <p:spPr>
+          <a:xfrm>
+            <a:off x="5940152" y="855526"/>
+            <a:ext cx="2746648" cy="5046551"/>
+          </a:xfrm>
+          <a:prstGeom prst="rect">
+            <a:avLst/>
+          </a:prstGeom>
+        </p:spPr>
+      </p:pic>
+    </p:spTree>
+    <p:extLst>
+      <p:ext uri="{BB962C8B-B14F-4D97-AF65-F5344CB8AC3E}">
+        <p14:creationId xmlns:p14="http://schemas.microsoft.com/office/powerpoint/2010/main" val="3938564487"/>
+      </p:ext>
+    </p:extLst>
+  </p:cSld>
+  <p:clrMapOvr>
+    <a:masterClrMapping/>
+  </p:clrMapOvr>
+</p:sld>
+</file>
+
+<file path=ppt/slides/slide16.xml><?xml version="1.0" encoding="utf-8"?>
+<p:sld xmlns:a="http://schemas.openxmlformats.org/drawingml/2006/main" xmlns:r="http://schemas.openxmlformats.org/officeDocument/2006/relationships" xmlns:p="http://schemas.openxmlformats.org/presentationml/2006/main">
+  <p:cSld>
+    <p:spTree>
+      <p:nvGrpSpPr>
+        <p:cNvPr id="1" name=""/>
+        <p:cNvGrpSpPr/>
+        <p:nvPr/>
+      </p:nvGrpSpPr>
+      <p:grpSpPr>
+        <a:xfrm>
+          <a:off x="0" y="0"/>
+          <a:ext cx="0" cy="0"/>
+          <a:chOff x="0" y="0"/>
+          <a:chExt cx="0" cy="0"/>
+        </a:xfrm>
+      </p:grpSpPr>
+      <p:sp>
+        <p:nvSpPr>
+          <p:cNvPr id="13314" name="Title 1">
+            <a:extLst>
+              <a:ext uri="{FF2B5EF4-FFF2-40B4-BE49-F238E27FC236}">
+                <a16:creationId xmlns:a16="http://schemas.microsoft.com/office/drawing/2014/main" id="{A3FB24C1-DD16-4D31-96FE-40461E6C9FF3}"/>
+              </a:ext>
+            </a:extLst>
+          </p:cNvPr>
+          <p:cNvSpPr>
+            <a:spLocks noGrp="1" noChangeArrowheads="1"/>
+          </p:cNvSpPr>
+          <p:nvPr>
+            <p:ph type="title" idx="4294967295"/>
+          </p:nvPr>
+        </p:nvSpPr>
+        <p:spPr>
+          <a:xfrm>
+            <a:off x="557213" y="360363"/>
+            <a:ext cx="8229600" cy="1139825"/>
+          </a:xfrm>
+        </p:spPr>
+        <p:txBody>
+          <a:bodyPr anchor="ctr"/>
+          <a:lstStyle/>
+          <a:p>
+            <a:pPr eaLnBrk="1" hangingPunct="1"/>
+            <a:r>
+              <a:rPr lang="en-US" altLang="zh-CN" b="1" dirty="0">
+                <a:ea typeface="新細明體" panose="02020500000000000000" pitchFamily="18" charset="-120"/>
+              </a:rPr>
+              <a:t>Sine</a:t>
+            </a:r>
+            <a:r>
+              <a:rPr lang="en-US" altLang="zh-TW" b="1" dirty="0">
+                <a:ea typeface="新細明體" panose="02020500000000000000" pitchFamily="18" charset="-120"/>
+              </a:rPr>
+              <a:t> Wave Generator - Structure</a:t>
+            </a:r>
+            <a:br>
+              <a:rPr lang="en-US" altLang="zh-TW" b="1" dirty="0">
+                <a:ea typeface="新細明體" panose="02020500000000000000" pitchFamily="18" charset="-120"/>
+              </a:rPr>
+            </a:br>
+            <a:endParaRPr lang="zh-TW" altLang="en-US" b="1" dirty="0">
+              <a:ea typeface="新細明體" panose="02020500000000000000" pitchFamily="18" charset="-120"/>
+            </a:endParaRPr>
+          </a:p>
+        </p:txBody>
+      </p:sp>
+      <p:sp>
+        <p:nvSpPr>
+          <p:cNvPr id="2" name="日期版面配置區 1">
+            <a:extLst>
+              <a:ext uri="{FF2B5EF4-FFF2-40B4-BE49-F238E27FC236}">
+                <a16:creationId xmlns:a16="http://schemas.microsoft.com/office/drawing/2014/main" id="{EBBA9EE1-CF91-48B5-A5FC-39944E1C0D91}"/>
+              </a:ext>
+            </a:extLst>
+          </p:cNvPr>
+          <p:cNvSpPr>
+            <a:spLocks noGrp="1"/>
+          </p:cNvSpPr>
+          <p:nvPr>
+            <p:ph type="dt" sz="quarter" idx="10"/>
+          </p:nvPr>
+        </p:nvSpPr>
+        <p:spPr/>
+        <p:txBody>
+          <a:bodyPr/>
+          <a:lstStyle/>
+          <a:p>
+            <a:pPr>
+              <a:defRPr/>
+            </a:pPr>
+            <a:fld id="{579B02EA-46D1-47B1-8324-179A3B4D3F83}" type="datetime1">
+              <a:rPr lang="en-US" altLang="en-US"/>
+              <a:pPr>
+                <a:defRPr/>
+              </a:pPr>
+              <a:t>6/14/2018</a:t>
+            </a:fld>
+            <a:endParaRPr lang="en-US" altLang="en-US"/>
+          </a:p>
+        </p:txBody>
+      </p:sp>
+      <p:sp>
+        <p:nvSpPr>
+          <p:cNvPr id="9" name="Content Placeholder 2">
+            <a:extLst>
+              <a:ext uri="{FF2B5EF4-FFF2-40B4-BE49-F238E27FC236}">
+                <a16:creationId xmlns:a16="http://schemas.microsoft.com/office/drawing/2014/main" id="{F5C80A76-C6C0-4B40-B6C8-C5CC24D58369}"/>
+              </a:ext>
+            </a:extLst>
+          </p:cNvPr>
+          <p:cNvSpPr txBox="1">
+            <a:spLocks noChangeArrowheads="1"/>
+          </p:cNvSpPr>
+          <p:nvPr/>
+        </p:nvSpPr>
+        <p:spPr bwMode="auto">
+          <a:xfrm>
+            <a:off x="457200" y="1600200"/>
+            <a:ext cx="8229600" cy="4530725"/>
+          </a:xfrm>
+          <a:prstGeom prst="rect">
+            <a:avLst/>
+          </a:prstGeom>
+          <a:noFill/>
+          <a:ln>
+            <a:noFill/>
+          </a:ln>
+          <a:extLst>
+            <a:ext uri="{909E8E84-426E-40DD-AFC4-6F175D3DCCD1}">
+              <a14:hiddenFill xmlns:a14="http://schemas.microsoft.com/office/drawing/2010/main">
+                <a:solidFill>
+                  <a:srgbClr val="FFFFFF"/>
+                </a:solidFill>
+              </a14:hiddenFill>
+            </a:ext>
+            <a:ext uri="{91240B29-F687-4F45-9708-019B960494DF}">
+              <a14:hiddenLine xmlns:a14="http://schemas.microsoft.com/office/drawing/2010/main" w="9525">
+                <a:solidFill>
+                  <a:srgbClr val="000000"/>
+                </a:solidFill>
+                <a:miter lim="800000"/>
+                <a:headEnd/>
+                <a:tailEnd/>
+              </a14:hiddenLine>
+            </a:ext>
+          </a:extLst>
+        </p:spPr>
+        <p:txBody>
+          <a:bodyPr vert="horz" wrap="square" lIns="91440" tIns="45720" rIns="91440" bIns="45720" numCol="1" anchor="t" anchorCtr="0" compatLnSpc="1">
+            <a:prstTxWarp prst="textNoShape">
+              <a:avLst/>
+            </a:prstTxWarp>
+          </a:bodyPr>
+          <a:lstStyle>
+            <a:lvl1pPr marL="342900" indent="-342900" algn="l" rtl="0" eaLnBrk="0" fontAlgn="base" hangingPunct="0">
+              <a:spcBef>
+                <a:spcPct val="20000"/>
+              </a:spcBef>
+              <a:spcAft>
+                <a:spcPct val="0"/>
+              </a:spcAft>
+              <a:buClr>
+                <a:schemeClr val="accent1"/>
+              </a:buClr>
+              <a:buSzPct val="65000"/>
+              <a:buFont typeface="Wingdings" panose="05000000000000000000" pitchFamily="2" charset="2"/>
+              <a:buChar char="n"/>
+              <a:defRPr sz="3000">
+                <a:solidFill>
+                  <a:schemeClr val="tx1"/>
+                </a:solidFill>
+                <a:latin typeface="+mn-lt"/>
+                <a:ea typeface="+mn-ea"/>
+                <a:cs typeface="+mn-cs"/>
+              </a:defRPr>
+            </a:lvl1pPr>
+            <a:lvl2pPr marL="669925" indent="-325438" algn="l" rtl="0" eaLnBrk="0" fontAlgn="base" hangingPunct="0">
+              <a:spcBef>
+                <a:spcPct val="20000"/>
+              </a:spcBef>
+              <a:spcAft>
+                <a:spcPct val="0"/>
+              </a:spcAft>
+              <a:buClr>
+                <a:schemeClr val="accent2"/>
+              </a:buClr>
+              <a:buSzPct val="60000"/>
+              <a:buFont typeface="Wingdings" panose="05000000000000000000" pitchFamily="2" charset="2"/>
+              <a:buChar char="q"/>
+              <a:defRPr sz="2600">
+                <a:solidFill>
+                  <a:schemeClr val="tx1"/>
+                </a:solidFill>
+                <a:latin typeface="+mn-lt"/>
+              </a:defRPr>
+            </a:lvl2pPr>
+            <a:lvl3pPr marL="1022350" indent="-350838" algn="l" rtl="0" eaLnBrk="0" fontAlgn="base" hangingPunct="0">
+              <a:spcBef>
+                <a:spcPct val="20000"/>
+              </a:spcBef>
+              <a:spcAft>
+                <a:spcPct val="0"/>
+              </a:spcAft>
+              <a:buClr>
+                <a:schemeClr val="accent1"/>
+              </a:buClr>
+              <a:buSzPct val="65000"/>
+              <a:buFont typeface="Wingdings" panose="05000000000000000000" pitchFamily="2" charset="2"/>
+              <a:buChar char="n"/>
+              <a:defRPr sz="2200">
+                <a:solidFill>
+                  <a:schemeClr val="tx1"/>
+                </a:solidFill>
+                <a:latin typeface="+mn-lt"/>
+              </a:defRPr>
+            </a:lvl3pPr>
+            <a:lvl4pPr marL="1339850" indent="-315913" algn="l" rtl="0" eaLnBrk="0" fontAlgn="base" hangingPunct="0">
+              <a:spcBef>
+                <a:spcPct val="20000"/>
+              </a:spcBef>
+              <a:spcAft>
+                <a:spcPct val="0"/>
+              </a:spcAft>
+              <a:buClr>
+                <a:schemeClr val="accent2"/>
+              </a:buClr>
+              <a:buSzPct val="70000"/>
+              <a:buFont typeface="Wingdings" panose="05000000000000000000" pitchFamily="2" charset="2"/>
+              <a:buChar char="q"/>
+              <a:defRPr sz="2000">
+                <a:solidFill>
+                  <a:schemeClr val="tx1"/>
+                </a:solidFill>
+                <a:latin typeface="+mn-lt"/>
+              </a:defRPr>
+            </a:lvl4pPr>
+            <a:lvl5pPr marL="1681163" indent="-339725" algn="l" rtl="0" eaLnBrk="0" fontAlgn="base" hangingPunct="0">
+              <a:spcBef>
+                <a:spcPct val="20000"/>
+              </a:spcBef>
+              <a:spcAft>
+                <a:spcPct val="0"/>
+              </a:spcAft>
+              <a:buClr>
+                <a:schemeClr val="accent1"/>
+              </a:buClr>
+              <a:buSzPct val="75000"/>
+              <a:buFont typeface="Wingdings" panose="05000000000000000000" pitchFamily="2" charset="2"/>
+              <a:buChar char="§"/>
+              <a:defRPr sz="2000">
+                <a:solidFill>
+                  <a:schemeClr val="tx1"/>
+                </a:solidFill>
+                <a:latin typeface="+mn-lt"/>
+              </a:defRPr>
+            </a:lvl5pPr>
+            <a:lvl6pPr marL="2138363" indent="-339725" algn="l" rtl="0" fontAlgn="base">
+              <a:spcBef>
+                <a:spcPct val="20000"/>
+              </a:spcBef>
+              <a:spcAft>
+                <a:spcPct val="0"/>
+              </a:spcAft>
+              <a:buClr>
+                <a:schemeClr val="accent1"/>
+              </a:buClr>
+              <a:buSzPct val="75000"/>
+              <a:buFont typeface="Wingdings" pitchFamily="2" charset="2"/>
+              <a:buChar char="§"/>
+              <a:defRPr sz="2000">
+                <a:solidFill>
+                  <a:schemeClr val="tx1"/>
+                </a:solidFill>
+                <a:latin typeface="+mn-lt"/>
+              </a:defRPr>
+            </a:lvl6pPr>
+            <a:lvl7pPr marL="2595563" indent="-339725" algn="l" rtl="0" fontAlgn="base">
+              <a:spcBef>
+                <a:spcPct val="20000"/>
+              </a:spcBef>
+              <a:spcAft>
+                <a:spcPct val="0"/>
+              </a:spcAft>
+              <a:buClr>
+                <a:schemeClr val="accent1"/>
+              </a:buClr>
+              <a:buSzPct val="75000"/>
+              <a:buFont typeface="Wingdings" pitchFamily="2" charset="2"/>
+              <a:buChar char="§"/>
+              <a:defRPr sz="2000">
+                <a:solidFill>
+                  <a:schemeClr val="tx1"/>
+                </a:solidFill>
+                <a:latin typeface="+mn-lt"/>
+              </a:defRPr>
+            </a:lvl7pPr>
+            <a:lvl8pPr marL="3052763" indent="-339725" algn="l" rtl="0" fontAlgn="base">
+              <a:spcBef>
+                <a:spcPct val="20000"/>
+              </a:spcBef>
+              <a:spcAft>
+                <a:spcPct val="0"/>
+              </a:spcAft>
+              <a:buClr>
+                <a:schemeClr val="accent1"/>
+              </a:buClr>
+              <a:buSzPct val="75000"/>
+              <a:buFont typeface="Wingdings" pitchFamily="2" charset="2"/>
+              <a:buChar char="§"/>
+              <a:defRPr sz="2000">
+                <a:solidFill>
+                  <a:schemeClr val="tx1"/>
+                </a:solidFill>
+                <a:latin typeface="+mn-lt"/>
+              </a:defRPr>
+            </a:lvl8pPr>
+            <a:lvl9pPr marL="3509963" indent="-339725" algn="l" rtl="0" fontAlgn="base">
+              <a:spcBef>
+                <a:spcPct val="20000"/>
+              </a:spcBef>
+              <a:spcAft>
+                <a:spcPct val="0"/>
+              </a:spcAft>
+              <a:buClr>
+                <a:schemeClr val="accent1"/>
+              </a:buClr>
+              <a:buSzPct val="75000"/>
+              <a:buFont typeface="Wingdings" pitchFamily="2" charset="2"/>
+              <a:buChar char="§"/>
+              <a:defRPr sz="2000">
+                <a:solidFill>
+                  <a:schemeClr val="tx1"/>
+                </a:solidFill>
+                <a:latin typeface="+mn-lt"/>
+              </a:defRPr>
+            </a:lvl9pPr>
+          </a:lstStyle>
+          <a:p>
+            <a:pPr eaLnBrk="1" hangingPunct="1"/>
+            <a:r>
+              <a:rPr lang="en-US" altLang="zh-CN" sz="2100" kern="0" dirty="0">
+                <a:ea typeface="新細明體" panose="02020500000000000000" pitchFamily="18" charset="-120"/>
+              </a:rPr>
+              <a:t>Waveform dictionary</a:t>
+            </a:r>
+          </a:p>
+          <a:p>
+            <a:pPr eaLnBrk="1" hangingPunct="1"/>
+            <a:r>
+              <a:rPr lang="en-US" altLang="zh-CN" sz="2100" kern="0" dirty="0">
+                <a:ea typeface="新細明體" panose="02020500000000000000" pitchFamily="18" charset="-120"/>
+              </a:rPr>
+              <a:t>Physical freq. divider</a:t>
+            </a:r>
+          </a:p>
+          <a:p>
+            <a:pPr eaLnBrk="1" hangingPunct="1"/>
+            <a:r>
+              <a:rPr lang="en-US" altLang="zh-CN" sz="2100" kern="0" dirty="0">
+                <a:ea typeface="新細明體" panose="02020500000000000000" pitchFamily="18" charset="-120"/>
+              </a:rPr>
+              <a:t>Pre-loader</a:t>
+            </a:r>
+          </a:p>
+          <a:p>
+            <a:pPr lvl="1" eaLnBrk="1" hangingPunct="1"/>
+            <a:r>
+              <a:rPr lang="en-US" altLang="zh-CN" sz="1700" kern="0" dirty="0">
+                <a:ea typeface="新細明體" panose="02020500000000000000" pitchFamily="18" charset="-120"/>
+              </a:rPr>
+              <a:t>Input tone (4bit)</a:t>
+            </a:r>
+          </a:p>
+          <a:p>
+            <a:pPr lvl="1" eaLnBrk="1" hangingPunct="1"/>
+            <a:r>
+              <a:rPr lang="en-US" altLang="zh-CN" sz="1700" kern="0" dirty="0">
+                <a:ea typeface="新細明體" panose="02020500000000000000" pitchFamily="18" charset="-120"/>
+              </a:rPr>
+              <a:t>Load dictionary</a:t>
+            </a:r>
+          </a:p>
+          <a:p>
+            <a:pPr lvl="1" eaLnBrk="1" hangingPunct="1"/>
+            <a:r>
+              <a:rPr lang="en-US" altLang="zh-CN" sz="1700" kern="0" dirty="0">
+                <a:ea typeface="新細明體" panose="02020500000000000000" pitchFamily="18" charset="-120"/>
+              </a:rPr>
+              <a:t>Maximum index</a:t>
+            </a:r>
+          </a:p>
+          <a:p>
+            <a:pPr lvl="1" eaLnBrk="1" hangingPunct="1"/>
+            <a:r>
+              <a:rPr lang="en-US" altLang="zh-CN" sz="1700" kern="0" dirty="0">
+                <a:ea typeface="新細明體" panose="02020500000000000000" pitchFamily="18" charset="-120"/>
+              </a:rPr>
+              <a:t>Octave div coefficient</a:t>
+            </a:r>
+          </a:p>
+          <a:p>
+            <a:pPr eaLnBrk="1" hangingPunct="1"/>
+            <a:r>
+              <a:rPr lang="en-US" altLang="zh-CN" sz="2100" kern="0" dirty="0">
+                <a:ea typeface="新細明體" panose="02020500000000000000" pitchFamily="18" charset="-120"/>
+              </a:rPr>
+              <a:t>Octave freq. divider</a:t>
+            </a:r>
+          </a:p>
+          <a:p>
+            <a:pPr eaLnBrk="1" hangingPunct="1"/>
+            <a:r>
+              <a:rPr lang="en-US" altLang="zh-CN" sz="2100" kern="0" dirty="0">
+                <a:ea typeface="新細明體" panose="02020500000000000000" pitchFamily="18" charset="-120"/>
+              </a:rPr>
+              <a:t>Output value loader</a:t>
+            </a:r>
+          </a:p>
+          <a:p>
+            <a:pPr eaLnBrk="1" hangingPunct="1"/>
+            <a:endParaRPr lang="en-US" altLang="zh-CN" sz="1700" kern="0" dirty="0">
+              <a:ea typeface="新細明體" panose="02020500000000000000" pitchFamily="18" charset="-120"/>
+            </a:endParaRPr>
+          </a:p>
+          <a:p>
+            <a:pPr lvl="1" eaLnBrk="1" hangingPunct="1"/>
+            <a:endParaRPr lang="en-US" altLang="zh-CN" sz="1700" kern="0" dirty="0">
+              <a:ea typeface="新細明體" panose="02020500000000000000" pitchFamily="18" charset="-120"/>
+            </a:endParaRPr>
+          </a:p>
+        </p:txBody>
+      </p:sp>
+      <p:sp>
+        <p:nvSpPr>
+          <p:cNvPr id="6" name="頁尾版面配置區 2">
+            <a:extLst>
+              <a:ext uri="{FF2B5EF4-FFF2-40B4-BE49-F238E27FC236}">
+                <a16:creationId xmlns:a16="http://schemas.microsoft.com/office/drawing/2014/main" id="{61D255B9-2D4F-4013-951E-B50709A0B821}"/>
+              </a:ext>
+            </a:extLst>
+          </p:cNvPr>
+          <p:cNvSpPr>
+            <a:spLocks noGrp="1"/>
+          </p:cNvSpPr>
+          <p:nvPr>
+            <p:ph type="ftr" sz="quarter" idx="11"/>
+          </p:nvPr>
+        </p:nvSpPr>
+        <p:spPr>
+          <a:xfrm>
+            <a:off x="3056012" y="6246036"/>
+            <a:ext cx="3031976" cy="457200"/>
+          </a:xfrm>
+        </p:spPr>
+        <p:txBody>
+          <a:bodyPr/>
+          <a:lstStyle/>
+          <a:p>
+            <a:pPr>
+              <a:defRPr/>
+            </a:pPr>
+            <a:r>
+              <a:rPr lang="en-US" altLang="zh-CN" dirty="0"/>
+              <a:t>Southern University of Science and Technology</a:t>
+            </a:r>
+            <a:endParaRPr lang="en-US" altLang="en-US" dirty="0"/>
+          </a:p>
+        </p:txBody>
+      </p:sp>
+      <p:sp>
+        <p:nvSpPr>
+          <p:cNvPr id="3" name="AutoShape 2" descr="tones.png">
+            <a:extLst>
+              <a:ext uri="{FF2B5EF4-FFF2-40B4-BE49-F238E27FC236}">
+                <a16:creationId xmlns:a16="http://schemas.microsoft.com/office/drawing/2014/main" id="{2D1FD832-8C6E-4C37-A52E-0AB1999D96AA}"/>
+              </a:ext>
+            </a:extLst>
+          </p:cNvPr>
+          <p:cNvSpPr>
+            <a:spLocks noChangeAspect="1" noChangeArrowheads="1"/>
+          </p:cNvSpPr>
+          <p:nvPr/>
+        </p:nvSpPr>
+        <p:spPr bwMode="auto">
+          <a:xfrm>
+            <a:off x="4419600" y="3276600"/>
+            <a:ext cx="304800" cy="304800"/>
+          </a:xfrm>
+          <a:prstGeom prst="rect">
+            <a:avLst/>
+          </a:prstGeom>
+          <a:noFill/>
+          <a:extLst>
+            <a:ext uri="{909E8E84-426E-40DD-AFC4-6F175D3DCCD1}">
+              <a14:hiddenFill xmlns:a14="http://schemas.microsoft.com/office/drawing/2010/main">
+                <a:solidFill>
+                  <a:srgbClr val="FFFFFF"/>
+                </a:solidFill>
+              </a14:hiddenFill>
+            </a:ext>
+          </a:extLst>
+        </p:spPr>
+        <p:txBody>
+          <a:bodyPr vert="horz" wrap="square" lIns="91440" tIns="45720" rIns="91440" bIns="45720" numCol="1" anchor="t" anchorCtr="0" compatLnSpc="1">
+            <a:prstTxWarp prst="textNoShape">
+              <a:avLst/>
+            </a:prstTxWarp>
+          </a:bodyPr>
+          <a:lstStyle/>
+          <a:p>
+            <a:endParaRPr lang="zh-CN" altLang="en-US"/>
+          </a:p>
+        </p:txBody>
+      </p:sp>
+      <p:sp>
+        <p:nvSpPr>
+          <p:cNvPr id="7" name="Content Placeholder 2">
+            <a:extLst>
+              <a:ext uri="{FF2B5EF4-FFF2-40B4-BE49-F238E27FC236}">
+                <a16:creationId xmlns:a16="http://schemas.microsoft.com/office/drawing/2014/main" id="{F1014CF6-8639-46BD-A574-7C515C47FAFA}"/>
+              </a:ext>
+            </a:extLst>
+          </p:cNvPr>
+          <p:cNvSpPr txBox="1">
+            <a:spLocks noChangeArrowheads="1"/>
+          </p:cNvSpPr>
+          <p:nvPr/>
+        </p:nvSpPr>
+        <p:spPr bwMode="auto">
+          <a:xfrm>
+            <a:off x="4335288" y="1556792"/>
+            <a:ext cx="8229600" cy="4530725"/>
+          </a:xfrm>
+          <a:prstGeom prst="rect">
+            <a:avLst/>
+          </a:prstGeom>
+          <a:noFill/>
+          <a:ln>
+            <a:noFill/>
+          </a:ln>
+          <a:extLst>
+            <a:ext uri="{909E8E84-426E-40DD-AFC4-6F175D3DCCD1}">
+              <a14:hiddenFill xmlns:a14="http://schemas.microsoft.com/office/drawing/2010/main">
+                <a:solidFill>
+                  <a:srgbClr val="FFFFFF"/>
+                </a:solidFill>
+              </a14:hiddenFill>
+            </a:ext>
+            <a:ext uri="{91240B29-F687-4F45-9708-019B960494DF}">
+              <a14:hiddenLine xmlns:a14="http://schemas.microsoft.com/office/drawing/2010/main" w="9525">
+                <a:solidFill>
+                  <a:srgbClr val="000000"/>
+                </a:solidFill>
+                <a:miter lim="800000"/>
+                <a:headEnd/>
+                <a:tailEnd/>
+              </a14:hiddenLine>
+            </a:ext>
+          </a:extLst>
+        </p:spPr>
+        <p:txBody>
+          <a:bodyPr vert="horz" wrap="square" lIns="91440" tIns="45720" rIns="91440" bIns="45720" numCol="1" anchor="t" anchorCtr="0" compatLnSpc="1">
+            <a:prstTxWarp prst="textNoShape">
+              <a:avLst/>
+            </a:prstTxWarp>
+          </a:bodyPr>
+          <a:lstStyle>
+            <a:lvl1pPr marL="342900" indent="-342900" algn="l" rtl="0" eaLnBrk="0" fontAlgn="base" hangingPunct="0">
+              <a:spcBef>
+                <a:spcPct val="20000"/>
+              </a:spcBef>
+              <a:spcAft>
+                <a:spcPct val="0"/>
+              </a:spcAft>
+              <a:buClr>
+                <a:schemeClr val="accent1"/>
+              </a:buClr>
+              <a:buSzPct val="65000"/>
+              <a:buFont typeface="Wingdings" panose="05000000000000000000" pitchFamily="2" charset="2"/>
+              <a:buChar char="n"/>
+              <a:defRPr sz="3000">
+                <a:solidFill>
+                  <a:schemeClr val="tx1"/>
+                </a:solidFill>
+                <a:latin typeface="+mn-lt"/>
+                <a:ea typeface="+mn-ea"/>
+                <a:cs typeface="+mn-cs"/>
+              </a:defRPr>
+            </a:lvl1pPr>
+            <a:lvl2pPr marL="669925" indent="-325438" algn="l" rtl="0" eaLnBrk="0" fontAlgn="base" hangingPunct="0">
+              <a:spcBef>
+                <a:spcPct val="20000"/>
+              </a:spcBef>
+              <a:spcAft>
+                <a:spcPct val="0"/>
+              </a:spcAft>
+              <a:buClr>
+                <a:schemeClr val="accent2"/>
+              </a:buClr>
+              <a:buSzPct val="60000"/>
+              <a:buFont typeface="Wingdings" panose="05000000000000000000" pitchFamily="2" charset="2"/>
+              <a:buChar char="q"/>
+              <a:defRPr sz="2600">
+                <a:solidFill>
+                  <a:schemeClr val="tx1"/>
+                </a:solidFill>
+                <a:latin typeface="+mn-lt"/>
+              </a:defRPr>
+            </a:lvl2pPr>
+            <a:lvl3pPr marL="1022350" indent="-350838" algn="l" rtl="0" eaLnBrk="0" fontAlgn="base" hangingPunct="0">
+              <a:spcBef>
+                <a:spcPct val="20000"/>
+              </a:spcBef>
+              <a:spcAft>
+                <a:spcPct val="0"/>
+              </a:spcAft>
+              <a:buClr>
+                <a:schemeClr val="accent1"/>
+              </a:buClr>
+              <a:buSzPct val="65000"/>
+              <a:buFont typeface="Wingdings" panose="05000000000000000000" pitchFamily="2" charset="2"/>
+              <a:buChar char="n"/>
+              <a:defRPr sz="2200">
+                <a:solidFill>
+                  <a:schemeClr val="tx1"/>
+                </a:solidFill>
+                <a:latin typeface="+mn-lt"/>
+              </a:defRPr>
+            </a:lvl3pPr>
+            <a:lvl4pPr marL="1339850" indent="-315913" algn="l" rtl="0" eaLnBrk="0" fontAlgn="base" hangingPunct="0">
+              <a:spcBef>
+                <a:spcPct val="20000"/>
+              </a:spcBef>
+              <a:spcAft>
+                <a:spcPct val="0"/>
+              </a:spcAft>
+              <a:buClr>
+                <a:schemeClr val="accent2"/>
+              </a:buClr>
+              <a:buSzPct val="70000"/>
+              <a:buFont typeface="Wingdings" panose="05000000000000000000" pitchFamily="2" charset="2"/>
+              <a:buChar char="q"/>
+              <a:defRPr sz="2000">
+                <a:solidFill>
+                  <a:schemeClr val="tx1"/>
+                </a:solidFill>
+                <a:latin typeface="+mn-lt"/>
+              </a:defRPr>
+            </a:lvl4pPr>
+            <a:lvl5pPr marL="1681163" indent="-339725" algn="l" rtl="0" eaLnBrk="0" fontAlgn="base" hangingPunct="0">
+              <a:spcBef>
+                <a:spcPct val="20000"/>
+              </a:spcBef>
+              <a:spcAft>
+                <a:spcPct val="0"/>
+              </a:spcAft>
+              <a:buClr>
+                <a:schemeClr val="accent1"/>
+              </a:buClr>
+              <a:buSzPct val="75000"/>
+              <a:buFont typeface="Wingdings" panose="05000000000000000000" pitchFamily="2" charset="2"/>
+              <a:buChar char="§"/>
+              <a:defRPr sz="2000">
+                <a:solidFill>
+                  <a:schemeClr val="tx1"/>
+                </a:solidFill>
+                <a:latin typeface="+mn-lt"/>
+              </a:defRPr>
+            </a:lvl5pPr>
+            <a:lvl6pPr marL="2138363" indent="-339725" algn="l" rtl="0" fontAlgn="base">
+              <a:spcBef>
+                <a:spcPct val="20000"/>
+              </a:spcBef>
+              <a:spcAft>
+                <a:spcPct val="0"/>
+              </a:spcAft>
+              <a:buClr>
+                <a:schemeClr val="accent1"/>
+              </a:buClr>
+              <a:buSzPct val="75000"/>
+              <a:buFont typeface="Wingdings" pitchFamily="2" charset="2"/>
+              <a:buChar char="§"/>
+              <a:defRPr sz="2000">
+                <a:solidFill>
+                  <a:schemeClr val="tx1"/>
+                </a:solidFill>
+                <a:latin typeface="+mn-lt"/>
+              </a:defRPr>
+            </a:lvl6pPr>
+            <a:lvl7pPr marL="2595563" indent="-339725" algn="l" rtl="0" fontAlgn="base">
+              <a:spcBef>
+                <a:spcPct val="20000"/>
+              </a:spcBef>
+              <a:spcAft>
+                <a:spcPct val="0"/>
+              </a:spcAft>
+              <a:buClr>
+                <a:schemeClr val="accent1"/>
+              </a:buClr>
+              <a:buSzPct val="75000"/>
+              <a:buFont typeface="Wingdings" pitchFamily="2" charset="2"/>
+              <a:buChar char="§"/>
+              <a:defRPr sz="2000">
+                <a:solidFill>
+                  <a:schemeClr val="tx1"/>
+                </a:solidFill>
+                <a:latin typeface="+mn-lt"/>
+              </a:defRPr>
+            </a:lvl7pPr>
+            <a:lvl8pPr marL="3052763" indent="-339725" algn="l" rtl="0" fontAlgn="base">
+              <a:spcBef>
+                <a:spcPct val="20000"/>
+              </a:spcBef>
+              <a:spcAft>
+                <a:spcPct val="0"/>
+              </a:spcAft>
+              <a:buClr>
+                <a:schemeClr val="accent1"/>
+              </a:buClr>
+              <a:buSzPct val="75000"/>
+              <a:buFont typeface="Wingdings" pitchFamily="2" charset="2"/>
+              <a:buChar char="§"/>
+              <a:defRPr sz="2000">
+                <a:solidFill>
+                  <a:schemeClr val="tx1"/>
+                </a:solidFill>
+                <a:latin typeface="+mn-lt"/>
+              </a:defRPr>
+            </a:lvl8pPr>
+            <a:lvl9pPr marL="3509963" indent="-339725" algn="l" rtl="0" fontAlgn="base">
+              <a:spcBef>
+                <a:spcPct val="20000"/>
+              </a:spcBef>
+              <a:spcAft>
+                <a:spcPct val="0"/>
+              </a:spcAft>
+              <a:buClr>
+                <a:schemeClr val="accent1"/>
+              </a:buClr>
+              <a:buSzPct val="75000"/>
+              <a:buFont typeface="Wingdings" pitchFamily="2" charset="2"/>
+              <a:buChar char="§"/>
+              <a:defRPr sz="2000">
+                <a:solidFill>
+                  <a:schemeClr val="tx1"/>
+                </a:solidFill>
+                <a:latin typeface="+mn-lt"/>
+              </a:defRPr>
+            </a:lvl9pPr>
+          </a:lstStyle>
+          <a:p>
+            <a:pPr eaLnBrk="1" hangingPunct="1"/>
+            <a:r>
+              <a:rPr lang="en-US" altLang="zh-CN" sz="2100" kern="0" dirty="0">
+                <a:ea typeface="新細明體" panose="02020500000000000000" pitchFamily="18" charset="-120"/>
+              </a:rPr>
+              <a:t>Input:</a:t>
+            </a:r>
+          </a:p>
+          <a:p>
+            <a:pPr lvl="1" eaLnBrk="1" hangingPunct="1"/>
+            <a:r>
+              <a:rPr lang="en-US" altLang="zh-CN" sz="1700" kern="0" dirty="0" err="1">
+                <a:ea typeface="新細明體" panose="02020500000000000000" pitchFamily="18" charset="-120"/>
+              </a:rPr>
+              <a:t>Clk</a:t>
+            </a:r>
+            <a:r>
+              <a:rPr lang="en-US" altLang="zh-CN" sz="1700" kern="0" dirty="0">
+                <a:ea typeface="新細明體" panose="02020500000000000000" pitchFamily="18" charset="-120"/>
+              </a:rPr>
+              <a:t>: </a:t>
+            </a:r>
+            <a:r>
+              <a:rPr lang="en-US" altLang="zh-CN" sz="1700" kern="0" dirty="0" err="1">
+                <a:ea typeface="新細明體" panose="02020500000000000000" pitchFamily="18" charset="-120"/>
+              </a:rPr>
+              <a:t>std_logic</a:t>
+            </a:r>
+            <a:endParaRPr lang="en-US" altLang="zh-CN" sz="1700" kern="0" dirty="0">
+              <a:ea typeface="新細明體" panose="02020500000000000000" pitchFamily="18" charset="-120"/>
+            </a:endParaRPr>
+          </a:p>
+          <a:p>
+            <a:pPr lvl="1" eaLnBrk="1" hangingPunct="1"/>
+            <a:r>
+              <a:rPr lang="en-US" altLang="zh-CN" sz="1700" kern="0" dirty="0">
+                <a:ea typeface="新細明體" panose="02020500000000000000" pitchFamily="18" charset="-120"/>
+              </a:rPr>
+              <a:t>Tone: </a:t>
+            </a:r>
+            <a:r>
+              <a:rPr lang="en-US" altLang="zh-CN" sz="1700" kern="0" dirty="0" err="1">
+                <a:ea typeface="新細明體" panose="02020500000000000000" pitchFamily="18" charset="-120"/>
+              </a:rPr>
+              <a:t>std_logic_vector</a:t>
+            </a:r>
+            <a:r>
+              <a:rPr lang="en-US" altLang="zh-CN" sz="1700" kern="0" dirty="0">
+                <a:ea typeface="新細明體" panose="02020500000000000000" pitchFamily="18" charset="-120"/>
+              </a:rPr>
+              <a:t> (3 </a:t>
+            </a:r>
+            <a:r>
+              <a:rPr lang="en-US" altLang="zh-CN" sz="1700" kern="0" dirty="0" err="1">
+                <a:ea typeface="新細明體" panose="02020500000000000000" pitchFamily="18" charset="-120"/>
+              </a:rPr>
+              <a:t>downto</a:t>
+            </a:r>
+            <a:r>
+              <a:rPr lang="en-US" altLang="zh-CN" sz="1700" kern="0" dirty="0">
+                <a:ea typeface="新細明體" panose="02020500000000000000" pitchFamily="18" charset="-120"/>
+              </a:rPr>
+              <a:t> 0)</a:t>
+            </a:r>
+          </a:p>
+          <a:p>
+            <a:pPr eaLnBrk="1" hangingPunct="1"/>
+            <a:r>
+              <a:rPr lang="en-US" altLang="zh-CN" sz="2100" kern="0" dirty="0">
+                <a:ea typeface="新細明體" panose="02020500000000000000" pitchFamily="18" charset="-120"/>
+              </a:rPr>
+              <a:t>Output:</a:t>
+            </a:r>
+          </a:p>
+          <a:p>
+            <a:pPr lvl="1" eaLnBrk="1" hangingPunct="1"/>
+            <a:r>
+              <a:rPr lang="en-US" altLang="zh-CN" sz="1700" kern="0" dirty="0" err="1">
+                <a:ea typeface="新細明體" panose="02020500000000000000" pitchFamily="18" charset="-120"/>
+              </a:rPr>
+              <a:t>Wave_out</a:t>
+            </a:r>
+            <a:r>
+              <a:rPr lang="en-US" altLang="zh-CN" sz="1700" kern="0" dirty="0">
+                <a:ea typeface="新細明體" panose="02020500000000000000" pitchFamily="18" charset="-120"/>
+              </a:rPr>
+              <a:t>: </a:t>
+            </a:r>
+            <a:r>
+              <a:rPr lang="en-US" altLang="zh-CN" sz="1700" kern="0" dirty="0" err="1">
+                <a:ea typeface="新細明體" panose="02020500000000000000" pitchFamily="18" charset="-120"/>
+              </a:rPr>
+              <a:t>std_logic_vector</a:t>
+            </a:r>
+            <a:r>
+              <a:rPr lang="en-US" altLang="zh-CN" sz="1700" kern="0" dirty="0">
+                <a:ea typeface="新細明體" panose="02020500000000000000" pitchFamily="18" charset="-120"/>
+              </a:rPr>
+              <a:t>(7 </a:t>
+            </a:r>
+            <a:r>
+              <a:rPr lang="en-US" altLang="zh-CN" sz="1700" kern="0" dirty="0" err="1">
+                <a:ea typeface="新細明體" panose="02020500000000000000" pitchFamily="18" charset="-120"/>
+              </a:rPr>
+              <a:t>downto</a:t>
+            </a:r>
+            <a:r>
+              <a:rPr lang="en-US" altLang="zh-CN" sz="1700" kern="0" dirty="0">
+                <a:ea typeface="新細明體" panose="02020500000000000000" pitchFamily="18" charset="-120"/>
+              </a:rPr>
+              <a:t> 0)</a:t>
+            </a:r>
+          </a:p>
+          <a:p>
+            <a:pPr lvl="1" eaLnBrk="1" hangingPunct="1"/>
+            <a:endParaRPr lang="en-US" altLang="zh-CN" sz="1700" kern="0" dirty="0">
+              <a:ea typeface="新細明體" panose="02020500000000000000" pitchFamily="18" charset="-120"/>
+            </a:endParaRPr>
+          </a:p>
+        </p:txBody>
+      </p:sp>
+    </p:spTree>
+    <p:extLst>
+      <p:ext uri="{BB962C8B-B14F-4D97-AF65-F5344CB8AC3E}">
+        <p14:creationId xmlns:p14="http://schemas.microsoft.com/office/powerpoint/2010/main" val="3956250955"/>
+      </p:ext>
+    </p:extLst>
+  </p:cSld>
+  <p:clrMapOvr>
+    <a:masterClrMapping/>
+  </p:clrMapOvr>
+  <p:timing>
+    <p:tnLst>
+      <p:par>
+        <p:cTn id="1" dur="indefinite" restart="never" nodeType="tmRoot">
+          <p:childTnLst>
+            <p:seq concurrent="1" nextAc="seek">
+              <p:cTn id="2" dur="indefinite" nodeType="mainSeq">
+                <p:childTnLst>
+                  <p:par>
+                    <p:cTn id="3" fill="hold">
+                      <p:stCondLst>
+                        <p:cond delay="indefinite"/>
+                      </p:stCondLst>
+                      <p:childTnLst>
+                        <p:par>
+                          <p:cTn id="4" fill="hold">
+                            <p:stCondLst>
+                              <p:cond delay="0"/>
+                            </p:stCondLst>
+                            <p:childTnLst>
+                              <p:par>
+                                <p:cTn id="5" presetID="10" presetClass="entr" presetSubtype="0" fill="hold" grpId="0" nodeType="clickEffect">
+                                  <p:stCondLst>
+                                    <p:cond delay="0"/>
+                                  </p:stCondLst>
+                                  <p:childTnLst>
+                                    <p:set>
+                                      <p:cBhvr>
+                                        <p:cTn id="6" dur="1" fill="hold">
+                                          <p:stCondLst>
+                                            <p:cond delay="0"/>
+                                          </p:stCondLst>
+                                        </p:cTn>
+                                        <p:tgtEl>
+                                          <p:spTgt spid="7"/>
+                                        </p:tgtEl>
+                                        <p:attrNameLst>
+                                          <p:attrName>style.visibility</p:attrName>
+                                        </p:attrNameLst>
+                                      </p:cBhvr>
+                                      <p:to>
+                                        <p:strVal val="visible"/>
+                                      </p:to>
+                                    </p:set>
+                                    <p:animEffect transition="in" filter="fade">
+                                      <p:cBhvr>
+                                        <p:cTn id="7" dur="500"/>
+                                        <p:tgtEl>
+                                          <p:spTgt spid="7"/>
+                                        </p:tgtEl>
+                                      </p:cBhvr>
+                                    </p:animEffect>
+                                  </p:childTnLst>
+                                </p:cTn>
+                              </p:par>
+                            </p:childTnLst>
+                          </p:cTn>
+                        </p:par>
+                      </p:childTnLst>
+                    </p:cTn>
+                  </p:par>
+                </p:childTnLst>
+              </p:cTn>
+              <p:prevCondLst>
+                <p:cond evt="onPrev" delay="0">
+                  <p:tgtEl>
+                    <p:sldTgt/>
+                  </p:tgtEl>
+                </p:cond>
+              </p:prevCondLst>
+              <p:nextCondLst>
+                <p:cond evt="onNext" delay="0">
+                  <p:tgtEl>
+                    <p:sldTgt/>
+                  </p:tgtEl>
+                </p:cond>
+              </p:nextCondLst>
+            </p:seq>
+          </p:childTnLst>
+        </p:cTn>
+      </p:par>
+    </p:tnLst>
+    <p:bldLst>
+      <p:bldP spid="7" grpId="0"/>
+    </p:bldLst>
+  </p:timing>
+</p:sld>
+</file>
+
+<file path=ppt/slides/slide17.xml><?xml version="1.0" encoding="utf-8"?>
+<p:sld xmlns:a="http://schemas.openxmlformats.org/drawingml/2006/main" xmlns:r="http://schemas.openxmlformats.org/officeDocument/2006/relationships" xmlns:p="http://schemas.openxmlformats.org/presentationml/2006/main">
+  <p:cSld>
+    <p:spTree>
+      <p:nvGrpSpPr>
+        <p:cNvPr id="1" name=""/>
+        <p:cNvGrpSpPr/>
+        <p:nvPr/>
+      </p:nvGrpSpPr>
+      <p:grpSpPr>
+        <a:xfrm>
+          <a:off x="0" y="0"/>
+          <a:ext cx="0" cy="0"/>
+          <a:chOff x="0" y="0"/>
+          <a:chExt cx="0" cy="0"/>
+        </a:xfrm>
+      </p:grpSpPr>
+      <p:sp>
+        <p:nvSpPr>
+          <p:cNvPr id="13314" name="Title 1">
+            <a:extLst>
+              <a:ext uri="{FF2B5EF4-FFF2-40B4-BE49-F238E27FC236}">
+                <a16:creationId xmlns:a16="http://schemas.microsoft.com/office/drawing/2014/main" id="{A3FB24C1-DD16-4D31-96FE-40461E6C9FF3}"/>
+              </a:ext>
+            </a:extLst>
+          </p:cNvPr>
+          <p:cNvSpPr>
+            <a:spLocks noGrp="1" noChangeArrowheads="1"/>
+          </p:cNvSpPr>
+          <p:nvPr>
+            <p:ph type="title" idx="4294967295"/>
+          </p:nvPr>
+        </p:nvSpPr>
+        <p:spPr>
+          <a:xfrm>
+            <a:off x="557213" y="360363"/>
+            <a:ext cx="8229600" cy="1139825"/>
+          </a:xfrm>
+        </p:spPr>
+        <p:txBody>
+          <a:bodyPr anchor="ctr"/>
+          <a:lstStyle/>
+          <a:p>
+            <a:pPr eaLnBrk="1" hangingPunct="1"/>
+            <a:r>
+              <a:rPr lang="en-US" altLang="zh-CN" b="1" dirty="0">
+                <a:ea typeface="新細明體" panose="02020500000000000000" pitchFamily="18" charset="-120"/>
+              </a:rPr>
+              <a:t>Sine</a:t>
+            </a:r>
+            <a:r>
+              <a:rPr lang="en-US" altLang="zh-TW" b="1" dirty="0">
+                <a:ea typeface="新細明體" panose="02020500000000000000" pitchFamily="18" charset="-120"/>
+              </a:rPr>
+              <a:t> Wave Generator - Structure</a:t>
+            </a:r>
+            <a:br>
+              <a:rPr lang="en-US" altLang="zh-TW" b="1" dirty="0">
+                <a:ea typeface="新細明體" panose="02020500000000000000" pitchFamily="18" charset="-120"/>
+              </a:rPr>
+            </a:br>
+            <a:endParaRPr lang="zh-TW" altLang="en-US" b="1" dirty="0">
+              <a:ea typeface="新細明體" panose="02020500000000000000" pitchFamily="18" charset="-120"/>
+            </a:endParaRPr>
+          </a:p>
+        </p:txBody>
+      </p:sp>
+      <p:sp>
+        <p:nvSpPr>
+          <p:cNvPr id="2" name="日期版面配置區 1">
+            <a:extLst>
+              <a:ext uri="{FF2B5EF4-FFF2-40B4-BE49-F238E27FC236}">
+                <a16:creationId xmlns:a16="http://schemas.microsoft.com/office/drawing/2014/main" id="{EBBA9EE1-CF91-48B5-A5FC-39944E1C0D91}"/>
+              </a:ext>
+            </a:extLst>
+          </p:cNvPr>
+          <p:cNvSpPr>
+            <a:spLocks noGrp="1"/>
+          </p:cNvSpPr>
+          <p:nvPr>
+            <p:ph type="dt" sz="quarter" idx="10"/>
+          </p:nvPr>
+        </p:nvSpPr>
+        <p:spPr/>
+        <p:txBody>
+          <a:bodyPr/>
+          <a:lstStyle/>
+          <a:p>
+            <a:pPr>
+              <a:defRPr/>
+            </a:pPr>
+            <a:fld id="{579B02EA-46D1-47B1-8324-179A3B4D3F83}" type="datetime1">
+              <a:rPr lang="en-US" altLang="en-US"/>
+              <a:pPr>
+                <a:defRPr/>
+              </a:pPr>
+              <a:t>6/14/2018</a:t>
+            </a:fld>
+            <a:endParaRPr lang="en-US" altLang="en-US"/>
+          </a:p>
+        </p:txBody>
+      </p:sp>
+      <p:sp>
+        <p:nvSpPr>
+          <p:cNvPr id="9" name="Content Placeholder 2">
+            <a:extLst>
+              <a:ext uri="{FF2B5EF4-FFF2-40B4-BE49-F238E27FC236}">
+                <a16:creationId xmlns:a16="http://schemas.microsoft.com/office/drawing/2014/main" id="{F5C80A76-C6C0-4B40-B6C8-C5CC24D58369}"/>
+              </a:ext>
+            </a:extLst>
+          </p:cNvPr>
+          <p:cNvSpPr txBox="1">
+            <a:spLocks noChangeArrowheads="1"/>
+          </p:cNvSpPr>
+          <p:nvPr/>
+        </p:nvSpPr>
+        <p:spPr bwMode="auto">
+          <a:xfrm>
+            <a:off x="457200" y="1600200"/>
+            <a:ext cx="8229600" cy="4530725"/>
+          </a:xfrm>
+          <a:prstGeom prst="rect">
+            <a:avLst/>
+          </a:prstGeom>
+          <a:noFill/>
+          <a:ln>
+            <a:noFill/>
+          </a:ln>
+          <a:extLst>
+            <a:ext uri="{909E8E84-426E-40DD-AFC4-6F175D3DCCD1}">
+              <a14:hiddenFill xmlns:a14="http://schemas.microsoft.com/office/drawing/2010/main">
+                <a:solidFill>
+                  <a:srgbClr val="FFFFFF"/>
+                </a:solidFill>
+              </a14:hiddenFill>
+            </a:ext>
+            <a:ext uri="{91240B29-F687-4F45-9708-019B960494DF}">
+              <a14:hiddenLine xmlns:a14="http://schemas.microsoft.com/office/drawing/2010/main" w="9525">
+                <a:solidFill>
+                  <a:srgbClr val="000000"/>
+                </a:solidFill>
+                <a:miter lim="800000"/>
+                <a:headEnd/>
+                <a:tailEnd/>
+              </a14:hiddenLine>
+            </a:ext>
+          </a:extLst>
+        </p:spPr>
+        <p:txBody>
+          <a:bodyPr vert="horz" wrap="square" lIns="91440" tIns="45720" rIns="91440" bIns="45720" numCol="1" anchor="t" anchorCtr="0" compatLnSpc="1">
+            <a:prstTxWarp prst="textNoShape">
+              <a:avLst/>
+            </a:prstTxWarp>
+          </a:bodyPr>
+          <a:lstStyle>
+            <a:lvl1pPr marL="342900" indent="-342900" algn="l" rtl="0" eaLnBrk="0" fontAlgn="base" hangingPunct="0">
+              <a:spcBef>
+                <a:spcPct val="20000"/>
+              </a:spcBef>
+              <a:spcAft>
+                <a:spcPct val="0"/>
+              </a:spcAft>
+              <a:buClr>
+                <a:schemeClr val="accent1"/>
+              </a:buClr>
+              <a:buSzPct val="65000"/>
+              <a:buFont typeface="Wingdings" panose="05000000000000000000" pitchFamily="2" charset="2"/>
+              <a:buChar char="n"/>
+              <a:defRPr sz="3000">
+                <a:solidFill>
+                  <a:schemeClr val="tx1"/>
+                </a:solidFill>
+                <a:latin typeface="+mn-lt"/>
+                <a:ea typeface="+mn-ea"/>
+                <a:cs typeface="+mn-cs"/>
+              </a:defRPr>
+            </a:lvl1pPr>
+            <a:lvl2pPr marL="669925" indent="-325438" algn="l" rtl="0" eaLnBrk="0" fontAlgn="base" hangingPunct="0">
+              <a:spcBef>
+                <a:spcPct val="20000"/>
+              </a:spcBef>
+              <a:spcAft>
+                <a:spcPct val="0"/>
+              </a:spcAft>
+              <a:buClr>
+                <a:schemeClr val="accent2"/>
+              </a:buClr>
+              <a:buSzPct val="60000"/>
+              <a:buFont typeface="Wingdings" panose="05000000000000000000" pitchFamily="2" charset="2"/>
+              <a:buChar char="q"/>
+              <a:defRPr sz="2600">
+                <a:solidFill>
+                  <a:schemeClr val="tx1"/>
+                </a:solidFill>
+                <a:latin typeface="+mn-lt"/>
+              </a:defRPr>
+            </a:lvl2pPr>
+            <a:lvl3pPr marL="1022350" indent="-350838" algn="l" rtl="0" eaLnBrk="0" fontAlgn="base" hangingPunct="0">
+              <a:spcBef>
+                <a:spcPct val="20000"/>
+              </a:spcBef>
+              <a:spcAft>
+                <a:spcPct val="0"/>
+              </a:spcAft>
+              <a:buClr>
+                <a:schemeClr val="accent1"/>
+              </a:buClr>
+              <a:buSzPct val="65000"/>
+              <a:buFont typeface="Wingdings" panose="05000000000000000000" pitchFamily="2" charset="2"/>
+              <a:buChar char="n"/>
+              <a:defRPr sz="2200">
+                <a:solidFill>
+                  <a:schemeClr val="tx1"/>
+                </a:solidFill>
+                <a:latin typeface="+mn-lt"/>
+              </a:defRPr>
+            </a:lvl3pPr>
+            <a:lvl4pPr marL="1339850" indent="-315913" algn="l" rtl="0" eaLnBrk="0" fontAlgn="base" hangingPunct="0">
+              <a:spcBef>
+                <a:spcPct val="20000"/>
+              </a:spcBef>
+              <a:spcAft>
+                <a:spcPct val="0"/>
+              </a:spcAft>
+              <a:buClr>
+                <a:schemeClr val="accent2"/>
+              </a:buClr>
+              <a:buSzPct val="70000"/>
+              <a:buFont typeface="Wingdings" panose="05000000000000000000" pitchFamily="2" charset="2"/>
+              <a:buChar char="q"/>
+              <a:defRPr sz="2000">
+                <a:solidFill>
+                  <a:schemeClr val="tx1"/>
+                </a:solidFill>
+                <a:latin typeface="+mn-lt"/>
+              </a:defRPr>
+            </a:lvl4pPr>
+            <a:lvl5pPr marL="1681163" indent="-339725" algn="l" rtl="0" eaLnBrk="0" fontAlgn="base" hangingPunct="0">
+              <a:spcBef>
+                <a:spcPct val="20000"/>
+              </a:spcBef>
+              <a:spcAft>
+                <a:spcPct val="0"/>
+              </a:spcAft>
+              <a:buClr>
+                <a:schemeClr val="accent1"/>
+              </a:buClr>
+              <a:buSzPct val="75000"/>
+              <a:buFont typeface="Wingdings" panose="05000000000000000000" pitchFamily="2" charset="2"/>
+              <a:buChar char="§"/>
+              <a:defRPr sz="2000">
+                <a:solidFill>
+                  <a:schemeClr val="tx1"/>
+                </a:solidFill>
+                <a:latin typeface="+mn-lt"/>
+              </a:defRPr>
+            </a:lvl5pPr>
+            <a:lvl6pPr marL="2138363" indent="-339725" algn="l" rtl="0" fontAlgn="base">
+              <a:spcBef>
+                <a:spcPct val="20000"/>
+              </a:spcBef>
+              <a:spcAft>
+                <a:spcPct val="0"/>
+              </a:spcAft>
+              <a:buClr>
+                <a:schemeClr val="accent1"/>
+              </a:buClr>
+              <a:buSzPct val="75000"/>
+              <a:buFont typeface="Wingdings" pitchFamily="2" charset="2"/>
+              <a:buChar char="§"/>
+              <a:defRPr sz="2000">
+                <a:solidFill>
+                  <a:schemeClr val="tx1"/>
+                </a:solidFill>
+                <a:latin typeface="+mn-lt"/>
+              </a:defRPr>
+            </a:lvl6pPr>
+            <a:lvl7pPr marL="2595563" indent="-339725" algn="l" rtl="0" fontAlgn="base">
+              <a:spcBef>
+                <a:spcPct val="20000"/>
+              </a:spcBef>
+              <a:spcAft>
+                <a:spcPct val="0"/>
+              </a:spcAft>
+              <a:buClr>
+                <a:schemeClr val="accent1"/>
+              </a:buClr>
+              <a:buSzPct val="75000"/>
+              <a:buFont typeface="Wingdings" pitchFamily="2" charset="2"/>
+              <a:buChar char="§"/>
+              <a:defRPr sz="2000">
+                <a:solidFill>
+                  <a:schemeClr val="tx1"/>
+                </a:solidFill>
+                <a:latin typeface="+mn-lt"/>
+              </a:defRPr>
+            </a:lvl7pPr>
+            <a:lvl8pPr marL="3052763" indent="-339725" algn="l" rtl="0" fontAlgn="base">
+              <a:spcBef>
+                <a:spcPct val="20000"/>
+              </a:spcBef>
+              <a:spcAft>
+                <a:spcPct val="0"/>
+              </a:spcAft>
+              <a:buClr>
+                <a:schemeClr val="accent1"/>
+              </a:buClr>
+              <a:buSzPct val="75000"/>
+              <a:buFont typeface="Wingdings" pitchFamily="2" charset="2"/>
+              <a:buChar char="§"/>
+              <a:defRPr sz="2000">
+                <a:solidFill>
+                  <a:schemeClr val="tx1"/>
+                </a:solidFill>
+                <a:latin typeface="+mn-lt"/>
+              </a:defRPr>
+            </a:lvl8pPr>
+            <a:lvl9pPr marL="3509963" indent="-339725" algn="l" rtl="0" fontAlgn="base">
+              <a:spcBef>
+                <a:spcPct val="20000"/>
+              </a:spcBef>
+              <a:spcAft>
+                <a:spcPct val="0"/>
+              </a:spcAft>
+              <a:buClr>
+                <a:schemeClr val="accent1"/>
+              </a:buClr>
+              <a:buSzPct val="75000"/>
+              <a:buFont typeface="Wingdings" pitchFamily="2" charset="2"/>
+              <a:buChar char="§"/>
+              <a:defRPr sz="2000">
+                <a:solidFill>
+                  <a:schemeClr val="tx1"/>
+                </a:solidFill>
+                <a:latin typeface="+mn-lt"/>
+              </a:defRPr>
+            </a:lvl9pPr>
+          </a:lstStyle>
+          <a:p>
+            <a:pPr eaLnBrk="1" hangingPunct="1"/>
+            <a:r>
+              <a:rPr lang="en-US" altLang="zh-CN" sz="2400" kern="0" dirty="0">
+                <a:ea typeface="新細明體" panose="02020500000000000000" pitchFamily="18" charset="-120"/>
+              </a:rPr>
+              <a:t>Why having two freq. dividers?</a:t>
+            </a:r>
+          </a:p>
+          <a:p>
+            <a:pPr eaLnBrk="1" hangingPunct="1"/>
+            <a:endParaRPr lang="en-US" altLang="zh-CN" sz="2400" kern="0" dirty="0">
+              <a:ea typeface="新細明體" panose="02020500000000000000" pitchFamily="18" charset="-120"/>
+            </a:endParaRPr>
+          </a:p>
+          <a:p>
+            <a:pPr eaLnBrk="1" hangingPunct="1"/>
+            <a:r>
+              <a:rPr lang="en-US" altLang="zh-CN" sz="2400" kern="0" dirty="0">
+                <a:ea typeface="新細明體" panose="02020500000000000000" pitchFamily="18" charset="-120"/>
+              </a:rPr>
+              <a:t>Separate the waveform generating process</a:t>
+            </a:r>
+          </a:p>
+          <a:p>
+            <a:pPr eaLnBrk="1" hangingPunct="1"/>
+            <a:r>
+              <a:rPr lang="en-US" altLang="zh-CN" sz="2400" kern="0" dirty="0">
+                <a:ea typeface="新細明體" panose="02020500000000000000" pitchFamily="18" charset="-120"/>
+              </a:rPr>
+              <a:t>Easier to create new dictionaries</a:t>
+            </a:r>
+          </a:p>
+          <a:p>
+            <a:pPr eaLnBrk="1" hangingPunct="1"/>
+            <a:endParaRPr lang="en-US" altLang="zh-CN" sz="2100" kern="0" dirty="0">
+              <a:ea typeface="新細明體" panose="02020500000000000000" pitchFamily="18" charset="-120"/>
+            </a:endParaRPr>
+          </a:p>
+          <a:p>
+            <a:pPr eaLnBrk="1" hangingPunct="1"/>
+            <a:endParaRPr lang="en-US" altLang="zh-CN" sz="1700" kern="0" dirty="0">
+              <a:ea typeface="新細明體" panose="02020500000000000000" pitchFamily="18" charset="-120"/>
+            </a:endParaRPr>
+          </a:p>
+          <a:p>
+            <a:pPr lvl="1" eaLnBrk="1" hangingPunct="1"/>
+            <a:endParaRPr lang="en-US" altLang="zh-CN" sz="1700" kern="0" dirty="0">
+              <a:ea typeface="新細明體" panose="02020500000000000000" pitchFamily="18" charset="-120"/>
+            </a:endParaRPr>
+          </a:p>
+        </p:txBody>
+      </p:sp>
+      <p:sp>
+        <p:nvSpPr>
+          <p:cNvPr id="6" name="頁尾版面配置區 2">
+            <a:extLst>
+              <a:ext uri="{FF2B5EF4-FFF2-40B4-BE49-F238E27FC236}">
+                <a16:creationId xmlns:a16="http://schemas.microsoft.com/office/drawing/2014/main" id="{61D255B9-2D4F-4013-951E-B50709A0B821}"/>
+              </a:ext>
+            </a:extLst>
+          </p:cNvPr>
+          <p:cNvSpPr>
+            <a:spLocks noGrp="1"/>
+          </p:cNvSpPr>
+          <p:nvPr>
+            <p:ph type="ftr" sz="quarter" idx="11"/>
+          </p:nvPr>
+        </p:nvSpPr>
+        <p:spPr>
+          <a:xfrm>
+            <a:off x="3056012" y="6246036"/>
+            <a:ext cx="3031976" cy="457200"/>
+          </a:xfrm>
+        </p:spPr>
+        <p:txBody>
+          <a:bodyPr/>
+          <a:lstStyle/>
+          <a:p>
+            <a:pPr>
+              <a:defRPr/>
+            </a:pPr>
+            <a:r>
+              <a:rPr lang="en-US" altLang="zh-CN" dirty="0"/>
+              <a:t>Southern University of Science and Technology</a:t>
+            </a:r>
+            <a:endParaRPr lang="en-US" altLang="en-US" dirty="0"/>
+          </a:p>
+        </p:txBody>
+      </p:sp>
+      <p:sp>
+        <p:nvSpPr>
+          <p:cNvPr id="3" name="AutoShape 2" descr="tones.png">
+            <a:extLst>
+              <a:ext uri="{FF2B5EF4-FFF2-40B4-BE49-F238E27FC236}">
+                <a16:creationId xmlns:a16="http://schemas.microsoft.com/office/drawing/2014/main" id="{2D1FD832-8C6E-4C37-A52E-0AB1999D96AA}"/>
+              </a:ext>
+            </a:extLst>
+          </p:cNvPr>
+          <p:cNvSpPr>
+            <a:spLocks noChangeAspect="1" noChangeArrowheads="1"/>
+          </p:cNvSpPr>
+          <p:nvPr/>
+        </p:nvSpPr>
+        <p:spPr bwMode="auto">
+          <a:xfrm>
+            <a:off x="4419600" y="3276600"/>
+            <a:ext cx="304800" cy="304800"/>
+          </a:xfrm>
+          <a:prstGeom prst="rect">
+            <a:avLst/>
+          </a:prstGeom>
+          <a:noFill/>
+          <a:extLst>
+            <a:ext uri="{909E8E84-426E-40DD-AFC4-6F175D3DCCD1}">
+              <a14:hiddenFill xmlns:a14="http://schemas.microsoft.com/office/drawing/2010/main">
+                <a:solidFill>
+                  <a:srgbClr val="FFFFFF"/>
+                </a:solidFill>
+              </a14:hiddenFill>
+            </a:ext>
+          </a:extLst>
+        </p:spPr>
+        <p:txBody>
+          <a:bodyPr vert="horz" wrap="square" lIns="91440" tIns="45720" rIns="91440" bIns="45720" numCol="1" anchor="t" anchorCtr="0" compatLnSpc="1">
+            <a:prstTxWarp prst="textNoShape">
+              <a:avLst/>
+            </a:prstTxWarp>
+          </a:bodyPr>
+          <a:lstStyle/>
+          <a:p>
+            <a:endParaRPr lang="zh-CN" altLang="en-US"/>
+          </a:p>
+        </p:txBody>
+      </p:sp>
+      <p:sp>
+        <p:nvSpPr>
+          <p:cNvPr id="7" name="Content Placeholder 2">
+            <a:extLst>
+              <a:ext uri="{FF2B5EF4-FFF2-40B4-BE49-F238E27FC236}">
+                <a16:creationId xmlns:a16="http://schemas.microsoft.com/office/drawing/2014/main" id="{F1014CF6-8639-46BD-A574-7C515C47FAFA}"/>
+              </a:ext>
+            </a:extLst>
+          </p:cNvPr>
+          <p:cNvSpPr txBox="1">
+            <a:spLocks noChangeArrowheads="1"/>
+          </p:cNvSpPr>
+          <p:nvPr/>
+        </p:nvSpPr>
+        <p:spPr bwMode="auto">
+          <a:xfrm>
+            <a:off x="4335288" y="1556792"/>
+            <a:ext cx="8229600" cy="4530725"/>
+          </a:xfrm>
+          <a:prstGeom prst="rect">
+            <a:avLst/>
+          </a:prstGeom>
+          <a:noFill/>
+          <a:ln>
+            <a:noFill/>
+          </a:ln>
+          <a:extLst>
+            <a:ext uri="{909E8E84-426E-40DD-AFC4-6F175D3DCCD1}">
+              <a14:hiddenFill xmlns:a14="http://schemas.microsoft.com/office/drawing/2010/main">
+                <a:solidFill>
+                  <a:srgbClr val="FFFFFF"/>
+                </a:solidFill>
+              </a14:hiddenFill>
+            </a:ext>
+            <a:ext uri="{91240B29-F687-4F45-9708-019B960494DF}">
+              <a14:hiddenLine xmlns:a14="http://schemas.microsoft.com/office/drawing/2010/main" w="9525">
+                <a:solidFill>
+                  <a:srgbClr val="000000"/>
+                </a:solidFill>
+                <a:miter lim="800000"/>
+                <a:headEnd/>
+                <a:tailEnd/>
+              </a14:hiddenLine>
+            </a:ext>
+          </a:extLst>
+        </p:spPr>
+        <p:txBody>
+          <a:bodyPr vert="horz" wrap="square" lIns="91440" tIns="45720" rIns="91440" bIns="45720" numCol="1" anchor="t" anchorCtr="0" compatLnSpc="1">
+            <a:prstTxWarp prst="textNoShape">
+              <a:avLst/>
+            </a:prstTxWarp>
+          </a:bodyPr>
+          <a:lstStyle>
+            <a:lvl1pPr marL="342900" indent="-342900" algn="l" rtl="0" eaLnBrk="0" fontAlgn="base" hangingPunct="0">
+              <a:spcBef>
+                <a:spcPct val="20000"/>
+              </a:spcBef>
+              <a:spcAft>
+                <a:spcPct val="0"/>
+              </a:spcAft>
+              <a:buClr>
+                <a:schemeClr val="accent1"/>
+              </a:buClr>
+              <a:buSzPct val="65000"/>
+              <a:buFont typeface="Wingdings" panose="05000000000000000000" pitchFamily="2" charset="2"/>
+              <a:buChar char="n"/>
+              <a:defRPr sz="3000">
+                <a:solidFill>
+                  <a:schemeClr val="tx1"/>
+                </a:solidFill>
+                <a:latin typeface="+mn-lt"/>
+                <a:ea typeface="+mn-ea"/>
+                <a:cs typeface="+mn-cs"/>
+              </a:defRPr>
+            </a:lvl1pPr>
+            <a:lvl2pPr marL="669925" indent="-325438" algn="l" rtl="0" eaLnBrk="0" fontAlgn="base" hangingPunct="0">
+              <a:spcBef>
+                <a:spcPct val="20000"/>
+              </a:spcBef>
+              <a:spcAft>
+                <a:spcPct val="0"/>
+              </a:spcAft>
+              <a:buClr>
+                <a:schemeClr val="accent2"/>
+              </a:buClr>
+              <a:buSzPct val="60000"/>
+              <a:buFont typeface="Wingdings" panose="05000000000000000000" pitchFamily="2" charset="2"/>
+              <a:buChar char="q"/>
+              <a:defRPr sz="2600">
+                <a:solidFill>
+                  <a:schemeClr val="tx1"/>
+                </a:solidFill>
+                <a:latin typeface="+mn-lt"/>
+              </a:defRPr>
+            </a:lvl2pPr>
+            <a:lvl3pPr marL="1022350" indent="-350838" algn="l" rtl="0" eaLnBrk="0" fontAlgn="base" hangingPunct="0">
+              <a:spcBef>
+                <a:spcPct val="20000"/>
+              </a:spcBef>
+              <a:spcAft>
+                <a:spcPct val="0"/>
+              </a:spcAft>
+              <a:buClr>
+                <a:schemeClr val="accent1"/>
+              </a:buClr>
+              <a:buSzPct val="65000"/>
+              <a:buFont typeface="Wingdings" panose="05000000000000000000" pitchFamily="2" charset="2"/>
+              <a:buChar char="n"/>
+              <a:defRPr sz="2200">
+                <a:solidFill>
+                  <a:schemeClr val="tx1"/>
+                </a:solidFill>
+                <a:latin typeface="+mn-lt"/>
+              </a:defRPr>
+            </a:lvl3pPr>
+            <a:lvl4pPr marL="1339850" indent="-315913" algn="l" rtl="0" eaLnBrk="0" fontAlgn="base" hangingPunct="0">
+              <a:spcBef>
+                <a:spcPct val="20000"/>
+              </a:spcBef>
+              <a:spcAft>
+                <a:spcPct val="0"/>
+              </a:spcAft>
+              <a:buClr>
+                <a:schemeClr val="accent2"/>
+              </a:buClr>
+              <a:buSzPct val="70000"/>
+              <a:buFont typeface="Wingdings" panose="05000000000000000000" pitchFamily="2" charset="2"/>
+              <a:buChar char="q"/>
+              <a:defRPr sz="2000">
+                <a:solidFill>
+                  <a:schemeClr val="tx1"/>
+                </a:solidFill>
+                <a:latin typeface="+mn-lt"/>
+              </a:defRPr>
+            </a:lvl4pPr>
+            <a:lvl5pPr marL="1681163" indent="-339725" algn="l" rtl="0" eaLnBrk="0" fontAlgn="base" hangingPunct="0">
+              <a:spcBef>
+                <a:spcPct val="20000"/>
+              </a:spcBef>
+              <a:spcAft>
+                <a:spcPct val="0"/>
+              </a:spcAft>
+              <a:buClr>
+                <a:schemeClr val="accent1"/>
+              </a:buClr>
+              <a:buSzPct val="75000"/>
+              <a:buFont typeface="Wingdings" panose="05000000000000000000" pitchFamily="2" charset="2"/>
+              <a:buChar char="§"/>
+              <a:defRPr sz="2000">
+                <a:solidFill>
+                  <a:schemeClr val="tx1"/>
+                </a:solidFill>
+                <a:latin typeface="+mn-lt"/>
+              </a:defRPr>
+            </a:lvl5pPr>
+            <a:lvl6pPr marL="2138363" indent="-339725" algn="l" rtl="0" fontAlgn="base">
+              <a:spcBef>
+                <a:spcPct val="20000"/>
+              </a:spcBef>
+              <a:spcAft>
+                <a:spcPct val="0"/>
+              </a:spcAft>
+              <a:buClr>
+                <a:schemeClr val="accent1"/>
+              </a:buClr>
+              <a:buSzPct val="75000"/>
+              <a:buFont typeface="Wingdings" pitchFamily="2" charset="2"/>
+              <a:buChar char="§"/>
+              <a:defRPr sz="2000">
+                <a:solidFill>
+                  <a:schemeClr val="tx1"/>
+                </a:solidFill>
+                <a:latin typeface="+mn-lt"/>
+              </a:defRPr>
+            </a:lvl6pPr>
+            <a:lvl7pPr marL="2595563" indent="-339725" algn="l" rtl="0" fontAlgn="base">
+              <a:spcBef>
+                <a:spcPct val="20000"/>
+              </a:spcBef>
+              <a:spcAft>
+                <a:spcPct val="0"/>
+              </a:spcAft>
+              <a:buClr>
+                <a:schemeClr val="accent1"/>
+              </a:buClr>
+              <a:buSzPct val="75000"/>
+              <a:buFont typeface="Wingdings" pitchFamily="2" charset="2"/>
+              <a:buChar char="§"/>
+              <a:defRPr sz="2000">
+                <a:solidFill>
+                  <a:schemeClr val="tx1"/>
+                </a:solidFill>
+                <a:latin typeface="+mn-lt"/>
+              </a:defRPr>
+            </a:lvl7pPr>
+            <a:lvl8pPr marL="3052763" indent="-339725" algn="l" rtl="0" fontAlgn="base">
+              <a:spcBef>
+                <a:spcPct val="20000"/>
+              </a:spcBef>
+              <a:spcAft>
+                <a:spcPct val="0"/>
+              </a:spcAft>
+              <a:buClr>
+                <a:schemeClr val="accent1"/>
+              </a:buClr>
+              <a:buSzPct val="75000"/>
+              <a:buFont typeface="Wingdings" pitchFamily="2" charset="2"/>
+              <a:buChar char="§"/>
+              <a:defRPr sz="2000">
+                <a:solidFill>
+                  <a:schemeClr val="tx1"/>
+                </a:solidFill>
+                <a:latin typeface="+mn-lt"/>
+              </a:defRPr>
+            </a:lvl8pPr>
+            <a:lvl9pPr marL="3509963" indent="-339725" algn="l" rtl="0" fontAlgn="base">
+              <a:spcBef>
+                <a:spcPct val="20000"/>
+              </a:spcBef>
+              <a:spcAft>
+                <a:spcPct val="0"/>
+              </a:spcAft>
+              <a:buClr>
+                <a:schemeClr val="accent1"/>
+              </a:buClr>
+              <a:buSzPct val="75000"/>
+              <a:buFont typeface="Wingdings" pitchFamily="2" charset="2"/>
+              <a:buChar char="§"/>
+              <a:defRPr sz="2000">
+                <a:solidFill>
+                  <a:schemeClr val="tx1"/>
+                </a:solidFill>
+                <a:latin typeface="+mn-lt"/>
+              </a:defRPr>
+            </a:lvl9pPr>
+          </a:lstStyle>
+          <a:p>
+            <a:pPr marL="344487" lvl="1" indent="0" eaLnBrk="1" hangingPunct="1">
+              <a:buNone/>
+            </a:pPr>
+            <a:endParaRPr lang="en-US" altLang="zh-CN" sz="1700" kern="0" dirty="0">
+              <a:ea typeface="新細明體" panose="02020500000000000000" pitchFamily="18" charset="-120"/>
+            </a:endParaRPr>
+          </a:p>
+        </p:txBody>
+      </p:sp>
+    </p:spTree>
+    <p:extLst>
+      <p:ext uri="{BB962C8B-B14F-4D97-AF65-F5344CB8AC3E}">
+        <p14:creationId xmlns:p14="http://schemas.microsoft.com/office/powerpoint/2010/main" val="758766864"/>
+      </p:ext>
+    </p:extLst>
+  </p:cSld>
+  <p:clrMapOvr>
+    <a:masterClrMapping/>
+  </p:clrMapOvr>
+  <p:timing>
+    <p:tnLst>
+      <p:par>
+        <p:cTn id="1" dur="indefinite" restart="never" nodeType="tmRoot">
+          <p:childTnLst>
+            <p:seq concurrent="1" nextAc="seek">
+              <p:cTn id="2" dur="indefinite" nodeType="mainSeq">
+                <p:childTnLst>
+                  <p:par>
+                    <p:cTn id="3" fill="hold">
+                      <p:stCondLst>
+                        <p:cond delay="indefinite"/>
+                      </p:stCondLst>
+                      <p:childTnLst>
+                        <p:par>
+                          <p:cTn id="4" fill="hold">
+                            <p:stCondLst>
+                              <p:cond delay="0"/>
+                            </p:stCondLst>
+                            <p:childTnLst>
+                              <p:par>
+                                <p:cTn id="5" presetID="10" presetClass="entr" presetSubtype="0" fill="hold" grpId="0" nodeType="clickEffect" nodePh="1">
+                                  <p:stCondLst>
+                                    <p:cond delay="0"/>
+                                  </p:stCondLst>
+                                  <p:endCondLst>
+                                    <p:cond evt="begin" delay="0">
+                                      <p:tn val="5"/>
+                                    </p:cond>
+                                  </p:endCondLst>
+                                  <p:childTnLst>
+                                    <p:set>
+                                      <p:cBhvr>
+                                        <p:cTn id="6" dur="1" fill="hold">
+                                          <p:stCondLst>
+                                            <p:cond delay="0"/>
+                                          </p:stCondLst>
+                                        </p:cTn>
+                                        <p:tgtEl>
+                                          <p:spTgt spid="7"/>
+                                        </p:tgtEl>
+                                        <p:attrNameLst>
+                                          <p:attrName>style.visibility</p:attrName>
+                                        </p:attrNameLst>
+                                      </p:cBhvr>
+                                      <p:to>
+                                        <p:strVal val="visible"/>
+                                      </p:to>
+                                    </p:set>
+                                    <p:animEffect transition="in" filter="fade">
+                                      <p:cBhvr>
+                                        <p:cTn id="7" dur="500"/>
+                                        <p:tgtEl>
+                                          <p:spTgt spid="7"/>
+                                        </p:tgtEl>
+                                      </p:cBhvr>
+                                    </p:animEffect>
+                                  </p:childTnLst>
+                                </p:cTn>
+                              </p:par>
+                            </p:childTnLst>
+                          </p:cTn>
+                        </p:par>
+                      </p:childTnLst>
+                    </p:cTn>
+                  </p:par>
+                </p:childTnLst>
+              </p:cTn>
+              <p:prevCondLst>
+                <p:cond evt="onPrev" delay="0">
+                  <p:tgtEl>
+                    <p:sldTgt/>
+                  </p:tgtEl>
+                </p:cond>
+              </p:prevCondLst>
+              <p:nextCondLst>
+                <p:cond evt="onNext" delay="0">
+                  <p:tgtEl>
+                    <p:sldTgt/>
+                  </p:tgtEl>
+                </p:cond>
+              </p:nextCondLst>
+            </p:seq>
+          </p:childTnLst>
+        </p:cTn>
+      </p:par>
+    </p:tnLst>
+    <p:bldLst>
+      <p:bldP spid="7" grpId="0"/>
+    </p:bldLst>
+  </p:timing>
+</p:sld>
+</file>
+
+<file path=ppt/slides/slide18.xml><?xml version="1.0" encoding="utf-8"?>
+<p:sld xmlns:a="http://schemas.openxmlformats.org/drawingml/2006/main" xmlns:r="http://schemas.openxmlformats.org/officeDocument/2006/relationships" xmlns:p="http://schemas.openxmlformats.org/presentationml/2006/main">
+  <p:cSld>
+    <p:spTree>
+      <p:nvGrpSpPr>
+        <p:cNvPr id="1" name=""/>
+        <p:cNvGrpSpPr/>
+        <p:nvPr/>
+      </p:nvGrpSpPr>
+      <p:grpSpPr>
+        <a:xfrm>
+          <a:off x="0" y="0"/>
+          <a:ext cx="0" cy="0"/>
+          <a:chOff x="0" y="0"/>
+          <a:chExt cx="0" cy="0"/>
+        </a:xfrm>
+      </p:grpSpPr>
+      <p:sp>
+        <p:nvSpPr>
+          <p:cNvPr id="13314" name="Title 1">
+            <a:extLst>
+              <a:ext uri="{FF2B5EF4-FFF2-40B4-BE49-F238E27FC236}">
+                <a16:creationId xmlns:a16="http://schemas.microsoft.com/office/drawing/2014/main" id="{A3FB24C1-DD16-4D31-96FE-40461E6C9FF3}"/>
+              </a:ext>
+            </a:extLst>
+          </p:cNvPr>
+          <p:cNvSpPr>
+            <a:spLocks noGrp="1" noChangeArrowheads="1"/>
+          </p:cNvSpPr>
+          <p:nvPr>
+            <p:ph type="title" idx="4294967295"/>
+          </p:nvPr>
+        </p:nvSpPr>
+        <p:spPr>
+          <a:xfrm>
+            <a:off x="557213" y="360363"/>
+            <a:ext cx="8229600" cy="1139825"/>
+          </a:xfrm>
+        </p:spPr>
+        <p:txBody>
+          <a:bodyPr anchor="ctr"/>
+          <a:lstStyle/>
+          <a:p>
+            <a:pPr eaLnBrk="1" hangingPunct="1"/>
+            <a:r>
+              <a:rPr lang="en-US" altLang="zh-CN" b="1" dirty="0">
+                <a:ea typeface="新細明體" panose="02020500000000000000" pitchFamily="18" charset="-120"/>
+              </a:rPr>
+              <a:t>PWM Encoder</a:t>
+            </a:r>
+            <a:endParaRPr lang="zh-TW" altLang="en-US" b="1" dirty="0">
+              <a:ea typeface="新細明體" panose="02020500000000000000" pitchFamily="18" charset="-120"/>
+            </a:endParaRPr>
+          </a:p>
+        </p:txBody>
+      </p:sp>
+      <p:sp>
+        <p:nvSpPr>
+          <p:cNvPr id="2" name="日期版面配置區 1">
+            <a:extLst>
+              <a:ext uri="{FF2B5EF4-FFF2-40B4-BE49-F238E27FC236}">
+                <a16:creationId xmlns:a16="http://schemas.microsoft.com/office/drawing/2014/main" id="{EBBA9EE1-CF91-48B5-A5FC-39944E1C0D91}"/>
+              </a:ext>
+            </a:extLst>
+          </p:cNvPr>
+          <p:cNvSpPr>
+            <a:spLocks noGrp="1"/>
+          </p:cNvSpPr>
+          <p:nvPr>
+            <p:ph type="dt" sz="quarter" idx="10"/>
+          </p:nvPr>
+        </p:nvSpPr>
+        <p:spPr/>
+        <p:txBody>
+          <a:bodyPr/>
+          <a:lstStyle/>
+          <a:p>
+            <a:pPr>
+              <a:defRPr/>
+            </a:pPr>
+            <a:fld id="{579B02EA-46D1-47B1-8324-179A3B4D3F83}" type="datetime1">
+              <a:rPr lang="en-US" altLang="en-US"/>
+              <a:pPr>
+                <a:defRPr/>
+              </a:pPr>
+              <a:t>6/14/2018</a:t>
+            </a:fld>
+            <a:endParaRPr lang="en-US" altLang="en-US"/>
+          </a:p>
+        </p:txBody>
+      </p:sp>
+      <p:sp>
+        <p:nvSpPr>
+          <p:cNvPr id="9" name="Content Placeholder 2">
+            <a:extLst>
+              <a:ext uri="{FF2B5EF4-FFF2-40B4-BE49-F238E27FC236}">
+                <a16:creationId xmlns:a16="http://schemas.microsoft.com/office/drawing/2014/main" id="{F5C80A76-C6C0-4B40-B6C8-C5CC24D58369}"/>
+              </a:ext>
+            </a:extLst>
+          </p:cNvPr>
+          <p:cNvSpPr txBox="1">
+            <a:spLocks noChangeArrowheads="1"/>
+          </p:cNvSpPr>
+          <p:nvPr/>
+        </p:nvSpPr>
+        <p:spPr bwMode="auto">
+          <a:xfrm>
+            <a:off x="457200" y="1665515"/>
+            <a:ext cx="8229600" cy="4530725"/>
+          </a:xfrm>
+          <a:prstGeom prst="rect">
+            <a:avLst/>
+          </a:prstGeom>
+          <a:noFill/>
+          <a:ln>
+            <a:noFill/>
+          </a:ln>
+          <a:extLst>
+            <a:ext uri="{909E8E84-426E-40DD-AFC4-6F175D3DCCD1}">
+              <a14:hiddenFill xmlns:a14="http://schemas.microsoft.com/office/drawing/2010/main">
+                <a:solidFill>
+                  <a:srgbClr val="FFFFFF"/>
+                </a:solidFill>
+              </a14:hiddenFill>
+            </a:ext>
+            <a:ext uri="{91240B29-F687-4F45-9708-019B960494DF}">
+              <a14:hiddenLine xmlns:a14="http://schemas.microsoft.com/office/drawing/2010/main" w="9525">
+                <a:solidFill>
+                  <a:srgbClr val="000000"/>
+                </a:solidFill>
+                <a:miter lim="800000"/>
+                <a:headEnd/>
+                <a:tailEnd/>
+              </a14:hiddenLine>
+            </a:ext>
+          </a:extLst>
+        </p:spPr>
+        <p:txBody>
+          <a:bodyPr vert="horz" wrap="square" lIns="91440" tIns="45720" rIns="91440" bIns="45720" numCol="1" anchor="t" anchorCtr="0" compatLnSpc="1">
+            <a:prstTxWarp prst="textNoShape">
+              <a:avLst/>
+            </a:prstTxWarp>
+          </a:bodyPr>
+          <a:lstStyle>
+            <a:lvl1pPr marL="342900" indent="-342900" algn="l" rtl="0" eaLnBrk="0" fontAlgn="base" hangingPunct="0">
+              <a:spcBef>
+                <a:spcPct val="20000"/>
+              </a:spcBef>
+              <a:spcAft>
+                <a:spcPct val="0"/>
+              </a:spcAft>
+              <a:buClr>
+                <a:schemeClr val="accent1"/>
+              </a:buClr>
+              <a:buSzPct val="65000"/>
+              <a:buFont typeface="Wingdings" panose="05000000000000000000" pitchFamily="2" charset="2"/>
+              <a:buChar char="n"/>
+              <a:defRPr sz="3000">
+                <a:solidFill>
+                  <a:schemeClr val="tx1"/>
+                </a:solidFill>
+                <a:latin typeface="+mn-lt"/>
+                <a:ea typeface="+mn-ea"/>
+                <a:cs typeface="+mn-cs"/>
+              </a:defRPr>
+            </a:lvl1pPr>
+            <a:lvl2pPr marL="669925" indent="-325438" algn="l" rtl="0" eaLnBrk="0" fontAlgn="base" hangingPunct="0">
+              <a:spcBef>
+                <a:spcPct val="20000"/>
+              </a:spcBef>
+              <a:spcAft>
+                <a:spcPct val="0"/>
+              </a:spcAft>
+              <a:buClr>
+                <a:schemeClr val="accent2"/>
+              </a:buClr>
+              <a:buSzPct val="60000"/>
+              <a:buFont typeface="Wingdings" panose="05000000000000000000" pitchFamily="2" charset="2"/>
+              <a:buChar char="q"/>
+              <a:defRPr sz="2600">
+                <a:solidFill>
+                  <a:schemeClr val="tx1"/>
+                </a:solidFill>
+                <a:latin typeface="+mn-lt"/>
+              </a:defRPr>
+            </a:lvl2pPr>
+            <a:lvl3pPr marL="1022350" indent="-350838" algn="l" rtl="0" eaLnBrk="0" fontAlgn="base" hangingPunct="0">
+              <a:spcBef>
+                <a:spcPct val="20000"/>
+              </a:spcBef>
+              <a:spcAft>
+                <a:spcPct val="0"/>
+              </a:spcAft>
+              <a:buClr>
+                <a:schemeClr val="accent1"/>
+              </a:buClr>
+              <a:buSzPct val="65000"/>
+              <a:buFont typeface="Wingdings" panose="05000000000000000000" pitchFamily="2" charset="2"/>
+              <a:buChar char="n"/>
+              <a:defRPr sz="2200">
+                <a:solidFill>
+                  <a:schemeClr val="tx1"/>
+                </a:solidFill>
+                <a:latin typeface="+mn-lt"/>
+              </a:defRPr>
+            </a:lvl3pPr>
+            <a:lvl4pPr marL="1339850" indent="-315913" algn="l" rtl="0" eaLnBrk="0" fontAlgn="base" hangingPunct="0">
+              <a:spcBef>
+                <a:spcPct val="20000"/>
+              </a:spcBef>
+              <a:spcAft>
+                <a:spcPct val="0"/>
+              </a:spcAft>
+              <a:buClr>
+                <a:schemeClr val="accent2"/>
+              </a:buClr>
+              <a:buSzPct val="70000"/>
+              <a:buFont typeface="Wingdings" panose="05000000000000000000" pitchFamily="2" charset="2"/>
+              <a:buChar char="q"/>
+              <a:defRPr sz="2000">
+                <a:solidFill>
+                  <a:schemeClr val="tx1"/>
+                </a:solidFill>
+                <a:latin typeface="+mn-lt"/>
+              </a:defRPr>
+            </a:lvl4pPr>
+            <a:lvl5pPr marL="1681163" indent="-339725" algn="l" rtl="0" eaLnBrk="0" fontAlgn="base" hangingPunct="0">
+              <a:spcBef>
+                <a:spcPct val="20000"/>
+              </a:spcBef>
+              <a:spcAft>
+                <a:spcPct val="0"/>
+              </a:spcAft>
+              <a:buClr>
+                <a:schemeClr val="accent1"/>
+              </a:buClr>
+              <a:buSzPct val="75000"/>
+              <a:buFont typeface="Wingdings" panose="05000000000000000000" pitchFamily="2" charset="2"/>
+              <a:buChar char="§"/>
+              <a:defRPr sz="2000">
+                <a:solidFill>
+                  <a:schemeClr val="tx1"/>
+                </a:solidFill>
+                <a:latin typeface="+mn-lt"/>
+              </a:defRPr>
+            </a:lvl5pPr>
+            <a:lvl6pPr marL="2138363" indent="-339725" algn="l" rtl="0" fontAlgn="base">
+              <a:spcBef>
+                <a:spcPct val="20000"/>
+              </a:spcBef>
+              <a:spcAft>
+                <a:spcPct val="0"/>
+              </a:spcAft>
+              <a:buClr>
+                <a:schemeClr val="accent1"/>
+              </a:buClr>
+              <a:buSzPct val="75000"/>
+              <a:buFont typeface="Wingdings" pitchFamily="2" charset="2"/>
+              <a:buChar char="§"/>
+              <a:defRPr sz="2000">
+                <a:solidFill>
+                  <a:schemeClr val="tx1"/>
+                </a:solidFill>
+                <a:latin typeface="+mn-lt"/>
+              </a:defRPr>
+            </a:lvl6pPr>
+            <a:lvl7pPr marL="2595563" indent="-339725" algn="l" rtl="0" fontAlgn="base">
+              <a:spcBef>
+                <a:spcPct val="20000"/>
+              </a:spcBef>
+              <a:spcAft>
+                <a:spcPct val="0"/>
+              </a:spcAft>
+              <a:buClr>
+                <a:schemeClr val="accent1"/>
+              </a:buClr>
+              <a:buSzPct val="75000"/>
+              <a:buFont typeface="Wingdings" pitchFamily="2" charset="2"/>
+              <a:buChar char="§"/>
+              <a:defRPr sz="2000">
+                <a:solidFill>
+                  <a:schemeClr val="tx1"/>
+                </a:solidFill>
+                <a:latin typeface="+mn-lt"/>
+              </a:defRPr>
+            </a:lvl7pPr>
+            <a:lvl8pPr marL="3052763" indent="-339725" algn="l" rtl="0" fontAlgn="base">
+              <a:spcBef>
+                <a:spcPct val="20000"/>
+              </a:spcBef>
+              <a:spcAft>
+                <a:spcPct val="0"/>
+              </a:spcAft>
+              <a:buClr>
+                <a:schemeClr val="accent1"/>
+              </a:buClr>
+              <a:buSzPct val="75000"/>
+              <a:buFont typeface="Wingdings" pitchFamily="2" charset="2"/>
+              <a:buChar char="§"/>
+              <a:defRPr sz="2000">
+                <a:solidFill>
+                  <a:schemeClr val="tx1"/>
+                </a:solidFill>
+                <a:latin typeface="+mn-lt"/>
+              </a:defRPr>
+            </a:lvl8pPr>
+            <a:lvl9pPr marL="3509963" indent="-339725" algn="l" rtl="0" fontAlgn="base">
+              <a:spcBef>
+                <a:spcPct val="20000"/>
+              </a:spcBef>
+              <a:spcAft>
+                <a:spcPct val="0"/>
+              </a:spcAft>
+              <a:buClr>
+                <a:schemeClr val="accent1"/>
+              </a:buClr>
+              <a:buSzPct val="75000"/>
+              <a:buFont typeface="Wingdings" pitchFamily="2" charset="2"/>
+              <a:buChar char="§"/>
+              <a:defRPr sz="2000">
+                <a:solidFill>
+                  <a:schemeClr val="tx1"/>
+                </a:solidFill>
+                <a:latin typeface="+mn-lt"/>
+              </a:defRPr>
+            </a:lvl9pPr>
+          </a:lstStyle>
+          <a:p>
+            <a:pPr eaLnBrk="1" hangingPunct="1"/>
+            <a:endParaRPr lang="en-US" altLang="zh-CN" sz="1700" kern="0" dirty="0">
+              <a:ea typeface="新細明體" panose="02020500000000000000" pitchFamily="18" charset="-120"/>
+            </a:endParaRPr>
+          </a:p>
+          <a:p>
+            <a:pPr lvl="1" eaLnBrk="1" hangingPunct="1"/>
+            <a:endParaRPr lang="en-US" altLang="zh-CN" sz="1700" kern="0" dirty="0">
+              <a:ea typeface="新細明體" panose="02020500000000000000" pitchFamily="18" charset="-120"/>
+            </a:endParaRPr>
+          </a:p>
+        </p:txBody>
+      </p:sp>
+      <p:sp>
+        <p:nvSpPr>
+          <p:cNvPr id="6" name="頁尾版面配置區 2">
+            <a:extLst>
+              <a:ext uri="{FF2B5EF4-FFF2-40B4-BE49-F238E27FC236}">
+                <a16:creationId xmlns:a16="http://schemas.microsoft.com/office/drawing/2014/main" id="{61D255B9-2D4F-4013-951E-B50709A0B821}"/>
+              </a:ext>
+            </a:extLst>
+          </p:cNvPr>
+          <p:cNvSpPr>
+            <a:spLocks noGrp="1"/>
+          </p:cNvSpPr>
+          <p:nvPr>
+            <p:ph type="ftr" sz="quarter" idx="11"/>
+          </p:nvPr>
+        </p:nvSpPr>
+        <p:spPr>
+          <a:xfrm>
+            <a:off x="3056012" y="6246036"/>
+            <a:ext cx="3031976" cy="457200"/>
+          </a:xfrm>
+        </p:spPr>
+        <p:txBody>
+          <a:bodyPr/>
+          <a:lstStyle/>
+          <a:p>
+            <a:pPr>
+              <a:defRPr/>
+            </a:pPr>
+            <a:r>
+              <a:rPr lang="en-US" altLang="zh-CN" dirty="0"/>
+              <a:t>Southern University of Science and Technology</a:t>
+            </a:r>
+            <a:endParaRPr lang="en-US" altLang="en-US" dirty="0"/>
+          </a:p>
+        </p:txBody>
+      </p:sp>
+      <p:sp>
+        <p:nvSpPr>
+          <p:cNvPr id="3" name="AutoShape 2" descr="tones.png">
+            <a:extLst>
+              <a:ext uri="{FF2B5EF4-FFF2-40B4-BE49-F238E27FC236}">
+                <a16:creationId xmlns:a16="http://schemas.microsoft.com/office/drawing/2014/main" id="{2D1FD832-8C6E-4C37-A52E-0AB1999D96AA}"/>
+              </a:ext>
+            </a:extLst>
+          </p:cNvPr>
+          <p:cNvSpPr>
+            <a:spLocks noChangeAspect="1" noChangeArrowheads="1"/>
+          </p:cNvSpPr>
+          <p:nvPr/>
+        </p:nvSpPr>
+        <p:spPr bwMode="auto">
+          <a:xfrm>
+            <a:off x="4419600" y="3276600"/>
+            <a:ext cx="304800" cy="304800"/>
+          </a:xfrm>
+          <a:prstGeom prst="rect">
+            <a:avLst/>
+          </a:prstGeom>
+          <a:noFill/>
+          <a:extLst>
+            <a:ext uri="{909E8E84-426E-40DD-AFC4-6F175D3DCCD1}">
+              <a14:hiddenFill xmlns:a14="http://schemas.microsoft.com/office/drawing/2010/main">
+                <a:solidFill>
+                  <a:srgbClr val="FFFFFF"/>
+                </a:solidFill>
+              </a14:hiddenFill>
+            </a:ext>
+          </a:extLst>
+        </p:spPr>
+        <p:txBody>
+          <a:bodyPr vert="horz" wrap="square" lIns="91440" tIns="45720" rIns="91440" bIns="45720" numCol="1" anchor="t" anchorCtr="0" compatLnSpc="1">
+            <a:prstTxWarp prst="textNoShape">
+              <a:avLst/>
+            </a:prstTxWarp>
+          </a:bodyPr>
+          <a:lstStyle/>
+          <a:p>
+            <a:endParaRPr lang="zh-CN" altLang="en-US"/>
+          </a:p>
+        </p:txBody>
+      </p:sp>
+      <p:sp>
+        <p:nvSpPr>
+          <p:cNvPr id="10" name="Content Placeholder 2">
+            <a:extLst>
+              <a:ext uri="{FF2B5EF4-FFF2-40B4-BE49-F238E27FC236}">
+                <a16:creationId xmlns:a16="http://schemas.microsoft.com/office/drawing/2014/main" id="{96302964-2C71-4A34-B8DC-9FC81032575D}"/>
+              </a:ext>
+            </a:extLst>
+          </p:cNvPr>
+          <p:cNvSpPr txBox="1">
+            <a:spLocks noChangeArrowheads="1"/>
+          </p:cNvSpPr>
+          <p:nvPr/>
+        </p:nvSpPr>
+        <p:spPr bwMode="auto">
+          <a:xfrm>
+            <a:off x="457200" y="1600200"/>
+            <a:ext cx="8229600" cy="4530725"/>
+          </a:xfrm>
+          <a:prstGeom prst="rect">
+            <a:avLst/>
+          </a:prstGeom>
+          <a:noFill/>
+          <a:ln>
+            <a:noFill/>
+          </a:ln>
+          <a:extLst>
+            <a:ext uri="{909E8E84-426E-40DD-AFC4-6F175D3DCCD1}">
+              <a14:hiddenFill xmlns:a14="http://schemas.microsoft.com/office/drawing/2010/main">
+                <a:solidFill>
+                  <a:srgbClr val="FFFFFF"/>
+                </a:solidFill>
+              </a14:hiddenFill>
+            </a:ext>
+            <a:ext uri="{91240B29-F687-4F45-9708-019B960494DF}">
+              <a14:hiddenLine xmlns:a14="http://schemas.microsoft.com/office/drawing/2010/main" w="9525">
+                <a:solidFill>
+                  <a:srgbClr val="000000"/>
+                </a:solidFill>
+                <a:miter lim="800000"/>
+                <a:headEnd/>
+                <a:tailEnd/>
+              </a14:hiddenLine>
+            </a:ext>
+          </a:extLst>
+        </p:spPr>
+        <p:txBody>
+          <a:bodyPr vert="horz" wrap="square" lIns="91440" tIns="45720" rIns="91440" bIns="45720" numCol="1" anchor="t" anchorCtr="0" compatLnSpc="1">
+            <a:prstTxWarp prst="textNoShape">
+              <a:avLst/>
+            </a:prstTxWarp>
+          </a:bodyPr>
+          <a:lstStyle>
+            <a:lvl1pPr marL="342900" indent="-342900" algn="l" rtl="0" eaLnBrk="0" fontAlgn="base" hangingPunct="0">
+              <a:spcBef>
+                <a:spcPct val="20000"/>
+              </a:spcBef>
+              <a:spcAft>
+                <a:spcPct val="0"/>
+              </a:spcAft>
+              <a:buClr>
+                <a:schemeClr val="accent1"/>
+              </a:buClr>
+              <a:buSzPct val="65000"/>
+              <a:buFont typeface="Wingdings" panose="05000000000000000000" pitchFamily="2" charset="2"/>
+              <a:buChar char="n"/>
+              <a:defRPr sz="3000">
+                <a:solidFill>
+                  <a:schemeClr val="tx1"/>
+                </a:solidFill>
+                <a:latin typeface="+mn-lt"/>
+                <a:ea typeface="+mn-ea"/>
+                <a:cs typeface="+mn-cs"/>
+              </a:defRPr>
+            </a:lvl1pPr>
+            <a:lvl2pPr marL="669925" indent="-325438" algn="l" rtl="0" eaLnBrk="0" fontAlgn="base" hangingPunct="0">
+              <a:spcBef>
+                <a:spcPct val="20000"/>
+              </a:spcBef>
+              <a:spcAft>
+                <a:spcPct val="0"/>
+              </a:spcAft>
+              <a:buClr>
+                <a:schemeClr val="accent2"/>
+              </a:buClr>
+              <a:buSzPct val="60000"/>
+              <a:buFont typeface="Wingdings" panose="05000000000000000000" pitchFamily="2" charset="2"/>
+              <a:buChar char="q"/>
+              <a:defRPr sz="2600">
+                <a:solidFill>
+                  <a:schemeClr val="tx1"/>
+                </a:solidFill>
+                <a:latin typeface="+mn-lt"/>
+              </a:defRPr>
+            </a:lvl2pPr>
+            <a:lvl3pPr marL="1022350" indent="-350838" algn="l" rtl="0" eaLnBrk="0" fontAlgn="base" hangingPunct="0">
+              <a:spcBef>
+                <a:spcPct val="20000"/>
+              </a:spcBef>
+              <a:spcAft>
+                <a:spcPct val="0"/>
+              </a:spcAft>
+              <a:buClr>
+                <a:schemeClr val="accent1"/>
+              </a:buClr>
+              <a:buSzPct val="65000"/>
+              <a:buFont typeface="Wingdings" panose="05000000000000000000" pitchFamily="2" charset="2"/>
+              <a:buChar char="n"/>
+              <a:defRPr sz="2200">
+                <a:solidFill>
+                  <a:schemeClr val="tx1"/>
+                </a:solidFill>
+                <a:latin typeface="+mn-lt"/>
+              </a:defRPr>
+            </a:lvl3pPr>
+            <a:lvl4pPr marL="1339850" indent="-315913" algn="l" rtl="0" eaLnBrk="0" fontAlgn="base" hangingPunct="0">
+              <a:spcBef>
+                <a:spcPct val="20000"/>
+              </a:spcBef>
+              <a:spcAft>
+                <a:spcPct val="0"/>
+              </a:spcAft>
+              <a:buClr>
+                <a:schemeClr val="accent2"/>
+              </a:buClr>
+              <a:buSzPct val="70000"/>
+              <a:buFont typeface="Wingdings" panose="05000000000000000000" pitchFamily="2" charset="2"/>
+              <a:buChar char="q"/>
+              <a:defRPr sz="2000">
+                <a:solidFill>
+                  <a:schemeClr val="tx1"/>
+                </a:solidFill>
+                <a:latin typeface="+mn-lt"/>
+              </a:defRPr>
+            </a:lvl4pPr>
+            <a:lvl5pPr marL="1681163" indent="-339725" algn="l" rtl="0" eaLnBrk="0" fontAlgn="base" hangingPunct="0">
+              <a:spcBef>
+                <a:spcPct val="20000"/>
+              </a:spcBef>
+              <a:spcAft>
+                <a:spcPct val="0"/>
+              </a:spcAft>
+              <a:buClr>
+                <a:schemeClr val="accent1"/>
+              </a:buClr>
+              <a:buSzPct val="75000"/>
+              <a:buFont typeface="Wingdings" panose="05000000000000000000" pitchFamily="2" charset="2"/>
+              <a:buChar char="§"/>
+              <a:defRPr sz="2000">
+                <a:solidFill>
+                  <a:schemeClr val="tx1"/>
+                </a:solidFill>
+                <a:latin typeface="+mn-lt"/>
+              </a:defRPr>
+            </a:lvl5pPr>
+            <a:lvl6pPr marL="2138363" indent="-339725" algn="l" rtl="0" fontAlgn="base">
+              <a:spcBef>
+                <a:spcPct val="20000"/>
+              </a:spcBef>
+              <a:spcAft>
+                <a:spcPct val="0"/>
+              </a:spcAft>
+              <a:buClr>
+                <a:schemeClr val="accent1"/>
+              </a:buClr>
+              <a:buSzPct val="75000"/>
+              <a:buFont typeface="Wingdings" pitchFamily="2" charset="2"/>
+              <a:buChar char="§"/>
+              <a:defRPr sz="2000">
+                <a:solidFill>
+                  <a:schemeClr val="tx1"/>
+                </a:solidFill>
+                <a:latin typeface="+mn-lt"/>
+              </a:defRPr>
+            </a:lvl6pPr>
+            <a:lvl7pPr marL="2595563" indent="-339725" algn="l" rtl="0" fontAlgn="base">
+              <a:spcBef>
+                <a:spcPct val="20000"/>
+              </a:spcBef>
+              <a:spcAft>
+                <a:spcPct val="0"/>
+              </a:spcAft>
+              <a:buClr>
+                <a:schemeClr val="accent1"/>
+              </a:buClr>
+              <a:buSzPct val="75000"/>
+              <a:buFont typeface="Wingdings" pitchFamily="2" charset="2"/>
+              <a:buChar char="§"/>
+              <a:defRPr sz="2000">
+                <a:solidFill>
+                  <a:schemeClr val="tx1"/>
+                </a:solidFill>
+                <a:latin typeface="+mn-lt"/>
+              </a:defRPr>
+            </a:lvl7pPr>
+            <a:lvl8pPr marL="3052763" indent="-339725" algn="l" rtl="0" fontAlgn="base">
+              <a:spcBef>
+                <a:spcPct val="20000"/>
+              </a:spcBef>
+              <a:spcAft>
+                <a:spcPct val="0"/>
+              </a:spcAft>
+              <a:buClr>
+                <a:schemeClr val="accent1"/>
+              </a:buClr>
+              <a:buSzPct val="75000"/>
+              <a:buFont typeface="Wingdings" pitchFamily="2" charset="2"/>
+              <a:buChar char="§"/>
+              <a:defRPr sz="2000">
+                <a:solidFill>
+                  <a:schemeClr val="tx1"/>
+                </a:solidFill>
+                <a:latin typeface="+mn-lt"/>
+              </a:defRPr>
+            </a:lvl8pPr>
+            <a:lvl9pPr marL="3509963" indent="-339725" algn="l" rtl="0" fontAlgn="base">
+              <a:spcBef>
+                <a:spcPct val="20000"/>
+              </a:spcBef>
+              <a:spcAft>
+                <a:spcPct val="0"/>
+              </a:spcAft>
+              <a:buClr>
+                <a:schemeClr val="accent1"/>
+              </a:buClr>
+              <a:buSzPct val="75000"/>
+              <a:buFont typeface="Wingdings" pitchFamily="2" charset="2"/>
+              <a:buChar char="§"/>
+              <a:defRPr sz="2000">
+                <a:solidFill>
+                  <a:schemeClr val="tx1"/>
+                </a:solidFill>
+                <a:latin typeface="+mn-lt"/>
+              </a:defRPr>
+            </a:lvl9pPr>
+          </a:lstStyle>
+          <a:p>
+            <a:pPr eaLnBrk="1" hangingPunct="1"/>
+            <a:r>
+              <a:rPr lang="en-US" altLang="zh-CN" sz="2100" kern="0" dirty="0" err="1">
+                <a:ea typeface="新細明體" panose="02020500000000000000" pitchFamily="18" charset="-120"/>
+              </a:rPr>
+              <a:t>Nexys</a:t>
+            </a:r>
+            <a:r>
+              <a:rPr lang="en-US" altLang="zh-CN" sz="2100" kern="0" dirty="0">
+                <a:ea typeface="新細明體" panose="02020500000000000000" pitchFamily="18" charset="-120"/>
+              </a:rPr>
+              <a:t> 4 DDR has a built-in PWM (Pulse Width Modulation) decoder, which is a low-pass filter.</a:t>
+            </a:r>
+          </a:p>
+          <a:p>
+            <a:pPr eaLnBrk="1" hangingPunct="1"/>
+            <a:endParaRPr lang="en-US" altLang="zh-CN" sz="1700" kern="0" dirty="0">
+              <a:ea typeface="新細明體" panose="02020500000000000000" pitchFamily="18" charset="-120"/>
+            </a:endParaRPr>
+          </a:p>
+          <a:p>
+            <a:pPr lvl="1" eaLnBrk="1" hangingPunct="1"/>
+            <a:endParaRPr lang="en-US" altLang="zh-CN" sz="1700" kern="0" dirty="0">
+              <a:ea typeface="新細明體" panose="02020500000000000000" pitchFamily="18" charset="-120"/>
+            </a:endParaRPr>
+          </a:p>
+        </p:txBody>
+      </p:sp>
+      <p:pic>
+        <p:nvPicPr>
+          <p:cNvPr id="4" name="图片 3">
+            <a:extLst>
+              <a:ext uri="{FF2B5EF4-FFF2-40B4-BE49-F238E27FC236}">
+                <a16:creationId xmlns:a16="http://schemas.microsoft.com/office/drawing/2014/main" id="{45977184-5A5D-4A9C-BCE5-4DBE2AD49A0C}"/>
+              </a:ext>
+            </a:extLst>
+          </p:cNvPr>
+          <p:cNvPicPr>
+            <a:picLocks noChangeAspect="1"/>
+          </p:cNvPicPr>
+          <p:nvPr/>
+        </p:nvPicPr>
+        <p:blipFill rotWithShape="1">
+          <a:blip r:embed="rId3"/>
+          <a:srcRect l="26375" t="31800" r="27162" b="31800"/>
+          <a:stretch/>
+        </p:blipFill>
+        <p:spPr>
+          <a:xfrm>
+            <a:off x="1233246" y="2708920"/>
+            <a:ext cx="6372708" cy="2808312"/>
+          </a:xfrm>
+          <a:prstGeom prst="rect">
+            <a:avLst/>
+          </a:prstGeom>
+        </p:spPr>
+      </p:pic>
+    </p:spTree>
+    <p:extLst>
+      <p:ext uri="{BB962C8B-B14F-4D97-AF65-F5344CB8AC3E}">
+        <p14:creationId xmlns:p14="http://schemas.microsoft.com/office/powerpoint/2010/main" val="2806961575"/>
+      </p:ext>
+    </p:extLst>
+  </p:cSld>
+  <p:clrMapOvr>
+    <a:masterClrMapping/>
+  </p:clrMapOvr>
+</p:sld>
+</file>
+
+<file path=ppt/slides/slide19.xml><?xml version="1.0" encoding="utf-8"?>
+<p:sld xmlns:a="http://schemas.openxmlformats.org/drawingml/2006/main" xmlns:r="http://schemas.openxmlformats.org/officeDocument/2006/relationships" xmlns:p="http://schemas.openxmlformats.org/presentationml/2006/main">
+  <p:cSld>
+    <p:spTree>
+      <p:nvGrpSpPr>
+        <p:cNvPr id="1" name=""/>
+        <p:cNvGrpSpPr/>
+        <p:nvPr/>
+      </p:nvGrpSpPr>
+      <p:grpSpPr>
+        <a:xfrm>
+          <a:off x="0" y="0"/>
+          <a:ext cx="0" cy="0"/>
+          <a:chOff x="0" y="0"/>
+          <a:chExt cx="0" cy="0"/>
+        </a:xfrm>
+      </p:grpSpPr>
+      <p:sp>
+        <p:nvSpPr>
+          <p:cNvPr id="13314" name="Title 1">
+            <a:extLst>
+              <a:ext uri="{FF2B5EF4-FFF2-40B4-BE49-F238E27FC236}">
+                <a16:creationId xmlns:a16="http://schemas.microsoft.com/office/drawing/2014/main" id="{A3FB24C1-DD16-4D31-96FE-40461E6C9FF3}"/>
+              </a:ext>
+            </a:extLst>
+          </p:cNvPr>
+          <p:cNvSpPr>
+            <a:spLocks noGrp="1" noChangeArrowheads="1"/>
+          </p:cNvSpPr>
+          <p:nvPr>
+            <p:ph type="title" idx="4294967295"/>
+          </p:nvPr>
+        </p:nvSpPr>
+        <p:spPr>
+          <a:xfrm>
+            <a:off x="557213" y="360363"/>
+            <a:ext cx="8229600" cy="1139825"/>
+          </a:xfrm>
+        </p:spPr>
+        <p:txBody>
+          <a:bodyPr anchor="ctr"/>
+          <a:lstStyle/>
+          <a:p>
+            <a:pPr eaLnBrk="1" hangingPunct="1"/>
+            <a:r>
+              <a:rPr lang="en-US" altLang="zh-CN" b="1" dirty="0">
+                <a:ea typeface="新細明體" panose="02020500000000000000" pitchFamily="18" charset="-120"/>
+              </a:rPr>
+              <a:t>PWM Encoder</a:t>
+            </a:r>
+            <a:endParaRPr lang="zh-TW" altLang="en-US" b="1" dirty="0">
+              <a:ea typeface="新細明體" panose="02020500000000000000" pitchFamily="18" charset="-120"/>
+            </a:endParaRPr>
+          </a:p>
+        </p:txBody>
+      </p:sp>
+      <p:sp>
+        <p:nvSpPr>
+          <p:cNvPr id="2" name="日期版面配置區 1">
+            <a:extLst>
+              <a:ext uri="{FF2B5EF4-FFF2-40B4-BE49-F238E27FC236}">
+                <a16:creationId xmlns:a16="http://schemas.microsoft.com/office/drawing/2014/main" id="{EBBA9EE1-CF91-48B5-A5FC-39944E1C0D91}"/>
+              </a:ext>
+            </a:extLst>
+          </p:cNvPr>
+          <p:cNvSpPr>
+            <a:spLocks noGrp="1"/>
+          </p:cNvSpPr>
+          <p:nvPr>
+            <p:ph type="dt" sz="quarter" idx="10"/>
+          </p:nvPr>
+        </p:nvSpPr>
+        <p:spPr/>
+        <p:txBody>
+          <a:bodyPr/>
+          <a:lstStyle/>
+          <a:p>
+            <a:pPr>
+              <a:defRPr/>
+            </a:pPr>
+            <a:fld id="{579B02EA-46D1-47B1-8324-179A3B4D3F83}" type="datetime1">
+              <a:rPr lang="en-US" altLang="en-US"/>
+              <a:pPr>
+                <a:defRPr/>
+              </a:pPr>
+              <a:t>6/14/2018</a:t>
+            </a:fld>
+            <a:endParaRPr lang="en-US" altLang="en-US"/>
+          </a:p>
+        </p:txBody>
+      </p:sp>
+      <p:sp>
+        <p:nvSpPr>
+          <p:cNvPr id="9" name="Content Placeholder 2">
+            <a:extLst>
+              <a:ext uri="{FF2B5EF4-FFF2-40B4-BE49-F238E27FC236}">
+                <a16:creationId xmlns:a16="http://schemas.microsoft.com/office/drawing/2014/main" id="{F5C80A76-C6C0-4B40-B6C8-C5CC24D58369}"/>
+              </a:ext>
+            </a:extLst>
+          </p:cNvPr>
+          <p:cNvSpPr txBox="1">
+            <a:spLocks noChangeArrowheads="1"/>
+          </p:cNvSpPr>
+          <p:nvPr/>
+        </p:nvSpPr>
+        <p:spPr bwMode="auto">
+          <a:xfrm>
+            <a:off x="457200" y="1665515"/>
+            <a:ext cx="8229600" cy="4530725"/>
+          </a:xfrm>
+          <a:prstGeom prst="rect">
+            <a:avLst/>
+          </a:prstGeom>
+          <a:noFill/>
+          <a:ln>
+            <a:noFill/>
+          </a:ln>
+          <a:extLst>
+            <a:ext uri="{909E8E84-426E-40DD-AFC4-6F175D3DCCD1}">
+              <a14:hiddenFill xmlns:a14="http://schemas.microsoft.com/office/drawing/2010/main">
+                <a:solidFill>
+                  <a:srgbClr val="FFFFFF"/>
+                </a:solidFill>
+              </a14:hiddenFill>
+            </a:ext>
+            <a:ext uri="{91240B29-F687-4F45-9708-019B960494DF}">
+              <a14:hiddenLine xmlns:a14="http://schemas.microsoft.com/office/drawing/2010/main" w="9525">
+                <a:solidFill>
+                  <a:srgbClr val="000000"/>
+                </a:solidFill>
+                <a:miter lim="800000"/>
+                <a:headEnd/>
+                <a:tailEnd/>
+              </a14:hiddenLine>
+            </a:ext>
+          </a:extLst>
+        </p:spPr>
+        <p:txBody>
+          <a:bodyPr vert="horz" wrap="square" lIns="91440" tIns="45720" rIns="91440" bIns="45720" numCol="1" anchor="t" anchorCtr="0" compatLnSpc="1">
+            <a:prstTxWarp prst="textNoShape">
+              <a:avLst/>
+            </a:prstTxWarp>
+          </a:bodyPr>
+          <a:lstStyle>
+            <a:lvl1pPr marL="342900" indent="-342900" algn="l" rtl="0" eaLnBrk="0" fontAlgn="base" hangingPunct="0">
+              <a:spcBef>
+                <a:spcPct val="20000"/>
+              </a:spcBef>
+              <a:spcAft>
+                <a:spcPct val="0"/>
+              </a:spcAft>
+              <a:buClr>
+                <a:schemeClr val="accent1"/>
+              </a:buClr>
+              <a:buSzPct val="65000"/>
+              <a:buFont typeface="Wingdings" panose="05000000000000000000" pitchFamily="2" charset="2"/>
+              <a:buChar char="n"/>
+              <a:defRPr sz="3000">
+                <a:solidFill>
+                  <a:schemeClr val="tx1"/>
+                </a:solidFill>
+                <a:latin typeface="+mn-lt"/>
+                <a:ea typeface="+mn-ea"/>
+                <a:cs typeface="+mn-cs"/>
+              </a:defRPr>
+            </a:lvl1pPr>
+            <a:lvl2pPr marL="669925" indent="-325438" algn="l" rtl="0" eaLnBrk="0" fontAlgn="base" hangingPunct="0">
+              <a:spcBef>
+                <a:spcPct val="20000"/>
+              </a:spcBef>
+              <a:spcAft>
+                <a:spcPct val="0"/>
+              </a:spcAft>
+              <a:buClr>
+                <a:schemeClr val="accent2"/>
+              </a:buClr>
+              <a:buSzPct val="60000"/>
+              <a:buFont typeface="Wingdings" panose="05000000000000000000" pitchFamily="2" charset="2"/>
+              <a:buChar char="q"/>
+              <a:defRPr sz="2600">
+                <a:solidFill>
+                  <a:schemeClr val="tx1"/>
+                </a:solidFill>
+                <a:latin typeface="+mn-lt"/>
+              </a:defRPr>
+            </a:lvl2pPr>
+            <a:lvl3pPr marL="1022350" indent="-350838" algn="l" rtl="0" eaLnBrk="0" fontAlgn="base" hangingPunct="0">
+              <a:spcBef>
+                <a:spcPct val="20000"/>
+              </a:spcBef>
+              <a:spcAft>
+                <a:spcPct val="0"/>
+              </a:spcAft>
+              <a:buClr>
+                <a:schemeClr val="accent1"/>
+              </a:buClr>
+              <a:buSzPct val="65000"/>
+              <a:buFont typeface="Wingdings" panose="05000000000000000000" pitchFamily="2" charset="2"/>
+              <a:buChar char="n"/>
+              <a:defRPr sz="2200">
+                <a:solidFill>
+                  <a:schemeClr val="tx1"/>
+                </a:solidFill>
+                <a:latin typeface="+mn-lt"/>
+              </a:defRPr>
+            </a:lvl3pPr>
+            <a:lvl4pPr marL="1339850" indent="-315913" algn="l" rtl="0" eaLnBrk="0" fontAlgn="base" hangingPunct="0">
+              <a:spcBef>
+                <a:spcPct val="20000"/>
+              </a:spcBef>
+              <a:spcAft>
+                <a:spcPct val="0"/>
+              </a:spcAft>
+              <a:buClr>
+                <a:schemeClr val="accent2"/>
+              </a:buClr>
+              <a:buSzPct val="70000"/>
+              <a:buFont typeface="Wingdings" panose="05000000000000000000" pitchFamily="2" charset="2"/>
+              <a:buChar char="q"/>
+              <a:defRPr sz="2000">
+                <a:solidFill>
+                  <a:schemeClr val="tx1"/>
+                </a:solidFill>
+                <a:latin typeface="+mn-lt"/>
+              </a:defRPr>
+            </a:lvl4pPr>
+            <a:lvl5pPr marL="1681163" indent="-339725" algn="l" rtl="0" eaLnBrk="0" fontAlgn="base" hangingPunct="0">
+              <a:spcBef>
+                <a:spcPct val="20000"/>
+              </a:spcBef>
+              <a:spcAft>
+                <a:spcPct val="0"/>
+              </a:spcAft>
+              <a:buClr>
+                <a:schemeClr val="accent1"/>
+              </a:buClr>
+              <a:buSzPct val="75000"/>
+              <a:buFont typeface="Wingdings" panose="05000000000000000000" pitchFamily="2" charset="2"/>
+              <a:buChar char="§"/>
+              <a:defRPr sz="2000">
+                <a:solidFill>
+                  <a:schemeClr val="tx1"/>
+                </a:solidFill>
+                <a:latin typeface="+mn-lt"/>
+              </a:defRPr>
+            </a:lvl5pPr>
+            <a:lvl6pPr marL="2138363" indent="-339725" algn="l" rtl="0" fontAlgn="base">
+              <a:spcBef>
+                <a:spcPct val="20000"/>
+              </a:spcBef>
+              <a:spcAft>
+                <a:spcPct val="0"/>
+              </a:spcAft>
+              <a:buClr>
+                <a:schemeClr val="accent1"/>
+              </a:buClr>
+              <a:buSzPct val="75000"/>
+              <a:buFont typeface="Wingdings" pitchFamily="2" charset="2"/>
+              <a:buChar char="§"/>
+              <a:defRPr sz="2000">
+                <a:solidFill>
+                  <a:schemeClr val="tx1"/>
+                </a:solidFill>
+                <a:latin typeface="+mn-lt"/>
+              </a:defRPr>
+            </a:lvl6pPr>
+            <a:lvl7pPr marL="2595563" indent="-339725" algn="l" rtl="0" fontAlgn="base">
+              <a:spcBef>
+                <a:spcPct val="20000"/>
+              </a:spcBef>
+              <a:spcAft>
+                <a:spcPct val="0"/>
+              </a:spcAft>
+              <a:buClr>
+                <a:schemeClr val="accent1"/>
+              </a:buClr>
+              <a:buSzPct val="75000"/>
+              <a:buFont typeface="Wingdings" pitchFamily="2" charset="2"/>
+              <a:buChar char="§"/>
+              <a:defRPr sz="2000">
+                <a:solidFill>
+                  <a:schemeClr val="tx1"/>
+                </a:solidFill>
+                <a:latin typeface="+mn-lt"/>
+              </a:defRPr>
+            </a:lvl7pPr>
+            <a:lvl8pPr marL="3052763" indent="-339725" algn="l" rtl="0" fontAlgn="base">
+              <a:spcBef>
+                <a:spcPct val="20000"/>
+              </a:spcBef>
+              <a:spcAft>
+                <a:spcPct val="0"/>
+              </a:spcAft>
+              <a:buClr>
+                <a:schemeClr val="accent1"/>
+              </a:buClr>
+              <a:buSzPct val="75000"/>
+              <a:buFont typeface="Wingdings" pitchFamily="2" charset="2"/>
+              <a:buChar char="§"/>
+              <a:defRPr sz="2000">
+                <a:solidFill>
+                  <a:schemeClr val="tx1"/>
+                </a:solidFill>
+                <a:latin typeface="+mn-lt"/>
+              </a:defRPr>
+            </a:lvl8pPr>
+            <a:lvl9pPr marL="3509963" indent="-339725" algn="l" rtl="0" fontAlgn="base">
+              <a:spcBef>
+                <a:spcPct val="20000"/>
+              </a:spcBef>
+              <a:spcAft>
+                <a:spcPct val="0"/>
+              </a:spcAft>
+              <a:buClr>
+                <a:schemeClr val="accent1"/>
+              </a:buClr>
+              <a:buSzPct val="75000"/>
+              <a:buFont typeface="Wingdings" pitchFamily="2" charset="2"/>
+              <a:buChar char="§"/>
+              <a:defRPr sz="2000">
+                <a:solidFill>
+                  <a:schemeClr val="tx1"/>
+                </a:solidFill>
+                <a:latin typeface="+mn-lt"/>
+              </a:defRPr>
+            </a:lvl9pPr>
+          </a:lstStyle>
+          <a:p>
+            <a:pPr eaLnBrk="1" hangingPunct="1"/>
+            <a:endParaRPr lang="en-US" altLang="zh-CN" sz="1700" kern="0" dirty="0">
+              <a:ea typeface="新細明體" panose="02020500000000000000" pitchFamily="18" charset="-120"/>
+            </a:endParaRPr>
+          </a:p>
+          <a:p>
+            <a:pPr lvl="1" eaLnBrk="1" hangingPunct="1"/>
+            <a:endParaRPr lang="en-US" altLang="zh-CN" sz="1700" kern="0" dirty="0">
+              <a:ea typeface="新細明體" panose="02020500000000000000" pitchFamily="18" charset="-120"/>
+            </a:endParaRPr>
+          </a:p>
+        </p:txBody>
+      </p:sp>
+      <p:sp>
+        <p:nvSpPr>
+          <p:cNvPr id="6" name="頁尾版面配置區 2">
+            <a:extLst>
+              <a:ext uri="{FF2B5EF4-FFF2-40B4-BE49-F238E27FC236}">
+                <a16:creationId xmlns:a16="http://schemas.microsoft.com/office/drawing/2014/main" id="{61D255B9-2D4F-4013-951E-B50709A0B821}"/>
+              </a:ext>
+            </a:extLst>
+          </p:cNvPr>
+          <p:cNvSpPr>
+            <a:spLocks noGrp="1"/>
+          </p:cNvSpPr>
+          <p:nvPr>
+            <p:ph type="ftr" sz="quarter" idx="11"/>
+          </p:nvPr>
+        </p:nvSpPr>
+        <p:spPr>
+          <a:xfrm>
+            <a:off x="3056012" y="6246036"/>
+            <a:ext cx="3031976" cy="457200"/>
+          </a:xfrm>
+        </p:spPr>
+        <p:txBody>
+          <a:bodyPr/>
+          <a:lstStyle/>
+          <a:p>
+            <a:pPr>
+              <a:defRPr/>
+            </a:pPr>
+            <a:r>
+              <a:rPr lang="en-US" altLang="zh-CN" dirty="0"/>
+              <a:t>Southern University of Science and Technology</a:t>
+            </a:r>
+            <a:endParaRPr lang="en-US" altLang="en-US" dirty="0"/>
+          </a:p>
+        </p:txBody>
+      </p:sp>
+      <p:sp>
+        <p:nvSpPr>
+          <p:cNvPr id="3" name="AutoShape 2" descr="tones.png">
+            <a:extLst>
+              <a:ext uri="{FF2B5EF4-FFF2-40B4-BE49-F238E27FC236}">
+                <a16:creationId xmlns:a16="http://schemas.microsoft.com/office/drawing/2014/main" id="{2D1FD832-8C6E-4C37-A52E-0AB1999D96AA}"/>
+              </a:ext>
+            </a:extLst>
+          </p:cNvPr>
+          <p:cNvSpPr>
+            <a:spLocks noChangeAspect="1" noChangeArrowheads="1"/>
+          </p:cNvSpPr>
+          <p:nvPr/>
+        </p:nvSpPr>
+        <p:spPr bwMode="auto">
+          <a:xfrm>
+            <a:off x="4419600" y="3276600"/>
+            <a:ext cx="304800" cy="304800"/>
+          </a:xfrm>
+          <a:prstGeom prst="rect">
+            <a:avLst/>
+          </a:prstGeom>
+          <a:noFill/>
+          <a:extLst>
+            <a:ext uri="{909E8E84-426E-40DD-AFC4-6F175D3DCCD1}">
+              <a14:hiddenFill xmlns:a14="http://schemas.microsoft.com/office/drawing/2010/main">
+                <a:solidFill>
+                  <a:srgbClr val="FFFFFF"/>
+                </a:solidFill>
+              </a14:hiddenFill>
+            </a:ext>
+          </a:extLst>
+        </p:spPr>
+        <p:txBody>
+          <a:bodyPr vert="horz" wrap="square" lIns="91440" tIns="45720" rIns="91440" bIns="45720" numCol="1" anchor="t" anchorCtr="0" compatLnSpc="1">
+            <a:prstTxWarp prst="textNoShape">
+              <a:avLst/>
+            </a:prstTxWarp>
+          </a:bodyPr>
+          <a:lstStyle/>
+          <a:p>
+            <a:endParaRPr lang="zh-CN" altLang="en-US"/>
+          </a:p>
+        </p:txBody>
+      </p:sp>
+      <p:sp>
+        <p:nvSpPr>
+          <p:cNvPr id="10" name="Content Placeholder 2">
+            <a:extLst>
+              <a:ext uri="{FF2B5EF4-FFF2-40B4-BE49-F238E27FC236}">
+                <a16:creationId xmlns:a16="http://schemas.microsoft.com/office/drawing/2014/main" id="{96302964-2C71-4A34-B8DC-9FC81032575D}"/>
+              </a:ext>
+            </a:extLst>
+          </p:cNvPr>
+          <p:cNvSpPr txBox="1">
+            <a:spLocks noChangeArrowheads="1"/>
+          </p:cNvSpPr>
+          <p:nvPr/>
+        </p:nvSpPr>
+        <p:spPr bwMode="auto">
+          <a:xfrm>
+            <a:off x="457200" y="1600200"/>
+            <a:ext cx="8229600" cy="4530725"/>
+          </a:xfrm>
+          <a:prstGeom prst="rect">
+            <a:avLst/>
+          </a:prstGeom>
+          <a:noFill/>
+          <a:ln>
+            <a:noFill/>
+          </a:ln>
+          <a:extLst>
+            <a:ext uri="{909E8E84-426E-40DD-AFC4-6F175D3DCCD1}">
+              <a14:hiddenFill xmlns:a14="http://schemas.microsoft.com/office/drawing/2010/main">
+                <a:solidFill>
+                  <a:srgbClr val="FFFFFF"/>
+                </a:solidFill>
+              </a14:hiddenFill>
+            </a:ext>
+            <a:ext uri="{91240B29-F687-4F45-9708-019B960494DF}">
+              <a14:hiddenLine xmlns:a14="http://schemas.microsoft.com/office/drawing/2010/main" w="9525">
+                <a:solidFill>
+                  <a:srgbClr val="000000"/>
+                </a:solidFill>
+                <a:miter lim="800000"/>
+                <a:headEnd/>
+                <a:tailEnd/>
+              </a14:hiddenLine>
+            </a:ext>
+          </a:extLst>
+        </p:spPr>
+        <p:txBody>
+          <a:bodyPr vert="horz" wrap="square" lIns="91440" tIns="45720" rIns="91440" bIns="45720" numCol="1" anchor="t" anchorCtr="0" compatLnSpc="1">
+            <a:prstTxWarp prst="textNoShape">
+              <a:avLst/>
+            </a:prstTxWarp>
+          </a:bodyPr>
+          <a:lstStyle>
+            <a:lvl1pPr marL="342900" indent="-342900" algn="l" rtl="0" eaLnBrk="0" fontAlgn="base" hangingPunct="0">
+              <a:spcBef>
+                <a:spcPct val="20000"/>
+              </a:spcBef>
+              <a:spcAft>
+                <a:spcPct val="0"/>
+              </a:spcAft>
+              <a:buClr>
+                <a:schemeClr val="accent1"/>
+              </a:buClr>
+              <a:buSzPct val="65000"/>
+              <a:buFont typeface="Wingdings" panose="05000000000000000000" pitchFamily="2" charset="2"/>
+              <a:buChar char="n"/>
+              <a:defRPr sz="3000">
+                <a:solidFill>
+                  <a:schemeClr val="tx1"/>
+                </a:solidFill>
+                <a:latin typeface="+mn-lt"/>
+                <a:ea typeface="+mn-ea"/>
+                <a:cs typeface="+mn-cs"/>
+              </a:defRPr>
+            </a:lvl1pPr>
+            <a:lvl2pPr marL="669925" indent="-325438" algn="l" rtl="0" eaLnBrk="0" fontAlgn="base" hangingPunct="0">
+              <a:spcBef>
+                <a:spcPct val="20000"/>
+              </a:spcBef>
+              <a:spcAft>
+                <a:spcPct val="0"/>
+              </a:spcAft>
+              <a:buClr>
+                <a:schemeClr val="accent2"/>
+              </a:buClr>
+              <a:buSzPct val="60000"/>
+              <a:buFont typeface="Wingdings" panose="05000000000000000000" pitchFamily="2" charset="2"/>
+              <a:buChar char="q"/>
+              <a:defRPr sz="2600">
+                <a:solidFill>
+                  <a:schemeClr val="tx1"/>
+                </a:solidFill>
+                <a:latin typeface="+mn-lt"/>
+              </a:defRPr>
+            </a:lvl2pPr>
+            <a:lvl3pPr marL="1022350" indent="-350838" algn="l" rtl="0" eaLnBrk="0" fontAlgn="base" hangingPunct="0">
+              <a:spcBef>
+                <a:spcPct val="20000"/>
+              </a:spcBef>
+              <a:spcAft>
+                <a:spcPct val="0"/>
+              </a:spcAft>
+              <a:buClr>
+                <a:schemeClr val="accent1"/>
+              </a:buClr>
+              <a:buSzPct val="65000"/>
+              <a:buFont typeface="Wingdings" panose="05000000000000000000" pitchFamily="2" charset="2"/>
+              <a:buChar char="n"/>
+              <a:defRPr sz="2200">
+                <a:solidFill>
+                  <a:schemeClr val="tx1"/>
+                </a:solidFill>
+                <a:latin typeface="+mn-lt"/>
+              </a:defRPr>
+            </a:lvl3pPr>
+            <a:lvl4pPr marL="1339850" indent="-315913" algn="l" rtl="0" eaLnBrk="0" fontAlgn="base" hangingPunct="0">
+              <a:spcBef>
+                <a:spcPct val="20000"/>
+              </a:spcBef>
+              <a:spcAft>
+                <a:spcPct val="0"/>
+              </a:spcAft>
+              <a:buClr>
+                <a:schemeClr val="accent2"/>
+              </a:buClr>
+              <a:buSzPct val="70000"/>
+              <a:buFont typeface="Wingdings" panose="05000000000000000000" pitchFamily="2" charset="2"/>
+              <a:buChar char="q"/>
+              <a:defRPr sz="2000">
+                <a:solidFill>
+                  <a:schemeClr val="tx1"/>
+                </a:solidFill>
+                <a:latin typeface="+mn-lt"/>
+              </a:defRPr>
+            </a:lvl4pPr>
+            <a:lvl5pPr marL="1681163" indent="-339725" algn="l" rtl="0" eaLnBrk="0" fontAlgn="base" hangingPunct="0">
+              <a:spcBef>
+                <a:spcPct val="20000"/>
+              </a:spcBef>
+              <a:spcAft>
+                <a:spcPct val="0"/>
+              </a:spcAft>
+              <a:buClr>
+                <a:schemeClr val="accent1"/>
+              </a:buClr>
+              <a:buSzPct val="75000"/>
+              <a:buFont typeface="Wingdings" panose="05000000000000000000" pitchFamily="2" charset="2"/>
+              <a:buChar char="§"/>
+              <a:defRPr sz="2000">
+                <a:solidFill>
+                  <a:schemeClr val="tx1"/>
+                </a:solidFill>
+                <a:latin typeface="+mn-lt"/>
+              </a:defRPr>
+            </a:lvl5pPr>
+            <a:lvl6pPr marL="2138363" indent="-339725" algn="l" rtl="0" fontAlgn="base">
+              <a:spcBef>
+                <a:spcPct val="20000"/>
+              </a:spcBef>
+              <a:spcAft>
+                <a:spcPct val="0"/>
+              </a:spcAft>
+              <a:buClr>
+                <a:schemeClr val="accent1"/>
+              </a:buClr>
+              <a:buSzPct val="75000"/>
+              <a:buFont typeface="Wingdings" pitchFamily="2" charset="2"/>
+              <a:buChar char="§"/>
+              <a:defRPr sz="2000">
+                <a:solidFill>
+                  <a:schemeClr val="tx1"/>
+                </a:solidFill>
+                <a:latin typeface="+mn-lt"/>
+              </a:defRPr>
+            </a:lvl6pPr>
+            <a:lvl7pPr marL="2595563" indent="-339725" algn="l" rtl="0" fontAlgn="base">
+              <a:spcBef>
+                <a:spcPct val="20000"/>
+              </a:spcBef>
+              <a:spcAft>
+                <a:spcPct val="0"/>
+              </a:spcAft>
+              <a:buClr>
+                <a:schemeClr val="accent1"/>
+              </a:buClr>
+              <a:buSzPct val="75000"/>
+              <a:buFont typeface="Wingdings" pitchFamily="2" charset="2"/>
+              <a:buChar char="§"/>
+              <a:defRPr sz="2000">
+                <a:solidFill>
+                  <a:schemeClr val="tx1"/>
+                </a:solidFill>
+                <a:latin typeface="+mn-lt"/>
+              </a:defRPr>
+            </a:lvl7pPr>
+            <a:lvl8pPr marL="3052763" indent="-339725" algn="l" rtl="0" fontAlgn="base">
+              <a:spcBef>
+                <a:spcPct val="20000"/>
+              </a:spcBef>
+              <a:spcAft>
+                <a:spcPct val="0"/>
+              </a:spcAft>
+              <a:buClr>
+                <a:schemeClr val="accent1"/>
+              </a:buClr>
+              <a:buSzPct val="75000"/>
+              <a:buFont typeface="Wingdings" pitchFamily="2" charset="2"/>
+              <a:buChar char="§"/>
+              <a:defRPr sz="2000">
+                <a:solidFill>
+                  <a:schemeClr val="tx1"/>
+                </a:solidFill>
+                <a:latin typeface="+mn-lt"/>
+              </a:defRPr>
+            </a:lvl8pPr>
+            <a:lvl9pPr marL="3509963" indent="-339725" algn="l" rtl="0" fontAlgn="base">
+              <a:spcBef>
+                <a:spcPct val="20000"/>
+              </a:spcBef>
+              <a:spcAft>
+                <a:spcPct val="0"/>
+              </a:spcAft>
+              <a:buClr>
+                <a:schemeClr val="accent1"/>
+              </a:buClr>
+              <a:buSzPct val="75000"/>
+              <a:buFont typeface="Wingdings" pitchFamily="2" charset="2"/>
+              <a:buChar char="§"/>
+              <a:defRPr sz="2000">
+                <a:solidFill>
+                  <a:schemeClr val="tx1"/>
+                </a:solidFill>
+                <a:latin typeface="+mn-lt"/>
+              </a:defRPr>
+            </a:lvl9pPr>
+          </a:lstStyle>
+          <a:p>
+            <a:pPr eaLnBrk="1" hangingPunct="1"/>
+            <a:r>
+              <a:rPr lang="en-US" altLang="zh-CN" sz="2100" kern="0" dirty="0">
+                <a:ea typeface="新細明體" panose="02020500000000000000" pitchFamily="18" charset="-120"/>
+              </a:rPr>
+              <a:t>Input: </a:t>
+            </a:r>
+            <a:r>
+              <a:rPr lang="en-US" altLang="zh-CN" sz="2100" kern="0" dirty="0" err="1">
+                <a:ea typeface="新細明體" panose="02020500000000000000" pitchFamily="18" charset="-120"/>
+              </a:rPr>
+              <a:t>wave_in</a:t>
+            </a:r>
+            <a:r>
+              <a:rPr lang="en-US" altLang="zh-CN" sz="2100" kern="0" dirty="0">
+                <a:ea typeface="新細明體" panose="02020500000000000000" pitchFamily="18" charset="-120"/>
+              </a:rPr>
+              <a:t> : </a:t>
+            </a:r>
+            <a:r>
+              <a:rPr lang="en-US" altLang="zh-CN" sz="2100" kern="0" dirty="0" err="1">
+                <a:ea typeface="新細明體" panose="02020500000000000000" pitchFamily="18" charset="-120"/>
+              </a:rPr>
+              <a:t>std_logic_vector</a:t>
+            </a:r>
+            <a:r>
+              <a:rPr lang="en-US" altLang="zh-CN" sz="2100" kern="0" dirty="0">
+                <a:ea typeface="新細明體" panose="02020500000000000000" pitchFamily="18" charset="-120"/>
+              </a:rPr>
+              <a:t> (7 </a:t>
+            </a:r>
+            <a:r>
+              <a:rPr lang="en-US" altLang="zh-CN" sz="2100" kern="0" dirty="0" err="1">
+                <a:ea typeface="新細明體" panose="02020500000000000000" pitchFamily="18" charset="-120"/>
+              </a:rPr>
+              <a:t>downto</a:t>
+            </a:r>
+            <a:r>
+              <a:rPr lang="en-US" altLang="zh-CN" sz="2100" kern="0" dirty="0">
+                <a:ea typeface="新細明體" panose="02020500000000000000" pitchFamily="18" charset="-120"/>
+              </a:rPr>
+              <a:t> 0)</a:t>
+            </a:r>
+          </a:p>
+          <a:p>
+            <a:pPr eaLnBrk="1" hangingPunct="1"/>
+            <a:r>
+              <a:rPr lang="en-US" altLang="zh-CN" sz="2100" kern="0" dirty="0">
+                <a:ea typeface="新細明體" panose="02020500000000000000" pitchFamily="18" charset="-120"/>
+              </a:rPr>
+              <a:t>Calculate Duty Cycle threshold, according to PWM frequency</a:t>
+            </a:r>
+          </a:p>
+          <a:p>
+            <a:pPr eaLnBrk="1" hangingPunct="1"/>
+            <a:r>
+              <a:rPr lang="en-US" altLang="zh-CN" sz="2100" kern="0" dirty="0">
+                <a:ea typeface="新細明體" panose="02020500000000000000" pitchFamily="18" charset="-120"/>
+              </a:rPr>
+              <a:t>Counter: smaller than threshold, output ‘1’; else ‘0’</a:t>
+            </a:r>
+          </a:p>
+          <a:p>
+            <a:pPr eaLnBrk="1" hangingPunct="1"/>
+            <a:r>
+              <a:rPr lang="en-US" altLang="zh-CN" sz="2100" kern="0" dirty="0">
+                <a:ea typeface="新細明體" panose="02020500000000000000" pitchFamily="18" charset="-120"/>
+              </a:rPr>
+              <a:t>Output:  </a:t>
+            </a:r>
+            <a:r>
+              <a:rPr lang="en-US" altLang="zh-CN" sz="2100" kern="0" dirty="0" err="1">
+                <a:ea typeface="新細明體" panose="02020500000000000000" pitchFamily="18" charset="-120"/>
+              </a:rPr>
+              <a:t>std_logic</a:t>
+            </a:r>
+            <a:endParaRPr lang="en-US" altLang="zh-CN" sz="2100" kern="0" dirty="0">
+              <a:ea typeface="新細明體" panose="02020500000000000000" pitchFamily="18" charset="-120"/>
+            </a:endParaRPr>
+          </a:p>
+          <a:p>
+            <a:pPr eaLnBrk="1" hangingPunct="1"/>
+            <a:endParaRPr lang="en-US" altLang="zh-CN" sz="1700" kern="0" dirty="0">
+              <a:ea typeface="新細明體" panose="02020500000000000000" pitchFamily="18" charset="-120"/>
+            </a:endParaRPr>
+          </a:p>
+          <a:p>
+            <a:pPr lvl="1" eaLnBrk="1" hangingPunct="1"/>
+            <a:endParaRPr lang="en-US" altLang="zh-CN" sz="1700" kern="0" dirty="0">
+              <a:ea typeface="新細明體" panose="02020500000000000000" pitchFamily="18" charset="-120"/>
+            </a:endParaRPr>
+          </a:p>
+        </p:txBody>
+      </p:sp>
+      <p:pic>
+        <p:nvPicPr>
+          <p:cNvPr id="3074" name="Picture 2" descr="n4ah.png">
+            <a:extLst>
+              <a:ext uri="{FF2B5EF4-FFF2-40B4-BE49-F238E27FC236}">
+                <a16:creationId xmlns:a16="http://schemas.microsoft.com/office/drawing/2014/main" id="{8F6A93F2-8E8F-49AA-A068-3348E144B8A9}"/>
+              </a:ext>
+            </a:extLst>
+          </p:cNvPr>
+          <p:cNvPicPr>
+            <a:picLocks noChangeAspect="1" noChangeArrowheads="1"/>
+          </p:cNvPicPr>
+          <p:nvPr/>
+        </p:nvPicPr>
+        <p:blipFill>
+          <a:blip r:embed="rId2">
+            <a:extLst>
+              <a:ext uri="{28A0092B-C50C-407E-A947-70E740481C1C}">
+                <a14:useLocalDpi xmlns:a14="http://schemas.microsoft.com/office/drawing/2010/main" val="0"/>
+              </a:ext>
+            </a:extLst>
+          </a:blip>
+          <a:srcRect/>
+          <a:stretch>
+            <a:fillRect/>
+          </a:stretch>
+        </p:blipFill>
+        <p:spPr bwMode="auto">
+          <a:xfrm>
+            <a:off x="457200" y="3912284"/>
+            <a:ext cx="8050752" cy="2016004"/>
+          </a:xfrm>
+          <a:prstGeom prst="rect">
+            <a:avLst/>
+          </a:prstGeom>
+          <a:noFill/>
+          <a:extLst>
+            <a:ext uri="{909E8E84-426E-40DD-AFC4-6F175D3DCCD1}">
+              <a14:hiddenFill xmlns:a14="http://schemas.microsoft.com/office/drawing/2010/main">
+                <a:solidFill>
+                  <a:srgbClr val="FFFFFF"/>
+                </a:solidFill>
+              </a14:hiddenFill>
+            </a:ext>
+          </a:extLst>
+        </p:spPr>
+      </p:pic>
+    </p:spTree>
+    <p:extLst>
+      <p:ext uri="{BB962C8B-B14F-4D97-AF65-F5344CB8AC3E}">
+        <p14:creationId xmlns:p14="http://schemas.microsoft.com/office/powerpoint/2010/main" val="2392260245"/>
+      </p:ext>
+    </p:extLst>
+  </p:cSld>
+  <p:clrMapOvr>
+    <a:masterClrMapping/>
+  </p:clrMapOvr>
+</p:sld>
+</file>
+
+<file path=ppt/slides/slide2.xml><?xml version="1.0" encoding="utf-8"?>
+<p:sld xmlns:a="http://schemas.openxmlformats.org/drawingml/2006/main" xmlns:r="http://schemas.openxmlformats.org/officeDocument/2006/relationships" xmlns:p="http://schemas.openxmlformats.org/presentationml/2006/main">
+  <p:cSld>
+    <p:spTree>
+      <p:nvGrpSpPr>
+        <p:cNvPr id="1" name=""/>
+        <p:cNvGrpSpPr/>
+        <p:nvPr/>
+      </p:nvGrpSpPr>
+      <p:grpSpPr>
+        <a:xfrm>
+          <a:off x="0" y="0"/>
+          <a:ext cx="0" cy="0"/>
+          <a:chOff x="0" y="0"/>
+          <a:chExt cx="0" cy="0"/>
+        </a:xfrm>
+      </p:grpSpPr>
+      <p:sp>
+        <p:nvSpPr>
+          <p:cNvPr id="9218" name="Rectangle 2">
+            <a:extLst>
+              <a:ext uri="{FF2B5EF4-FFF2-40B4-BE49-F238E27FC236}">
+                <a16:creationId xmlns:a16="http://schemas.microsoft.com/office/drawing/2014/main" id="{5FD2D989-1AB5-4288-93BB-8C63D75167DF}"/>
+              </a:ext>
+            </a:extLst>
+          </p:cNvPr>
+          <p:cNvSpPr>
+            <a:spLocks noGrp="1" noChangeArrowheads="1"/>
+          </p:cNvSpPr>
+          <p:nvPr>
+            <p:ph type="title"/>
+          </p:nvPr>
+        </p:nvSpPr>
+        <p:spPr>
+          <a:xfrm>
+            <a:off x="557213" y="277813"/>
+            <a:ext cx="8229600" cy="1139825"/>
+          </a:xfrm>
+        </p:spPr>
+        <p:txBody>
+          <a:bodyPr/>
+          <a:lstStyle/>
+          <a:p>
+            <a:pPr eaLnBrk="1" hangingPunct="1"/>
+            <a:r>
+              <a:rPr lang="en-US" altLang="zh-TW" b="1">
+                <a:ea typeface="新細明體" panose="02020500000000000000" pitchFamily="18" charset="-120"/>
+              </a:rPr>
+              <a:t>Speech Outline</a:t>
+            </a:r>
+          </a:p>
+        </p:txBody>
+      </p:sp>
+      <p:sp>
+        <p:nvSpPr>
+          <p:cNvPr id="9219" name="Rectangle 3">
+            <a:extLst>
+              <a:ext uri="{FF2B5EF4-FFF2-40B4-BE49-F238E27FC236}">
+                <a16:creationId xmlns:a16="http://schemas.microsoft.com/office/drawing/2014/main" id="{B89574CA-10BF-4AEB-8714-D32A0D9ED57A}"/>
+              </a:ext>
+            </a:extLst>
+          </p:cNvPr>
+          <p:cNvSpPr>
+            <a:spLocks noGrp="1" noChangeArrowheads="1"/>
+          </p:cNvSpPr>
+          <p:nvPr>
+            <p:ph type="body" idx="1"/>
+          </p:nvPr>
+        </p:nvSpPr>
+        <p:spPr/>
+        <p:txBody>
+          <a:bodyPr/>
+          <a:lstStyle/>
+          <a:p>
+            <a:pPr marL="514350" indent="-514350" eaLnBrk="1" hangingPunct="1">
+              <a:lnSpc>
+                <a:spcPct val="90000"/>
+              </a:lnSpc>
+            </a:pPr>
+            <a:r>
+              <a:rPr lang="en-US" altLang="zh-TW" sz="3200" dirty="0">
+                <a:ea typeface="新細明體" panose="02020500000000000000" pitchFamily="18" charset="-120"/>
+              </a:rPr>
+              <a:t>Inputs &amp; Outputs</a:t>
+            </a:r>
+          </a:p>
+          <a:p>
+            <a:pPr marL="514350" indent="-514350" eaLnBrk="1" hangingPunct="1">
+              <a:lnSpc>
+                <a:spcPct val="90000"/>
+              </a:lnSpc>
+            </a:pPr>
+            <a:r>
+              <a:rPr lang="en-US" altLang="zh-TW" sz="3200" dirty="0">
+                <a:ea typeface="新細明體" panose="02020500000000000000" pitchFamily="18" charset="-120"/>
+              </a:rPr>
+              <a:t>Components of the circuit</a:t>
+            </a:r>
+          </a:p>
+          <a:p>
+            <a:pPr marL="514350" indent="-514350" eaLnBrk="1" hangingPunct="1">
+              <a:lnSpc>
+                <a:spcPct val="90000"/>
+              </a:lnSpc>
+            </a:pPr>
+            <a:r>
+              <a:rPr lang="en-US" altLang="zh-TW" sz="3200" dirty="0">
+                <a:ea typeface="新細明體" panose="02020500000000000000" pitchFamily="18" charset="-120"/>
+              </a:rPr>
+              <a:t>Result demonstration</a:t>
+            </a:r>
+          </a:p>
+          <a:p>
+            <a:pPr marL="514350" indent="-514350" eaLnBrk="1" hangingPunct="1">
+              <a:lnSpc>
+                <a:spcPct val="90000"/>
+              </a:lnSpc>
+            </a:pPr>
+            <a:r>
+              <a:rPr lang="en-US" altLang="zh-TW" sz="3200" dirty="0">
+                <a:ea typeface="新細明體" panose="02020500000000000000" pitchFamily="18" charset="-120"/>
+              </a:rPr>
+              <a:t>Further enhancements</a:t>
+            </a:r>
+          </a:p>
+        </p:txBody>
+      </p:sp>
+      <p:sp>
+        <p:nvSpPr>
+          <p:cNvPr id="2" name="日期版面配置區 1">
+            <a:extLst>
+              <a:ext uri="{FF2B5EF4-FFF2-40B4-BE49-F238E27FC236}">
+                <a16:creationId xmlns:a16="http://schemas.microsoft.com/office/drawing/2014/main" id="{609ADBB6-FF92-45B7-BD03-6264CA3777A3}"/>
+              </a:ext>
+            </a:extLst>
+          </p:cNvPr>
+          <p:cNvSpPr>
+            <a:spLocks noGrp="1"/>
+          </p:cNvSpPr>
+          <p:nvPr>
+            <p:ph type="dt" sz="quarter" idx="10"/>
+          </p:nvPr>
+        </p:nvSpPr>
+        <p:spPr/>
+        <p:txBody>
+          <a:bodyPr/>
+          <a:lstStyle/>
+          <a:p>
+            <a:pPr>
+              <a:defRPr/>
+            </a:pPr>
+            <a:fld id="{B2B03B4F-432D-40B0-91D5-7C9B34764966}" type="datetime1">
+              <a:rPr lang="en-US" altLang="en-US"/>
+              <a:pPr>
+                <a:defRPr/>
+              </a:pPr>
+              <a:t>6/14/2018</a:t>
+            </a:fld>
+            <a:endParaRPr lang="en-US" altLang="en-US"/>
+          </a:p>
+        </p:txBody>
+      </p:sp>
+      <p:sp>
+        <p:nvSpPr>
+          <p:cNvPr id="3" name="頁尾版面配置區 2">
+            <a:extLst>
+              <a:ext uri="{FF2B5EF4-FFF2-40B4-BE49-F238E27FC236}">
+                <a16:creationId xmlns:a16="http://schemas.microsoft.com/office/drawing/2014/main" id="{61D255B9-2D4F-4013-951E-B50709A0B821}"/>
+              </a:ext>
+            </a:extLst>
+          </p:cNvPr>
+          <p:cNvSpPr>
+            <a:spLocks noGrp="1"/>
+          </p:cNvSpPr>
+          <p:nvPr>
+            <p:ph type="ftr" sz="quarter" idx="11"/>
+          </p:nvPr>
+        </p:nvSpPr>
+        <p:spPr>
+          <a:xfrm>
+            <a:off x="3056012" y="6246036"/>
+            <a:ext cx="3031976" cy="457200"/>
+          </a:xfrm>
+        </p:spPr>
+        <p:txBody>
+          <a:bodyPr/>
+          <a:lstStyle/>
+          <a:p>
+            <a:pPr>
+              <a:defRPr/>
+            </a:pPr>
+            <a:r>
+              <a:rPr lang="en-US" altLang="zh-CN" dirty="0"/>
+              <a:t>Southern University of Science and Technology</a:t>
+            </a:r>
+            <a:endParaRPr lang="en-US" altLang="en-US" dirty="0"/>
+          </a:p>
+        </p:txBody>
+      </p:sp>
+      <p:pic>
+        <p:nvPicPr>
+          <p:cNvPr id="4" name="图片 3"/>
+          <p:cNvPicPr>
+            <a:picLocks noChangeAspect="1"/>
+          </p:cNvPicPr>
+          <p:nvPr/>
+        </p:nvPicPr>
+        <p:blipFill>
+          <a:blip r:embed="rId2" cstate="print">
+            <a:extLst>
+              <a:ext uri="{28A0092B-C50C-407E-A947-70E740481C1C}">
+                <a14:useLocalDpi xmlns:a14="http://schemas.microsoft.com/office/drawing/2010/main" val="0"/>
+              </a:ext>
+            </a:extLst>
+          </a:blip>
+          <a:stretch>
+            <a:fillRect/>
+          </a:stretch>
+        </p:blipFill>
+        <p:spPr>
+          <a:xfrm>
+            <a:off x="5369474" y="3501008"/>
+            <a:ext cx="3317326" cy="2475036"/>
+          </a:xfrm>
+          <a:prstGeom prst="rect">
+            <a:avLst/>
+          </a:prstGeom>
+        </p:spPr>
+      </p:pic>
+    </p:spTree>
+  </p:cSld>
+  <p:clrMapOvr>
+    <a:masterClrMapping/>
+  </p:clrMapOvr>
+</p:sld>
+</file>
+
+<file path=ppt/slides/slide20.xml><?xml version="1.0" encoding="utf-8"?>
+<p:sld xmlns:a="http://schemas.openxmlformats.org/drawingml/2006/main" xmlns:r="http://schemas.openxmlformats.org/officeDocument/2006/relationships" xmlns:p="http://schemas.openxmlformats.org/presentationml/2006/main">
+  <p:cSld>
+    <p:spTree>
+      <p:nvGrpSpPr>
+        <p:cNvPr id="1" name=""/>
+        <p:cNvGrpSpPr/>
+        <p:nvPr/>
+      </p:nvGrpSpPr>
+      <p:grpSpPr>
+        <a:xfrm>
+          <a:off x="0" y="0"/>
+          <a:ext cx="0" cy="0"/>
+          <a:chOff x="0" y="0"/>
+          <a:chExt cx="0" cy="0"/>
+        </a:xfrm>
+      </p:grpSpPr>
+      <p:sp>
+        <p:nvSpPr>
+          <p:cNvPr id="13314" name="Title 1">
+            <a:extLst>
+              <a:ext uri="{FF2B5EF4-FFF2-40B4-BE49-F238E27FC236}">
+                <a16:creationId xmlns:a16="http://schemas.microsoft.com/office/drawing/2014/main" id="{A3FB24C1-DD16-4D31-96FE-40461E6C9FF3}"/>
+              </a:ext>
+            </a:extLst>
+          </p:cNvPr>
+          <p:cNvSpPr>
+            <a:spLocks noGrp="1" noChangeArrowheads="1"/>
+          </p:cNvSpPr>
+          <p:nvPr>
+            <p:ph type="title" idx="4294967295"/>
+          </p:nvPr>
+        </p:nvSpPr>
+        <p:spPr>
+          <a:xfrm>
+            <a:off x="557213" y="360363"/>
+            <a:ext cx="8229600" cy="1139825"/>
+          </a:xfrm>
+        </p:spPr>
+        <p:txBody>
+          <a:bodyPr anchor="ctr"/>
+          <a:lstStyle/>
+          <a:p>
+            <a:pPr eaLnBrk="1" hangingPunct="1"/>
+            <a:r>
+              <a:rPr lang="en-US" altLang="zh-CN" b="1" dirty="0">
+                <a:ea typeface="新細明體" panose="02020500000000000000" pitchFamily="18" charset="-120"/>
+              </a:rPr>
+              <a:t>Connecting Components</a:t>
+            </a:r>
+            <a:br>
+              <a:rPr lang="en-US" altLang="zh-TW" b="1" dirty="0">
+                <a:ea typeface="新細明體" panose="02020500000000000000" pitchFamily="18" charset="-120"/>
+              </a:rPr>
+            </a:br>
+            <a:endParaRPr lang="zh-TW" altLang="en-US" b="1" dirty="0">
+              <a:ea typeface="新細明體" panose="02020500000000000000" pitchFamily="18" charset="-120"/>
+            </a:endParaRPr>
+          </a:p>
+        </p:txBody>
+      </p:sp>
+      <p:sp>
+        <p:nvSpPr>
+          <p:cNvPr id="2" name="日期版面配置區 1">
+            <a:extLst>
+              <a:ext uri="{FF2B5EF4-FFF2-40B4-BE49-F238E27FC236}">
+                <a16:creationId xmlns:a16="http://schemas.microsoft.com/office/drawing/2014/main" id="{EBBA9EE1-CF91-48B5-A5FC-39944E1C0D91}"/>
+              </a:ext>
+            </a:extLst>
+          </p:cNvPr>
+          <p:cNvSpPr>
+            <a:spLocks noGrp="1"/>
+          </p:cNvSpPr>
+          <p:nvPr>
+            <p:ph type="dt" sz="quarter" idx="10"/>
+          </p:nvPr>
+        </p:nvSpPr>
+        <p:spPr/>
+        <p:txBody>
+          <a:bodyPr/>
+          <a:lstStyle/>
+          <a:p>
+            <a:pPr>
+              <a:defRPr/>
+            </a:pPr>
+            <a:fld id="{579B02EA-46D1-47B1-8324-179A3B4D3F83}" type="datetime1">
+              <a:rPr lang="en-US" altLang="en-US"/>
+              <a:pPr>
+                <a:defRPr/>
+              </a:pPr>
+              <a:t>6/14/2018</a:t>
+            </a:fld>
+            <a:endParaRPr lang="en-US" altLang="en-US"/>
+          </a:p>
+        </p:txBody>
+      </p:sp>
+      <p:sp>
+        <p:nvSpPr>
+          <p:cNvPr id="9" name="Content Placeholder 2">
+            <a:extLst>
+              <a:ext uri="{FF2B5EF4-FFF2-40B4-BE49-F238E27FC236}">
+                <a16:creationId xmlns:a16="http://schemas.microsoft.com/office/drawing/2014/main" id="{F5C80A76-C6C0-4B40-B6C8-C5CC24D58369}"/>
+              </a:ext>
+            </a:extLst>
+          </p:cNvPr>
+          <p:cNvSpPr txBox="1">
+            <a:spLocks noChangeArrowheads="1"/>
+          </p:cNvSpPr>
+          <p:nvPr/>
+        </p:nvSpPr>
+        <p:spPr bwMode="auto">
+          <a:xfrm>
+            <a:off x="457200" y="1600200"/>
+            <a:ext cx="8229600" cy="4530725"/>
+          </a:xfrm>
+          <a:prstGeom prst="rect">
+            <a:avLst/>
+          </a:prstGeom>
+          <a:noFill/>
+          <a:ln>
+            <a:noFill/>
+          </a:ln>
+          <a:extLst>
+            <a:ext uri="{909E8E84-426E-40DD-AFC4-6F175D3DCCD1}">
+              <a14:hiddenFill xmlns:a14="http://schemas.microsoft.com/office/drawing/2010/main">
+                <a:solidFill>
+                  <a:srgbClr val="FFFFFF"/>
+                </a:solidFill>
+              </a14:hiddenFill>
+            </a:ext>
+            <a:ext uri="{91240B29-F687-4F45-9708-019B960494DF}">
+              <a14:hiddenLine xmlns:a14="http://schemas.microsoft.com/office/drawing/2010/main" w="9525">
+                <a:solidFill>
+                  <a:srgbClr val="000000"/>
+                </a:solidFill>
+                <a:miter lim="800000"/>
+                <a:headEnd/>
+                <a:tailEnd/>
+              </a14:hiddenLine>
+            </a:ext>
+          </a:extLst>
+        </p:spPr>
+        <p:txBody>
+          <a:bodyPr vert="horz" wrap="square" lIns="91440" tIns="45720" rIns="91440" bIns="45720" numCol="1" anchor="t" anchorCtr="0" compatLnSpc="1">
+            <a:prstTxWarp prst="textNoShape">
+              <a:avLst/>
+            </a:prstTxWarp>
+          </a:bodyPr>
+          <a:lstStyle>
+            <a:lvl1pPr marL="342900" indent="-342900" algn="l" rtl="0" eaLnBrk="0" fontAlgn="base" hangingPunct="0">
+              <a:spcBef>
+                <a:spcPct val="20000"/>
+              </a:spcBef>
+              <a:spcAft>
+                <a:spcPct val="0"/>
+              </a:spcAft>
+              <a:buClr>
+                <a:schemeClr val="accent1"/>
+              </a:buClr>
+              <a:buSzPct val="65000"/>
+              <a:buFont typeface="Wingdings" panose="05000000000000000000" pitchFamily="2" charset="2"/>
+              <a:buChar char="n"/>
+              <a:defRPr sz="3000">
+                <a:solidFill>
+                  <a:schemeClr val="tx1"/>
+                </a:solidFill>
+                <a:latin typeface="+mn-lt"/>
+                <a:ea typeface="+mn-ea"/>
+                <a:cs typeface="+mn-cs"/>
+              </a:defRPr>
+            </a:lvl1pPr>
+            <a:lvl2pPr marL="669925" indent="-325438" algn="l" rtl="0" eaLnBrk="0" fontAlgn="base" hangingPunct="0">
+              <a:spcBef>
+                <a:spcPct val="20000"/>
+              </a:spcBef>
+              <a:spcAft>
+                <a:spcPct val="0"/>
+              </a:spcAft>
+              <a:buClr>
+                <a:schemeClr val="accent2"/>
+              </a:buClr>
+              <a:buSzPct val="60000"/>
+              <a:buFont typeface="Wingdings" panose="05000000000000000000" pitchFamily="2" charset="2"/>
+              <a:buChar char="q"/>
+              <a:defRPr sz="2600">
+                <a:solidFill>
+                  <a:schemeClr val="tx1"/>
+                </a:solidFill>
+                <a:latin typeface="+mn-lt"/>
+              </a:defRPr>
+            </a:lvl2pPr>
+            <a:lvl3pPr marL="1022350" indent="-350838" algn="l" rtl="0" eaLnBrk="0" fontAlgn="base" hangingPunct="0">
+              <a:spcBef>
+                <a:spcPct val="20000"/>
+              </a:spcBef>
+              <a:spcAft>
+                <a:spcPct val="0"/>
+              </a:spcAft>
+              <a:buClr>
+                <a:schemeClr val="accent1"/>
+              </a:buClr>
+              <a:buSzPct val="65000"/>
+              <a:buFont typeface="Wingdings" panose="05000000000000000000" pitchFamily="2" charset="2"/>
+              <a:buChar char="n"/>
+              <a:defRPr sz="2200">
+                <a:solidFill>
+                  <a:schemeClr val="tx1"/>
+                </a:solidFill>
+                <a:latin typeface="+mn-lt"/>
+              </a:defRPr>
+            </a:lvl3pPr>
+            <a:lvl4pPr marL="1339850" indent="-315913" algn="l" rtl="0" eaLnBrk="0" fontAlgn="base" hangingPunct="0">
+              <a:spcBef>
+                <a:spcPct val="20000"/>
+              </a:spcBef>
+              <a:spcAft>
+                <a:spcPct val="0"/>
+              </a:spcAft>
+              <a:buClr>
+                <a:schemeClr val="accent2"/>
+              </a:buClr>
+              <a:buSzPct val="70000"/>
+              <a:buFont typeface="Wingdings" panose="05000000000000000000" pitchFamily="2" charset="2"/>
+              <a:buChar char="q"/>
+              <a:defRPr sz="2000">
+                <a:solidFill>
+                  <a:schemeClr val="tx1"/>
+                </a:solidFill>
+                <a:latin typeface="+mn-lt"/>
+              </a:defRPr>
+            </a:lvl4pPr>
+            <a:lvl5pPr marL="1681163" indent="-339725" algn="l" rtl="0" eaLnBrk="0" fontAlgn="base" hangingPunct="0">
+              <a:spcBef>
+                <a:spcPct val="20000"/>
+              </a:spcBef>
+              <a:spcAft>
+                <a:spcPct val="0"/>
+              </a:spcAft>
+              <a:buClr>
+                <a:schemeClr val="accent1"/>
+              </a:buClr>
+              <a:buSzPct val="75000"/>
+              <a:buFont typeface="Wingdings" panose="05000000000000000000" pitchFamily="2" charset="2"/>
+              <a:buChar char="§"/>
+              <a:defRPr sz="2000">
+                <a:solidFill>
+                  <a:schemeClr val="tx1"/>
+                </a:solidFill>
+                <a:latin typeface="+mn-lt"/>
+              </a:defRPr>
+            </a:lvl5pPr>
+            <a:lvl6pPr marL="2138363" indent="-339725" algn="l" rtl="0" fontAlgn="base">
+              <a:spcBef>
+                <a:spcPct val="20000"/>
+              </a:spcBef>
+              <a:spcAft>
+                <a:spcPct val="0"/>
+              </a:spcAft>
+              <a:buClr>
+                <a:schemeClr val="accent1"/>
+              </a:buClr>
+              <a:buSzPct val="75000"/>
+              <a:buFont typeface="Wingdings" pitchFamily="2" charset="2"/>
+              <a:buChar char="§"/>
+              <a:defRPr sz="2000">
+                <a:solidFill>
+                  <a:schemeClr val="tx1"/>
+                </a:solidFill>
+                <a:latin typeface="+mn-lt"/>
+              </a:defRPr>
+            </a:lvl6pPr>
+            <a:lvl7pPr marL="2595563" indent="-339725" algn="l" rtl="0" fontAlgn="base">
+              <a:spcBef>
+                <a:spcPct val="20000"/>
+              </a:spcBef>
+              <a:spcAft>
+                <a:spcPct val="0"/>
+              </a:spcAft>
+              <a:buClr>
+                <a:schemeClr val="accent1"/>
+              </a:buClr>
+              <a:buSzPct val="75000"/>
+              <a:buFont typeface="Wingdings" pitchFamily="2" charset="2"/>
+              <a:buChar char="§"/>
+              <a:defRPr sz="2000">
+                <a:solidFill>
+                  <a:schemeClr val="tx1"/>
+                </a:solidFill>
+                <a:latin typeface="+mn-lt"/>
+              </a:defRPr>
+            </a:lvl7pPr>
+            <a:lvl8pPr marL="3052763" indent="-339725" algn="l" rtl="0" fontAlgn="base">
+              <a:spcBef>
+                <a:spcPct val="20000"/>
+              </a:spcBef>
+              <a:spcAft>
+                <a:spcPct val="0"/>
+              </a:spcAft>
+              <a:buClr>
+                <a:schemeClr val="accent1"/>
+              </a:buClr>
+              <a:buSzPct val="75000"/>
+              <a:buFont typeface="Wingdings" pitchFamily="2" charset="2"/>
+              <a:buChar char="§"/>
+              <a:defRPr sz="2000">
+                <a:solidFill>
+                  <a:schemeClr val="tx1"/>
+                </a:solidFill>
+                <a:latin typeface="+mn-lt"/>
+              </a:defRPr>
+            </a:lvl8pPr>
+            <a:lvl9pPr marL="3509963" indent="-339725" algn="l" rtl="0" fontAlgn="base">
+              <a:spcBef>
+                <a:spcPct val="20000"/>
+              </a:spcBef>
+              <a:spcAft>
+                <a:spcPct val="0"/>
+              </a:spcAft>
+              <a:buClr>
+                <a:schemeClr val="accent1"/>
+              </a:buClr>
+              <a:buSzPct val="75000"/>
+              <a:buFont typeface="Wingdings" pitchFamily="2" charset="2"/>
+              <a:buChar char="§"/>
+              <a:defRPr sz="2000">
+                <a:solidFill>
+                  <a:schemeClr val="tx1"/>
+                </a:solidFill>
+                <a:latin typeface="+mn-lt"/>
+              </a:defRPr>
+            </a:lvl9pPr>
+          </a:lstStyle>
+          <a:p>
+            <a:pPr lvl="1" eaLnBrk="1" hangingPunct="1"/>
+            <a:endParaRPr lang="en-US" altLang="zh-CN" sz="1700" kern="0" dirty="0">
+              <a:ea typeface="新細明體" panose="02020500000000000000" pitchFamily="18" charset="-120"/>
+            </a:endParaRPr>
+          </a:p>
+        </p:txBody>
+      </p:sp>
+      <p:sp>
+        <p:nvSpPr>
+          <p:cNvPr id="6" name="頁尾版面配置區 2">
+            <a:extLst>
+              <a:ext uri="{FF2B5EF4-FFF2-40B4-BE49-F238E27FC236}">
+                <a16:creationId xmlns:a16="http://schemas.microsoft.com/office/drawing/2014/main" id="{61D255B9-2D4F-4013-951E-B50709A0B821}"/>
               </a:ext>
             </a:extLst>
           </p:cNvPr>
@@ -8767,17 +13536,10 @@
   <p:clrMapOvr>
     <a:masterClrMapping/>
   </p:clrMapOvr>
-  <p:timing>
-    <p:tnLst>
-      <p:par>
-        <p:cTn id="1" dur="indefinite" restart="never" nodeType="tmRoot"/>
-      </p:par>
-    </p:tnLst>
-  </p:timing>
 </p:sld>
 </file>
 
-<file path=ppt/slides/slide15.xml><?xml version="1.0" encoding="utf-8"?>
+<file path=ppt/slides/slide21.xml><?xml version="1.0" encoding="utf-8"?>
 <p:sld xmlns:a="http://schemas.openxmlformats.org/drawingml/2006/main" xmlns:r="http://schemas.openxmlformats.org/officeDocument/2006/relationships" xmlns:p="http://schemas.openxmlformats.org/presentationml/2006/main">
   <p:cSld>
     <p:spTree>
@@ -8799,7 +13561,7 @@
           <p:cNvPr id="12290" name="Title 1">
             <a:extLst>
               <a:ext uri="{FF2B5EF4-FFF2-40B4-BE49-F238E27FC236}">
-                <a16:creationId xmlns="" xmlns:a16="http://schemas.microsoft.com/office/drawing/2014/main" id="{312D1348-727E-43BC-9440-FAC69CECF262}"/>
+                <a16:creationId xmlns:a16="http://schemas.microsoft.com/office/drawing/2014/main" id="{312D1348-727E-43BC-9440-FAC69CECF262}"/>
               </a:ext>
             </a:extLst>
           </p:cNvPr>
@@ -8822,14 +13584,11 @@
           <a:p>
             <a:pPr eaLnBrk="1" hangingPunct="1"/>
             <a:r>
-              <a:rPr lang="fr-FR" altLang="zh-TW" sz="5400" b="1" dirty="0" smtClean="0">
+              <a:rPr lang="fr-FR" altLang="zh-TW" sz="5400" b="1" dirty="0">
                 <a:ea typeface="新細明體" panose="02020500000000000000" pitchFamily="18" charset="-120"/>
               </a:rPr>
               <a:t>Result Demonstration</a:t>
             </a:r>
-            <a:endParaRPr lang="fr-FR" altLang="zh-TW" sz="5400" b="1" dirty="0">
-              <a:ea typeface="新細明體" panose="02020500000000000000" pitchFamily="18" charset="-120"/>
-            </a:endParaRPr>
           </a:p>
         </p:txBody>
       </p:sp>
@@ -8838,7 +13597,7 @@
           <p:cNvPr id="2" name="日期版面配置區 1">
             <a:extLst>
               <a:ext uri="{FF2B5EF4-FFF2-40B4-BE49-F238E27FC236}">
-                <a16:creationId xmlns="" xmlns:a16="http://schemas.microsoft.com/office/drawing/2014/main" id="{C55F9B2A-AB82-491B-A507-61EBC6B57F16}"/>
+                <a16:creationId xmlns:a16="http://schemas.microsoft.com/office/drawing/2014/main" id="{C55F9B2A-AB82-491B-A507-61EBC6B57F16}"/>
               </a:ext>
             </a:extLst>
           </p:cNvPr>
@@ -8873,7 +13632,7 @@
           <p:cNvPr id="5" name="頁尾版面配置區 2">
             <a:extLst>
               <a:ext uri="{FF2B5EF4-FFF2-40B4-BE49-F238E27FC236}">
-                <a16:creationId xmlns="" xmlns:a16="http://schemas.microsoft.com/office/drawing/2014/main" id="{61D255B9-2D4F-4013-951E-B50709A0B821}"/>
+                <a16:creationId xmlns:a16="http://schemas.microsoft.com/office/drawing/2014/main" id="{61D255B9-2D4F-4013-951E-B50709A0B821}"/>
               </a:ext>
             </a:extLst>
           </p:cNvPr>
@@ -8915,162 +13674,10 @@
   <p:clrMapOvr>
     <a:masterClrMapping/>
   </p:clrMapOvr>
-  <p:timing>
-    <p:tnLst>
-      <p:par>
-        <p:cTn id="1" dur="indefinite" restart="never" nodeType="tmRoot"/>
-      </p:par>
-    </p:tnLst>
-  </p:timing>
 </p:sld>
 </file>
 
-<file path=ppt/slides/slide16.xml><?xml version="1.0" encoding="utf-8"?>
-<p:sld xmlns:a="http://schemas.openxmlformats.org/drawingml/2006/main" xmlns:r="http://schemas.openxmlformats.org/officeDocument/2006/relationships" xmlns:p="http://schemas.openxmlformats.org/presentationml/2006/main">
-  <p:cSld>
-    <p:spTree>
-      <p:nvGrpSpPr>
-        <p:cNvPr id="1" name=""/>
-        <p:cNvGrpSpPr/>
-        <p:nvPr/>
-      </p:nvGrpSpPr>
-      <p:grpSpPr>
-        <a:xfrm>
-          <a:off x="0" y="0"/>
-          <a:ext cx="0" cy="0"/>
-          <a:chOff x="0" y="0"/>
-          <a:chExt cx="0" cy="0"/>
-        </a:xfrm>
-      </p:grpSpPr>
-      <p:sp>
-        <p:nvSpPr>
-          <p:cNvPr id="12290" name="Title 1">
-            <a:extLst>
-              <a:ext uri="{FF2B5EF4-FFF2-40B4-BE49-F238E27FC236}">
-                <a16:creationId xmlns="" xmlns:a16="http://schemas.microsoft.com/office/drawing/2014/main" id="{312D1348-727E-43BC-9440-FAC69CECF262}"/>
-              </a:ext>
-            </a:extLst>
-          </p:cNvPr>
-          <p:cNvSpPr>
-            <a:spLocks noGrp="1" noChangeArrowheads="1"/>
-          </p:cNvSpPr>
-          <p:nvPr>
-            <p:ph type="ctrTitle" idx="4294967295"/>
-          </p:nvPr>
-        </p:nvSpPr>
-        <p:spPr>
-          <a:xfrm>
-            <a:off x="685800" y="2130425"/>
-            <a:ext cx="7772400" cy="1470025"/>
-          </a:xfrm>
-        </p:spPr>
-        <p:txBody>
-          <a:bodyPr anchor="ctr"/>
-          <a:lstStyle/>
-          <a:p>
-            <a:pPr eaLnBrk="1" hangingPunct="1"/>
-            <a:r>
-              <a:rPr lang="fr-FR" altLang="zh-TW" sz="5400" b="1" dirty="0">
-                <a:ea typeface="新細明體" panose="02020500000000000000" pitchFamily="18" charset="-120"/>
-              </a:rPr>
-              <a:t>Q&amp;A</a:t>
-            </a:r>
-          </a:p>
-        </p:txBody>
-      </p:sp>
-      <p:sp>
-        <p:nvSpPr>
-          <p:cNvPr id="2" name="日期版面配置區 1">
-            <a:extLst>
-              <a:ext uri="{FF2B5EF4-FFF2-40B4-BE49-F238E27FC236}">
-                <a16:creationId xmlns="" xmlns:a16="http://schemas.microsoft.com/office/drawing/2014/main" id="{C55F9B2A-AB82-491B-A507-61EBC6B57F16}"/>
-              </a:ext>
-            </a:extLst>
-          </p:cNvPr>
-          <p:cNvSpPr>
-            <a:spLocks noGrp="1"/>
-          </p:cNvSpPr>
-          <p:nvPr>
-            <p:ph type="dt" sz="quarter" idx="10"/>
-          </p:nvPr>
-        </p:nvSpPr>
-        <p:spPr/>
-        <p:txBody>
-          <a:bodyPr/>
-          <a:lstStyle/>
-          <a:p>
-            <a:pPr>
-              <a:defRPr/>
-            </a:pPr>
-            <a:fld id="{A139BE96-596E-4F08-BDDA-DE03FA7E0288}" type="datetime1">
-              <a:rPr lang="en-US" altLang="en-US"/>
-              <a:pPr>
-                <a:defRPr/>
-              </a:pPr>
-              <a:t>6/14/2018</a:t>
-            </a:fld>
-            <a:endParaRPr lang="en-US" altLang="en-US" dirty="0"/>
-          </a:p>
-        </p:txBody>
-      </p:sp>
-      <p:sp>
-        <p:nvSpPr>
-          <p:cNvPr id="5" name="頁尾版面配置區 2">
-            <a:extLst>
-              <a:ext uri="{FF2B5EF4-FFF2-40B4-BE49-F238E27FC236}">
-                <a16:creationId xmlns="" xmlns:a16="http://schemas.microsoft.com/office/drawing/2014/main" id="{61D255B9-2D4F-4013-951E-B50709A0B821}"/>
-              </a:ext>
-            </a:extLst>
-          </p:cNvPr>
-          <p:cNvSpPr>
-            <a:spLocks noGrp="1"/>
-          </p:cNvSpPr>
-          <p:nvPr>
-            <p:ph type="ftr" sz="quarter" idx="11"/>
-          </p:nvPr>
-        </p:nvSpPr>
-        <p:spPr>
-          <a:xfrm>
-            <a:off x="3056012" y="6246036"/>
-            <a:ext cx="3031976" cy="457200"/>
-          </a:xfrm>
-        </p:spPr>
-        <p:txBody>
-          <a:bodyPr/>
-          <a:lstStyle/>
-          <a:p>
-            <a:pPr>
-              <a:defRPr/>
-            </a:pPr>
-            <a:r>
-              <a:rPr lang="en-US" altLang="zh-CN" dirty="0"/>
-              <a:t>Southern University of Science and Technology</a:t>
-            </a:r>
-            <a:endParaRPr lang="en-US" altLang="en-US" dirty="0"/>
-          </a:p>
-        </p:txBody>
-      </p:sp>
-    </p:spTree>
-    <p:extLst>
-      <p:ext uri="{BB962C8B-B14F-4D97-AF65-F5344CB8AC3E}">
-        <p14:creationId xmlns:p14="http://schemas.microsoft.com/office/powerpoint/2010/main" val="1415247307"/>
-      </p:ext>
-    </p:extLst>
-  </p:cSld>
-  <p:clrMapOvr>
-    <a:masterClrMapping/>
-  </p:clrMapOvr>
-  <p:timing>
-    <p:tnLst>
-      <p:par>
-        <p:cTn id="1" dur="indefinite" restart="never" nodeType="tmRoot"/>
-      </p:par>
-    </p:tnLst>
-  </p:timing>
-</p:sld>
-</file>
-
-<file path=ppt/slides/slide17.xml><?xml version="1.0" encoding="utf-8"?>
+<file path=ppt/slides/slide22.xml><?xml version="1.0" encoding="utf-8"?>
 <p:sld xmlns:a="http://schemas.openxmlformats.org/drawingml/2006/main" xmlns:r="http://schemas.openxmlformats.org/officeDocument/2006/relationships" xmlns:p="http://schemas.openxmlformats.org/presentationml/2006/main">
   <p:cSld>
     <p:spTree>
@@ -9092,7 +13699,7 @@
           <p:cNvPr id="13314" name="Title 1">
             <a:extLst>
               <a:ext uri="{FF2B5EF4-FFF2-40B4-BE49-F238E27FC236}">
-                <a16:creationId xmlns="" xmlns:a16="http://schemas.microsoft.com/office/drawing/2014/main" id="{A3FB24C1-DD16-4D31-96FE-40461E6C9FF3}"/>
+                <a16:creationId xmlns:a16="http://schemas.microsoft.com/office/drawing/2014/main" id="{A3FB24C1-DD16-4D31-96FE-40461E6C9FF3}"/>
               </a:ext>
             </a:extLst>
           </p:cNvPr>
@@ -9115,16 +13722,11 @@
           <a:p>
             <a:pPr eaLnBrk="1" hangingPunct="1"/>
             <a:r>
-              <a:rPr lang="en-US" altLang="zh-TW" b="1" dirty="0">
+              <a:rPr lang="en-US" altLang="zh-CN" b="1" dirty="0">
                 <a:ea typeface="新細明體" panose="02020500000000000000" pitchFamily="18" charset="-120"/>
               </a:rPr>
-              <a:t>GitHub Page</a:t>
-            </a:r>
-            <a:br>
-              <a:rPr lang="en-US" altLang="zh-TW" b="1" dirty="0">
-                <a:ea typeface="新細明體" panose="02020500000000000000" pitchFamily="18" charset="-120"/>
-              </a:rPr>
-            </a:br>
+              <a:t>Further Development</a:t>
+            </a:r>
             <a:endParaRPr lang="zh-TW" altLang="en-US" b="1" dirty="0">
               <a:ea typeface="新細明體" panose="02020500000000000000" pitchFamily="18" charset="-120"/>
             </a:endParaRPr>
@@ -9136,7 +13738,7 @@
           <p:cNvPr id="2" name="日期版面配置區 1">
             <a:extLst>
               <a:ext uri="{FF2B5EF4-FFF2-40B4-BE49-F238E27FC236}">
-                <a16:creationId xmlns="" xmlns:a16="http://schemas.microsoft.com/office/drawing/2014/main" id="{EBBA9EE1-CF91-48B5-A5FC-39944E1C0D91}"/>
+                <a16:creationId xmlns:a16="http://schemas.microsoft.com/office/drawing/2014/main" id="{EBBA9EE1-CF91-48B5-A5FC-39944E1C0D91}"/>
               </a:ext>
             </a:extLst>
           </p:cNvPr>
@@ -9168,10 +13770,342 @@
       </p:sp>
       <p:sp>
         <p:nvSpPr>
-          <p:cNvPr id="7" name="Content Placeholder 2">
+          <p:cNvPr id="9" name="Content Placeholder 2">
             <a:extLst>
               <a:ext uri="{FF2B5EF4-FFF2-40B4-BE49-F238E27FC236}">
-                <a16:creationId xmlns="" xmlns:a16="http://schemas.microsoft.com/office/drawing/2014/main" id="{C0EF0483-A2DA-4C2C-A631-D629F736A60A}"/>
+                <a16:creationId xmlns:a16="http://schemas.microsoft.com/office/drawing/2014/main" id="{F5C80A76-C6C0-4B40-B6C8-C5CC24D58369}"/>
+              </a:ext>
+            </a:extLst>
+          </p:cNvPr>
+          <p:cNvSpPr txBox="1">
+            <a:spLocks noChangeArrowheads="1"/>
+          </p:cNvSpPr>
+          <p:nvPr/>
+        </p:nvSpPr>
+        <p:spPr bwMode="auto">
+          <a:xfrm>
+            <a:off x="457200" y="1665515"/>
+            <a:ext cx="8229600" cy="4530725"/>
+          </a:xfrm>
+          <a:prstGeom prst="rect">
+            <a:avLst/>
+          </a:prstGeom>
+          <a:noFill/>
+          <a:ln>
+            <a:noFill/>
+          </a:ln>
+          <a:extLst>
+            <a:ext uri="{909E8E84-426E-40DD-AFC4-6F175D3DCCD1}">
+              <a14:hiddenFill xmlns:a14="http://schemas.microsoft.com/office/drawing/2010/main">
+                <a:solidFill>
+                  <a:srgbClr val="FFFFFF"/>
+                </a:solidFill>
+              </a14:hiddenFill>
+            </a:ext>
+            <a:ext uri="{91240B29-F687-4F45-9708-019B960494DF}">
+              <a14:hiddenLine xmlns:a14="http://schemas.microsoft.com/office/drawing/2010/main" w="9525">
+                <a:solidFill>
+                  <a:srgbClr val="000000"/>
+                </a:solidFill>
+                <a:miter lim="800000"/>
+                <a:headEnd/>
+                <a:tailEnd/>
+              </a14:hiddenLine>
+            </a:ext>
+          </a:extLst>
+        </p:spPr>
+        <p:txBody>
+          <a:bodyPr vert="horz" wrap="square" lIns="91440" tIns="45720" rIns="91440" bIns="45720" numCol="1" anchor="t" anchorCtr="0" compatLnSpc="1">
+            <a:prstTxWarp prst="textNoShape">
+              <a:avLst/>
+            </a:prstTxWarp>
+          </a:bodyPr>
+          <a:lstStyle>
+            <a:lvl1pPr marL="342900" indent="-342900" algn="l" rtl="0" eaLnBrk="0" fontAlgn="base" hangingPunct="0">
+              <a:spcBef>
+                <a:spcPct val="20000"/>
+              </a:spcBef>
+              <a:spcAft>
+                <a:spcPct val="0"/>
+              </a:spcAft>
+              <a:buClr>
+                <a:schemeClr val="accent1"/>
+              </a:buClr>
+              <a:buSzPct val="65000"/>
+              <a:buFont typeface="Wingdings" panose="05000000000000000000" pitchFamily="2" charset="2"/>
+              <a:buChar char="n"/>
+              <a:defRPr sz="3000">
+                <a:solidFill>
+                  <a:schemeClr val="tx1"/>
+                </a:solidFill>
+                <a:latin typeface="+mn-lt"/>
+                <a:ea typeface="+mn-ea"/>
+                <a:cs typeface="+mn-cs"/>
+              </a:defRPr>
+            </a:lvl1pPr>
+            <a:lvl2pPr marL="669925" indent="-325438" algn="l" rtl="0" eaLnBrk="0" fontAlgn="base" hangingPunct="0">
+              <a:spcBef>
+                <a:spcPct val="20000"/>
+              </a:spcBef>
+              <a:spcAft>
+                <a:spcPct val="0"/>
+              </a:spcAft>
+              <a:buClr>
+                <a:schemeClr val="accent2"/>
+              </a:buClr>
+              <a:buSzPct val="60000"/>
+              <a:buFont typeface="Wingdings" panose="05000000000000000000" pitchFamily="2" charset="2"/>
+              <a:buChar char="q"/>
+              <a:defRPr sz="2600">
+                <a:solidFill>
+                  <a:schemeClr val="tx1"/>
+                </a:solidFill>
+                <a:latin typeface="+mn-lt"/>
+              </a:defRPr>
+            </a:lvl2pPr>
+            <a:lvl3pPr marL="1022350" indent="-350838" algn="l" rtl="0" eaLnBrk="0" fontAlgn="base" hangingPunct="0">
+              <a:spcBef>
+                <a:spcPct val="20000"/>
+              </a:spcBef>
+              <a:spcAft>
+                <a:spcPct val="0"/>
+              </a:spcAft>
+              <a:buClr>
+                <a:schemeClr val="accent1"/>
+              </a:buClr>
+              <a:buSzPct val="65000"/>
+              <a:buFont typeface="Wingdings" panose="05000000000000000000" pitchFamily="2" charset="2"/>
+              <a:buChar char="n"/>
+              <a:defRPr sz="2200">
+                <a:solidFill>
+                  <a:schemeClr val="tx1"/>
+                </a:solidFill>
+                <a:latin typeface="+mn-lt"/>
+              </a:defRPr>
+            </a:lvl3pPr>
+            <a:lvl4pPr marL="1339850" indent="-315913" algn="l" rtl="0" eaLnBrk="0" fontAlgn="base" hangingPunct="0">
+              <a:spcBef>
+                <a:spcPct val="20000"/>
+              </a:spcBef>
+              <a:spcAft>
+                <a:spcPct val="0"/>
+              </a:spcAft>
+              <a:buClr>
+                <a:schemeClr val="accent2"/>
+              </a:buClr>
+              <a:buSzPct val="70000"/>
+              <a:buFont typeface="Wingdings" panose="05000000000000000000" pitchFamily="2" charset="2"/>
+              <a:buChar char="q"/>
+              <a:defRPr sz="2000">
+                <a:solidFill>
+                  <a:schemeClr val="tx1"/>
+                </a:solidFill>
+                <a:latin typeface="+mn-lt"/>
+              </a:defRPr>
+            </a:lvl4pPr>
+            <a:lvl5pPr marL="1681163" indent="-339725" algn="l" rtl="0" eaLnBrk="0" fontAlgn="base" hangingPunct="0">
+              <a:spcBef>
+                <a:spcPct val="20000"/>
+              </a:spcBef>
+              <a:spcAft>
+                <a:spcPct val="0"/>
+              </a:spcAft>
+              <a:buClr>
+                <a:schemeClr val="accent1"/>
+              </a:buClr>
+              <a:buSzPct val="75000"/>
+              <a:buFont typeface="Wingdings" panose="05000000000000000000" pitchFamily="2" charset="2"/>
+              <a:buChar char="§"/>
+              <a:defRPr sz="2000">
+                <a:solidFill>
+                  <a:schemeClr val="tx1"/>
+                </a:solidFill>
+                <a:latin typeface="+mn-lt"/>
+              </a:defRPr>
+            </a:lvl5pPr>
+            <a:lvl6pPr marL="2138363" indent="-339725" algn="l" rtl="0" fontAlgn="base">
+              <a:spcBef>
+                <a:spcPct val="20000"/>
+              </a:spcBef>
+              <a:spcAft>
+                <a:spcPct val="0"/>
+              </a:spcAft>
+              <a:buClr>
+                <a:schemeClr val="accent1"/>
+              </a:buClr>
+              <a:buSzPct val="75000"/>
+              <a:buFont typeface="Wingdings" pitchFamily="2" charset="2"/>
+              <a:buChar char="§"/>
+              <a:defRPr sz="2000">
+                <a:solidFill>
+                  <a:schemeClr val="tx1"/>
+                </a:solidFill>
+                <a:latin typeface="+mn-lt"/>
+              </a:defRPr>
+            </a:lvl6pPr>
+            <a:lvl7pPr marL="2595563" indent="-339725" algn="l" rtl="0" fontAlgn="base">
+              <a:spcBef>
+                <a:spcPct val="20000"/>
+              </a:spcBef>
+              <a:spcAft>
+                <a:spcPct val="0"/>
+              </a:spcAft>
+              <a:buClr>
+                <a:schemeClr val="accent1"/>
+              </a:buClr>
+              <a:buSzPct val="75000"/>
+              <a:buFont typeface="Wingdings" pitchFamily="2" charset="2"/>
+              <a:buChar char="§"/>
+              <a:defRPr sz="2000">
+                <a:solidFill>
+                  <a:schemeClr val="tx1"/>
+                </a:solidFill>
+                <a:latin typeface="+mn-lt"/>
+              </a:defRPr>
+            </a:lvl7pPr>
+            <a:lvl8pPr marL="3052763" indent="-339725" algn="l" rtl="0" fontAlgn="base">
+              <a:spcBef>
+                <a:spcPct val="20000"/>
+              </a:spcBef>
+              <a:spcAft>
+                <a:spcPct val="0"/>
+              </a:spcAft>
+              <a:buClr>
+                <a:schemeClr val="accent1"/>
+              </a:buClr>
+              <a:buSzPct val="75000"/>
+              <a:buFont typeface="Wingdings" pitchFamily="2" charset="2"/>
+              <a:buChar char="§"/>
+              <a:defRPr sz="2000">
+                <a:solidFill>
+                  <a:schemeClr val="tx1"/>
+                </a:solidFill>
+                <a:latin typeface="+mn-lt"/>
+              </a:defRPr>
+            </a:lvl8pPr>
+            <a:lvl9pPr marL="3509963" indent="-339725" algn="l" rtl="0" fontAlgn="base">
+              <a:spcBef>
+                <a:spcPct val="20000"/>
+              </a:spcBef>
+              <a:spcAft>
+                <a:spcPct val="0"/>
+              </a:spcAft>
+              <a:buClr>
+                <a:schemeClr val="accent1"/>
+              </a:buClr>
+              <a:buSzPct val="75000"/>
+              <a:buFont typeface="Wingdings" pitchFamily="2" charset="2"/>
+              <a:buChar char="§"/>
+              <a:defRPr sz="2000">
+                <a:solidFill>
+                  <a:schemeClr val="tx1"/>
+                </a:solidFill>
+                <a:latin typeface="+mn-lt"/>
+              </a:defRPr>
+            </a:lvl9pPr>
+          </a:lstStyle>
+          <a:p>
+            <a:pPr eaLnBrk="1" hangingPunct="1"/>
+            <a:endParaRPr lang="en-US" altLang="zh-CN" sz="1700" kern="0" dirty="0">
+              <a:ea typeface="新細明體" panose="02020500000000000000" pitchFamily="18" charset="-120"/>
+            </a:endParaRPr>
+          </a:p>
+          <a:p>
+            <a:pPr lvl="1" eaLnBrk="1" hangingPunct="1"/>
+            <a:endParaRPr lang="en-US" altLang="zh-CN" sz="1700" kern="0" dirty="0">
+              <a:ea typeface="新細明體" panose="02020500000000000000" pitchFamily="18" charset="-120"/>
+            </a:endParaRPr>
+          </a:p>
+        </p:txBody>
+      </p:sp>
+      <p:sp>
+        <p:nvSpPr>
+          <p:cNvPr id="6" name="頁尾版面配置區 2">
+            <a:extLst>
+              <a:ext uri="{FF2B5EF4-FFF2-40B4-BE49-F238E27FC236}">
+                <a16:creationId xmlns:a16="http://schemas.microsoft.com/office/drawing/2014/main" id="{61D255B9-2D4F-4013-951E-B50709A0B821}"/>
+              </a:ext>
+            </a:extLst>
+          </p:cNvPr>
+          <p:cNvSpPr>
+            <a:spLocks noGrp="1"/>
+          </p:cNvSpPr>
+          <p:nvPr>
+            <p:ph type="ftr" sz="quarter" idx="11"/>
+          </p:nvPr>
+        </p:nvSpPr>
+        <p:spPr>
+          <a:xfrm>
+            <a:off x="3056012" y="6246036"/>
+            <a:ext cx="3031976" cy="457200"/>
+          </a:xfrm>
+        </p:spPr>
+        <p:txBody>
+          <a:bodyPr/>
+          <a:lstStyle/>
+          <a:p>
+            <a:pPr>
+              <a:defRPr/>
+            </a:pPr>
+            <a:r>
+              <a:rPr lang="en-US" altLang="zh-CN" dirty="0"/>
+              <a:t>Southern University of Science and Technology</a:t>
+            </a:r>
+            <a:endParaRPr lang="en-US" altLang="en-US" dirty="0"/>
+          </a:p>
+        </p:txBody>
+      </p:sp>
+      <p:sp>
+        <p:nvSpPr>
+          <p:cNvPr id="3" name="AutoShape 2" descr="tones.png">
+            <a:extLst>
+              <a:ext uri="{FF2B5EF4-FFF2-40B4-BE49-F238E27FC236}">
+                <a16:creationId xmlns:a16="http://schemas.microsoft.com/office/drawing/2014/main" id="{2D1FD832-8C6E-4C37-A52E-0AB1999D96AA}"/>
+              </a:ext>
+            </a:extLst>
+          </p:cNvPr>
+          <p:cNvSpPr>
+            <a:spLocks noChangeAspect="1" noChangeArrowheads="1"/>
+          </p:cNvSpPr>
+          <p:nvPr/>
+        </p:nvSpPr>
+        <p:spPr bwMode="auto">
+          <a:xfrm>
+            <a:off x="4419600" y="3276600"/>
+            <a:ext cx="304800" cy="304800"/>
+          </a:xfrm>
+          <a:prstGeom prst="rect">
+            <a:avLst/>
+          </a:prstGeom>
+          <a:noFill/>
+          <a:extLst>
+            <a:ext uri="{909E8E84-426E-40DD-AFC4-6F175D3DCCD1}">
+              <a14:hiddenFill xmlns:a14="http://schemas.microsoft.com/office/drawing/2010/main">
+                <a:solidFill>
+                  <a:srgbClr val="FFFFFF"/>
+                </a:solidFill>
+              </a14:hiddenFill>
+            </a:ext>
+          </a:extLst>
+        </p:spPr>
+        <p:txBody>
+          <a:bodyPr vert="horz" wrap="square" lIns="91440" tIns="45720" rIns="91440" bIns="45720" numCol="1" anchor="t" anchorCtr="0" compatLnSpc="1">
+            <a:prstTxWarp prst="textNoShape">
+              <a:avLst/>
+            </a:prstTxWarp>
+          </a:bodyPr>
+          <a:lstStyle/>
+          <a:p>
+            <a:endParaRPr lang="zh-CN" altLang="en-US"/>
+          </a:p>
+        </p:txBody>
+      </p:sp>
+      <p:sp>
+        <p:nvSpPr>
+          <p:cNvPr id="10" name="Content Placeholder 2">
+            <a:extLst>
+              <a:ext uri="{FF2B5EF4-FFF2-40B4-BE49-F238E27FC236}">
+                <a16:creationId xmlns:a16="http://schemas.microsoft.com/office/drawing/2014/main" id="{96302964-2C71-4A34-B8DC-9FC81032575D}"/>
               </a:ext>
             </a:extLst>
           </p:cNvPr>
@@ -9405,26 +14339,429 @@
           <a:p>
             <a:pPr eaLnBrk="1" hangingPunct="1"/>
             <a:r>
-              <a:rPr lang="en-US" altLang="zh-CN" sz="2100" kern="0" dirty="0">
-                <a:ea typeface="新細明體" panose="02020500000000000000" pitchFamily="18" charset="-120"/>
-                <a:hlinkClick r:id="rId2"/>
-              </a:rPr>
-              <a:t>https://</a:t>
-            </a:r>
-            <a:r>
-              <a:rPr lang="en-US" altLang="zh-CN" sz="2100" kern="0" dirty="0" smtClean="0">
-                <a:ea typeface="新細明體" panose="02020500000000000000" pitchFamily="18" charset="-120"/>
-                <a:hlinkClick r:id="rId2"/>
-              </a:rPr>
-              <a:t>github.com/CharlesThaCat/FPGA-Sequencer-and-Synthesizer</a:t>
-            </a:r>
-            <a:r>
-              <a:rPr lang="en-US" altLang="zh-CN" sz="2100" kern="0" dirty="0" smtClean="0">
+              <a:rPr lang="en-US" altLang="zh-CN" sz="2400" kern="0" dirty="0">
                 <a:ea typeface="新細明體" panose="02020500000000000000" pitchFamily="18" charset="-120"/>
               </a:rPr>
-              <a:t> </a:t>
-            </a:r>
-            <a:endParaRPr lang="en-US" altLang="zh-CN" sz="2100" kern="0" dirty="0">
+              <a:t>Better volume/ DA output solution</a:t>
+            </a:r>
+          </a:p>
+          <a:p>
+            <a:pPr eaLnBrk="1" hangingPunct="1"/>
+            <a:r>
+              <a:rPr lang="en-US" altLang="zh-CN" sz="2400" kern="0" dirty="0">
+                <a:ea typeface="新細明體" panose="02020500000000000000" pitchFamily="18" charset="-120"/>
+              </a:rPr>
+              <a:t>Beats synthesizer</a:t>
+            </a:r>
+          </a:p>
+          <a:p>
+            <a:pPr eaLnBrk="1" hangingPunct="1"/>
+            <a:r>
+              <a:rPr lang="en-US" altLang="zh-CN" sz="2400" kern="0" dirty="0">
+                <a:ea typeface="新細明體" panose="02020500000000000000" pitchFamily="18" charset="-120"/>
+              </a:rPr>
+              <a:t>Synchronization ports</a:t>
+            </a:r>
+          </a:p>
+          <a:p>
+            <a:pPr eaLnBrk="1" hangingPunct="1"/>
+            <a:r>
+              <a:rPr lang="en-US" altLang="zh-CN" sz="2400" kern="0" dirty="0">
+                <a:ea typeface="新細明體" panose="02020500000000000000" pitchFamily="18" charset="-120"/>
+              </a:rPr>
+              <a:t>Selectable timbre (square, sine, </a:t>
+            </a:r>
+            <a:r>
+              <a:rPr lang="en-US" altLang="zh-CN" sz="2400" kern="0" dirty="0" err="1">
+                <a:ea typeface="新細明體" panose="02020500000000000000" pitchFamily="18" charset="-120"/>
+              </a:rPr>
+              <a:t>toothsaw</a:t>
+            </a:r>
+            <a:r>
+              <a:rPr lang="en-US" altLang="zh-CN" sz="2400" kern="0" dirty="0">
+                <a:ea typeface="新細明體" panose="02020500000000000000" pitchFamily="18" charset="-120"/>
+              </a:rPr>
+              <a:t>, etc.)</a:t>
+            </a:r>
+          </a:p>
+          <a:p>
+            <a:pPr eaLnBrk="1" hangingPunct="1"/>
+            <a:r>
+              <a:rPr lang="en-US" altLang="zh-CN" sz="2400" kern="0" dirty="0">
+                <a:ea typeface="新細明體" panose="02020500000000000000" pitchFamily="18" charset="-120"/>
+              </a:rPr>
+              <a:t>Changeable BPM</a:t>
+            </a:r>
+          </a:p>
+          <a:p>
+            <a:pPr eaLnBrk="1" hangingPunct="1"/>
+            <a:endParaRPr lang="en-US" altLang="zh-CN" sz="2400" kern="0" dirty="0">
+              <a:ea typeface="新細明體" panose="02020500000000000000" pitchFamily="18" charset="-120"/>
+            </a:endParaRPr>
+          </a:p>
+          <a:p>
+            <a:pPr eaLnBrk="1" hangingPunct="1"/>
+            <a:endParaRPr lang="en-US" altLang="zh-CN" sz="2400" kern="0" dirty="0">
+              <a:ea typeface="新細明體" panose="02020500000000000000" pitchFamily="18" charset="-120"/>
+            </a:endParaRPr>
+          </a:p>
+          <a:p>
+            <a:pPr lvl="1" eaLnBrk="1" hangingPunct="1"/>
+            <a:endParaRPr lang="en-US" altLang="zh-CN" sz="1700" kern="0" dirty="0">
+              <a:ea typeface="新細明體" panose="02020500000000000000" pitchFamily="18" charset="-120"/>
+            </a:endParaRPr>
+          </a:p>
+        </p:txBody>
+      </p:sp>
+    </p:spTree>
+    <p:extLst>
+      <p:ext uri="{BB962C8B-B14F-4D97-AF65-F5344CB8AC3E}">
+        <p14:creationId xmlns:p14="http://schemas.microsoft.com/office/powerpoint/2010/main" val="451073269"/>
+      </p:ext>
+    </p:extLst>
+  </p:cSld>
+  <p:clrMapOvr>
+    <a:masterClrMapping/>
+  </p:clrMapOvr>
+</p:sld>
+</file>
+
+<file path=ppt/slides/slide23.xml><?xml version="1.0" encoding="utf-8"?>
+<p:sld xmlns:a="http://schemas.openxmlformats.org/drawingml/2006/main" xmlns:r="http://schemas.openxmlformats.org/officeDocument/2006/relationships" xmlns:p="http://schemas.openxmlformats.org/presentationml/2006/main">
+  <p:cSld>
+    <p:spTree>
+      <p:nvGrpSpPr>
+        <p:cNvPr id="1" name=""/>
+        <p:cNvGrpSpPr/>
+        <p:nvPr/>
+      </p:nvGrpSpPr>
+      <p:grpSpPr>
+        <a:xfrm>
+          <a:off x="0" y="0"/>
+          <a:ext cx="0" cy="0"/>
+          <a:chOff x="0" y="0"/>
+          <a:chExt cx="0" cy="0"/>
+        </a:xfrm>
+      </p:grpSpPr>
+      <p:sp>
+        <p:nvSpPr>
+          <p:cNvPr id="13314" name="Title 1">
+            <a:extLst>
+              <a:ext uri="{FF2B5EF4-FFF2-40B4-BE49-F238E27FC236}">
+                <a16:creationId xmlns:a16="http://schemas.microsoft.com/office/drawing/2014/main" id="{A3FB24C1-DD16-4D31-96FE-40461E6C9FF3}"/>
+              </a:ext>
+            </a:extLst>
+          </p:cNvPr>
+          <p:cNvSpPr>
+            <a:spLocks noGrp="1" noChangeArrowheads="1"/>
+          </p:cNvSpPr>
+          <p:nvPr>
+            <p:ph type="title" idx="4294967295"/>
+          </p:nvPr>
+        </p:nvSpPr>
+        <p:spPr>
+          <a:xfrm>
+            <a:off x="557213" y="360363"/>
+            <a:ext cx="8229600" cy="1139825"/>
+          </a:xfrm>
+        </p:spPr>
+        <p:txBody>
+          <a:bodyPr anchor="ctr"/>
+          <a:lstStyle/>
+          <a:p>
+            <a:pPr eaLnBrk="1" hangingPunct="1"/>
+            <a:r>
+              <a:rPr lang="en-US" altLang="zh-CN" b="1" dirty="0">
+                <a:ea typeface="新細明體" panose="02020500000000000000" pitchFamily="18" charset="-120"/>
+              </a:rPr>
+              <a:t>Reference</a:t>
+            </a:r>
+            <a:endParaRPr lang="zh-TW" altLang="en-US" b="1" dirty="0">
+              <a:ea typeface="新細明體" panose="02020500000000000000" pitchFamily="18" charset="-120"/>
+            </a:endParaRPr>
+          </a:p>
+        </p:txBody>
+      </p:sp>
+      <p:sp>
+        <p:nvSpPr>
+          <p:cNvPr id="2" name="日期版面配置區 1">
+            <a:extLst>
+              <a:ext uri="{FF2B5EF4-FFF2-40B4-BE49-F238E27FC236}">
+                <a16:creationId xmlns:a16="http://schemas.microsoft.com/office/drawing/2014/main" id="{EBBA9EE1-CF91-48B5-A5FC-39944E1C0D91}"/>
+              </a:ext>
+            </a:extLst>
+          </p:cNvPr>
+          <p:cNvSpPr>
+            <a:spLocks noGrp="1"/>
+          </p:cNvSpPr>
+          <p:nvPr>
+            <p:ph type="dt" sz="quarter" idx="10"/>
+          </p:nvPr>
+        </p:nvSpPr>
+        <p:spPr/>
+        <p:txBody>
+          <a:bodyPr/>
+          <a:lstStyle/>
+          <a:p>
+            <a:pPr>
+              <a:defRPr/>
+            </a:pPr>
+            <a:fld id="{579B02EA-46D1-47B1-8324-179A3B4D3F83}" type="datetime1">
+              <a:rPr lang="en-US" altLang="en-US"/>
+              <a:pPr>
+                <a:defRPr/>
+              </a:pPr>
+              <a:t>6/14/2018</a:t>
+            </a:fld>
+            <a:endParaRPr lang="en-US" altLang="en-US"/>
+          </a:p>
+        </p:txBody>
+      </p:sp>
+      <p:sp>
+        <p:nvSpPr>
+          <p:cNvPr id="9" name="Content Placeholder 2">
+            <a:extLst>
+              <a:ext uri="{FF2B5EF4-FFF2-40B4-BE49-F238E27FC236}">
+                <a16:creationId xmlns:a16="http://schemas.microsoft.com/office/drawing/2014/main" id="{F5C80A76-C6C0-4B40-B6C8-C5CC24D58369}"/>
+              </a:ext>
+            </a:extLst>
+          </p:cNvPr>
+          <p:cNvSpPr txBox="1">
+            <a:spLocks noChangeArrowheads="1"/>
+          </p:cNvSpPr>
+          <p:nvPr/>
+        </p:nvSpPr>
+        <p:spPr bwMode="auto">
+          <a:xfrm>
+            <a:off x="457200" y="1665515"/>
+            <a:ext cx="8229600" cy="4530725"/>
+          </a:xfrm>
+          <a:prstGeom prst="rect">
+            <a:avLst/>
+          </a:prstGeom>
+          <a:noFill/>
+          <a:ln>
+            <a:noFill/>
+          </a:ln>
+          <a:extLst>
+            <a:ext uri="{909E8E84-426E-40DD-AFC4-6F175D3DCCD1}">
+              <a14:hiddenFill xmlns:a14="http://schemas.microsoft.com/office/drawing/2010/main">
+                <a:solidFill>
+                  <a:srgbClr val="FFFFFF"/>
+                </a:solidFill>
+              </a14:hiddenFill>
+            </a:ext>
+            <a:ext uri="{91240B29-F687-4F45-9708-019B960494DF}">
+              <a14:hiddenLine xmlns:a14="http://schemas.microsoft.com/office/drawing/2010/main" w="9525">
+                <a:solidFill>
+                  <a:srgbClr val="000000"/>
+                </a:solidFill>
+                <a:miter lim="800000"/>
+                <a:headEnd/>
+                <a:tailEnd/>
+              </a14:hiddenLine>
+            </a:ext>
+          </a:extLst>
+        </p:spPr>
+        <p:txBody>
+          <a:bodyPr vert="horz" wrap="square" lIns="91440" tIns="45720" rIns="91440" bIns="45720" numCol="1" anchor="t" anchorCtr="0" compatLnSpc="1">
+            <a:prstTxWarp prst="textNoShape">
+              <a:avLst/>
+            </a:prstTxWarp>
+          </a:bodyPr>
+          <a:lstStyle>
+            <a:lvl1pPr marL="342900" indent="-342900" algn="l" rtl="0" eaLnBrk="0" fontAlgn="base" hangingPunct="0">
+              <a:spcBef>
+                <a:spcPct val="20000"/>
+              </a:spcBef>
+              <a:spcAft>
+                <a:spcPct val="0"/>
+              </a:spcAft>
+              <a:buClr>
+                <a:schemeClr val="accent1"/>
+              </a:buClr>
+              <a:buSzPct val="65000"/>
+              <a:buFont typeface="Wingdings" panose="05000000000000000000" pitchFamily="2" charset="2"/>
+              <a:buChar char="n"/>
+              <a:defRPr sz="3000">
+                <a:solidFill>
+                  <a:schemeClr val="tx1"/>
+                </a:solidFill>
+                <a:latin typeface="+mn-lt"/>
+                <a:ea typeface="+mn-ea"/>
+                <a:cs typeface="+mn-cs"/>
+              </a:defRPr>
+            </a:lvl1pPr>
+            <a:lvl2pPr marL="669925" indent="-325438" algn="l" rtl="0" eaLnBrk="0" fontAlgn="base" hangingPunct="0">
+              <a:spcBef>
+                <a:spcPct val="20000"/>
+              </a:spcBef>
+              <a:spcAft>
+                <a:spcPct val="0"/>
+              </a:spcAft>
+              <a:buClr>
+                <a:schemeClr val="accent2"/>
+              </a:buClr>
+              <a:buSzPct val="60000"/>
+              <a:buFont typeface="Wingdings" panose="05000000000000000000" pitchFamily="2" charset="2"/>
+              <a:buChar char="q"/>
+              <a:defRPr sz="2600">
+                <a:solidFill>
+                  <a:schemeClr val="tx1"/>
+                </a:solidFill>
+                <a:latin typeface="+mn-lt"/>
+              </a:defRPr>
+            </a:lvl2pPr>
+            <a:lvl3pPr marL="1022350" indent="-350838" algn="l" rtl="0" eaLnBrk="0" fontAlgn="base" hangingPunct="0">
+              <a:spcBef>
+                <a:spcPct val="20000"/>
+              </a:spcBef>
+              <a:spcAft>
+                <a:spcPct val="0"/>
+              </a:spcAft>
+              <a:buClr>
+                <a:schemeClr val="accent1"/>
+              </a:buClr>
+              <a:buSzPct val="65000"/>
+              <a:buFont typeface="Wingdings" panose="05000000000000000000" pitchFamily="2" charset="2"/>
+              <a:buChar char="n"/>
+              <a:defRPr sz="2200">
+                <a:solidFill>
+                  <a:schemeClr val="tx1"/>
+                </a:solidFill>
+                <a:latin typeface="+mn-lt"/>
+              </a:defRPr>
+            </a:lvl3pPr>
+            <a:lvl4pPr marL="1339850" indent="-315913" algn="l" rtl="0" eaLnBrk="0" fontAlgn="base" hangingPunct="0">
+              <a:spcBef>
+                <a:spcPct val="20000"/>
+              </a:spcBef>
+              <a:spcAft>
+                <a:spcPct val="0"/>
+              </a:spcAft>
+              <a:buClr>
+                <a:schemeClr val="accent2"/>
+              </a:buClr>
+              <a:buSzPct val="70000"/>
+              <a:buFont typeface="Wingdings" panose="05000000000000000000" pitchFamily="2" charset="2"/>
+              <a:buChar char="q"/>
+              <a:defRPr sz="2000">
+                <a:solidFill>
+                  <a:schemeClr val="tx1"/>
+                </a:solidFill>
+                <a:latin typeface="+mn-lt"/>
+              </a:defRPr>
+            </a:lvl4pPr>
+            <a:lvl5pPr marL="1681163" indent="-339725" algn="l" rtl="0" eaLnBrk="0" fontAlgn="base" hangingPunct="0">
+              <a:spcBef>
+                <a:spcPct val="20000"/>
+              </a:spcBef>
+              <a:spcAft>
+                <a:spcPct val="0"/>
+              </a:spcAft>
+              <a:buClr>
+                <a:schemeClr val="accent1"/>
+              </a:buClr>
+              <a:buSzPct val="75000"/>
+              <a:buFont typeface="Wingdings" panose="05000000000000000000" pitchFamily="2" charset="2"/>
+              <a:buChar char="§"/>
+              <a:defRPr sz="2000">
+                <a:solidFill>
+                  <a:schemeClr val="tx1"/>
+                </a:solidFill>
+                <a:latin typeface="+mn-lt"/>
+              </a:defRPr>
+            </a:lvl5pPr>
+            <a:lvl6pPr marL="2138363" indent="-339725" algn="l" rtl="0" fontAlgn="base">
+              <a:spcBef>
+                <a:spcPct val="20000"/>
+              </a:spcBef>
+              <a:spcAft>
+                <a:spcPct val="0"/>
+              </a:spcAft>
+              <a:buClr>
+                <a:schemeClr val="accent1"/>
+              </a:buClr>
+              <a:buSzPct val="75000"/>
+              <a:buFont typeface="Wingdings" pitchFamily="2" charset="2"/>
+              <a:buChar char="§"/>
+              <a:defRPr sz="2000">
+                <a:solidFill>
+                  <a:schemeClr val="tx1"/>
+                </a:solidFill>
+                <a:latin typeface="+mn-lt"/>
+              </a:defRPr>
+            </a:lvl6pPr>
+            <a:lvl7pPr marL="2595563" indent="-339725" algn="l" rtl="0" fontAlgn="base">
+              <a:spcBef>
+                <a:spcPct val="20000"/>
+              </a:spcBef>
+              <a:spcAft>
+                <a:spcPct val="0"/>
+              </a:spcAft>
+              <a:buClr>
+                <a:schemeClr val="accent1"/>
+              </a:buClr>
+              <a:buSzPct val="75000"/>
+              <a:buFont typeface="Wingdings" pitchFamily="2" charset="2"/>
+              <a:buChar char="§"/>
+              <a:defRPr sz="2000">
+                <a:solidFill>
+                  <a:schemeClr val="tx1"/>
+                </a:solidFill>
+                <a:latin typeface="+mn-lt"/>
+              </a:defRPr>
+            </a:lvl7pPr>
+            <a:lvl8pPr marL="3052763" indent="-339725" algn="l" rtl="0" fontAlgn="base">
+              <a:spcBef>
+                <a:spcPct val="20000"/>
+              </a:spcBef>
+              <a:spcAft>
+                <a:spcPct val="0"/>
+              </a:spcAft>
+              <a:buClr>
+                <a:schemeClr val="accent1"/>
+              </a:buClr>
+              <a:buSzPct val="75000"/>
+              <a:buFont typeface="Wingdings" pitchFamily="2" charset="2"/>
+              <a:buChar char="§"/>
+              <a:defRPr sz="2000">
+                <a:solidFill>
+                  <a:schemeClr val="tx1"/>
+                </a:solidFill>
+                <a:latin typeface="+mn-lt"/>
+              </a:defRPr>
+            </a:lvl8pPr>
+            <a:lvl9pPr marL="3509963" indent="-339725" algn="l" rtl="0" fontAlgn="base">
+              <a:spcBef>
+                <a:spcPct val="20000"/>
+              </a:spcBef>
+              <a:spcAft>
+                <a:spcPct val="0"/>
+              </a:spcAft>
+              <a:buClr>
+                <a:schemeClr val="accent1"/>
+              </a:buClr>
+              <a:buSzPct val="75000"/>
+              <a:buFont typeface="Wingdings" pitchFamily="2" charset="2"/>
+              <a:buChar char="§"/>
+              <a:defRPr sz="2000">
+                <a:solidFill>
+                  <a:schemeClr val="tx1"/>
+                </a:solidFill>
+                <a:latin typeface="+mn-lt"/>
+              </a:defRPr>
+            </a:lvl9pPr>
+          </a:lstStyle>
+          <a:p>
+            <a:pPr eaLnBrk="1" hangingPunct="1"/>
+            <a:endParaRPr lang="en-US" altLang="zh-CN" sz="1700" kern="0" dirty="0">
+              <a:ea typeface="新細明體" panose="02020500000000000000" pitchFamily="18" charset="-120"/>
+            </a:endParaRPr>
+          </a:p>
+          <a:p>
+            <a:pPr lvl="1" eaLnBrk="1" hangingPunct="1"/>
+            <a:endParaRPr lang="en-US" altLang="zh-CN" sz="1700" kern="0" dirty="0">
               <a:ea typeface="新細明體" panose="02020500000000000000" pitchFamily="18" charset="-120"/>
             </a:endParaRPr>
           </a:p>
@@ -9435,7 +14772,918 @@
           <p:cNvPr id="6" name="頁尾版面配置區 2">
             <a:extLst>
               <a:ext uri="{FF2B5EF4-FFF2-40B4-BE49-F238E27FC236}">
-                <a16:creationId xmlns="" xmlns:a16="http://schemas.microsoft.com/office/drawing/2014/main" id="{61D255B9-2D4F-4013-951E-B50709A0B821}"/>
+                <a16:creationId xmlns:a16="http://schemas.microsoft.com/office/drawing/2014/main" id="{61D255B9-2D4F-4013-951E-B50709A0B821}"/>
+              </a:ext>
+            </a:extLst>
+          </p:cNvPr>
+          <p:cNvSpPr>
+            <a:spLocks noGrp="1"/>
+          </p:cNvSpPr>
+          <p:nvPr>
+            <p:ph type="ftr" sz="quarter" idx="11"/>
+          </p:nvPr>
+        </p:nvSpPr>
+        <p:spPr>
+          <a:xfrm>
+            <a:off x="3056012" y="6246036"/>
+            <a:ext cx="3031976" cy="457200"/>
+          </a:xfrm>
+        </p:spPr>
+        <p:txBody>
+          <a:bodyPr/>
+          <a:lstStyle/>
+          <a:p>
+            <a:pPr>
+              <a:defRPr/>
+            </a:pPr>
+            <a:r>
+              <a:rPr lang="en-US" altLang="zh-CN" dirty="0"/>
+              <a:t>Southern University of Science and Technology</a:t>
+            </a:r>
+            <a:endParaRPr lang="en-US" altLang="en-US" dirty="0"/>
+          </a:p>
+        </p:txBody>
+      </p:sp>
+      <p:sp>
+        <p:nvSpPr>
+          <p:cNvPr id="3" name="AutoShape 2" descr="tones.png">
+            <a:extLst>
+              <a:ext uri="{FF2B5EF4-FFF2-40B4-BE49-F238E27FC236}">
+                <a16:creationId xmlns:a16="http://schemas.microsoft.com/office/drawing/2014/main" id="{2D1FD832-8C6E-4C37-A52E-0AB1999D96AA}"/>
+              </a:ext>
+            </a:extLst>
+          </p:cNvPr>
+          <p:cNvSpPr>
+            <a:spLocks noChangeAspect="1" noChangeArrowheads="1"/>
+          </p:cNvSpPr>
+          <p:nvPr/>
+        </p:nvSpPr>
+        <p:spPr bwMode="auto">
+          <a:xfrm>
+            <a:off x="4419600" y="3276600"/>
+            <a:ext cx="304800" cy="304800"/>
+          </a:xfrm>
+          <a:prstGeom prst="rect">
+            <a:avLst/>
+          </a:prstGeom>
+          <a:noFill/>
+          <a:extLst>
+            <a:ext uri="{909E8E84-426E-40DD-AFC4-6F175D3DCCD1}">
+              <a14:hiddenFill xmlns:a14="http://schemas.microsoft.com/office/drawing/2010/main">
+                <a:solidFill>
+                  <a:srgbClr val="FFFFFF"/>
+                </a:solidFill>
+              </a14:hiddenFill>
+            </a:ext>
+          </a:extLst>
+        </p:spPr>
+        <p:txBody>
+          <a:bodyPr vert="horz" wrap="square" lIns="91440" tIns="45720" rIns="91440" bIns="45720" numCol="1" anchor="t" anchorCtr="0" compatLnSpc="1">
+            <a:prstTxWarp prst="textNoShape">
+              <a:avLst/>
+            </a:prstTxWarp>
+          </a:bodyPr>
+          <a:lstStyle/>
+          <a:p>
+            <a:endParaRPr lang="zh-CN" altLang="en-US"/>
+          </a:p>
+        </p:txBody>
+      </p:sp>
+      <p:sp>
+        <p:nvSpPr>
+          <p:cNvPr id="10" name="Content Placeholder 2">
+            <a:extLst>
+              <a:ext uri="{FF2B5EF4-FFF2-40B4-BE49-F238E27FC236}">
+                <a16:creationId xmlns:a16="http://schemas.microsoft.com/office/drawing/2014/main" id="{96302964-2C71-4A34-B8DC-9FC81032575D}"/>
+              </a:ext>
+            </a:extLst>
+          </p:cNvPr>
+          <p:cNvSpPr txBox="1">
+            <a:spLocks noChangeArrowheads="1"/>
+          </p:cNvSpPr>
+          <p:nvPr/>
+        </p:nvSpPr>
+        <p:spPr bwMode="auto">
+          <a:xfrm>
+            <a:off x="457200" y="1600200"/>
+            <a:ext cx="8229600" cy="4530725"/>
+          </a:xfrm>
+          <a:prstGeom prst="rect">
+            <a:avLst/>
+          </a:prstGeom>
+          <a:noFill/>
+          <a:ln>
+            <a:noFill/>
+          </a:ln>
+          <a:extLst>
+            <a:ext uri="{909E8E84-426E-40DD-AFC4-6F175D3DCCD1}">
+              <a14:hiddenFill xmlns:a14="http://schemas.microsoft.com/office/drawing/2010/main">
+                <a:solidFill>
+                  <a:srgbClr val="FFFFFF"/>
+                </a:solidFill>
+              </a14:hiddenFill>
+            </a:ext>
+            <a:ext uri="{91240B29-F687-4F45-9708-019B960494DF}">
+              <a14:hiddenLine xmlns:a14="http://schemas.microsoft.com/office/drawing/2010/main" w="9525">
+                <a:solidFill>
+                  <a:srgbClr val="000000"/>
+                </a:solidFill>
+                <a:miter lim="800000"/>
+                <a:headEnd/>
+                <a:tailEnd/>
+              </a14:hiddenLine>
+            </a:ext>
+          </a:extLst>
+        </p:spPr>
+        <p:txBody>
+          <a:bodyPr vert="horz" wrap="square" lIns="91440" tIns="45720" rIns="91440" bIns="45720" numCol="1" anchor="t" anchorCtr="0" compatLnSpc="1">
+            <a:prstTxWarp prst="textNoShape">
+              <a:avLst/>
+            </a:prstTxWarp>
+          </a:bodyPr>
+          <a:lstStyle>
+            <a:lvl1pPr marL="342900" indent="-342900" algn="l" rtl="0" eaLnBrk="0" fontAlgn="base" hangingPunct="0">
+              <a:spcBef>
+                <a:spcPct val="20000"/>
+              </a:spcBef>
+              <a:spcAft>
+                <a:spcPct val="0"/>
+              </a:spcAft>
+              <a:buClr>
+                <a:schemeClr val="accent1"/>
+              </a:buClr>
+              <a:buSzPct val="65000"/>
+              <a:buFont typeface="Wingdings" panose="05000000000000000000" pitchFamily="2" charset="2"/>
+              <a:buChar char="n"/>
+              <a:defRPr sz="3000">
+                <a:solidFill>
+                  <a:schemeClr val="tx1"/>
+                </a:solidFill>
+                <a:latin typeface="+mn-lt"/>
+                <a:ea typeface="+mn-ea"/>
+                <a:cs typeface="+mn-cs"/>
+              </a:defRPr>
+            </a:lvl1pPr>
+            <a:lvl2pPr marL="669925" indent="-325438" algn="l" rtl="0" eaLnBrk="0" fontAlgn="base" hangingPunct="0">
+              <a:spcBef>
+                <a:spcPct val="20000"/>
+              </a:spcBef>
+              <a:spcAft>
+                <a:spcPct val="0"/>
+              </a:spcAft>
+              <a:buClr>
+                <a:schemeClr val="accent2"/>
+              </a:buClr>
+              <a:buSzPct val="60000"/>
+              <a:buFont typeface="Wingdings" panose="05000000000000000000" pitchFamily="2" charset="2"/>
+              <a:buChar char="q"/>
+              <a:defRPr sz="2600">
+                <a:solidFill>
+                  <a:schemeClr val="tx1"/>
+                </a:solidFill>
+                <a:latin typeface="+mn-lt"/>
+              </a:defRPr>
+            </a:lvl2pPr>
+            <a:lvl3pPr marL="1022350" indent="-350838" algn="l" rtl="0" eaLnBrk="0" fontAlgn="base" hangingPunct="0">
+              <a:spcBef>
+                <a:spcPct val="20000"/>
+              </a:spcBef>
+              <a:spcAft>
+                <a:spcPct val="0"/>
+              </a:spcAft>
+              <a:buClr>
+                <a:schemeClr val="accent1"/>
+              </a:buClr>
+              <a:buSzPct val="65000"/>
+              <a:buFont typeface="Wingdings" panose="05000000000000000000" pitchFamily="2" charset="2"/>
+              <a:buChar char="n"/>
+              <a:defRPr sz="2200">
+                <a:solidFill>
+                  <a:schemeClr val="tx1"/>
+                </a:solidFill>
+                <a:latin typeface="+mn-lt"/>
+              </a:defRPr>
+            </a:lvl3pPr>
+            <a:lvl4pPr marL="1339850" indent="-315913" algn="l" rtl="0" eaLnBrk="0" fontAlgn="base" hangingPunct="0">
+              <a:spcBef>
+                <a:spcPct val="20000"/>
+              </a:spcBef>
+              <a:spcAft>
+                <a:spcPct val="0"/>
+              </a:spcAft>
+              <a:buClr>
+                <a:schemeClr val="accent2"/>
+              </a:buClr>
+              <a:buSzPct val="70000"/>
+              <a:buFont typeface="Wingdings" panose="05000000000000000000" pitchFamily="2" charset="2"/>
+              <a:buChar char="q"/>
+              <a:defRPr sz="2000">
+                <a:solidFill>
+                  <a:schemeClr val="tx1"/>
+                </a:solidFill>
+                <a:latin typeface="+mn-lt"/>
+              </a:defRPr>
+            </a:lvl4pPr>
+            <a:lvl5pPr marL="1681163" indent="-339725" algn="l" rtl="0" eaLnBrk="0" fontAlgn="base" hangingPunct="0">
+              <a:spcBef>
+                <a:spcPct val="20000"/>
+              </a:spcBef>
+              <a:spcAft>
+                <a:spcPct val="0"/>
+              </a:spcAft>
+              <a:buClr>
+                <a:schemeClr val="accent1"/>
+              </a:buClr>
+              <a:buSzPct val="75000"/>
+              <a:buFont typeface="Wingdings" panose="05000000000000000000" pitchFamily="2" charset="2"/>
+              <a:buChar char="§"/>
+              <a:defRPr sz="2000">
+                <a:solidFill>
+                  <a:schemeClr val="tx1"/>
+                </a:solidFill>
+                <a:latin typeface="+mn-lt"/>
+              </a:defRPr>
+            </a:lvl5pPr>
+            <a:lvl6pPr marL="2138363" indent="-339725" algn="l" rtl="0" fontAlgn="base">
+              <a:spcBef>
+                <a:spcPct val="20000"/>
+              </a:spcBef>
+              <a:spcAft>
+                <a:spcPct val="0"/>
+              </a:spcAft>
+              <a:buClr>
+                <a:schemeClr val="accent1"/>
+              </a:buClr>
+              <a:buSzPct val="75000"/>
+              <a:buFont typeface="Wingdings" pitchFamily="2" charset="2"/>
+              <a:buChar char="§"/>
+              <a:defRPr sz="2000">
+                <a:solidFill>
+                  <a:schemeClr val="tx1"/>
+                </a:solidFill>
+                <a:latin typeface="+mn-lt"/>
+              </a:defRPr>
+            </a:lvl6pPr>
+            <a:lvl7pPr marL="2595563" indent="-339725" algn="l" rtl="0" fontAlgn="base">
+              <a:spcBef>
+                <a:spcPct val="20000"/>
+              </a:spcBef>
+              <a:spcAft>
+                <a:spcPct val="0"/>
+              </a:spcAft>
+              <a:buClr>
+                <a:schemeClr val="accent1"/>
+              </a:buClr>
+              <a:buSzPct val="75000"/>
+              <a:buFont typeface="Wingdings" pitchFamily="2" charset="2"/>
+              <a:buChar char="§"/>
+              <a:defRPr sz="2000">
+                <a:solidFill>
+                  <a:schemeClr val="tx1"/>
+                </a:solidFill>
+                <a:latin typeface="+mn-lt"/>
+              </a:defRPr>
+            </a:lvl7pPr>
+            <a:lvl8pPr marL="3052763" indent="-339725" algn="l" rtl="0" fontAlgn="base">
+              <a:spcBef>
+                <a:spcPct val="20000"/>
+              </a:spcBef>
+              <a:spcAft>
+                <a:spcPct val="0"/>
+              </a:spcAft>
+              <a:buClr>
+                <a:schemeClr val="accent1"/>
+              </a:buClr>
+              <a:buSzPct val="75000"/>
+              <a:buFont typeface="Wingdings" pitchFamily="2" charset="2"/>
+              <a:buChar char="§"/>
+              <a:defRPr sz="2000">
+                <a:solidFill>
+                  <a:schemeClr val="tx1"/>
+                </a:solidFill>
+                <a:latin typeface="+mn-lt"/>
+              </a:defRPr>
+            </a:lvl8pPr>
+            <a:lvl9pPr marL="3509963" indent="-339725" algn="l" rtl="0" fontAlgn="base">
+              <a:spcBef>
+                <a:spcPct val="20000"/>
+              </a:spcBef>
+              <a:spcAft>
+                <a:spcPct val="0"/>
+              </a:spcAft>
+              <a:buClr>
+                <a:schemeClr val="accent1"/>
+              </a:buClr>
+              <a:buSzPct val="75000"/>
+              <a:buFont typeface="Wingdings" pitchFamily="2" charset="2"/>
+              <a:buChar char="§"/>
+              <a:defRPr sz="2000">
+                <a:solidFill>
+                  <a:schemeClr val="tx1"/>
+                </a:solidFill>
+                <a:latin typeface="+mn-lt"/>
+              </a:defRPr>
+            </a:lvl9pPr>
+          </a:lstStyle>
+          <a:p>
+            <a:pPr eaLnBrk="1" hangingPunct="1"/>
+            <a:r>
+              <a:rPr lang="en-US" altLang="zh-CN" sz="2000" kern="0" dirty="0">
+                <a:ea typeface="新細明體" panose="02020500000000000000" pitchFamily="18" charset="-120"/>
+              </a:rPr>
+              <a:t>Frequencies for equal-tempered scale, A4 = 440 Hz </a:t>
+            </a:r>
+            <a:r>
+              <a:rPr lang="en-US" altLang="zh-CN" sz="2000" kern="0" dirty="0">
+                <a:ea typeface="新細明體" panose="02020500000000000000" pitchFamily="18" charset="-120"/>
+                <a:hlinkClick r:id="rId2"/>
+              </a:rPr>
+              <a:t>http://pages.mtu.edu/~suits/notefreqs.html</a:t>
+            </a:r>
+            <a:endParaRPr lang="en-US" altLang="zh-CN" sz="2000" kern="0" dirty="0">
+              <a:ea typeface="新細明體" panose="02020500000000000000" pitchFamily="18" charset="-120"/>
+            </a:endParaRPr>
+          </a:p>
+          <a:p>
+            <a:pPr eaLnBrk="1" hangingPunct="1"/>
+            <a:r>
+              <a:rPr lang="en-US" altLang="zh-CN" sz="2000" kern="0" dirty="0" err="1">
+                <a:ea typeface="新細明體" panose="02020500000000000000" pitchFamily="18" charset="-120"/>
+              </a:rPr>
+              <a:t>Nexys</a:t>
+            </a:r>
+            <a:r>
+              <a:rPr lang="en-US" altLang="zh-CN" sz="2000" kern="0" dirty="0">
+                <a:ea typeface="新細明體" panose="02020500000000000000" pitchFamily="18" charset="-120"/>
+              </a:rPr>
+              <a:t> 4 DDR Reference Manual </a:t>
+            </a:r>
+            <a:r>
+              <a:rPr lang="en-US" altLang="zh-CN" sz="2000" kern="0" dirty="0">
+                <a:ea typeface="新細明體" panose="02020500000000000000" pitchFamily="18" charset="-120"/>
+                <a:hlinkClick r:id="rId3"/>
+              </a:rPr>
+              <a:t>https://reference.digilentinc.com/reference/programmable-logic/nexys-4-ddr/reference-manual</a:t>
+            </a:r>
+            <a:endParaRPr lang="en-US" altLang="zh-CN" sz="2000" kern="0" dirty="0">
+              <a:ea typeface="新細明體" panose="02020500000000000000" pitchFamily="18" charset="-120"/>
+            </a:endParaRPr>
+          </a:p>
+          <a:p>
+            <a:pPr eaLnBrk="1" hangingPunct="1"/>
+            <a:r>
+              <a:rPr lang="en-US" altLang="zh-CN" sz="2000" kern="0" dirty="0">
+                <a:ea typeface="新細明體" panose="02020500000000000000" pitchFamily="18" charset="-120"/>
+              </a:rPr>
+              <a:t>PWM Audio Tutorial using a FPGA </a:t>
+            </a:r>
+            <a:r>
+              <a:rPr lang="en-US" altLang="zh-CN" sz="2000" kern="0" dirty="0">
+                <a:ea typeface="新細明體" panose="02020500000000000000" pitchFamily="18" charset="-120"/>
+                <a:hlinkClick r:id="rId4"/>
+              </a:rPr>
+              <a:t>https://www.youtube.com/watch?v=4byHVqXD-UI</a:t>
+            </a:r>
+            <a:endParaRPr lang="en-US" altLang="zh-CN" sz="2000" kern="0" dirty="0">
+              <a:ea typeface="新細明體" panose="02020500000000000000" pitchFamily="18" charset="-120"/>
+            </a:endParaRPr>
+          </a:p>
+          <a:p>
+            <a:pPr eaLnBrk="1" hangingPunct="1"/>
+            <a:r>
+              <a:rPr lang="en-US" altLang="zh-CN" sz="2000" kern="0" dirty="0">
+                <a:ea typeface="新細明體" panose="02020500000000000000" pitchFamily="18" charset="-120"/>
+              </a:rPr>
+              <a:t>Class Slides</a:t>
+            </a:r>
+          </a:p>
+          <a:p>
+            <a:pPr eaLnBrk="1" hangingPunct="1"/>
+            <a:endParaRPr lang="en-US" altLang="zh-CN" sz="2000" kern="0" dirty="0">
+              <a:ea typeface="新細明體" panose="02020500000000000000" pitchFamily="18" charset="-120"/>
+            </a:endParaRPr>
+          </a:p>
+          <a:p>
+            <a:pPr eaLnBrk="1" hangingPunct="1"/>
+            <a:endParaRPr lang="en-US" altLang="zh-CN" sz="2000" kern="0" dirty="0">
+              <a:ea typeface="新細明體" panose="02020500000000000000" pitchFamily="18" charset="-120"/>
+            </a:endParaRPr>
+          </a:p>
+          <a:p>
+            <a:pPr lvl="1" eaLnBrk="1" hangingPunct="1"/>
+            <a:endParaRPr lang="en-US" altLang="zh-CN" sz="1600" kern="0" dirty="0">
+              <a:ea typeface="新細明體" panose="02020500000000000000" pitchFamily="18" charset="-120"/>
+            </a:endParaRPr>
+          </a:p>
+        </p:txBody>
+      </p:sp>
+    </p:spTree>
+    <p:extLst>
+      <p:ext uri="{BB962C8B-B14F-4D97-AF65-F5344CB8AC3E}">
+        <p14:creationId xmlns:p14="http://schemas.microsoft.com/office/powerpoint/2010/main" val="1890420996"/>
+      </p:ext>
+    </p:extLst>
+  </p:cSld>
+  <p:clrMapOvr>
+    <a:masterClrMapping/>
+  </p:clrMapOvr>
+</p:sld>
+</file>
+
+<file path=ppt/slides/slide24.xml><?xml version="1.0" encoding="utf-8"?>
+<p:sld xmlns:a="http://schemas.openxmlformats.org/drawingml/2006/main" xmlns:r="http://schemas.openxmlformats.org/officeDocument/2006/relationships" xmlns:p="http://schemas.openxmlformats.org/presentationml/2006/main">
+  <p:cSld>
+    <p:spTree>
+      <p:nvGrpSpPr>
+        <p:cNvPr id="1" name=""/>
+        <p:cNvGrpSpPr/>
+        <p:nvPr/>
+      </p:nvGrpSpPr>
+      <p:grpSpPr>
+        <a:xfrm>
+          <a:off x="0" y="0"/>
+          <a:ext cx="0" cy="0"/>
+          <a:chOff x="0" y="0"/>
+          <a:chExt cx="0" cy="0"/>
+        </a:xfrm>
+      </p:grpSpPr>
+      <p:sp>
+        <p:nvSpPr>
+          <p:cNvPr id="12290" name="Title 1">
+            <a:extLst>
+              <a:ext uri="{FF2B5EF4-FFF2-40B4-BE49-F238E27FC236}">
+                <a16:creationId xmlns:a16="http://schemas.microsoft.com/office/drawing/2014/main" id="{312D1348-727E-43BC-9440-FAC69CECF262}"/>
+              </a:ext>
+            </a:extLst>
+          </p:cNvPr>
+          <p:cNvSpPr>
+            <a:spLocks noGrp="1" noChangeArrowheads="1"/>
+          </p:cNvSpPr>
+          <p:nvPr>
+            <p:ph type="ctrTitle" idx="4294967295"/>
+          </p:nvPr>
+        </p:nvSpPr>
+        <p:spPr>
+          <a:xfrm>
+            <a:off x="685800" y="2130425"/>
+            <a:ext cx="7772400" cy="1470025"/>
+          </a:xfrm>
+        </p:spPr>
+        <p:txBody>
+          <a:bodyPr anchor="ctr"/>
+          <a:lstStyle/>
+          <a:p>
+            <a:pPr eaLnBrk="1" hangingPunct="1"/>
+            <a:r>
+              <a:rPr lang="fr-FR" altLang="zh-TW" sz="5400" b="1" dirty="0">
+                <a:ea typeface="新細明體" panose="02020500000000000000" pitchFamily="18" charset="-120"/>
+              </a:rPr>
+              <a:t>Q&amp;A</a:t>
+            </a:r>
+          </a:p>
+        </p:txBody>
+      </p:sp>
+      <p:sp>
+        <p:nvSpPr>
+          <p:cNvPr id="2" name="日期版面配置區 1">
+            <a:extLst>
+              <a:ext uri="{FF2B5EF4-FFF2-40B4-BE49-F238E27FC236}">
+                <a16:creationId xmlns:a16="http://schemas.microsoft.com/office/drawing/2014/main" id="{C55F9B2A-AB82-491B-A507-61EBC6B57F16}"/>
+              </a:ext>
+            </a:extLst>
+          </p:cNvPr>
+          <p:cNvSpPr>
+            <a:spLocks noGrp="1"/>
+          </p:cNvSpPr>
+          <p:nvPr>
+            <p:ph type="dt" sz="quarter" idx="10"/>
+          </p:nvPr>
+        </p:nvSpPr>
+        <p:spPr/>
+        <p:txBody>
+          <a:bodyPr/>
+          <a:lstStyle/>
+          <a:p>
+            <a:pPr>
+              <a:defRPr/>
+            </a:pPr>
+            <a:fld id="{A139BE96-596E-4F08-BDDA-DE03FA7E0288}" type="datetime1">
+              <a:rPr lang="en-US" altLang="en-US"/>
+              <a:pPr>
+                <a:defRPr/>
+              </a:pPr>
+              <a:t>6/14/2018</a:t>
+            </a:fld>
+            <a:endParaRPr lang="en-US" altLang="en-US" dirty="0"/>
+          </a:p>
+        </p:txBody>
+      </p:sp>
+      <p:sp>
+        <p:nvSpPr>
+          <p:cNvPr id="5" name="頁尾版面配置區 2">
+            <a:extLst>
+              <a:ext uri="{FF2B5EF4-FFF2-40B4-BE49-F238E27FC236}">
+                <a16:creationId xmlns:a16="http://schemas.microsoft.com/office/drawing/2014/main" id="{61D255B9-2D4F-4013-951E-B50709A0B821}"/>
+              </a:ext>
+            </a:extLst>
+          </p:cNvPr>
+          <p:cNvSpPr>
+            <a:spLocks noGrp="1"/>
+          </p:cNvSpPr>
+          <p:nvPr>
+            <p:ph type="ftr" sz="quarter" idx="11"/>
+          </p:nvPr>
+        </p:nvSpPr>
+        <p:spPr>
+          <a:xfrm>
+            <a:off x="3056012" y="6246036"/>
+            <a:ext cx="3031976" cy="457200"/>
+          </a:xfrm>
+        </p:spPr>
+        <p:txBody>
+          <a:bodyPr/>
+          <a:lstStyle/>
+          <a:p>
+            <a:pPr>
+              <a:defRPr/>
+            </a:pPr>
+            <a:r>
+              <a:rPr lang="en-US" altLang="zh-CN" dirty="0"/>
+              <a:t>Southern University of Science and Technology</a:t>
+            </a:r>
+            <a:endParaRPr lang="en-US" altLang="en-US" dirty="0"/>
+          </a:p>
+        </p:txBody>
+      </p:sp>
+    </p:spTree>
+    <p:extLst>
+      <p:ext uri="{BB962C8B-B14F-4D97-AF65-F5344CB8AC3E}">
+        <p14:creationId xmlns:p14="http://schemas.microsoft.com/office/powerpoint/2010/main" val="1415247307"/>
+      </p:ext>
+    </p:extLst>
+  </p:cSld>
+  <p:clrMapOvr>
+    <a:masterClrMapping/>
+  </p:clrMapOvr>
+</p:sld>
+</file>
+
+<file path=ppt/slides/slide25.xml><?xml version="1.0" encoding="utf-8"?>
+<p:sld xmlns:a="http://schemas.openxmlformats.org/drawingml/2006/main" xmlns:r="http://schemas.openxmlformats.org/officeDocument/2006/relationships" xmlns:p="http://schemas.openxmlformats.org/presentationml/2006/main">
+  <p:cSld>
+    <p:spTree>
+      <p:nvGrpSpPr>
+        <p:cNvPr id="1" name=""/>
+        <p:cNvGrpSpPr/>
+        <p:nvPr/>
+      </p:nvGrpSpPr>
+      <p:grpSpPr>
+        <a:xfrm>
+          <a:off x="0" y="0"/>
+          <a:ext cx="0" cy="0"/>
+          <a:chOff x="0" y="0"/>
+          <a:chExt cx="0" cy="0"/>
+        </a:xfrm>
+      </p:grpSpPr>
+      <p:sp>
+        <p:nvSpPr>
+          <p:cNvPr id="13314" name="Title 1">
+            <a:extLst>
+              <a:ext uri="{FF2B5EF4-FFF2-40B4-BE49-F238E27FC236}">
+                <a16:creationId xmlns:a16="http://schemas.microsoft.com/office/drawing/2014/main" id="{A3FB24C1-DD16-4D31-96FE-40461E6C9FF3}"/>
+              </a:ext>
+            </a:extLst>
+          </p:cNvPr>
+          <p:cNvSpPr>
+            <a:spLocks noGrp="1" noChangeArrowheads="1"/>
+          </p:cNvSpPr>
+          <p:nvPr>
+            <p:ph type="title" idx="4294967295"/>
+          </p:nvPr>
+        </p:nvSpPr>
+        <p:spPr>
+          <a:xfrm>
+            <a:off x="557213" y="360363"/>
+            <a:ext cx="8229600" cy="1139825"/>
+          </a:xfrm>
+        </p:spPr>
+        <p:txBody>
+          <a:bodyPr anchor="ctr"/>
+          <a:lstStyle/>
+          <a:p>
+            <a:pPr eaLnBrk="1" hangingPunct="1"/>
+            <a:r>
+              <a:rPr lang="en-US" altLang="zh-TW" b="1" dirty="0">
+                <a:ea typeface="新細明體" panose="02020500000000000000" pitchFamily="18" charset="-120"/>
+              </a:rPr>
+              <a:t>GitHub Page</a:t>
+            </a:r>
+            <a:br>
+              <a:rPr lang="en-US" altLang="zh-TW" b="1" dirty="0">
+                <a:ea typeface="新細明體" panose="02020500000000000000" pitchFamily="18" charset="-120"/>
+              </a:rPr>
+            </a:br>
+            <a:endParaRPr lang="zh-TW" altLang="en-US" b="1" dirty="0">
+              <a:ea typeface="新細明體" panose="02020500000000000000" pitchFamily="18" charset="-120"/>
+            </a:endParaRPr>
+          </a:p>
+        </p:txBody>
+      </p:sp>
+      <p:sp>
+        <p:nvSpPr>
+          <p:cNvPr id="2" name="日期版面配置區 1">
+            <a:extLst>
+              <a:ext uri="{FF2B5EF4-FFF2-40B4-BE49-F238E27FC236}">
+                <a16:creationId xmlns:a16="http://schemas.microsoft.com/office/drawing/2014/main" id="{EBBA9EE1-CF91-48B5-A5FC-39944E1C0D91}"/>
+              </a:ext>
+            </a:extLst>
+          </p:cNvPr>
+          <p:cNvSpPr>
+            <a:spLocks noGrp="1"/>
+          </p:cNvSpPr>
+          <p:nvPr>
+            <p:ph type="dt" sz="quarter" idx="10"/>
+          </p:nvPr>
+        </p:nvSpPr>
+        <p:spPr/>
+        <p:txBody>
+          <a:bodyPr/>
+          <a:lstStyle/>
+          <a:p>
+            <a:pPr>
+              <a:defRPr/>
+            </a:pPr>
+            <a:fld id="{579B02EA-46D1-47B1-8324-179A3B4D3F83}" type="datetime1">
+              <a:rPr lang="en-US" altLang="en-US"/>
+              <a:pPr>
+                <a:defRPr/>
+              </a:pPr>
+              <a:t>6/14/2018</a:t>
+            </a:fld>
+            <a:endParaRPr lang="en-US" altLang="en-US"/>
+          </a:p>
+        </p:txBody>
+      </p:sp>
+      <p:sp>
+        <p:nvSpPr>
+          <p:cNvPr id="7" name="Content Placeholder 2">
+            <a:extLst>
+              <a:ext uri="{FF2B5EF4-FFF2-40B4-BE49-F238E27FC236}">
+                <a16:creationId xmlns:a16="http://schemas.microsoft.com/office/drawing/2014/main" id="{C0EF0483-A2DA-4C2C-A631-D629F736A60A}"/>
+              </a:ext>
+            </a:extLst>
+          </p:cNvPr>
+          <p:cNvSpPr txBox="1">
+            <a:spLocks noChangeArrowheads="1"/>
+          </p:cNvSpPr>
+          <p:nvPr/>
+        </p:nvSpPr>
+        <p:spPr bwMode="auto">
+          <a:xfrm>
+            <a:off x="457200" y="1600200"/>
+            <a:ext cx="8229600" cy="4530725"/>
+          </a:xfrm>
+          <a:prstGeom prst="rect">
+            <a:avLst/>
+          </a:prstGeom>
+          <a:noFill/>
+          <a:ln>
+            <a:noFill/>
+          </a:ln>
+          <a:extLst>
+            <a:ext uri="{909E8E84-426E-40DD-AFC4-6F175D3DCCD1}">
+              <a14:hiddenFill xmlns:a14="http://schemas.microsoft.com/office/drawing/2010/main">
+                <a:solidFill>
+                  <a:srgbClr val="FFFFFF"/>
+                </a:solidFill>
+              </a14:hiddenFill>
+            </a:ext>
+            <a:ext uri="{91240B29-F687-4F45-9708-019B960494DF}">
+              <a14:hiddenLine xmlns:a14="http://schemas.microsoft.com/office/drawing/2010/main" w="9525">
+                <a:solidFill>
+                  <a:srgbClr val="000000"/>
+                </a:solidFill>
+                <a:miter lim="800000"/>
+                <a:headEnd/>
+                <a:tailEnd/>
+              </a14:hiddenLine>
+            </a:ext>
+          </a:extLst>
+        </p:spPr>
+        <p:txBody>
+          <a:bodyPr vert="horz" wrap="square" lIns="91440" tIns="45720" rIns="91440" bIns="45720" numCol="1" anchor="t" anchorCtr="0" compatLnSpc="1">
+            <a:prstTxWarp prst="textNoShape">
+              <a:avLst/>
+            </a:prstTxWarp>
+          </a:bodyPr>
+          <a:lstStyle>
+            <a:lvl1pPr marL="342900" indent="-342900" algn="l" rtl="0" eaLnBrk="0" fontAlgn="base" hangingPunct="0">
+              <a:spcBef>
+                <a:spcPct val="20000"/>
+              </a:spcBef>
+              <a:spcAft>
+                <a:spcPct val="0"/>
+              </a:spcAft>
+              <a:buClr>
+                <a:schemeClr val="accent1"/>
+              </a:buClr>
+              <a:buSzPct val="65000"/>
+              <a:buFont typeface="Wingdings" panose="05000000000000000000" pitchFamily="2" charset="2"/>
+              <a:buChar char="n"/>
+              <a:defRPr sz="3000">
+                <a:solidFill>
+                  <a:schemeClr val="tx1"/>
+                </a:solidFill>
+                <a:latin typeface="+mn-lt"/>
+                <a:ea typeface="+mn-ea"/>
+                <a:cs typeface="+mn-cs"/>
+              </a:defRPr>
+            </a:lvl1pPr>
+            <a:lvl2pPr marL="669925" indent="-325438" algn="l" rtl="0" eaLnBrk="0" fontAlgn="base" hangingPunct="0">
+              <a:spcBef>
+                <a:spcPct val="20000"/>
+              </a:spcBef>
+              <a:spcAft>
+                <a:spcPct val="0"/>
+              </a:spcAft>
+              <a:buClr>
+                <a:schemeClr val="accent2"/>
+              </a:buClr>
+              <a:buSzPct val="60000"/>
+              <a:buFont typeface="Wingdings" panose="05000000000000000000" pitchFamily="2" charset="2"/>
+              <a:buChar char="q"/>
+              <a:defRPr sz="2600">
+                <a:solidFill>
+                  <a:schemeClr val="tx1"/>
+                </a:solidFill>
+                <a:latin typeface="+mn-lt"/>
+              </a:defRPr>
+            </a:lvl2pPr>
+            <a:lvl3pPr marL="1022350" indent="-350838" algn="l" rtl="0" eaLnBrk="0" fontAlgn="base" hangingPunct="0">
+              <a:spcBef>
+                <a:spcPct val="20000"/>
+              </a:spcBef>
+              <a:spcAft>
+                <a:spcPct val="0"/>
+              </a:spcAft>
+              <a:buClr>
+                <a:schemeClr val="accent1"/>
+              </a:buClr>
+              <a:buSzPct val="65000"/>
+              <a:buFont typeface="Wingdings" panose="05000000000000000000" pitchFamily="2" charset="2"/>
+              <a:buChar char="n"/>
+              <a:defRPr sz="2200">
+                <a:solidFill>
+                  <a:schemeClr val="tx1"/>
+                </a:solidFill>
+                <a:latin typeface="+mn-lt"/>
+              </a:defRPr>
+            </a:lvl3pPr>
+            <a:lvl4pPr marL="1339850" indent="-315913" algn="l" rtl="0" eaLnBrk="0" fontAlgn="base" hangingPunct="0">
+              <a:spcBef>
+                <a:spcPct val="20000"/>
+              </a:spcBef>
+              <a:spcAft>
+                <a:spcPct val="0"/>
+              </a:spcAft>
+              <a:buClr>
+                <a:schemeClr val="accent2"/>
+              </a:buClr>
+              <a:buSzPct val="70000"/>
+              <a:buFont typeface="Wingdings" panose="05000000000000000000" pitchFamily="2" charset="2"/>
+              <a:buChar char="q"/>
+              <a:defRPr sz="2000">
+                <a:solidFill>
+                  <a:schemeClr val="tx1"/>
+                </a:solidFill>
+                <a:latin typeface="+mn-lt"/>
+              </a:defRPr>
+            </a:lvl4pPr>
+            <a:lvl5pPr marL="1681163" indent="-339725" algn="l" rtl="0" eaLnBrk="0" fontAlgn="base" hangingPunct="0">
+              <a:spcBef>
+                <a:spcPct val="20000"/>
+              </a:spcBef>
+              <a:spcAft>
+                <a:spcPct val="0"/>
+              </a:spcAft>
+              <a:buClr>
+                <a:schemeClr val="accent1"/>
+              </a:buClr>
+              <a:buSzPct val="75000"/>
+              <a:buFont typeface="Wingdings" panose="05000000000000000000" pitchFamily="2" charset="2"/>
+              <a:buChar char="§"/>
+              <a:defRPr sz="2000">
+                <a:solidFill>
+                  <a:schemeClr val="tx1"/>
+                </a:solidFill>
+                <a:latin typeface="+mn-lt"/>
+              </a:defRPr>
+            </a:lvl5pPr>
+            <a:lvl6pPr marL="2138363" indent="-339725" algn="l" rtl="0" fontAlgn="base">
+              <a:spcBef>
+                <a:spcPct val="20000"/>
+              </a:spcBef>
+              <a:spcAft>
+                <a:spcPct val="0"/>
+              </a:spcAft>
+              <a:buClr>
+                <a:schemeClr val="accent1"/>
+              </a:buClr>
+              <a:buSzPct val="75000"/>
+              <a:buFont typeface="Wingdings" pitchFamily="2" charset="2"/>
+              <a:buChar char="§"/>
+              <a:defRPr sz="2000">
+                <a:solidFill>
+                  <a:schemeClr val="tx1"/>
+                </a:solidFill>
+                <a:latin typeface="+mn-lt"/>
+              </a:defRPr>
+            </a:lvl6pPr>
+            <a:lvl7pPr marL="2595563" indent="-339725" algn="l" rtl="0" fontAlgn="base">
+              <a:spcBef>
+                <a:spcPct val="20000"/>
+              </a:spcBef>
+              <a:spcAft>
+                <a:spcPct val="0"/>
+              </a:spcAft>
+              <a:buClr>
+                <a:schemeClr val="accent1"/>
+              </a:buClr>
+              <a:buSzPct val="75000"/>
+              <a:buFont typeface="Wingdings" pitchFamily="2" charset="2"/>
+              <a:buChar char="§"/>
+              <a:defRPr sz="2000">
+                <a:solidFill>
+                  <a:schemeClr val="tx1"/>
+                </a:solidFill>
+                <a:latin typeface="+mn-lt"/>
+              </a:defRPr>
+            </a:lvl7pPr>
+            <a:lvl8pPr marL="3052763" indent="-339725" algn="l" rtl="0" fontAlgn="base">
+              <a:spcBef>
+                <a:spcPct val="20000"/>
+              </a:spcBef>
+              <a:spcAft>
+                <a:spcPct val="0"/>
+              </a:spcAft>
+              <a:buClr>
+                <a:schemeClr val="accent1"/>
+              </a:buClr>
+              <a:buSzPct val="75000"/>
+              <a:buFont typeface="Wingdings" pitchFamily="2" charset="2"/>
+              <a:buChar char="§"/>
+              <a:defRPr sz="2000">
+                <a:solidFill>
+                  <a:schemeClr val="tx1"/>
+                </a:solidFill>
+                <a:latin typeface="+mn-lt"/>
+              </a:defRPr>
+            </a:lvl8pPr>
+            <a:lvl9pPr marL="3509963" indent="-339725" algn="l" rtl="0" fontAlgn="base">
+              <a:spcBef>
+                <a:spcPct val="20000"/>
+              </a:spcBef>
+              <a:spcAft>
+                <a:spcPct val="0"/>
+              </a:spcAft>
+              <a:buClr>
+                <a:schemeClr val="accent1"/>
+              </a:buClr>
+              <a:buSzPct val="75000"/>
+              <a:buFont typeface="Wingdings" pitchFamily="2" charset="2"/>
+              <a:buChar char="§"/>
+              <a:defRPr sz="2000">
+                <a:solidFill>
+                  <a:schemeClr val="tx1"/>
+                </a:solidFill>
+                <a:latin typeface="+mn-lt"/>
+              </a:defRPr>
+            </a:lvl9pPr>
+          </a:lstStyle>
+          <a:p>
+            <a:pPr eaLnBrk="1" hangingPunct="1"/>
+            <a:r>
+              <a:rPr lang="en-US" altLang="zh-CN" sz="2100" kern="0" dirty="0">
+                <a:ea typeface="新細明體" panose="02020500000000000000" pitchFamily="18" charset="-120"/>
+                <a:hlinkClick r:id="rId2"/>
+              </a:rPr>
+              <a:t>https://github.com/CharlesThaCat/FPGA-Sequencer-and-Synthesizer</a:t>
+            </a:r>
+            <a:r>
+              <a:rPr lang="en-US" altLang="zh-CN" sz="2100" kern="0" dirty="0">
+                <a:ea typeface="新細明體" panose="02020500000000000000" pitchFamily="18" charset="-120"/>
+              </a:rPr>
+              <a:t> </a:t>
+            </a:r>
+          </a:p>
+        </p:txBody>
+      </p:sp>
+      <p:sp>
+        <p:nvSpPr>
+          <p:cNvPr id="6" name="頁尾版面配置區 2">
+            <a:extLst>
+              <a:ext uri="{FF2B5EF4-FFF2-40B4-BE49-F238E27FC236}">
+                <a16:creationId xmlns:a16="http://schemas.microsoft.com/office/drawing/2014/main" id="{61D255B9-2D4F-4013-951E-B50709A0B821}"/>
               </a:ext>
             </a:extLst>
           </p:cNvPr>
@@ -9507,17 +15755,10 @@
   <p:clrMapOvr>
     <a:masterClrMapping/>
   </p:clrMapOvr>
-  <p:timing>
-    <p:tnLst>
-      <p:par>
-        <p:cTn id="1" dur="indefinite" restart="never" nodeType="tmRoot"/>
-      </p:par>
-    </p:tnLst>
-  </p:timing>
 </p:sld>
 </file>
 
-<file path=ppt/slides/slide18.xml><?xml version="1.0" encoding="utf-8"?>
+<file path=ppt/slides/slide26.xml><?xml version="1.0" encoding="utf-8"?>
 <p:sld xmlns:a="http://schemas.openxmlformats.org/drawingml/2006/main" xmlns:r="http://schemas.openxmlformats.org/officeDocument/2006/relationships" xmlns:p="http://schemas.openxmlformats.org/presentationml/2006/main">
   <p:cSld>
     <p:spTree>
@@ -9539,7 +15780,7 @@
           <p:cNvPr id="12290" name="Title 1">
             <a:extLst>
               <a:ext uri="{FF2B5EF4-FFF2-40B4-BE49-F238E27FC236}">
-                <a16:creationId xmlns="" xmlns:a16="http://schemas.microsoft.com/office/drawing/2014/main" id="{312D1348-727E-43BC-9440-FAC69CECF262}"/>
+                <a16:creationId xmlns:a16="http://schemas.microsoft.com/office/drawing/2014/main" id="{312D1348-727E-43BC-9440-FAC69CECF262}"/>
               </a:ext>
             </a:extLst>
           </p:cNvPr>
@@ -9578,7 +15819,7 @@
           <p:cNvPr id="2" name="日期版面配置區 1">
             <a:extLst>
               <a:ext uri="{FF2B5EF4-FFF2-40B4-BE49-F238E27FC236}">
-                <a16:creationId xmlns="" xmlns:a16="http://schemas.microsoft.com/office/drawing/2014/main" id="{C55F9B2A-AB82-491B-A507-61EBC6B57F16}"/>
+                <a16:creationId xmlns:a16="http://schemas.microsoft.com/office/drawing/2014/main" id="{C55F9B2A-AB82-491B-A507-61EBC6B57F16}"/>
               </a:ext>
             </a:extLst>
           </p:cNvPr>
@@ -9613,7 +15854,7 @@
           <p:cNvPr id="5" name="頁尾版面配置區 2">
             <a:extLst>
               <a:ext uri="{FF2B5EF4-FFF2-40B4-BE49-F238E27FC236}">
-                <a16:creationId xmlns="" xmlns:a16="http://schemas.microsoft.com/office/drawing/2014/main" id="{61D255B9-2D4F-4013-951E-B50709A0B821}"/>
+                <a16:creationId xmlns:a16="http://schemas.microsoft.com/office/drawing/2014/main" id="{61D255B9-2D4F-4013-951E-B50709A0B821}"/>
               </a:ext>
             </a:extLst>
           </p:cNvPr>
@@ -9655,272 +15896,6 @@
   <p:clrMapOvr>
     <a:masterClrMapping/>
   </p:clrMapOvr>
-  <p:timing>
-    <p:tnLst>
-      <p:par>
-        <p:cTn id="1" dur="indefinite" restart="never" nodeType="tmRoot"/>
-      </p:par>
-    </p:tnLst>
-  </p:timing>
-</p:sld>
-</file>
-
-<file path=ppt/slides/slide2.xml><?xml version="1.0" encoding="utf-8"?>
-<p:sld xmlns:a="http://schemas.openxmlformats.org/drawingml/2006/main" xmlns:r="http://schemas.openxmlformats.org/officeDocument/2006/relationships" xmlns:p="http://schemas.openxmlformats.org/presentationml/2006/main">
-  <p:cSld>
-    <p:spTree>
-      <p:nvGrpSpPr>
-        <p:cNvPr id="1" name=""/>
-        <p:cNvGrpSpPr/>
-        <p:nvPr/>
-      </p:nvGrpSpPr>
-      <p:grpSpPr>
-        <a:xfrm>
-          <a:off x="0" y="0"/>
-          <a:ext cx="0" cy="0"/>
-          <a:chOff x="0" y="0"/>
-          <a:chExt cx="0" cy="0"/>
-        </a:xfrm>
-      </p:grpSpPr>
-      <p:sp>
-        <p:nvSpPr>
-          <p:cNvPr id="9218" name="Rectangle 2">
-            <a:extLst>
-              <a:ext uri="{FF2B5EF4-FFF2-40B4-BE49-F238E27FC236}">
-                <a16:creationId xmlns="" xmlns:a16="http://schemas.microsoft.com/office/drawing/2014/main" id="{5FD2D989-1AB5-4288-93BB-8C63D75167DF}"/>
-              </a:ext>
-            </a:extLst>
-          </p:cNvPr>
-          <p:cNvSpPr>
-            <a:spLocks noGrp="1" noChangeArrowheads="1"/>
-          </p:cNvSpPr>
-          <p:nvPr>
-            <p:ph type="title"/>
-          </p:nvPr>
-        </p:nvSpPr>
-        <p:spPr>
-          <a:xfrm>
-            <a:off x="557213" y="277813"/>
-            <a:ext cx="8229600" cy="1139825"/>
-          </a:xfrm>
-        </p:spPr>
-        <p:txBody>
-          <a:bodyPr/>
-          <a:lstStyle/>
-          <a:p>
-            <a:pPr eaLnBrk="1" hangingPunct="1"/>
-            <a:r>
-              <a:rPr lang="en-US" altLang="zh-TW" b="1">
-                <a:ea typeface="新細明體" panose="02020500000000000000" pitchFamily="18" charset="-120"/>
-              </a:rPr>
-              <a:t>Speech Outline</a:t>
-            </a:r>
-          </a:p>
-        </p:txBody>
-      </p:sp>
-      <p:sp>
-        <p:nvSpPr>
-          <p:cNvPr id="9219" name="Rectangle 3">
-            <a:extLst>
-              <a:ext uri="{FF2B5EF4-FFF2-40B4-BE49-F238E27FC236}">
-                <a16:creationId xmlns="" xmlns:a16="http://schemas.microsoft.com/office/drawing/2014/main" id="{B89574CA-10BF-4AEB-8714-D32A0D9ED57A}"/>
-              </a:ext>
-            </a:extLst>
-          </p:cNvPr>
-          <p:cNvSpPr>
-            <a:spLocks noGrp="1" noChangeArrowheads="1"/>
-          </p:cNvSpPr>
-          <p:nvPr>
-            <p:ph type="body" idx="1"/>
-          </p:nvPr>
-        </p:nvSpPr>
-        <p:spPr/>
-        <p:txBody>
-          <a:bodyPr/>
-          <a:lstStyle/>
-          <a:p>
-            <a:pPr marL="514350" indent="-514350" eaLnBrk="1" hangingPunct="1">
-              <a:lnSpc>
-                <a:spcPct val="90000"/>
-              </a:lnSpc>
-            </a:pPr>
-            <a:r>
-              <a:rPr lang="en-US" altLang="zh-TW" sz="3200" dirty="0" smtClean="0">
-                <a:ea typeface="新細明體" panose="02020500000000000000" pitchFamily="18" charset="-120"/>
-              </a:rPr>
-              <a:t>Inputs &amp; Outputs</a:t>
-            </a:r>
-            <a:endParaRPr lang="en-US" altLang="zh-TW" sz="3200" dirty="0">
-              <a:ea typeface="新細明體" panose="02020500000000000000" pitchFamily="18" charset="-120"/>
-            </a:endParaRPr>
-          </a:p>
-          <a:p>
-            <a:pPr marL="514350" indent="-514350" eaLnBrk="1" hangingPunct="1">
-              <a:lnSpc>
-                <a:spcPct val="90000"/>
-              </a:lnSpc>
-            </a:pPr>
-            <a:r>
-              <a:rPr lang="en-US" altLang="zh-TW" sz="3200" dirty="0">
-                <a:ea typeface="新細明體" panose="02020500000000000000" pitchFamily="18" charset="-120"/>
-              </a:rPr>
-              <a:t>Components of the </a:t>
-            </a:r>
-            <a:r>
-              <a:rPr lang="en-US" altLang="zh-TW" sz="3200" dirty="0" smtClean="0">
-                <a:ea typeface="新細明體" panose="02020500000000000000" pitchFamily="18" charset="-120"/>
-              </a:rPr>
-              <a:t>circuit</a:t>
-            </a:r>
-          </a:p>
-          <a:p>
-            <a:pPr marL="514350" indent="-514350" eaLnBrk="1" hangingPunct="1">
-              <a:lnSpc>
-                <a:spcPct val="90000"/>
-              </a:lnSpc>
-            </a:pPr>
-            <a:r>
-              <a:rPr lang="en-US" altLang="zh-TW" sz="3200" dirty="0" smtClean="0">
-                <a:ea typeface="新細明體" panose="02020500000000000000" pitchFamily="18" charset="-120"/>
-              </a:rPr>
-              <a:t>Result demonstration</a:t>
-            </a:r>
-            <a:endParaRPr lang="en-US" altLang="zh-TW" sz="3200" dirty="0">
-              <a:ea typeface="新細明體" panose="02020500000000000000" pitchFamily="18" charset="-120"/>
-            </a:endParaRPr>
-          </a:p>
-          <a:p>
-            <a:pPr marL="514350" indent="-514350" eaLnBrk="1" hangingPunct="1">
-              <a:lnSpc>
-                <a:spcPct val="90000"/>
-              </a:lnSpc>
-            </a:pPr>
-            <a:r>
-              <a:rPr lang="en-US" altLang="zh-TW" sz="3200" dirty="0" smtClean="0">
-                <a:ea typeface="新細明體" panose="02020500000000000000" pitchFamily="18" charset="-120"/>
-              </a:rPr>
-              <a:t>Further enhancements</a:t>
-            </a:r>
-            <a:endParaRPr lang="en-US" altLang="zh-TW" sz="3200" dirty="0">
-              <a:ea typeface="新細明體" panose="02020500000000000000" pitchFamily="18" charset="-120"/>
-            </a:endParaRPr>
-          </a:p>
-        </p:txBody>
-      </p:sp>
-      <p:sp>
-        <p:nvSpPr>
-          <p:cNvPr id="2" name="日期版面配置區 1">
-            <a:extLst>
-              <a:ext uri="{FF2B5EF4-FFF2-40B4-BE49-F238E27FC236}">
-                <a16:creationId xmlns="" xmlns:a16="http://schemas.microsoft.com/office/drawing/2014/main" id="{609ADBB6-FF92-45B7-BD03-6264CA3777A3}"/>
-              </a:ext>
-            </a:extLst>
-          </p:cNvPr>
-          <p:cNvSpPr>
-            <a:spLocks noGrp="1"/>
-          </p:cNvSpPr>
-          <p:nvPr>
-            <p:ph type="dt" sz="quarter" idx="10"/>
-          </p:nvPr>
-        </p:nvSpPr>
-        <p:spPr/>
-        <p:txBody>
-          <a:bodyPr/>
-          <a:lstStyle/>
-          <a:p>
-            <a:pPr>
-              <a:defRPr/>
-            </a:pPr>
-            <a:fld id="{B2B03B4F-432D-40B0-91D5-7C9B34764966}" type="datetime1">
-              <a:rPr lang="en-US" altLang="en-US"/>
-              <a:pPr>
-                <a:defRPr/>
-              </a:pPr>
-              <a:t>6/14/2018</a:t>
-            </a:fld>
-            <a:endParaRPr lang="en-US" altLang="en-US"/>
-          </a:p>
-        </p:txBody>
-      </p:sp>
-      <p:sp>
-        <p:nvSpPr>
-          <p:cNvPr id="3" name="頁尾版面配置區 2">
-            <a:extLst>
-              <a:ext uri="{FF2B5EF4-FFF2-40B4-BE49-F238E27FC236}">
-                <a16:creationId xmlns="" xmlns:a16="http://schemas.microsoft.com/office/drawing/2014/main" id="{61D255B9-2D4F-4013-951E-B50709A0B821}"/>
-              </a:ext>
-            </a:extLst>
-          </p:cNvPr>
-          <p:cNvSpPr>
-            <a:spLocks noGrp="1"/>
-          </p:cNvSpPr>
-          <p:nvPr>
-            <p:ph type="ftr" sz="quarter" idx="11"/>
-          </p:nvPr>
-        </p:nvSpPr>
-        <p:spPr>
-          <a:xfrm>
-            <a:off x="3056012" y="6246036"/>
-            <a:ext cx="3031976" cy="457200"/>
-          </a:xfrm>
-        </p:spPr>
-        <p:txBody>
-          <a:bodyPr/>
-          <a:lstStyle/>
-          <a:p>
-            <a:pPr>
-              <a:defRPr/>
-            </a:pPr>
-            <a:r>
-              <a:rPr lang="en-US" altLang="zh-CN" dirty="0"/>
-              <a:t>Southern University of Science and Technology</a:t>
-            </a:r>
-            <a:endParaRPr lang="en-US" altLang="en-US" dirty="0"/>
-          </a:p>
-        </p:txBody>
-      </p:sp>
-      <p:pic>
-        <p:nvPicPr>
-          <p:cNvPr id="4" name="图片 3"/>
-          <p:cNvPicPr>
-            <a:picLocks noChangeAspect="1"/>
-          </p:cNvPicPr>
-          <p:nvPr/>
-        </p:nvPicPr>
-        <p:blipFill>
-          <a:blip r:embed="rId2" cstate="print">
-            <a:extLst>
-              <a:ext uri="{28A0092B-C50C-407E-A947-70E740481C1C}">
-                <a14:useLocalDpi xmlns:a14="http://schemas.microsoft.com/office/drawing/2010/main" val="0"/>
-              </a:ext>
-            </a:extLst>
-          </a:blip>
-          <a:stretch>
-            <a:fillRect/>
-          </a:stretch>
-        </p:blipFill>
-        <p:spPr>
-          <a:xfrm>
-            <a:off x="5369474" y="3501008"/>
-            <a:ext cx="3317326" cy="2475036"/>
-          </a:xfrm>
-          <a:prstGeom prst="rect">
-            <a:avLst/>
-          </a:prstGeom>
-        </p:spPr>
-      </p:pic>
-    </p:spTree>
-  </p:cSld>
-  <p:clrMapOvr>
-    <a:masterClrMapping/>
-  </p:clrMapOvr>
-  <p:timing>
-    <p:tnLst>
-      <p:par>
-        <p:cTn id="1" dur="indefinite" restart="never" nodeType="tmRoot"/>
-      </p:par>
-    </p:tnLst>
-  </p:timing>
 </p:sld>
 </file>
 
@@ -9946,7 +15921,7 @@
           <p:cNvPr id="12290" name="Title 1">
             <a:extLst>
               <a:ext uri="{FF2B5EF4-FFF2-40B4-BE49-F238E27FC236}">
-                <a16:creationId xmlns="" xmlns:a16="http://schemas.microsoft.com/office/drawing/2014/main" id="{312D1348-727E-43BC-9440-FAC69CECF262}"/>
+                <a16:creationId xmlns:a16="http://schemas.microsoft.com/office/drawing/2014/main" id="{312D1348-727E-43BC-9440-FAC69CECF262}"/>
               </a:ext>
             </a:extLst>
           </p:cNvPr>
@@ -9969,14 +15944,11 @@
           <a:p>
             <a:pPr eaLnBrk="1" hangingPunct="1"/>
             <a:r>
-              <a:rPr lang="fr-FR" altLang="zh-TW" sz="5400" b="1" dirty="0" smtClean="0">
+              <a:rPr lang="fr-FR" altLang="zh-TW" sz="5400" b="1" dirty="0">
                 <a:ea typeface="新細明體" panose="02020500000000000000" pitchFamily="18" charset="-120"/>
               </a:rPr>
               <a:t>Inputs &amp; Outputs</a:t>
             </a:r>
-            <a:endParaRPr lang="fr-FR" altLang="zh-TW" sz="5400" b="1" dirty="0">
-              <a:ea typeface="新細明體" panose="02020500000000000000" pitchFamily="18" charset="-120"/>
-            </a:endParaRPr>
           </a:p>
         </p:txBody>
       </p:sp>
@@ -9985,7 +15957,7 @@
           <p:cNvPr id="2" name="日期版面配置區 1">
             <a:extLst>
               <a:ext uri="{FF2B5EF4-FFF2-40B4-BE49-F238E27FC236}">
-                <a16:creationId xmlns="" xmlns:a16="http://schemas.microsoft.com/office/drawing/2014/main" id="{C55F9B2A-AB82-491B-A507-61EBC6B57F16}"/>
+                <a16:creationId xmlns:a16="http://schemas.microsoft.com/office/drawing/2014/main" id="{C55F9B2A-AB82-491B-A507-61EBC6B57F16}"/>
               </a:ext>
             </a:extLst>
           </p:cNvPr>
@@ -10020,7 +15992,7 @@
           <p:cNvPr id="5" name="頁尾版面配置區 2">
             <a:extLst>
               <a:ext uri="{FF2B5EF4-FFF2-40B4-BE49-F238E27FC236}">
-                <a16:creationId xmlns="" xmlns:a16="http://schemas.microsoft.com/office/drawing/2014/main" id="{61D255B9-2D4F-4013-951E-B50709A0B821}"/>
+                <a16:creationId xmlns:a16="http://schemas.microsoft.com/office/drawing/2014/main" id="{61D255B9-2D4F-4013-951E-B50709A0B821}"/>
               </a:ext>
             </a:extLst>
           </p:cNvPr>
@@ -10057,13 +16029,6 @@
   <p:clrMapOvr>
     <a:masterClrMapping/>
   </p:clrMapOvr>
-  <p:timing>
-    <p:tnLst>
-      <p:par>
-        <p:cTn id="1" dur="indefinite" restart="never" nodeType="tmRoot"/>
-      </p:par>
-    </p:tnLst>
-  </p:timing>
 </p:sld>
 </file>
 
@@ -10089,7 +16054,7 @@
           <p:cNvPr id="13314" name="Title 1">
             <a:extLst>
               <a:ext uri="{FF2B5EF4-FFF2-40B4-BE49-F238E27FC236}">
-                <a16:creationId xmlns="" xmlns:a16="http://schemas.microsoft.com/office/drawing/2014/main" id="{A3FB24C1-DD16-4D31-96FE-40461E6C9FF3}"/>
+                <a16:creationId xmlns:a16="http://schemas.microsoft.com/office/drawing/2014/main" id="{A3FB24C1-DD16-4D31-96FE-40461E6C9FF3}"/>
               </a:ext>
             </a:extLst>
           </p:cNvPr>
@@ -10112,16 +16077,10 @@
           <a:p>
             <a:pPr eaLnBrk="1" hangingPunct="1"/>
             <a:r>
-              <a:rPr lang="en-US" altLang="zh-TW" b="1" dirty="0" smtClean="0">
+              <a:rPr lang="en-US" altLang="zh-TW" b="1" dirty="0">
                 <a:ea typeface="新細明體" panose="02020500000000000000" pitchFamily="18" charset="-120"/>
               </a:rPr>
               <a:t>Inputs</a:t>
-            </a:r>
-            <a:r>
-              <a:rPr lang="en-US" altLang="zh-TW" b="1" dirty="0">
-                <a:ea typeface="新細明體" panose="02020500000000000000" pitchFamily="18" charset="-120"/>
-              </a:rPr>
-              <a:t/>
             </a:r>
             <a:br>
               <a:rPr lang="en-US" altLang="zh-TW" b="1" dirty="0">
@@ -10139,7 +16098,7 @@
           <p:cNvPr id="2" name="日期版面配置區 1">
             <a:extLst>
               <a:ext uri="{FF2B5EF4-FFF2-40B4-BE49-F238E27FC236}">
-                <a16:creationId xmlns="" xmlns:a16="http://schemas.microsoft.com/office/drawing/2014/main" id="{EBBA9EE1-CF91-48B5-A5FC-39944E1C0D91}"/>
+                <a16:creationId xmlns:a16="http://schemas.microsoft.com/office/drawing/2014/main" id="{EBBA9EE1-CF91-48B5-A5FC-39944E1C0D91}"/>
               </a:ext>
             </a:extLst>
           </p:cNvPr>
@@ -10174,7 +16133,7 @@
           <p:cNvPr id="9" name="Content Placeholder 2">
             <a:extLst>
               <a:ext uri="{FF2B5EF4-FFF2-40B4-BE49-F238E27FC236}">
-                <a16:creationId xmlns="" xmlns:a16="http://schemas.microsoft.com/office/drawing/2014/main" xmlns:a14="http://schemas.microsoft.com/office/drawing/2010/main" xmlns:mc="http://schemas.openxmlformats.org/markup-compatibility/2006" id="{F5C80A76-C6C0-4B40-B6C8-C5CC24D58369}"/>
+                <a16:creationId xmlns:a16="http://schemas.microsoft.com/office/drawing/2014/main" id="{F5C80A76-C6C0-4B40-B6C8-C5CC24D58369}"/>
               </a:ext>
             </a:extLst>
           </p:cNvPr>
@@ -10408,7 +16367,7 @@
           <a:p>
             <a:pPr eaLnBrk="1" hangingPunct="1"/>
             <a:r>
-              <a:rPr lang="en-US" altLang="zh-CN" sz="2100" kern="0" dirty="0" smtClean="0">
+              <a:rPr lang="en-US" altLang="zh-CN" sz="2100" kern="0" dirty="0">
                 <a:ea typeface="新細明體" panose="02020500000000000000" pitchFamily="18" charset="-120"/>
               </a:rPr>
               <a:t>Switches</a:t>
@@ -10420,166 +16379,61 @@
               <a:rPr lang="en-US" altLang="zh-CN" sz="1700" kern="0" dirty="0">
                 <a:ea typeface="新細明體" panose="02020500000000000000" pitchFamily="18" charset="-120"/>
               </a:rPr>
-              <a:t>Each of the </a:t>
-            </a:r>
-            <a:r>
-              <a:rPr lang="en-US" altLang="zh-CN" sz="1700" kern="0" dirty="0" smtClean="0">
-                <a:ea typeface="新細明體" panose="02020500000000000000" pitchFamily="18" charset="-120"/>
-              </a:rPr>
-              <a:t>16 </a:t>
-            </a:r>
+              <a:t>Each of the 16 switches is assigned to a note at a specific time. </a:t>
+            </a:r>
+          </a:p>
+          <a:p>
+            <a:pPr lvl="1" eaLnBrk="1" hangingPunct="1"/>
             <a:r>
               <a:rPr lang="en-US" altLang="zh-CN" sz="1700" kern="0" dirty="0">
                 <a:ea typeface="新細明體" panose="02020500000000000000" pitchFamily="18" charset="-120"/>
               </a:rPr>
-              <a:t>switches is assigned to a note at a specific time. </a:t>
-            </a:r>
-            <a:endParaRPr lang="en-US" altLang="zh-CN" sz="1700" kern="0" dirty="0" smtClean="0">
-              <a:ea typeface="新細明體" panose="02020500000000000000" pitchFamily="18" charset="-120"/>
-            </a:endParaRPr>
-          </a:p>
-          <a:p>
-            <a:pPr lvl="1" eaLnBrk="1" hangingPunct="1"/>
-            <a:r>
-              <a:rPr lang="en-US" altLang="zh-CN" sz="1700" kern="0" dirty="0" smtClean="0">
+              <a:t>When the time passes it, a note of the selected frequency will play. </a:t>
+            </a:r>
+          </a:p>
+          <a:p>
+            <a:pPr eaLnBrk="1" hangingPunct="1"/>
+            <a:r>
+              <a:rPr lang="en-US" altLang="zh-CN" sz="2100" kern="0" dirty="0">
                 <a:ea typeface="新細明體" panose="02020500000000000000" pitchFamily="18" charset="-120"/>
               </a:rPr>
-              <a:t>When </a:t>
-            </a:r>
+              <a:t>Buttons</a:t>
+            </a:r>
+          </a:p>
+          <a:p>
+            <a:pPr lvl="1" eaLnBrk="1" hangingPunct="1"/>
             <a:r>
               <a:rPr lang="en-US" altLang="zh-CN" sz="1700" kern="0" dirty="0">
                 <a:ea typeface="新細明體" panose="02020500000000000000" pitchFamily="18" charset="-120"/>
               </a:rPr>
-              <a:t>the time passes it, a note of the selected frequency will play. </a:t>
-            </a:r>
-            <a:endParaRPr lang="en-US" altLang="zh-CN" sz="1700" kern="0" dirty="0" smtClean="0">
-              <a:ea typeface="新細明體" panose="02020500000000000000" pitchFamily="18" charset="-120"/>
-            </a:endParaRPr>
-          </a:p>
-          <a:p>
-            <a:pPr eaLnBrk="1" hangingPunct="1"/>
-            <a:r>
-              <a:rPr lang="en-US" altLang="zh-CN" sz="2100" kern="0" dirty="0" smtClean="0">
-                <a:ea typeface="新細明體" panose="02020500000000000000" pitchFamily="18" charset="-120"/>
-              </a:rPr>
-              <a:t>Buttons</a:t>
+              <a:t>BTNR: Save: assign any switch that is in the on position with the current frequency. </a:t>
             </a:r>
           </a:p>
           <a:p>
             <a:pPr lvl="1" eaLnBrk="1" hangingPunct="1"/>
-            <a:r>
-              <a:rPr lang="en-US" altLang="zh-CN" sz="1700" kern="0" dirty="0" smtClean="0">
-                <a:ea typeface="新細明體" panose="02020500000000000000" pitchFamily="18" charset="-120"/>
-              </a:rPr>
-              <a:t>BTNR</a:t>
-            </a:r>
             <a:r>
               <a:rPr lang="en-US" altLang="zh-CN" sz="1700" kern="0" dirty="0">
                 <a:ea typeface="新細明體" panose="02020500000000000000" pitchFamily="18" charset="-120"/>
               </a:rPr>
-              <a:t>: Save: </a:t>
-            </a:r>
-            <a:r>
-              <a:rPr lang="en-US" altLang="zh-CN" sz="1700" kern="0" dirty="0" smtClean="0">
-                <a:ea typeface="新細明體" panose="02020500000000000000" pitchFamily="18" charset="-120"/>
-              </a:rPr>
-              <a:t>assign any </a:t>
-            </a:r>
+              <a:t>BTNU: Switch frequency: rotate through the 16 frequencies. </a:t>
+            </a:r>
+          </a:p>
+          <a:p>
+            <a:pPr lvl="1" eaLnBrk="1" hangingPunct="1"/>
             <a:r>
               <a:rPr lang="en-US" altLang="zh-CN" sz="1700" kern="0" dirty="0">
                 <a:ea typeface="新細明體" panose="02020500000000000000" pitchFamily="18" charset="-120"/>
               </a:rPr>
-              <a:t>switch that is in the on position with the </a:t>
-            </a:r>
-            <a:r>
-              <a:rPr lang="en-US" altLang="zh-CN" sz="1700" kern="0" dirty="0" smtClean="0">
-                <a:ea typeface="新細明體" panose="02020500000000000000" pitchFamily="18" charset="-120"/>
-              </a:rPr>
-              <a:t>current </a:t>
-            </a:r>
+              <a:t>BTNC: Play/Pause</a:t>
+            </a:r>
+          </a:p>
+          <a:p>
+            <a:pPr lvl="1" eaLnBrk="1" hangingPunct="1"/>
             <a:r>
               <a:rPr lang="en-US" altLang="zh-CN" sz="1700" kern="0" dirty="0">
                 <a:ea typeface="新細明體" panose="02020500000000000000" pitchFamily="18" charset="-120"/>
               </a:rPr>
-              <a:t>frequency. </a:t>
-            </a:r>
-            <a:endParaRPr lang="en-US" altLang="zh-CN" sz="1700" kern="0" dirty="0" smtClean="0">
-              <a:ea typeface="新細明體" panose="02020500000000000000" pitchFamily="18" charset="-120"/>
-            </a:endParaRPr>
-          </a:p>
-          <a:p>
-            <a:pPr lvl="1" eaLnBrk="1" hangingPunct="1"/>
-            <a:r>
-              <a:rPr lang="en-US" altLang="zh-CN" sz="1700" kern="0" dirty="0">
-                <a:ea typeface="新細明體" panose="02020500000000000000" pitchFamily="18" charset="-120"/>
-              </a:rPr>
-              <a:t>BTNU: Switch frequency: </a:t>
-            </a:r>
-            <a:r>
-              <a:rPr lang="en-US" altLang="zh-CN" sz="1700" kern="0" dirty="0" smtClean="0">
-                <a:ea typeface="新細明體" panose="02020500000000000000" pitchFamily="18" charset="-120"/>
-              </a:rPr>
-              <a:t>rotate through </a:t>
-            </a:r>
-            <a:r>
-              <a:rPr lang="en-US" altLang="zh-CN" sz="1700" kern="0" dirty="0">
-                <a:ea typeface="新細明體" panose="02020500000000000000" pitchFamily="18" charset="-120"/>
-              </a:rPr>
-              <a:t>the </a:t>
-            </a:r>
-            <a:r>
-              <a:rPr lang="en-US" altLang="zh-CN" sz="1700" kern="0" dirty="0" smtClean="0">
-                <a:ea typeface="新細明體" panose="02020500000000000000" pitchFamily="18" charset="-120"/>
-              </a:rPr>
-              <a:t>16 frequencies. </a:t>
-            </a:r>
-          </a:p>
-          <a:p>
-            <a:pPr lvl="1" eaLnBrk="1" hangingPunct="1"/>
-            <a:r>
-              <a:rPr lang="en-US" altLang="zh-CN" sz="1700" kern="0" dirty="0" smtClean="0">
-                <a:ea typeface="新細明體" panose="02020500000000000000" pitchFamily="18" charset="-120"/>
-              </a:rPr>
-              <a:t>BTNC</a:t>
-            </a:r>
-            <a:r>
-              <a:rPr lang="en-US" altLang="zh-CN" sz="1700" kern="0" dirty="0">
-                <a:ea typeface="新細明體" panose="02020500000000000000" pitchFamily="18" charset="-120"/>
-              </a:rPr>
-              <a:t>: </a:t>
-            </a:r>
-            <a:r>
-              <a:rPr lang="en-US" altLang="zh-CN" sz="1700" kern="0" dirty="0" smtClean="0">
-                <a:ea typeface="新細明體" panose="02020500000000000000" pitchFamily="18" charset="-120"/>
-              </a:rPr>
-              <a:t>Play/Pause</a:t>
-            </a:r>
-          </a:p>
-          <a:p>
-            <a:pPr lvl="1" eaLnBrk="1" hangingPunct="1"/>
-            <a:r>
-              <a:rPr lang="en-US" altLang="zh-CN" sz="1700" kern="0" dirty="0">
-                <a:ea typeface="新細明體" panose="02020500000000000000" pitchFamily="18" charset="-120"/>
-              </a:rPr>
-              <a:t>BTNL: Reset: </a:t>
-            </a:r>
-            <a:r>
-              <a:rPr lang="en-US" altLang="zh-CN" sz="1700" kern="0" dirty="0" smtClean="0">
-                <a:ea typeface="新細明體" panose="02020500000000000000" pitchFamily="18" charset="-120"/>
-              </a:rPr>
-              <a:t>erase </a:t>
-            </a:r>
-            <a:r>
-              <a:rPr lang="en-US" altLang="zh-CN" sz="1700" kern="0" dirty="0">
-                <a:ea typeface="新細明體" panose="02020500000000000000" pitchFamily="18" charset="-120"/>
-              </a:rPr>
-              <a:t>all assigned </a:t>
-            </a:r>
-            <a:r>
-              <a:rPr lang="en-US" altLang="zh-CN" sz="1700" kern="0" dirty="0" smtClean="0">
-                <a:ea typeface="新細明體" panose="02020500000000000000" pitchFamily="18" charset="-120"/>
-              </a:rPr>
-              <a:t>tones.</a:t>
+              <a:t>BTNL: Reset: erase all assigned tones.</a:t>
             </a:r>
           </a:p>
           <a:p>
@@ -10595,7 +16449,7 @@
           <p:cNvPr id="6" name="頁尾版面配置區 2">
             <a:extLst>
               <a:ext uri="{FF2B5EF4-FFF2-40B4-BE49-F238E27FC236}">
-                <a16:creationId xmlns="" xmlns:a16="http://schemas.microsoft.com/office/drawing/2014/main" id="{61D255B9-2D4F-4013-951E-B50709A0B821}"/>
+                <a16:creationId xmlns:a16="http://schemas.microsoft.com/office/drawing/2014/main" id="{61D255B9-2D4F-4013-951E-B50709A0B821}"/>
               </a:ext>
             </a:extLst>
           </p:cNvPr>
@@ -10637,13 +16491,6 @@
   <p:clrMapOvr>
     <a:masterClrMapping/>
   </p:clrMapOvr>
-  <p:timing>
-    <p:tnLst>
-      <p:par>
-        <p:cTn id="1" dur="indefinite" restart="never" nodeType="tmRoot"/>
-      </p:par>
-    </p:tnLst>
-  </p:timing>
 </p:sld>
 </file>
 
@@ -10669,7 +16516,7 @@
           <p:cNvPr id="13314" name="Title 1">
             <a:extLst>
               <a:ext uri="{FF2B5EF4-FFF2-40B4-BE49-F238E27FC236}">
-                <a16:creationId xmlns="" xmlns:a16="http://schemas.microsoft.com/office/drawing/2014/main" id="{A3FB24C1-DD16-4D31-96FE-40461E6C9FF3}"/>
+                <a16:creationId xmlns:a16="http://schemas.microsoft.com/office/drawing/2014/main" id="{A3FB24C1-DD16-4D31-96FE-40461E6C9FF3}"/>
               </a:ext>
             </a:extLst>
           </p:cNvPr>
@@ -10692,16 +16539,10 @@
           <a:p>
             <a:pPr eaLnBrk="1" hangingPunct="1"/>
             <a:r>
-              <a:rPr lang="en-US" altLang="zh-TW" b="1" dirty="0" smtClean="0">
+              <a:rPr lang="en-US" altLang="zh-TW" b="1" dirty="0">
                 <a:ea typeface="新細明體" panose="02020500000000000000" pitchFamily="18" charset="-120"/>
               </a:rPr>
               <a:t>Outputs</a:t>
-            </a:r>
-            <a:r>
-              <a:rPr lang="en-US" altLang="zh-TW" b="1" dirty="0">
-                <a:ea typeface="新細明體" panose="02020500000000000000" pitchFamily="18" charset="-120"/>
-              </a:rPr>
-              <a:t/>
             </a:r>
             <a:br>
               <a:rPr lang="en-US" altLang="zh-TW" b="1" dirty="0">
@@ -10719,7 +16560,7 @@
           <p:cNvPr id="2" name="日期版面配置區 1">
             <a:extLst>
               <a:ext uri="{FF2B5EF4-FFF2-40B4-BE49-F238E27FC236}">
-                <a16:creationId xmlns="" xmlns:a16="http://schemas.microsoft.com/office/drawing/2014/main" id="{EBBA9EE1-CF91-48B5-A5FC-39944E1C0D91}"/>
+                <a16:creationId xmlns:a16="http://schemas.microsoft.com/office/drawing/2014/main" id="{EBBA9EE1-CF91-48B5-A5FC-39944E1C0D91}"/>
               </a:ext>
             </a:extLst>
           </p:cNvPr>
@@ -10754,7 +16595,7 @@
           <p:cNvPr id="9" name="Content Placeholder 2">
             <a:extLst>
               <a:ext uri="{FF2B5EF4-FFF2-40B4-BE49-F238E27FC236}">
-                <a16:creationId xmlns="" xmlns:a16="http://schemas.microsoft.com/office/drawing/2014/main" xmlns:a14="http://schemas.microsoft.com/office/drawing/2010/main" xmlns:mc="http://schemas.openxmlformats.org/markup-compatibility/2006" id="{F5C80A76-C6C0-4B40-B6C8-C5CC24D58369}"/>
+                <a16:creationId xmlns:a16="http://schemas.microsoft.com/office/drawing/2014/main" id="{F5C80A76-C6C0-4B40-B6C8-C5CC24D58369}"/>
               </a:ext>
             </a:extLst>
           </p:cNvPr>
@@ -10988,7 +16829,7 @@
           <a:p>
             <a:pPr eaLnBrk="1" hangingPunct="1"/>
             <a:r>
-              <a:rPr lang="en-US" altLang="zh-CN" sz="2100" kern="0" dirty="0" smtClean="0">
+              <a:rPr lang="en-US" altLang="zh-CN" sz="2100" kern="0" dirty="0">
                 <a:ea typeface="新細明體" panose="02020500000000000000" pitchFamily="18" charset="-120"/>
               </a:rPr>
               <a:t>LEDs</a:t>
@@ -10997,88 +16838,43 @@
           <a:p>
             <a:pPr lvl="1" eaLnBrk="1" hangingPunct="1"/>
             <a:r>
-              <a:rPr lang="en-US" altLang="zh-CN" sz="1700" kern="0" dirty="0" smtClean="0">
-                <a:ea typeface="新細明體" panose="02020500000000000000" pitchFamily="18" charset="-120"/>
-              </a:rPr>
-              <a:t>LEDs above </a:t>
-            </a:r>
-            <a:r>
               <a:rPr lang="en-US" altLang="zh-CN" sz="1700" kern="0" dirty="0">
                 <a:ea typeface="新細明體" panose="02020500000000000000" pitchFamily="18" charset="-120"/>
               </a:rPr>
-              <a:t>each </a:t>
-            </a:r>
-            <a:r>
-              <a:rPr lang="en-US" altLang="zh-CN" sz="1700" kern="0" dirty="0" smtClean="0">
-                <a:ea typeface="新細明體" panose="02020500000000000000" pitchFamily="18" charset="-120"/>
-              </a:rPr>
-              <a:t>switch.</a:t>
+              <a:t>LEDs above each switch.</a:t>
             </a:r>
           </a:p>
           <a:p>
             <a:pPr lvl="1" eaLnBrk="1" hangingPunct="1"/>
-            <a:r>
-              <a:rPr lang="en-US" altLang="zh-CN" sz="1700" kern="0" dirty="0" smtClean="0">
-                <a:ea typeface="新細明體" panose="02020500000000000000" pitchFamily="18" charset="-120"/>
-              </a:rPr>
-              <a:t>Light </a:t>
-            </a:r>
             <a:r>
               <a:rPr lang="en-US" altLang="zh-CN" sz="1700" kern="0" dirty="0">
                 <a:ea typeface="新細明體" panose="02020500000000000000" pitchFamily="18" charset="-120"/>
               </a:rPr>
-              <a:t>up when a tone is playing on that particular switch. </a:t>
-            </a:r>
-            <a:endParaRPr lang="en-US" altLang="zh-CN" sz="1700" kern="0" dirty="0" smtClean="0">
-              <a:ea typeface="新細明體" panose="02020500000000000000" pitchFamily="18" charset="-120"/>
-            </a:endParaRPr>
+              <a:t>Light up when a tone is playing on that particular switch. </a:t>
+            </a:r>
           </a:p>
           <a:p>
             <a:pPr eaLnBrk="1" hangingPunct="1"/>
-            <a:r>
-              <a:rPr lang="en-US" altLang="zh-CN" sz="2100" kern="0" dirty="0" smtClean="0">
-                <a:ea typeface="新細明體" panose="02020500000000000000" pitchFamily="18" charset="-120"/>
-              </a:rPr>
-              <a:t>Seven </a:t>
-            </a:r>
             <a:r>
               <a:rPr lang="en-US" altLang="zh-CN" sz="2100" kern="0" dirty="0">
                 <a:ea typeface="新細明體" panose="02020500000000000000" pitchFamily="18" charset="-120"/>
               </a:rPr>
-              <a:t>Segment </a:t>
-            </a:r>
-            <a:r>
-              <a:rPr lang="en-US" altLang="zh-CN" sz="2100" kern="0" dirty="0" smtClean="0">
-                <a:ea typeface="新細明體" panose="02020500000000000000" pitchFamily="18" charset="-120"/>
-              </a:rPr>
-              <a:t>Display</a:t>
+              <a:t>Seven Segment Display</a:t>
             </a:r>
           </a:p>
           <a:p>
             <a:pPr lvl="1" eaLnBrk="1" hangingPunct="1"/>
-            <a:r>
-              <a:rPr lang="en-US" altLang="zh-CN" sz="1700" kern="0" dirty="0" smtClean="0">
-                <a:ea typeface="新細明體" panose="02020500000000000000" pitchFamily="18" charset="-120"/>
-              </a:rPr>
-              <a:t>Show </a:t>
-            </a:r>
             <a:r>
               <a:rPr lang="en-US" altLang="zh-CN" sz="1700" kern="0" dirty="0">
                 <a:ea typeface="新細明體" panose="02020500000000000000" pitchFamily="18" charset="-120"/>
               </a:rPr>
-              <a:t>which frequency is being worked </a:t>
-            </a:r>
-            <a:r>
-              <a:rPr lang="en-US" altLang="zh-CN" sz="1700" kern="0" dirty="0" smtClean="0">
-                <a:ea typeface="新細明體" panose="02020500000000000000" pitchFamily="18" charset="-120"/>
-              </a:rPr>
-              <a:t>with.</a:t>
+              <a:t>Show which frequency is being worked with.</a:t>
             </a:r>
           </a:p>
           <a:p>
             <a:pPr lvl="1" eaLnBrk="1" hangingPunct="1"/>
             <a:r>
-              <a:rPr lang="en-US" altLang="zh-CN" sz="1700" kern="0" dirty="0" smtClean="0">
+              <a:rPr lang="en-US" altLang="zh-CN" sz="1700" kern="0" dirty="0">
                 <a:ea typeface="新細明體" panose="02020500000000000000" pitchFamily="18" charset="-120"/>
               </a:rPr>
               <a:t>Rotate from 0 to F.</a:t>
@@ -11087,7 +16883,7 @@
           <a:p>
             <a:pPr eaLnBrk="1" hangingPunct="1"/>
             <a:r>
-              <a:rPr lang="en-US" altLang="zh-CN" sz="2100" kern="0" dirty="0" smtClean="0">
+              <a:rPr lang="en-US" altLang="zh-CN" sz="2100" kern="0" dirty="0">
                 <a:ea typeface="新細明體" panose="02020500000000000000" pitchFamily="18" charset="-120"/>
               </a:rPr>
               <a:t>Speaker</a:t>
@@ -11096,14 +16892,11 @@
           <a:p>
             <a:pPr lvl="1" eaLnBrk="1" hangingPunct="1"/>
             <a:r>
-              <a:rPr lang="en-US" altLang="zh-CN" sz="1700" kern="0" dirty="0" smtClean="0">
+              <a:rPr lang="en-US" altLang="zh-CN" sz="1700" kern="0" dirty="0">
                 <a:ea typeface="新細明體" panose="02020500000000000000" pitchFamily="18" charset="-120"/>
               </a:rPr>
               <a:t>Sound wave at different frequencies.</a:t>
             </a:r>
-            <a:endParaRPr lang="en-US" altLang="zh-CN" sz="1700" kern="0" dirty="0">
-              <a:ea typeface="新細明體" panose="02020500000000000000" pitchFamily="18" charset="-120"/>
-            </a:endParaRPr>
           </a:p>
           <a:p>
             <a:pPr lvl="1" eaLnBrk="1" hangingPunct="1"/>
@@ -11118,7 +16911,7 @@
           <p:cNvPr id="6" name="頁尾版面配置區 2">
             <a:extLst>
               <a:ext uri="{FF2B5EF4-FFF2-40B4-BE49-F238E27FC236}">
-                <a16:creationId xmlns="" xmlns:a16="http://schemas.microsoft.com/office/drawing/2014/main" id="{61D255B9-2D4F-4013-951E-B50709A0B821}"/>
+                <a16:creationId xmlns:a16="http://schemas.microsoft.com/office/drawing/2014/main" id="{61D255B9-2D4F-4013-951E-B50709A0B821}"/>
               </a:ext>
             </a:extLst>
           </p:cNvPr>
@@ -11160,13 +16953,6 @@
   <p:clrMapOvr>
     <a:masterClrMapping/>
   </p:clrMapOvr>
-  <p:timing>
-    <p:tnLst>
-      <p:par>
-        <p:cTn id="1" dur="indefinite" restart="never" nodeType="tmRoot"/>
-      </p:par>
-    </p:tnLst>
-  </p:timing>
 </p:sld>
 </file>
 
@@ -11192,7 +16978,7 @@
           <p:cNvPr id="12290" name="Title 1">
             <a:extLst>
               <a:ext uri="{FF2B5EF4-FFF2-40B4-BE49-F238E27FC236}">
-                <a16:creationId xmlns="" xmlns:a16="http://schemas.microsoft.com/office/drawing/2014/main" id="{312D1348-727E-43BC-9440-FAC69CECF262}"/>
+                <a16:creationId xmlns:a16="http://schemas.microsoft.com/office/drawing/2014/main" id="{312D1348-727E-43BC-9440-FAC69CECF262}"/>
               </a:ext>
             </a:extLst>
           </p:cNvPr>
@@ -11215,14 +17001,11 @@
           <a:p>
             <a:pPr eaLnBrk="1" hangingPunct="1"/>
             <a:r>
-              <a:rPr lang="fr-FR" altLang="zh-TW" sz="5400" b="1" dirty="0" smtClean="0">
+              <a:rPr lang="fr-FR" altLang="zh-TW" sz="5400" b="1" dirty="0">
                 <a:ea typeface="新細明體" panose="02020500000000000000" pitchFamily="18" charset="-120"/>
               </a:rPr>
               <a:t>Components of the Circuit</a:t>
             </a:r>
-            <a:endParaRPr lang="fr-FR" altLang="zh-TW" sz="5400" b="1" dirty="0">
-              <a:ea typeface="新細明體" panose="02020500000000000000" pitchFamily="18" charset="-120"/>
-            </a:endParaRPr>
           </a:p>
         </p:txBody>
       </p:sp>
@@ -11231,7 +17014,7 @@
           <p:cNvPr id="2" name="日期版面配置區 1">
             <a:extLst>
               <a:ext uri="{FF2B5EF4-FFF2-40B4-BE49-F238E27FC236}">
-                <a16:creationId xmlns="" xmlns:a16="http://schemas.microsoft.com/office/drawing/2014/main" id="{C55F9B2A-AB82-491B-A507-61EBC6B57F16}"/>
+                <a16:creationId xmlns:a16="http://schemas.microsoft.com/office/drawing/2014/main" id="{C55F9B2A-AB82-491B-A507-61EBC6B57F16}"/>
               </a:ext>
             </a:extLst>
           </p:cNvPr>
@@ -11266,7 +17049,7 @@
           <p:cNvPr id="5" name="頁尾版面配置區 2">
             <a:extLst>
               <a:ext uri="{FF2B5EF4-FFF2-40B4-BE49-F238E27FC236}">
-                <a16:creationId xmlns="" xmlns:a16="http://schemas.microsoft.com/office/drawing/2014/main" id="{61D255B9-2D4F-4013-951E-B50709A0B821}"/>
+                <a16:creationId xmlns:a16="http://schemas.microsoft.com/office/drawing/2014/main" id="{61D255B9-2D4F-4013-951E-B50709A0B821}"/>
               </a:ext>
             </a:extLst>
           </p:cNvPr>
@@ -11308,13 +17091,6 @@
   <p:clrMapOvr>
     <a:masterClrMapping/>
   </p:clrMapOvr>
-  <p:timing>
-    <p:tnLst>
-      <p:par>
-        <p:cTn id="1" dur="indefinite" restart="never" nodeType="tmRoot"/>
-      </p:par>
-    </p:tnLst>
-  </p:timing>
 </p:sld>
 </file>
 
@@ -11340,7 +17116,7 @@
           <p:cNvPr id="13314" name="Title 1">
             <a:extLst>
               <a:ext uri="{FF2B5EF4-FFF2-40B4-BE49-F238E27FC236}">
-                <a16:creationId xmlns="" xmlns:a16="http://schemas.microsoft.com/office/drawing/2014/main" id="{A3FB24C1-DD16-4D31-96FE-40461E6C9FF3}"/>
+                <a16:creationId xmlns:a16="http://schemas.microsoft.com/office/drawing/2014/main" id="{A3FB24C1-DD16-4D31-96FE-40461E6C9FF3}"/>
               </a:ext>
             </a:extLst>
           </p:cNvPr>
@@ -11363,16 +17139,10 @@
           <a:p>
             <a:pPr eaLnBrk="1" hangingPunct="1"/>
             <a:r>
-              <a:rPr lang="en-US" altLang="zh-TW" b="1" dirty="0" smtClean="0">
+              <a:rPr lang="en-US" altLang="zh-TW" b="1" dirty="0">
                 <a:ea typeface="新細明體" panose="02020500000000000000" pitchFamily="18" charset="-120"/>
               </a:rPr>
               <a:t>Button Toggle – Play &amp; Pause</a:t>
-            </a:r>
-            <a:r>
-              <a:rPr lang="en-US" altLang="zh-TW" b="1" dirty="0">
-                <a:ea typeface="新細明體" panose="02020500000000000000" pitchFamily="18" charset="-120"/>
-              </a:rPr>
-              <a:t/>
             </a:r>
             <a:br>
               <a:rPr lang="en-US" altLang="zh-TW" b="1" dirty="0">
@@ -11390,7 +17160,7 @@
           <p:cNvPr id="2" name="日期版面配置區 1">
             <a:extLst>
               <a:ext uri="{FF2B5EF4-FFF2-40B4-BE49-F238E27FC236}">
-                <a16:creationId xmlns="" xmlns:a16="http://schemas.microsoft.com/office/drawing/2014/main" id="{EBBA9EE1-CF91-48B5-A5FC-39944E1C0D91}"/>
+                <a16:creationId xmlns:a16="http://schemas.microsoft.com/office/drawing/2014/main" id="{EBBA9EE1-CF91-48B5-A5FC-39944E1C0D91}"/>
               </a:ext>
             </a:extLst>
           </p:cNvPr>
@@ -11425,7 +17195,7 @@
           <p:cNvPr id="9" name="Content Placeholder 2">
             <a:extLst>
               <a:ext uri="{FF2B5EF4-FFF2-40B4-BE49-F238E27FC236}">
-                <a16:creationId xmlns="" xmlns:a16="http://schemas.microsoft.com/office/drawing/2014/main" xmlns:a14="http://schemas.microsoft.com/office/drawing/2010/main" xmlns:mc="http://schemas.openxmlformats.org/markup-compatibility/2006" id="{F5C80A76-C6C0-4B40-B6C8-C5CC24D58369}"/>
+                <a16:creationId xmlns:a16="http://schemas.microsoft.com/office/drawing/2014/main" id="{F5C80A76-C6C0-4B40-B6C8-C5CC24D58369}"/>
               </a:ext>
             </a:extLst>
           </p:cNvPr>
@@ -11659,7 +17429,7 @@
           <a:p>
             <a:pPr eaLnBrk="1" hangingPunct="1"/>
             <a:r>
-              <a:rPr lang="en-US" altLang="zh-CN" sz="2100" kern="0" dirty="0" smtClean="0">
+              <a:rPr lang="en-US" altLang="zh-CN" sz="2100" kern="0" dirty="0">
                 <a:ea typeface="新細明體" panose="02020500000000000000" pitchFamily="18" charset="-120"/>
               </a:rPr>
               <a:t>FSM</a:t>
@@ -11676,7 +17446,7 @@
           </a:p>
           <a:p>
             <a:pPr lvl="1" eaLnBrk="1" hangingPunct="1"/>
-            <a:endParaRPr lang="en-US" altLang="zh-CN" sz="1700" kern="0" dirty="0" smtClean="0">
+            <a:endParaRPr lang="en-US" altLang="zh-CN" sz="1700" kern="0" dirty="0">
               <a:ea typeface="新細明體" panose="02020500000000000000" pitchFamily="18" charset="-120"/>
             </a:endParaRPr>
           </a:p>
@@ -11687,7 +17457,7 @@
           <p:cNvPr id="6" name="頁尾版面配置區 2">
             <a:extLst>
               <a:ext uri="{FF2B5EF4-FFF2-40B4-BE49-F238E27FC236}">
-                <a16:creationId xmlns="" xmlns:a16="http://schemas.microsoft.com/office/drawing/2014/main" id="{61D255B9-2D4F-4013-951E-B50709A0B821}"/>
+                <a16:creationId xmlns:a16="http://schemas.microsoft.com/office/drawing/2014/main" id="{61D255B9-2D4F-4013-951E-B50709A0B821}"/>
               </a:ext>
             </a:extLst>
           </p:cNvPr>
@@ -11753,13 +17523,6 @@
   <p:clrMapOvr>
     <a:masterClrMapping/>
   </p:clrMapOvr>
-  <p:timing>
-    <p:tnLst>
-      <p:par>
-        <p:cTn id="1" dur="indefinite" restart="never" nodeType="tmRoot"/>
-      </p:par>
-    </p:tnLst>
-  </p:timing>
 </p:sld>
 </file>
 
@@ -11785,7 +17548,7 @@
           <p:cNvPr id="13314" name="Title 1">
             <a:extLst>
               <a:ext uri="{FF2B5EF4-FFF2-40B4-BE49-F238E27FC236}">
-                <a16:creationId xmlns="" xmlns:a16="http://schemas.microsoft.com/office/drawing/2014/main" id="{A3FB24C1-DD16-4D31-96FE-40461E6C9FF3}"/>
+                <a16:creationId xmlns:a16="http://schemas.microsoft.com/office/drawing/2014/main" id="{A3FB24C1-DD16-4D31-96FE-40461E6C9FF3}"/>
               </a:ext>
             </a:extLst>
           </p:cNvPr>
@@ -11808,22 +17571,16 @@
           <a:p>
             <a:pPr eaLnBrk="1" hangingPunct="1"/>
             <a:r>
-              <a:rPr lang="en-US" altLang="zh-TW" b="1" dirty="0" smtClean="0">
+              <a:rPr lang="en-US" altLang="zh-TW" b="1" dirty="0">
                 <a:ea typeface="新細明體" panose="02020500000000000000" pitchFamily="18" charset="-120"/>
               </a:rPr>
               <a:t>Button </a:t>
             </a:r>
             <a:r>
-              <a:rPr lang="en-US" altLang="zh-TW" b="1" dirty="0" err="1" smtClean="0">
+              <a:rPr lang="en-US" altLang="zh-TW" b="1" dirty="0" err="1">
                 <a:ea typeface="新細明體" panose="02020500000000000000" pitchFamily="18" charset="-120"/>
               </a:rPr>
               <a:t>Debouncer</a:t>
-            </a:r>
-            <a:r>
-              <a:rPr lang="en-US" altLang="zh-TW" b="1" dirty="0">
-                <a:ea typeface="新細明體" panose="02020500000000000000" pitchFamily="18" charset="-120"/>
-              </a:rPr>
-              <a:t/>
             </a:r>
             <a:br>
               <a:rPr lang="en-US" altLang="zh-TW" b="1" dirty="0">
@@ -11841,7 +17598,7 @@
           <p:cNvPr id="2" name="日期版面配置區 1">
             <a:extLst>
               <a:ext uri="{FF2B5EF4-FFF2-40B4-BE49-F238E27FC236}">
-                <a16:creationId xmlns="" xmlns:a16="http://schemas.microsoft.com/office/drawing/2014/main" id="{EBBA9EE1-CF91-48B5-A5FC-39944E1C0D91}"/>
+                <a16:creationId xmlns:a16="http://schemas.microsoft.com/office/drawing/2014/main" id="{EBBA9EE1-CF91-48B5-A5FC-39944E1C0D91}"/>
               </a:ext>
             </a:extLst>
           </p:cNvPr>
@@ -11876,7 +17633,7 @@
           <p:cNvPr id="9" name="Content Placeholder 2">
             <a:extLst>
               <a:ext uri="{FF2B5EF4-FFF2-40B4-BE49-F238E27FC236}">
-                <a16:creationId xmlns="" xmlns:a16="http://schemas.microsoft.com/office/drawing/2014/main" xmlns:a14="http://schemas.microsoft.com/office/drawing/2010/main" xmlns:mc="http://schemas.openxmlformats.org/markup-compatibility/2006" id="{F5C80A76-C6C0-4B40-B6C8-C5CC24D58369}"/>
+                <a16:creationId xmlns:a16="http://schemas.microsoft.com/office/drawing/2014/main" id="{F5C80A76-C6C0-4B40-B6C8-C5CC24D58369}"/>
               </a:ext>
             </a:extLst>
           </p:cNvPr>
@@ -12110,7 +17867,7 @@
           <a:p>
             <a:pPr eaLnBrk="1" hangingPunct="1"/>
             <a:r>
-              <a:rPr lang="en-US" altLang="zh-CN" sz="2100" kern="0" dirty="0" smtClean="0">
+              <a:rPr lang="en-US" altLang="zh-CN" sz="2100" kern="0" dirty="0">
                 <a:ea typeface="新細明體" panose="02020500000000000000" pitchFamily="18" charset="-120"/>
               </a:rPr>
               <a:t>Button bounce</a:t>
@@ -12119,7 +17876,7 @@
           <a:p>
             <a:pPr lvl="1" eaLnBrk="1" hangingPunct="1"/>
             <a:r>
-              <a:rPr lang="en-US" altLang="zh-CN" sz="1700" kern="0" dirty="0" smtClean="0">
+              <a:rPr lang="en-US" altLang="zh-CN" sz="1700" kern="0" dirty="0">
                 <a:ea typeface="新細明體" panose="02020500000000000000" pitchFamily="18" charset="-120"/>
               </a:rPr>
               <a:t>Switch between states in FSM</a:t>
@@ -12128,13 +17885,13 @@
           <a:p>
             <a:pPr eaLnBrk="1" hangingPunct="1"/>
             <a:r>
-              <a:rPr lang="en-US" altLang="zh-CN" sz="2100" kern="0" dirty="0" err="1" smtClean="0">
+              <a:rPr lang="en-US" altLang="zh-CN" sz="2100" kern="0" dirty="0" err="1">
                 <a:ea typeface="新細明體" panose="02020500000000000000" pitchFamily="18" charset="-120"/>
               </a:rPr>
               <a:t>Debouncer</a:t>
             </a:r>
             <a:r>
-              <a:rPr lang="en-US" altLang="zh-CN" sz="2100" kern="0" dirty="0" smtClean="0">
+              <a:rPr lang="en-US" altLang="zh-CN" sz="2100" kern="0" dirty="0">
                 <a:ea typeface="新細明體" panose="02020500000000000000" pitchFamily="18" charset="-120"/>
               </a:rPr>
               <a:t> </a:t>
@@ -12143,47 +17900,32 @@
           <a:p>
             <a:pPr lvl="1" eaLnBrk="1" hangingPunct="1"/>
             <a:r>
-              <a:rPr lang="en-US" altLang="zh-CN" sz="1700" kern="0" dirty="0" smtClean="0">
-                <a:ea typeface="新細明體" panose="02020500000000000000" pitchFamily="18" charset="-120"/>
-              </a:rPr>
-              <a:t>By </a:t>
-            </a:r>
-            <a:r>
               <a:rPr lang="en-US" altLang="zh-CN" sz="1700" kern="0" dirty="0">
                 <a:ea typeface="新細明體" panose="02020500000000000000" pitchFamily="18" charset="-120"/>
               </a:rPr>
-              <a:t>Scott Larson of </a:t>
-            </a:r>
-            <a:r>
-              <a:rPr lang="en-US" altLang="zh-CN" sz="1700" kern="0" dirty="0" smtClean="0">
-                <a:ea typeface="新細明體" panose="02020500000000000000" pitchFamily="18" charset="-120"/>
-              </a:rPr>
-              <a:t>Digi-key</a:t>
+              <a:t>By Scott Larson of Digi-key</a:t>
             </a:r>
           </a:p>
           <a:p>
             <a:pPr lvl="1" eaLnBrk="1" hangingPunct="1"/>
             <a:r>
-              <a:rPr lang="en-US" altLang="zh-CN" sz="1700" kern="0" dirty="0" smtClean="0">
+              <a:rPr lang="en-US" altLang="zh-CN" sz="1700" kern="0" dirty="0">
                 <a:ea typeface="新細明體" panose="02020500000000000000" pitchFamily="18" charset="-120"/>
               </a:rPr>
               <a:t>10.5 </a:t>
             </a:r>
             <a:r>
-              <a:rPr lang="en-US" altLang="zh-CN" sz="1700" kern="0" dirty="0" err="1" smtClean="0">
+              <a:rPr lang="en-US" altLang="zh-CN" sz="1700" kern="0" dirty="0" err="1">
                 <a:ea typeface="新細明體" panose="02020500000000000000" pitchFamily="18" charset="-120"/>
               </a:rPr>
               <a:t>ms</a:t>
             </a:r>
             <a:r>
-              <a:rPr lang="en-US" altLang="zh-CN" sz="1700" kern="0" dirty="0" smtClean="0">
+              <a:rPr lang="en-US" altLang="zh-CN" sz="1700" kern="0" dirty="0">
                 <a:ea typeface="新細明體" panose="02020500000000000000" pitchFamily="18" charset="-120"/>
               </a:rPr>
               <a:t> stable input time</a:t>
             </a:r>
-            <a:endParaRPr lang="en-US" altLang="zh-CN" sz="1700" kern="0" dirty="0">
-              <a:ea typeface="新細明體" panose="02020500000000000000" pitchFamily="18" charset="-120"/>
-            </a:endParaRPr>
           </a:p>
         </p:txBody>
       </p:sp>
@@ -12192,7 +17934,7 @@
           <p:cNvPr id="6" name="頁尾版面配置區 2">
             <a:extLst>
               <a:ext uri="{FF2B5EF4-FFF2-40B4-BE49-F238E27FC236}">
-                <a16:creationId xmlns="" xmlns:a16="http://schemas.microsoft.com/office/drawing/2014/main" id="{61D255B9-2D4F-4013-951E-B50709A0B821}"/>
+                <a16:creationId xmlns:a16="http://schemas.microsoft.com/office/drawing/2014/main" id="{61D255B9-2D4F-4013-951E-B50709A0B821}"/>
               </a:ext>
             </a:extLst>
           </p:cNvPr>
@@ -12234,13 +17976,6 @@
   <p:clrMapOvr>
     <a:masterClrMapping/>
   </p:clrMapOvr>
-  <p:timing>
-    <p:tnLst>
-      <p:par>
-        <p:cTn id="1" dur="indefinite" restart="never" nodeType="tmRoot"/>
-      </p:par>
-    </p:tnLst>
-  </p:timing>
 </p:sld>
 </file>
 
@@ -12266,7 +18001,7 @@
           <p:cNvPr id="13314" name="Title 1">
             <a:extLst>
               <a:ext uri="{FF2B5EF4-FFF2-40B4-BE49-F238E27FC236}">
-                <a16:creationId xmlns="" xmlns:a16="http://schemas.microsoft.com/office/drawing/2014/main" id="{A3FB24C1-DD16-4D31-96FE-40461E6C9FF3}"/>
+                <a16:creationId xmlns:a16="http://schemas.microsoft.com/office/drawing/2014/main" id="{A3FB24C1-DD16-4D31-96FE-40461E6C9FF3}"/>
               </a:ext>
             </a:extLst>
           </p:cNvPr>
@@ -12289,28 +18024,22 @@
           <a:p>
             <a:pPr eaLnBrk="1" hangingPunct="1"/>
             <a:r>
-              <a:rPr lang="en-US" altLang="zh-CN" b="1" dirty="0" smtClean="0">
+              <a:rPr lang="en-US" altLang="zh-CN" b="1" dirty="0">
                 <a:ea typeface="新細明體" panose="02020500000000000000" pitchFamily="18" charset="-120"/>
               </a:rPr>
               <a:t>Clock </a:t>
             </a:r>
             <a:r>
-              <a:rPr lang="en-US" altLang="zh-CN" b="1" dirty="0" err="1" smtClean="0">
+              <a:rPr lang="en-US" altLang="zh-CN" b="1" dirty="0" err="1">
                 <a:ea typeface="新細明體" panose="02020500000000000000" pitchFamily="18" charset="-120"/>
               </a:rPr>
               <a:t>Dividor</a:t>
             </a:r>
             <a:r>
-              <a:rPr lang="en-US" altLang="zh-CN" b="1" dirty="0" smtClean="0">
+              <a:rPr lang="en-US" altLang="zh-CN" b="1" dirty="0">
                 <a:ea typeface="新細明體" panose="02020500000000000000" pitchFamily="18" charset="-120"/>
               </a:rPr>
               <a:t> – BPM setting</a:t>
-            </a:r>
-            <a:r>
-              <a:rPr lang="en-US" altLang="zh-TW" b="1" dirty="0">
-                <a:ea typeface="新細明體" panose="02020500000000000000" pitchFamily="18" charset="-120"/>
-              </a:rPr>
-              <a:t/>
             </a:r>
             <a:br>
               <a:rPr lang="en-US" altLang="zh-TW" b="1" dirty="0">
@@ -12328,7 +18057,7 @@
           <p:cNvPr id="2" name="日期版面配置區 1">
             <a:extLst>
               <a:ext uri="{FF2B5EF4-FFF2-40B4-BE49-F238E27FC236}">
-                <a16:creationId xmlns="" xmlns:a16="http://schemas.microsoft.com/office/drawing/2014/main" id="{EBBA9EE1-CF91-48B5-A5FC-39944E1C0D91}"/>
+                <a16:creationId xmlns:a16="http://schemas.microsoft.com/office/drawing/2014/main" id="{EBBA9EE1-CF91-48B5-A5FC-39944E1C0D91}"/>
               </a:ext>
             </a:extLst>
           </p:cNvPr>
@@ -12363,7 +18092,7 @@
           <p:cNvPr id="9" name="Content Placeholder 2">
             <a:extLst>
               <a:ext uri="{FF2B5EF4-FFF2-40B4-BE49-F238E27FC236}">
-                <a16:creationId xmlns="" xmlns:a16="http://schemas.microsoft.com/office/drawing/2014/main" xmlns:a14="http://schemas.microsoft.com/office/drawing/2010/main" xmlns:mc="http://schemas.openxmlformats.org/markup-compatibility/2006" id="{F5C80A76-C6C0-4B40-B6C8-C5CC24D58369}"/>
+                <a16:creationId xmlns:a16="http://schemas.microsoft.com/office/drawing/2014/main" id="{F5C80A76-C6C0-4B40-B6C8-C5CC24D58369}"/>
               </a:ext>
             </a:extLst>
           </p:cNvPr>
@@ -12597,7 +18326,7 @@
           <a:p>
             <a:pPr eaLnBrk="1" hangingPunct="1"/>
             <a:r>
-              <a:rPr lang="en-US" altLang="zh-CN" sz="2100" kern="0" dirty="0" smtClean="0">
+              <a:rPr lang="en-US" altLang="zh-CN" sz="2100" kern="0" dirty="0">
                 <a:ea typeface="新細明體" panose="02020500000000000000" pitchFamily="18" charset="-120"/>
               </a:rPr>
               <a:t>Convert 100 MHz to lower frequencies</a:t>
@@ -12606,18 +18335,15 @@
           <a:p>
             <a:pPr lvl="1" eaLnBrk="1" hangingPunct="1"/>
             <a:r>
-              <a:rPr lang="en-US" altLang="zh-CN" sz="1700" kern="0" dirty="0" smtClean="0">
+              <a:rPr lang="en-US" altLang="zh-CN" sz="1700" kern="0" dirty="0">
                 <a:ea typeface="新細明體" panose="02020500000000000000" pitchFamily="18" charset="-120"/>
               </a:rPr>
               <a:t>Used to set BPM</a:t>
             </a:r>
+          </a:p>
+          <a:p>
+            <a:pPr lvl="1" eaLnBrk="1" hangingPunct="1"/>
             <a:endParaRPr lang="en-US" altLang="zh-CN" sz="1700" kern="0" dirty="0">
-              <a:ea typeface="新細明體" panose="02020500000000000000" pitchFamily="18" charset="-120"/>
-            </a:endParaRPr>
-          </a:p>
-          <a:p>
-            <a:pPr lvl="1" eaLnBrk="1" hangingPunct="1"/>
-            <a:endParaRPr lang="en-US" altLang="zh-CN" sz="1700" kern="0" dirty="0" smtClean="0">
               <a:ea typeface="新細明體" panose="02020500000000000000" pitchFamily="18" charset="-120"/>
             </a:endParaRPr>
           </a:p>
@@ -12628,7 +18354,7 @@
           <p:cNvPr id="6" name="頁尾版面配置區 2">
             <a:extLst>
               <a:ext uri="{FF2B5EF4-FFF2-40B4-BE49-F238E27FC236}">
-                <a16:creationId xmlns="" xmlns:a16="http://schemas.microsoft.com/office/drawing/2014/main" id="{61D255B9-2D4F-4013-951E-B50709A0B821}"/>
+                <a16:creationId xmlns:a16="http://schemas.microsoft.com/office/drawing/2014/main" id="{61D255B9-2D4F-4013-951E-B50709A0B821}"/>
               </a:ext>
             </a:extLst>
           </p:cNvPr>
@@ -12670,13 +18396,6 @@
   <p:clrMapOvr>
     <a:masterClrMapping/>
   </p:clrMapOvr>
-  <p:timing>
-    <p:tnLst>
-      <p:par>
-        <p:cTn id="1" dur="indefinite" restart="never" nodeType="tmRoot"/>
-      </p:par>
-    </p:tnLst>
-  </p:timing>
 </p:sld>
 </file>
 

--- a/Step Synthesizer/16-Steps Sequencer and Synthesizer.pptx
+++ b/Step Synthesizer/16-Steps Sequencer and Synthesizer.pptx
@@ -5,10 +5,10 @@
     <p:sldMasterId id="2147483649" r:id="rId1"/>
   </p:sldMasterIdLst>
   <p:notesMasterIdLst>
-    <p:notesMasterId r:id="rId28"/>
+    <p:notesMasterId r:id="rId30"/>
   </p:notesMasterIdLst>
   <p:handoutMasterIdLst>
-    <p:handoutMasterId r:id="rId29"/>
+    <p:handoutMasterId r:id="rId31"/>
   </p:handoutMasterIdLst>
   <p:sldIdLst>
     <p:sldId id="256" r:id="rId2"/>
@@ -28,15 +28,17 @@
     <p:sldId id="455" r:id="rId16"/>
     <p:sldId id="458" r:id="rId17"/>
     <p:sldId id="460" r:id="rId18"/>
-    <p:sldId id="459" r:id="rId19"/>
-    <p:sldId id="456" r:id="rId20"/>
-    <p:sldId id="449" r:id="rId21"/>
-    <p:sldId id="450" r:id="rId22"/>
-    <p:sldId id="462" r:id="rId23"/>
-    <p:sldId id="464" r:id="rId24"/>
-    <p:sldId id="416" r:id="rId25"/>
-    <p:sldId id="451" r:id="rId26"/>
-    <p:sldId id="432" r:id="rId27"/>
+    <p:sldId id="465" r:id="rId19"/>
+    <p:sldId id="459" r:id="rId20"/>
+    <p:sldId id="456" r:id="rId21"/>
+    <p:sldId id="467" r:id="rId22"/>
+    <p:sldId id="449" r:id="rId23"/>
+    <p:sldId id="450" r:id="rId24"/>
+    <p:sldId id="462" r:id="rId25"/>
+    <p:sldId id="464" r:id="rId26"/>
+    <p:sldId id="416" r:id="rId27"/>
+    <p:sldId id="451" r:id="rId28"/>
+    <p:sldId id="432" r:id="rId29"/>
   </p:sldIdLst>
   <p:sldSz cx="9144000" cy="6858000" type="screen4x3"/>
   <p:notesSz cx="6858000" cy="9144000"/>
@@ -1225,7 +1227,7 @@
               <a:pPr>
                 <a:defRPr/>
               </a:pPr>
-              <a:t>18</a:t>
+              <a:t>19</a:t>
             </a:fld>
             <a:endParaRPr lang="en-US" altLang="zh-TW"/>
           </a:p>
@@ -6705,7 +6707,7 @@
 </file>
 
 <file path=ppt/slides/slide13.xml><?xml version="1.0" encoding="utf-8"?>
-<p:sld xmlns:a="http://schemas.openxmlformats.org/drawingml/2006/main" xmlns:r="http://schemas.openxmlformats.org/officeDocument/2006/relationships" xmlns:p="http://schemas.openxmlformats.org/presentationml/2006/main" show="0">
+<p:sld xmlns:a="http://schemas.openxmlformats.org/drawingml/2006/main" xmlns:r="http://schemas.openxmlformats.org/officeDocument/2006/relationships" xmlns:p="http://schemas.openxmlformats.org/presentationml/2006/main">
   <p:cSld>
     <p:spTree>
       <p:nvGrpSpPr>
@@ -11386,8 +11388,25 @@
               <a:rPr lang="en-US" altLang="zh-CN" b="1" dirty="0">
                 <a:ea typeface="新細明體" panose="02020500000000000000" pitchFamily="18" charset="-120"/>
               </a:rPr>
-              <a:t>PWM Encoder</a:t>
-            </a:r>
+              <a:t>Sine</a:t>
+            </a:r>
+            <a:r>
+              <a:rPr lang="en-US" altLang="zh-TW" b="1" dirty="0">
+                <a:ea typeface="新細明體" panose="02020500000000000000" pitchFamily="18" charset="-120"/>
+              </a:rPr>
+              <a:t> Wave Generato</a:t>
+            </a:r>
+            <a:r>
+              <a:rPr lang="en-US" altLang="zh-CN" b="1" dirty="0">
+                <a:ea typeface="新細明體" panose="02020500000000000000" pitchFamily="18" charset="-120"/>
+              </a:rPr>
+              <a:t>r</a:t>
+            </a:r>
+            <a:br>
+              <a:rPr lang="en-US" altLang="zh-TW" b="1" dirty="0">
+                <a:ea typeface="新細明體" panose="02020500000000000000" pitchFamily="18" charset="-120"/>
+              </a:rPr>
+            </a:br>
             <a:endParaRPr lang="zh-TW" altLang="en-US" b="1" dirty="0">
               <a:ea typeface="新細明體" panose="02020500000000000000" pitchFamily="18" charset="-120"/>
             </a:endParaRPr>
@@ -11445,7 +11464,7 @@
         </p:nvSpPr>
         <p:spPr bwMode="auto">
           <a:xfrm>
-            <a:off x="457200" y="1665515"/>
+            <a:off x="457200" y="1600200"/>
             <a:ext cx="8229600" cy="4530725"/>
           </a:xfrm>
           <a:prstGeom prst="rect">
@@ -11665,12 +11684,6 @@
               </a:defRPr>
             </a:lvl9pPr>
           </a:lstStyle>
-          <a:p>
-            <a:pPr eaLnBrk="1" hangingPunct="1"/>
-            <a:endParaRPr lang="en-US" altLang="zh-CN" sz="1700" kern="0" dirty="0">
-              <a:ea typeface="新細明體" panose="02020500000000000000" pitchFamily="18" charset="-120"/>
-            </a:endParaRPr>
-          </a:p>
           <a:p>
             <a:pPr lvl="1" eaLnBrk="1" hangingPunct="1"/>
             <a:endParaRPr lang="en-US" altLang="zh-CN" sz="1700" kern="0" dirty="0">
@@ -11763,10 +11776,10 @@
       </p:sp>
       <p:sp>
         <p:nvSpPr>
-          <p:cNvPr id="10" name="Content Placeholder 2">
+          <p:cNvPr id="7" name="Content Placeholder 2">
             <a:extLst>
               <a:ext uri="{FF2B5EF4-FFF2-40B4-BE49-F238E27FC236}">
-                <a16:creationId xmlns:a16="http://schemas.microsoft.com/office/drawing/2014/main" id="{96302964-2C71-4A34-B8DC-9FC81032575D}"/>
+                <a16:creationId xmlns:a16="http://schemas.microsoft.com/office/drawing/2014/main" id="{F1014CF6-8639-46BD-A574-7C515C47FAFA}"/>
               </a:ext>
             </a:extLst>
           </p:cNvPr>
@@ -11777,7 +11790,7 @@
         </p:nvSpPr>
         <p:spPr bwMode="auto">
           <a:xfrm>
-            <a:off x="457200" y="1600200"/>
+            <a:off x="4335288" y="1556792"/>
             <a:ext cx="8229600" cy="4530725"/>
           </a:xfrm>
           <a:prstGeom prst="rect">
@@ -11998,28 +12011,9 @@
             </a:lvl9pPr>
           </a:lstStyle>
           <a:p>
-            <a:pPr eaLnBrk="1" hangingPunct="1"/>
-            <a:r>
-              <a:rPr lang="en-US" altLang="zh-CN" sz="2100" kern="0" dirty="0" err="1">
-                <a:ea typeface="新細明體" panose="02020500000000000000" pitchFamily="18" charset="-120"/>
-              </a:rPr>
-              <a:t>Nexys</a:t>
-            </a:r>
-            <a:r>
-              <a:rPr lang="en-US" altLang="zh-CN" sz="2100" kern="0" dirty="0">
-                <a:ea typeface="新細明體" panose="02020500000000000000" pitchFamily="18" charset="-120"/>
-              </a:rPr>
-              <a:t> 4 DDR has a built-in PWM (Pulse Width Modulation) decoder, which is a low-pass filter.</a:t>
-            </a:r>
-          </a:p>
-          <a:p>
-            <a:pPr eaLnBrk="1" hangingPunct="1"/>
-            <a:endParaRPr lang="en-US" altLang="zh-CN" sz="1700" kern="0" dirty="0">
-              <a:ea typeface="新細明體" panose="02020500000000000000" pitchFamily="18" charset="-120"/>
-            </a:endParaRPr>
-          </a:p>
-          <a:p>
-            <a:pPr lvl="1" eaLnBrk="1" hangingPunct="1"/>
+            <a:pPr marL="344487" lvl="1" indent="0" eaLnBrk="1" hangingPunct="1">
+              <a:buNone/>
+            </a:pPr>
             <a:endParaRPr lang="en-US" altLang="zh-CN" sz="1700" kern="0" dirty="0">
               <a:ea typeface="新細明體" panose="02020500000000000000" pitchFamily="18" charset="-120"/>
             </a:endParaRPr>
@@ -12028,10 +12022,45 @@
       </p:sp>
       <p:pic>
         <p:nvPicPr>
-          <p:cNvPr id="4" name="图片 3">
+          <p:cNvPr id="5" name="图片 4">
             <a:extLst>
               <a:ext uri="{FF2B5EF4-FFF2-40B4-BE49-F238E27FC236}">
-                <a16:creationId xmlns:a16="http://schemas.microsoft.com/office/drawing/2014/main" id="{45977184-5A5D-4A9C-BCE5-4DBE2AD49A0C}"/>
+                <a16:creationId xmlns:a16="http://schemas.microsoft.com/office/drawing/2014/main" id="{AFAC4679-36D3-4AAE-AB2B-43100984F395}"/>
+              </a:ext>
+            </a:extLst>
+          </p:cNvPr>
+          <p:cNvPicPr>
+            <a:picLocks noChangeAspect="1"/>
+          </p:cNvPicPr>
+          <p:nvPr/>
+        </p:nvPicPr>
+        <p:blipFill rotWithShape="1">
+          <a:blip r:embed="rId2">
+            <a:extLst>
+              <a:ext uri="{28A0092B-C50C-407E-A947-70E740481C1C}">
+                <a14:useLocalDpi xmlns:a14="http://schemas.microsoft.com/office/drawing/2010/main" val="0"/>
+              </a:ext>
+            </a:extLst>
+          </a:blip>
+          <a:srcRect l="18500" t="24800" r="1963" b="36000"/>
+          <a:stretch/>
+        </p:blipFill>
+        <p:spPr>
+          <a:xfrm>
+            <a:off x="1514005" y="1147662"/>
+            <a:ext cx="7272808" cy="2016225"/>
+          </a:xfrm>
+          <a:prstGeom prst="rect">
+            <a:avLst/>
+          </a:prstGeom>
+        </p:spPr>
+      </p:pic>
+      <p:pic>
+        <p:nvPicPr>
+          <p:cNvPr id="8" name="图片 7">
+            <a:extLst>
+              <a:ext uri="{FF2B5EF4-FFF2-40B4-BE49-F238E27FC236}">
+                <a16:creationId xmlns:a16="http://schemas.microsoft.com/office/drawing/2014/main" id="{E0980257-602E-422D-AD3F-7C26FA0EC48A}"/>
               </a:ext>
             </a:extLst>
           </p:cNvPr>
@@ -12042,13 +12071,13 @@
         </p:nvPicPr>
         <p:blipFill rotWithShape="1">
           <a:blip r:embed="rId3"/>
-          <a:srcRect l="26375" t="31800" r="27162" b="31800"/>
+          <a:srcRect l="35278" t="44810" r="27847" b="33078"/>
           <a:stretch/>
         </p:blipFill>
         <p:spPr>
           <a:xfrm>
-            <a:off x="1233246" y="2708920"/>
-            <a:ext cx="6372708" cy="2808312"/>
+            <a:off x="1514005" y="3661488"/>
+            <a:ext cx="7256868" cy="2447733"/>
           </a:xfrm>
           <a:prstGeom prst="rect">
             <a:avLst/>
@@ -12058,13 +12087,104 @@
     </p:spTree>
     <p:extLst>
       <p:ext uri="{BB962C8B-B14F-4D97-AF65-F5344CB8AC3E}">
-        <p14:creationId xmlns:p14="http://schemas.microsoft.com/office/powerpoint/2010/main" val="2806961575"/>
+        <p14:creationId xmlns:p14="http://schemas.microsoft.com/office/powerpoint/2010/main" val="1538315518"/>
       </p:ext>
     </p:extLst>
   </p:cSld>
   <p:clrMapOvr>
     <a:masterClrMapping/>
   </p:clrMapOvr>
+  <p:timing>
+    <p:tnLst>
+      <p:par>
+        <p:cTn id="1" dur="indefinite" restart="never" nodeType="tmRoot">
+          <p:childTnLst>
+            <p:seq concurrent="1" nextAc="seek">
+              <p:cTn id="2" dur="indefinite" nodeType="mainSeq">
+                <p:childTnLst>
+                  <p:par>
+                    <p:cTn id="3" fill="hold">
+                      <p:stCondLst>
+                        <p:cond delay="indefinite"/>
+                      </p:stCondLst>
+                      <p:childTnLst>
+                        <p:par>
+                          <p:cTn id="4" fill="hold">
+                            <p:stCondLst>
+                              <p:cond delay="0"/>
+                            </p:stCondLst>
+                            <p:childTnLst>
+                              <p:par>
+                                <p:cTn id="5" presetID="10" presetClass="entr" presetSubtype="0" fill="hold" grpId="0" nodeType="clickEffect" nodePh="1">
+                                  <p:stCondLst>
+                                    <p:cond delay="0"/>
+                                  </p:stCondLst>
+                                  <p:endCondLst>
+                                    <p:cond evt="begin" delay="0">
+                                      <p:tn val="5"/>
+                                    </p:cond>
+                                  </p:endCondLst>
+                                  <p:childTnLst>
+                                    <p:set>
+                                      <p:cBhvr>
+                                        <p:cTn id="6" dur="1" fill="hold">
+                                          <p:stCondLst>
+                                            <p:cond delay="0"/>
+                                          </p:stCondLst>
+                                        </p:cTn>
+                                        <p:tgtEl>
+                                          <p:spTgt spid="7"/>
+                                        </p:tgtEl>
+                                        <p:attrNameLst>
+                                          <p:attrName>style.visibility</p:attrName>
+                                        </p:attrNameLst>
+                                      </p:cBhvr>
+                                      <p:to>
+                                        <p:strVal val="visible"/>
+                                      </p:to>
+                                    </p:set>
+                                    <p:animEffect transition="in" filter="fade">
+                                      <p:cBhvr>
+                                        <p:cTn id="7" dur="500"/>
+                                        <p:tgtEl>
+                                          <p:spTgt spid="7"/>
+                                        </p:tgtEl>
+                                      </p:cBhvr>
+                                    </p:animEffect>
+                                  </p:childTnLst>
+                                </p:cTn>
+                              </p:par>
+                            </p:childTnLst>
+                          </p:cTn>
+                        </p:par>
+                      </p:childTnLst>
+                    </p:cTn>
+                  </p:par>
+                </p:childTnLst>
+              </p:cTn>
+              <p:prevCondLst>
+                <p:cond evt="onPrev" delay="0">
+                  <p:tgtEl>
+                    <p:sldTgt/>
+                  </p:tgtEl>
+                </p:cond>
+              </p:prevCondLst>
+              <p:nextCondLst>
+                <p:cond evt="onNext" delay="0">
+                  <p:tgtEl>
+                    <p:sldTgt/>
+                  </p:tgtEl>
+                </p:cond>
+              </p:nextCondLst>
+            </p:seq>
+          </p:childTnLst>
+        </p:cTn>
+      </p:par>
+    </p:tnLst>
+    <p:bldLst>
+      <p:bldP spid="7" grpId="0"/>
+    </p:bldLst>
+  </p:timing>
 </p:sld>
 </file>
 
@@ -12730,83 +12850,17 @@
           <a:p>
             <a:pPr eaLnBrk="1" hangingPunct="1"/>
             <a:r>
+              <a:rPr lang="en-US" altLang="zh-CN" sz="2100" kern="0" dirty="0" err="1">
+                <a:ea typeface="新細明體" panose="02020500000000000000" pitchFamily="18" charset="-120"/>
+              </a:rPr>
+              <a:t>Nexys</a:t>
+            </a:r>
+            <a:r>
               <a:rPr lang="en-US" altLang="zh-CN" sz="2100" kern="0" dirty="0">
                 <a:ea typeface="新細明體" panose="02020500000000000000" pitchFamily="18" charset="-120"/>
               </a:rPr>
-              <a:t>Input: </a:t>
-            </a:r>
-            <a:r>
-              <a:rPr lang="en-US" altLang="zh-CN" sz="2100" kern="0" dirty="0" err="1">
-                <a:ea typeface="新細明體" panose="02020500000000000000" pitchFamily="18" charset="-120"/>
-              </a:rPr>
-              <a:t>wave_in</a:t>
-            </a:r>
-            <a:r>
-              <a:rPr lang="en-US" altLang="zh-CN" sz="2100" kern="0" dirty="0">
-                <a:ea typeface="新細明體" panose="02020500000000000000" pitchFamily="18" charset="-120"/>
-              </a:rPr>
-              <a:t> : </a:t>
-            </a:r>
-            <a:r>
-              <a:rPr lang="en-US" altLang="zh-CN" sz="2100" kern="0" dirty="0" err="1">
-                <a:ea typeface="新細明體" panose="02020500000000000000" pitchFamily="18" charset="-120"/>
-              </a:rPr>
-              <a:t>std_logic_vector</a:t>
-            </a:r>
-            <a:r>
-              <a:rPr lang="en-US" altLang="zh-CN" sz="2100" kern="0" dirty="0">
-                <a:ea typeface="新細明體" panose="02020500000000000000" pitchFamily="18" charset="-120"/>
-              </a:rPr>
-              <a:t> (7 </a:t>
-            </a:r>
-            <a:r>
-              <a:rPr lang="en-US" altLang="zh-CN" sz="2100" kern="0" dirty="0" err="1">
-                <a:ea typeface="新細明體" panose="02020500000000000000" pitchFamily="18" charset="-120"/>
-              </a:rPr>
-              <a:t>downto</a:t>
-            </a:r>
-            <a:r>
-              <a:rPr lang="en-US" altLang="zh-CN" sz="2100" kern="0" dirty="0">
-                <a:ea typeface="新細明體" panose="02020500000000000000" pitchFamily="18" charset="-120"/>
-              </a:rPr>
-              <a:t> 0)</a:t>
-            </a:r>
-          </a:p>
-          <a:p>
-            <a:pPr eaLnBrk="1" hangingPunct="1"/>
-            <a:r>
-              <a:rPr lang="en-US" altLang="zh-CN" sz="2100" kern="0" dirty="0">
-                <a:ea typeface="新細明體" panose="02020500000000000000" pitchFamily="18" charset="-120"/>
-              </a:rPr>
-              <a:t>Calculate Duty Cycle threshold, according to PWM frequency</a:t>
-            </a:r>
-          </a:p>
-          <a:p>
-            <a:pPr eaLnBrk="1" hangingPunct="1"/>
-            <a:r>
-              <a:rPr lang="en-US" altLang="zh-CN" sz="2100" kern="0" dirty="0">
-                <a:ea typeface="新細明體" panose="02020500000000000000" pitchFamily="18" charset="-120"/>
-              </a:rPr>
-              <a:t>Counter: smaller than threshold, output ‘1’; else ‘0’</a:t>
-            </a:r>
-          </a:p>
-          <a:p>
-            <a:pPr eaLnBrk="1" hangingPunct="1"/>
-            <a:r>
-              <a:rPr lang="en-US" altLang="zh-CN" sz="2100" kern="0" dirty="0">
-                <a:ea typeface="新細明體" panose="02020500000000000000" pitchFamily="18" charset="-120"/>
-              </a:rPr>
-              <a:t>Output:  </a:t>
-            </a:r>
-            <a:r>
-              <a:rPr lang="en-US" altLang="zh-CN" sz="2100" kern="0" dirty="0" err="1">
-                <a:ea typeface="新細明體" panose="02020500000000000000" pitchFamily="18" charset="-120"/>
-              </a:rPr>
-              <a:t>std_logic</a:t>
-            </a:r>
-            <a:endParaRPr lang="en-US" altLang="zh-CN" sz="2100" kern="0" dirty="0">
-              <a:ea typeface="新細明體" panose="02020500000000000000" pitchFamily="18" charset="-120"/>
-            </a:endParaRPr>
+              <a:t> 4 DDR has a built-in PWM (Pulse Width Modulation) decoder, which is a low-pass filter.</a:t>
+            </a:r>
           </a:p>
           <a:p>
             <a:pPr eaLnBrk="1" hangingPunct="1"/>
@@ -12824,55 +12878,37 @@
       </p:sp>
       <p:pic>
         <p:nvPicPr>
-          <p:cNvPr id="3074" name="Picture 2" descr="n4ah.png">
+          <p:cNvPr id="4" name="图片 3">
             <a:extLst>
               <a:ext uri="{FF2B5EF4-FFF2-40B4-BE49-F238E27FC236}">
-                <a16:creationId xmlns:a16="http://schemas.microsoft.com/office/drawing/2014/main" id="{8F6A93F2-8E8F-49AA-A068-3348E144B8A9}"/>
+                <a16:creationId xmlns:a16="http://schemas.microsoft.com/office/drawing/2014/main" id="{45977184-5A5D-4A9C-BCE5-4DBE2AD49A0C}"/>
               </a:ext>
             </a:extLst>
           </p:cNvPr>
           <p:cNvPicPr>
-            <a:picLocks noChangeAspect="1" noChangeArrowheads="1"/>
+            <a:picLocks noChangeAspect="1"/>
           </p:cNvPicPr>
           <p:nvPr/>
         </p:nvPicPr>
-        <p:blipFill>
-          <a:blip r:embed="rId2">
-            <a:extLst>
-              <a:ext uri="{28A0092B-C50C-407E-A947-70E740481C1C}">
-                <a14:useLocalDpi xmlns:a14="http://schemas.microsoft.com/office/drawing/2010/main" val="0"/>
-              </a:ext>
-            </a:extLst>
-          </a:blip>
-          <a:srcRect/>
-          <a:stretch>
-            <a:fillRect/>
-          </a:stretch>
+        <p:blipFill rotWithShape="1">
+          <a:blip r:embed="rId3"/>
+          <a:srcRect l="26375" t="31800" r="27162" b="31800"/>
+          <a:stretch/>
         </p:blipFill>
-        <p:spPr bwMode="auto">
+        <p:spPr>
           <a:xfrm>
-            <a:off x="457200" y="3912284"/>
-            <a:ext cx="8050752" cy="2016004"/>
+            <a:off x="1233246" y="2708920"/>
+            <a:ext cx="6372708" cy="2808312"/>
           </a:xfrm>
           <a:prstGeom prst="rect">
             <a:avLst/>
           </a:prstGeom>
-          <a:noFill/>
-          <a:extLst>
-            <a:ext uri="{909E8E84-426E-40DD-AFC4-6F175D3DCCD1}">
-              <a14:hiddenFill xmlns:a14="http://schemas.microsoft.com/office/drawing/2010/main">
-                <a:solidFill>
-                  <a:srgbClr val="FFFFFF"/>
-                </a:solidFill>
-              </a14:hiddenFill>
-            </a:ext>
-          </a:extLst>
         </p:spPr>
       </p:pic>
     </p:spTree>
     <p:extLst>
       <p:ext uri="{BB962C8B-B14F-4D97-AF65-F5344CB8AC3E}">
-        <p14:creationId xmlns:p14="http://schemas.microsoft.com/office/powerpoint/2010/main" val="2392260245"/>
+        <p14:creationId xmlns:p14="http://schemas.microsoft.com/office/powerpoint/2010/main" val="2806961575"/>
       </p:ext>
     </p:extLst>
   </p:cSld>
@@ -13167,13 +13203,8 @@
               <a:rPr lang="en-US" altLang="zh-CN" b="1" dirty="0">
                 <a:ea typeface="新細明體" panose="02020500000000000000" pitchFamily="18" charset="-120"/>
               </a:rPr>
-              <a:t>Connecting Components</a:t>
-            </a:r>
-            <a:br>
-              <a:rPr lang="en-US" altLang="zh-TW" b="1" dirty="0">
-                <a:ea typeface="新細明體" panose="02020500000000000000" pitchFamily="18" charset="-120"/>
-              </a:rPr>
-            </a:br>
+              <a:t>PWM Encoder</a:t>
+            </a:r>
             <a:endParaRPr lang="zh-TW" altLang="en-US" b="1" dirty="0">
               <a:ea typeface="新細明體" panose="02020500000000000000" pitchFamily="18" charset="-120"/>
             </a:endParaRPr>
@@ -13231,7 +13262,7 @@
         </p:nvSpPr>
         <p:spPr bwMode="auto">
           <a:xfrm>
-            <a:off x="457200" y="1600200"/>
+            <a:off x="457200" y="1665515"/>
             <a:ext cx="8229600" cy="4530725"/>
           </a:xfrm>
           <a:prstGeom prst="rect">
@@ -13451,6 +13482,12 @@
               </a:defRPr>
             </a:lvl9pPr>
           </a:lstStyle>
+          <a:p>
+            <a:pPr eaLnBrk="1" hangingPunct="1"/>
+            <a:endParaRPr lang="en-US" altLang="zh-CN" sz="1700" kern="0" dirty="0">
+              <a:ea typeface="新細明體" panose="02020500000000000000" pitchFamily="18" charset="-120"/>
+            </a:endParaRPr>
+          </a:p>
           <a:p>
             <a:pPr lvl="1" eaLnBrk="1" hangingPunct="1"/>
             <a:endParaRPr lang="en-US" altLang="zh-CN" sz="1700" kern="0" dirty="0">
@@ -13496,40 +13533,433 @@
           </a:p>
         </p:txBody>
       </p:sp>
+      <p:sp>
+        <p:nvSpPr>
+          <p:cNvPr id="3" name="AutoShape 2" descr="tones.png">
+            <a:extLst>
+              <a:ext uri="{FF2B5EF4-FFF2-40B4-BE49-F238E27FC236}">
+                <a16:creationId xmlns:a16="http://schemas.microsoft.com/office/drawing/2014/main" id="{2D1FD832-8C6E-4C37-A52E-0AB1999D96AA}"/>
+              </a:ext>
+            </a:extLst>
+          </p:cNvPr>
+          <p:cNvSpPr>
+            <a:spLocks noChangeAspect="1" noChangeArrowheads="1"/>
+          </p:cNvSpPr>
+          <p:nvPr/>
+        </p:nvSpPr>
+        <p:spPr bwMode="auto">
+          <a:xfrm>
+            <a:off x="4419600" y="3276600"/>
+            <a:ext cx="304800" cy="304800"/>
+          </a:xfrm>
+          <a:prstGeom prst="rect">
+            <a:avLst/>
+          </a:prstGeom>
+          <a:noFill/>
+          <a:extLst>
+            <a:ext uri="{909E8E84-426E-40DD-AFC4-6F175D3DCCD1}">
+              <a14:hiddenFill xmlns:a14="http://schemas.microsoft.com/office/drawing/2010/main">
+                <a:solidFill>
+                  <a:srgbClr val="FFFFFF"/>
+                </a:solidFill>
+              </a14:hiddenFill>
+            </a:ext>
+          </a:extLst>
+        </p:spPr>
+        <p:txBody>
+          <a:bodyPr vert="horz" wrap="square" lIns="91440" tIns="45720" rIns="91440" bIns="45720" numCol="1" anchor="t" anchorCtr="0" compatLnSpc="1">
+            <a:prstTxWarp prst="textNoShape">
+              <a:avLst/>
+            </a:prstTxWarp>
+          </a:bodyPr>
+          <a:lstStyle/>
+          <a:p>
+            <a:endParaRPr lang="zh-CN" altLang="en-US"/>
+          </a:p>
+        </p:txBody>
+      </p:sp>
+      <p:sp>
+        <p:nvSpPr>
+          <p:cNvPr id="10" name="Content Placeholder 2">
+            <a:extLst>
+              <a:ext uri="{FF2B5EF4-FFF2-40B4-BE49-F238E27FC236}">
+                <a16:creationId xmlns:a16="http://schemas.microsoft.com/office/drawing/2014/main" id="{96302964-2C71-4A34-B8DC-9FC81032575D}"/>
+              </a:ext>
+            </a:extLst>
+          </p:cNvPr>
+          <p:cNvSpPr txBox="1">
+            <a:spLocks noChangeArrowheads="1"/>
+          </p:cNvSpPr>
+          <p:nvPr/>
+        </p:nvSpPr>
+        <p:spPr bwMode="auto">
+          <a:xfrm>
+            <a:off x="457200" y="1600200"/>
+            <a:ext cx="8229600" cy="4530725"/>
+          </a:xfrm>
+          <a:prstGeom prst="rect">
+            <a:avLst/>
+          </a:prstGeom>
+          <a:noFill/>
+          <a:ln>
+            <a:noFill/>
+          </a:ln>
+          <a:extLst>
+            <a:ext uri="{909E8E84-426E-40DD-AFC4-6F175D3DCCD1}">
+              <a14:hiddenFill xmlns:a14="http://schemas.microsoft.com/office/drawing/2010/main">
+                <a:solidFill>
+                  <a:srgbClr val="FFFFFF"/>
+                </a:solidFill>
+              </a14:hiddenFill>
+            </a:ext>
+            <a:ext uri="{91240B29-F687-4F45-9708-019B960494DF}">
+              <a14:hiddenLine xmlns:a14="http://schemas.microsoft.com/office/drawing/2010/main" w="9525">
+                <a:solidFill>
+                  <a:srgbClr val="000000"/>
+                </a:solidFill>
+                <a:miter lim="800000"/>
+                <a:headEnd/>
+                <a:tailEnd/>
+              </a14:hiddenLine>
+            </a:ext>
+          </a:extLst>
+        </p:spPr>
+        <p:txBody>
+          <a:bodyPr vert="horz" wrap="square" lIns="91440" tIns="45720" rIns="91440" bIns="45720" numCol="1" anchor="t" anchorCtr="0" compatLnSpc="1">
+            <a:prstTxWarp prst="textNoShape">
+              <a:avLst/>
+            </a:prstTxWarp>
+          </a:bodyPr>
+          <a:lstStyle>
+            <a:lvl1pPr marL="342900" indent="-342900" algn="l" rtl="0" eaLnBrk="0" fontAlgn="base" hangingPunct="0">
+              <a:spcBef>
+                <a:spcPct val="20000"/>
+              </a:spcBef>
+              <a:spcAft>
+                <a:spcPct val="0"/>
+              </a:spcAft>
+              <a:buClr>
+                <a:schemeClr val="accent1"/>
+              </a:buClr>
+              <a:buSzPct val="65000"/>
+              <a:buFont typeface="Wingdings" panose="05000000000000000000" pitchFamily="2" charset="2"/>
+              <a:buChar char="n"/>
+              <a:defRPr sz="3000">
+                <a:solidFill>
+                  <a:schemeClr val="tx1"/>
+                </a:solidFill>
+                <a:latin typeface="+mn-lt"/>
+                <a:ea typeface="+mn-ea"/>
+                <a:cs typeface="+mn-cs"/>
+              </a:defRPr>
+            </a:lvl1pPr>
+            <a:lvl2pPr marL="669925" indent="-325438" algn="l" rtl="0" eaLnBrk="0" fontAlgn="base" hangingPunct="0">
+              <a:spcBef>
+                <a:spcPct val="20000"/>
+              </a:spcBef>
+              <a:spcAft>
+                <a:spcPct val="0"/>
+              </a:spcAft>
+              <a:buClr>
+                <a:schemeClr val="accent2"/>
+              </a:buClr>
+              <a:buSzPct val="60000"/>
+              <a:buFont typeface="Wingdings" panose="05000000000000000000" pitchFamily="2" charset="2"/>
+              <a:buChar char="q"/>
+              <a:defRPr sz="2600">
+                <a:solidFill>
+                  <a:schemeClr val="tx1"/>
+                </a:solidFill>
+                <a:latin typeface="+mn-lt"/>
+              </a:defRPr>
+            </a:lvl2pPr>
+            <a:lvl3pPr marL="1022350" indent="-350838" algn="l" rtl="0" eaLnBrk="0" fontAlgn="base" hangingPunct="0">
+              <a:spcBef>
+                <a:spcPct val="20000"/>
+              </a:spcBef>
+              <a:spcAft>
+                <a:spcPct val="0"/>
+              </a:spcAft>
+              <a:buClr>
+                <a:schemeClr val="accent1"/>
+              </a:buClr>
+              <a:buSzPct val="65000"/>
+              <a:buFont typeface="Wingdings" panose="05000000000000000000" pitchFamily="2" charset="2"/>
+              <a:buChar char="n"/>
+              <a:defRPr sz="2200">
+                <a:solidFill>
+                  <a:schemeClr val="tx1"/>
+                </a:solidFill>
+                <a:latin typeface="+mn-lt"/>
+              </a:defRPr>
+            </a:lvl3pPr>
+            <a:lvl4pPr marL="1339850" indent="-315913" algn="l" rtl="0" eaLnBrk="0" fontAlgn="base" hangingPunct="0">
+              <a:spcBef>
+                <a:spcPct val="20000"/>
+              </a:spcBef>
+              <a:spcAft>
+                <a:spcPct val="0"/>
+              </a:spcAft>
+              <a:buClr>
+                <a:schemeClr val="accent2"/>
+              </a:buClr>
+              <a:buSzPct val="70000"/>
+              <a:buFont typeface="Wingdings" panose="05000000000000000000" pitchFamily="2" charset="2"/>
+              <a:buChar char="q"/>
+              <a:defRPr sz="2000">
+                <a:solidFill>
+                  <a:schemeClr val="tx1"/>
+                </a:solidFill>
+                <a:latin typeface="+mn-lt"/>
+              </a:defRPr>
+            </a:lvl4pPr>
+            <a:lvl5pPr marL="1681163" indent="-339725" algn="l" rtl="0" eaLnBrk="0" fontAlgn="base" hangingPunct="0">
+              <a:spcBef>
+                <a:spcPct val="20000"/>
+              </a:spcBef>
+              <a:spcAft>
+                <a:spcPct val="0"/>
+              </a:spcAft>
+              <a:buClr>
+                <a:schemeClr val="accent1"/>
+              </a:buClr>
+              <a:buSzPct val="75000"/>
+              <a:buFont typeface="Wingdings" panose="05000000000000000000" pitchFamily="2" charset="2"/>
+              <a:buChar char="§"/>
+              <a:defRPr sz="2000">
+                <a:solidFill>
+                  <a:schemeClr val="tx1"/>
+                </a:solidFill>
+                <a:latin typeface="+mn-lt"/>
+              </a:defRPr>
+            </a:lvl5pPr>
+            <a:lvl6pPr marL="2138363" indent="-339725" algn="l" rtl="0" fontAlgn="base">
+              <a:spcBef>
+                <a:spcPct val="20000"/>
+              </a:spcBef>
+              <a:spcAft>
+                <a:spcPct val="0"/>
+              </a:spcAft>
+              <a:buClr>
+                <a:schemeClr val="accent1"/>
+              </a:buClr>
+              <a:buSzPct val="75000"/>
+              <a:buFont typeface="Wingdings" pitchFamily="2" charset="2"/>
+              <a:buChar char="§"/>
+              <a:defRPr sz="2000">
+                <a:solidFill>
+                  <a:schemeClr val="tx1"/>
+                </a:solidFill>
+                <a:latin typeface="+mn-lt"/>
+              </a:defRPr>
+            </a:lvl6pPr>
+            <a:lvl7pPr marL="2595563" indent="-339725" algn="l" rtl="0" fontAlgn="base">
+              <a:spcBef>
+                <a:spcPct val="20000"/>
+              </a:spcBef>
+              <a:spcAft>
+                <a:spcPct val="0"/>
+              </a:spcAft>
+              <a:buClr>
+                <a:schemeClr val="accent1"/>
+              </a:buClr>
+              <a:buSzPct val="75000"/>
+              <a:buFont typeface="Wingdings" pitchFamily="2" charset="2"/>
+              <a:buChar char="§"/>
+              <a:defRPr sz="2000">
+                <a:solidFill>
+                  <a:schemeClr val="tx1"/>
+                </a:solidFill>
+                <a:latin typeface="+mn-lt"/>
+              </a:defRPr>
+            </a:lvl7pPr>
+            <a:lvl8pPr marL="3052763" indent="-339725" algn="l" rtl="0" fontAlgn="base">
+              <a:spcBef>
+                <a:spcPct val="20000"/>
+              </a:spcBef>
+              <a:spcAft>
+                <a:spcPct val="0"/>
+              </a:spcAft>
+              <a:buClr>
+                <a:schemeClr val="accent1"/>
+              </a:buClr>
+              <a:buSzPct val="75000"/>
+              <a:buFont typeface="Wingdings" pitchFamily="2" charset="2"/>
+              <a:buChar char="§"/>
+              <a:defRPr sz="2000">
+                <a:solidFill>
+                  <a:schemeClr val="tx1"/>
+                </a:solidFill>
+                <a:latin typeface="+mn-lt"/>
+              </a:defRPr>
+            </a:lvl8pPr>
+            <a:lvl9pPr marL="3509963" indent="-339725" algn="l" rtl="0" fontAlgn="base">
+              <a:spcBef>
+                <a:spcPct val="20000"/>
+              </a:spcBef>
+              <a:spcAft>
+                <a:spcPct val="0"/>
+              </a:spcAft>
+              <a:buClr>
+                <a:schemeClr val="accent1"/>
+              </a:buClr>
+              <a:buSzPct val="75000"/>
+              <a:buFont typeface="Wingdings" pitchFamily="2" charset="2"/>
+              <a:buChar char="§"/>
+              <a:defRPr sz="2000">
+                <a:solidFill>
+                  <a:schemeClr val="tx1"/>
+                </a:solidFill>
+                <a:latin typeface="+mn-lt"/>
+              </a:defRPr>
+            </a:lvl9pPr>
+          </a:lstStyle>
+          <a:p>
+            <a:pPr eaLnBrk="1" hangingPunct="1"/>
+            <a:r>
+              <a:rPr lang="en-US" altLang="zh-CN" sz="2100" kern="0" dirty="0">
+                <a:ea typeface="新細明體" panose="02020500000000000000" pitchFamily="18" charset="-120"/>
+              </a:rPr>
+              <a:t>Input: </a:t>
+            </a:r>
+            <a:r>
+              <a:rPr lang="en-US" altLang="zh-CN" sz="2100" kern="0" dirty="0" err="1">
+                <a:ea typeface="新細明體" panose="02020500000000000000" pitchFamily="18" charset="-120"/>
+              </a:rPr>
+              <a:t>wave_in</a:t>
+            </a:r>
+            <a:r>
+              <a:rPr lang="en-US" altLang="zh-CN" sz="2100" kern="0" dirty="0">
+                <a:ea typeface="新細明體" panose="02020500000000000000" pitchFamily="18" charset="-120"/>
+              </a:rPr>
+              <a:t> : </a:t>
+            </a:r>
+            <a:r>
+              <a:rPr lang="en-US" altLang="zh-CN" sz="2100" kern="0" dirty="0" err="1">
+                <a:ea typeface="新細明體" panose="02020500000000000000" pitchFamily="18" charset="-120"/>
+              </a:rPr>
+              <a:t>std_logic_vector</a:t>
+            </a:r>
+            <a:r>
+              <a:rPr lang="en-US" altLang="zh-CN" sz="2100" kern="0" dirty="0">
+                <a:ea typeface="新細明體" panose="02020500000000000000" pitchFamily="18" charset="-120"/>
+              </a:rPr>
+              <a:t> (7 </a:t>
+            </a:r>
+            <a:r>
+              <a:rPr lang="en-US" altLang="zh-CN" sz="2100" kern="0" dirty="0" err="1">
+                <a:ea typeface="新細明體" panose="02020500000000000000" pitchFamily="18" charset="-120"/>
+              </a:rPr>
+              <a:t>downto</a:t>
+            </a:r>
+            <a:r>
+              <a:rPr lang="en-US" altLang="zh-CN" sz="2100" kern="0" dirty="0">
+                <a:ea typeface="新細明體" panose="02020500000000000000" pitchFamily="18" charset="-120"/>
+              </a:rPr>
+              <a:t> 0)</a:t>
+            </a:r>
+          </a:p>
+          <a:p>
+            <a:pPr eaLnBrk="1" hangingPunct="1"/>
+            <a:r>
+              <a:rPr lang="en-US" altLang="zh-CN" sz="2100" kern="0" dirty="0">
+                <a:ea typeface="新細明體" panose="02020500000000000000" pitchFamily="18" charset="-120"/>
+              </a:rPr>
+              <a:t>Calculate Duty Cycle threshold, according to PWM frequency</a:t>
+            </a:r>
+          </a:p>
+          <a:p>
+            <a:pPr eaLnBrk="1" hangingPunct="1"/>
+            <a:r>
+              <a:rPr lang="en-US" altLang="zh-CN" sz="2100" kern="0" dirty="0">
+                <a:ea typeface="新細明體" panose="02020500000000000000" pitchFamily="18" charset="-120"/>
+              </a:rPr>
+              <a:t>Counter: smaller than threshold, output ‘1’; else ‘0’</a:t>
+            </a:r>
+          </a:p>
+          <a:p>
+            <a:pPr eaLnBrk="1" hangingPunct="1"/>
+            <a:r>
+              <a:rPr lang="en-US" altLang="zh-CN" sz="2100" kern="0" dirty="0">
+                <a:ea typeface="新細明體" panose="02020500000000000000" pitchFamily="18" charset="-120"/>
+              </a:rPr>
+              <a:t>Output:  </a:t>
+            </a:r>
+            <a:r>
+              <a:rPr lang="en-US" altLang="zh-CN" sz="2100" kern="0" dirty="0" err="1">
+                <a:ea typeface="新細明體" panose="02020500000000000000" pitchFamily="18" charset="-120"/>
+              </a:rPr>
+              <a:t>std_logic</a:t>
+            </a:r>
+            <a:endParaRPr lang="en-US" altLang="zh-CN" sz="2100" kern="0" dirty="0">
+              <a:ea typeface="新細明體" panose="02020500000000000000" pitchFamily="18" charset="-120"/>
+            </a:endParaRPr>
+          </a:p>
+          <a:p>
+            <a:pPr eaLnBrk="1" hangingPunct="1"/>
+            <a:endParaRPr lang="en-US" altLang="zh-CN" sz="1700" kern="0" dirty="0">
+              <a:ea typeface="新細明體" panose="02020500000000000000" pitchFamily="18" charset="-120"/>
+            </a:endParaRPr>
+          </a:p>
+          <a:p>
+            <a:pPr lvl="1" eaLnBrk="1" hangingPunct="1"/>
+            <a:endParaRPr lang="en-US" altLang="zh-CN" sz="1700" kern="0" dirty="0">
+              <a:ea typeface="新細明體" panose="02020500000000000000" pitchFamily="18" charset="-120"/>
+            </a:endParaRPr>
+          </a:p>
+        </p:txBody>
+      </p:sp>
       <p:pic>
         <p:nvPicPr>
-          <p:cNvPr id="3" name="图片 2" descr="屏幕剪辑"/>
+          <p:cNvPr id="3074" name="Picture 2" descr="n4ah.png">
+            <a:extLst>
+              <a:ext uri="{FF2B5EF4-FFF2-40B4-BE49-F238E27FC236}">
+                <a16:creationId xmlns:a16="http://schemas.microsoft.com/office/drawing/2014/main" id="{8F6A93F2-8E8F-49AA-A068-3348E144B8A9}"/>
+              </a:ext>
+            </a:extLst>
+          </p:cNvPr>
           <p:cNvPicPr>
-            <a:picLocks noChangeAspect="1"/>
+            <a:picLocks noChangeAspect="1" noChangeArrowheads="1"/>
           </p:cNvPicPr>
           <p:nvPr/>
         </p:nvPicPr>
         <p:blipFill>
-          <a:blip r:embed="rId2" cstate="print">
+          <a:blip r:embed="rId2">
             <a:extLst>
               <a:ext uri="{28A0092B-C50C-407E-A947-70E740481C1C}">
                 <a14:useLocalDpi xmlns:a14="http://schemas.microsoft.com/office/drawing/2010/main" val="0"/>
               </a:ext>
             </a:extLst>
           </a:blip>
+          <a:srcRect/>
           <a:stretch>
             <a:fillRect/>
           </a:stretch>
         </p:blipFill>
-        <p:spPr>
+        <p:spPr bwMode="auto">
           <a:xfrm>
-            <a:off x="2081780" y="1268760"/>
-            <a:ext cx="5180466" cy="4489974"/>
+            <a:off x="457200" y="3912284"/>
+            <a:ext cx="8050752" cy="2016004"/>
           </a:xfrm>
           <a:prstGeom prst="rect">
             <a:avLst/>
           </a:prstGeom>
+          <a:noFill/>
+          <a:extLst>
+            <a:ext uri="{909E8E84-426E-40DD-AFC4-6F175D3DCCD1}">
+              <a14:hiddenFill xmlns:a14="http://schemas.microsoft.com/office/drawing/2010/main">
+                <a:solidFill>
+                  <a:srgbClr val="FFFFFF"/>
+                </a:solidFill>
+              </a14:hiddenFill>
+            </a:ext>
+          </a:extLst>
         </p:spPr>
       </p:pic>
     </p:spTree>
     <p:extLst>
       <p:ext uri="{BB962C8B-B14F-4D97-AF65-F5344CB8AC3E}">
-        <p14:creationId xmlns:p14="http://schemas.microsoft.com/office/powerpoint/2010/main" val="1723089868"/>
+        <p14:creationId xmlns:p14="http://schemas.microsoft.com/office/powerpoint/2010/main" val="2392260245"/>
       </p:ext>
     </p:extLst>
   </p:cSld>
@@ -13558,10 +13988,10 @@
       </p:grpSpPr>
       <p:sp>
         <p:nvSpPr>
-          <p:cNvPr id="12290" name="Title 1">
+          <p:cNvPr id="13314" name="Title 1">
             <a:extLst>
               <a:ext uri="{FF2B5EF4-FFF2-40B4-BE49-F238E27FC236}">
-                <a16:creationId xmlns:a16="http://schemas.microsoft.com/office/drawing/2014/main" id="{312D1348-727E-43BC-9440-FAC69CECF262}"/>
+                <a16:creationId xmlns:a16="http://schemas.microsoft.com/office/drawing/2014/main" id="{A3FB24C1-DD16-4D31-96FE-40461E6C9FF3}"/>
               </a:ext>
             </a:extLst>
           </p:cNvPr>
@@ -13569,13 +13999,13 @@
             <a:spLocks noGrp="1" noChangeArrowheads="1"/>
           </p:cNvSpPr>
           <p:nvPr>
-            <p:ph type="ctrTitle" idx="4294967295"/>
+            <p:ph type="title" idx="4294967295"/>
           </p:nvPr>
         </p:nvSpPr>
         <p:spPr>
           <a:xfrm>
-            <a:off x="685800" y="2130425"/>
-            <a:ext cx="7772400" cy="1470025"/>
+            <a:off x="557213" y="360363"/>
+            <a:ext cx="8229600" cy="1139825"/>
           </a:xfrm>
         </p:spPr>
         <p:txBody>
@@ -13584,11 +14014,14 @@
           <a:p>
             <a:pPr eaLnBrk="1" hangingPunct="1"/>
             <a:r>
-              <a:rPr lang="fr-FR" altLang="zh-TW" sz="5400" b="1" dirty="0">
+              <a:rPr lang="en-US" altLang="zh-CN" b="1" dirty="0">
                 <a:ea typeface="新細明體" panose="02020500000000000000" pitchFamily="18" charset="-120"/>
               </a:rPr>
-              <a:t>Result Demonstration</a:t>
-            </a:r>
+              <a:t>PWM Encoder</a:t>
+            </a:r>
+            <a:endParaRPr lang="zh-TW" altLang="en-US" b="1" dirty="0">
+              <a:ea typeface="新細明體" panose="02020500000000000000" pitchFamily="18" charset="-120"/>
+            </a:endParaRPr>
           </a:p>
         </p:txBody>
       </p:sp>
@@ -13597,7 +14030,7 @@
           <p:cNvPr id="2" name="日期版面配置區 1">
             <a:extLst>
               <a:ext uri="{FF2B5EF4-FFF2-40B4-BE49-F238E27FC236}">
-                <a16:creationId xmlns:a16="http://schemas.microsoft.com/office/drawing/2014/main" id="{C55F9B2A-AB82-491B-A507-61EBC6B57F16}"/>
+                <a16:creationId xmlns:a16="http://schemas.microsoft.com/office/drawing/2014/main" id="{EBBA9EE1-CF91-48B5-A5FC-39944E1C0D91}"/>
               </a:ext>
             </a:extLst>
           </p:cNvPr>
@@ -13616,20 +14049,270 @@
             <a:pPr>
               <a:defRPr/>
             </a:pPr>
-            <a:fld id="{A139BE96-596E-4F08-BDDA-DE03FA7E0288}" type="datetime1">
+            <a:fld id="{579B02EA-46D1-47B1-8324-179A3B4D3F83}" type="datetime1">
               <a:rPr lang="en-US" altLang="en-US"/>
               <a:pPr>
                 <a:defRPr/>
               </a:pPr>
               <a:t>6/14/2018</a:t>
             </a:fld>
-            <a:endParaRPr lang="en-US" altLang="en-US" dirty="0"/>
+            <a:endParaRPr lang="en-US" altLang="en-US"/>
           </a:p>
         </p:txBody>
       </p:sp>
       <p:sp>
         <p:nvSpPr>
-          <p:cNvPr id="5" name="頁尾版面配置區 2">
+          <p:cNvPr id="9" name="Content Placeholder 2">
+            <a:extLst>
+              <a:ext uri="{FF2B5EF4-FFF2-40B4-BE49-F238E27FC236}">
+                <a16:creationId xmlns:a16="http://schemas.microsoft.com/office/drawing/2014/main" id="{F5C80A76-C6C0-4B40-B6C8-C5CC24D58369}"/>
+              </a:ext>
+            </a:extLst>
+          </p:cNvPr>
+          <p:cNvSpPr txBox="1">
+            <a:spLocks noChangeArrowheads="1"/>
+          </p:cNvSpPr>
+          <p:nvPr/>
+        </p:nvSpPr>
+        <p:spPr bwMode="auto">
+          <a:xfrm>
+            <a:off x="457200" y="1665515"/>
+            <a:ext cx="8229600" cy="4530725"/>
+          </a:xfrm>
+          <a:prstGeom prst="rect">
+            <a:avLst/>
+          </a:prstGeom>
+          <a:noFill/>
+          <a:ln>
+            <a:noFill/>
+          </a:ln>
+          <a:extLst>
+            <a:ext uri="{909E8E84-426E-40DD-AFC4-6F175D3DCCD1}">
+              <a14:hiddenFill xmlns:a14="http://schemas.microsoft.com/office/drawing/2010/main">
+                <a:solidFill>
+                  <a:srgbClr val="FFFFFF"/>
+                </a:solidFill>
+              </a14:hiddenFill>
+            </a:ext>
+            <a:ext uri="{91240B29-F687-4F45-9708-019B960494DF}">
+              <a14:hiddenLine xmlns:a14="http://schemas.microsoft.com/office/drawing/2010/main" w="9525">
+                <a:solidFill>
+                  <a:srgbClr val="000000"/>
+                </a:solidFill>
+                <a:miter lim="800000"/>
+                <a:headEnd/>
+                <a:tailEnd/>
+              </a14:hiddenLine>
+            </a:ext>
+          </a:extLst>
+        </p:spPr>
+        <p:txBody>
+          <a:bodyPr vert="horz" wrap="square" lIns="91440" tIns="45720" rIns="91440" bIns="45720" numCol="1" anchor="t" anchorCtr="0" compatLnSpc="1">
+            <a:prstTxWarp prst="textNoShape">
+              <a:avLst/>
+            </a:prstTxWarp>
+          </a:bodyPr>
+          <a:lstStyle>
+            <a:lvl1pPr marL="342900" indent="-342900" algn="l" rtl="0" eaLnBrk="0" fontAlgn="base" hangingPunct="0">
+              <a:spcBef>
+                <a:spcPct val="20000"/>
+              </a:spcBef>
+              <a:spcAft>
+                <a:spcPct val="0"/>
+              </a:spcAft>
+              <a:buClr>
+                <a:schemeClr val="accent1"/>
+              </a:buClr>
+              <a:buSzPct val="65000"/>
+              <a:buFont typeface="Wingdings" panose="05000000000000000000" pitchFamily="2" charset="2"/>
+              <a:buChar char="n"/>
+              <a:defRPr sz="3000">
+                <a:solidFill>
+                  <a:schemeClr val="tx1"/>
+                </a:solidFill>
+                <a:latin typeface="+mn-lt"/>
+                <a:ea typeface="+mn-ea"/>
+                <a:cs typeface="+mn-cs"/>
+              </a:defRPr>
+            </a:lvl1pPr>
+            <a:lvl2pPr marL="669925" indent="-325438" algn="l" rtl="0" eaLnBrk="0" fontAlgn="base" hangingPunct="0">
+              <a:spcBef>
+                <a:spcPct val="20000"/>
+              </a:spcBef>
+              <a:spcAft>
+                <a:spcPct val="0"/>
+              </a:spcAft>
+              <a:buClr>
+                <a:schemeClr val="accent2"/>
+              </a:buClr>
+              <a:buSzPct val="60000"/>
+              <a:buFont typeface="Wingdings" panose="05000000000000000000" pitchFamily="2" charset="2"/>
+              <a:buChar char="q"/>
+              <a:defRPr sz="2600">
+                <a:solidFill>
+                  <a:schemeClr val="tx1"/>
+                </a:solidFill>
+                <a:latin typeface="+mn-lt"/>
+              </a:defRPr>
+            </a:lvl2pPr>
+            <a:lvl3pPr marL="1022350" indent="-350838" algn="l" rtl="0" eaLnBrk="0" fontAlgn="base" hangingPunct="0">
+              <a:spcBef>
+                <a:spcPct val="20000"/>
+              </a:spcBef>
+              <a:spcAft>
+                <a:spcPct val="0"/>
+              </a:spcAft>
+              <a:buClr>
+                <a:schemeClr val="accent1"/>
+              </a:buClr>
+              <a:buSzPct val="65000"/>
+              <a:buFont typeface="Wingdings" panose="05000000000000000000" pitchFamily="2" charset="2"/>
+              <a:buChar char="n"/>
+              <a:defRPr sz="2200">
+                <a:solidFill>
+                  <a:schemeClr val="tx1"/>
+                </a:solidFill>
+                <a:latin typeface="+mn-lt"/>
+              </a:defRPr>
+            </a:lvl3pPr>
+            <a:lvl4pPr marL="1339850" indent="-315913" algn="l" rtl="0" eaLnBrk="0" fontAlgn="base" hangingPunct="0">
+              <a:spcBef>
+                <a:spcPct val="20000"/>
+              </a:spcBef>
+              <a:spcAft>
+                <a:spcPct val="0"/>
+              </a:spcAft>
+              <a:buClr>
+                <a:schemeClr val="accent2"/>
+              </a:buClr>
+              <a:buSzPct val="70000"/>
+              <a:buFont typeface="Wingdings" panose="05000000000000000000" pitchFamily="2" charset="2"/>
+              <a:buChar char="q"/>
+              <a:defRPr sz="2000">
+                <a:solidFill>
+                  <a:schemeClr val="tx1"/>
+                </a:solidFill>
+                <a:latin typeface="+mn-lt"/>
+              </a:defRPr>
+            </a:lvl4pPr>
+            <a:lvl5pPr marL="1681163" indent="-339725" algn="l" rtl="0" eaLnBrk="0" fontAlgn="base" hangingPunct="0">
+              <a:spcBef>
+                <a:spcPct val="20000"/>
+              </a:spcBef>
+              <a:spcAft>
+                <a:spcPct val="0"/>
+              </a:spcAft>
+              <a:buClr>
+                <a:schemeClr val="accent1"/>
+              </a:buClr>
+              <a:buSzPct val="75000"/>
+              <a:buFont typeface="Wingdings" panose="05000000000000000000" pitchFamily="2" charset="2"/>
+              <a:buChar char="§"/>
+              <a:defRPr sz="2000">
+                <a:solidFill>
+                  <a:schemeClr val="tx1"/>
+                </a:solidFill>
+                <a:latin typeface="+mn-lt"/>
+              </a:defRPr>
+            </a:lvl5pPr>
+            <a:lvl6pPr marL="2138363" indent="-339725" algn="l" rtl="0" fontAlgn="base">
+              <a:spcBef>
+                <a:spcPct val="20000"/>
+              </a:spcBef>
+              <a:spcAft>
+                <a:spcPct val="0"/>
+              </a:spcAft>
+              <a:buClr>
+                <a:schemeClr val="accent1"/>
+              </a:buClr>
+              <a:buSzPct val="75000"/>
+              <a:buFont typeface="Wingdings" pitchFamily="2" charset="2"/>
+              <a:buChar char="§"/>
+              <a:defRPr sz="2000">
+                <a:solidFill>
+                  <a:schemeClr val="tx1"/>
+                </a:solidFill>
+                <a:latin typeface="+mn-lt"/>
+              </a:defRPr>
+            </a:lvl6pPr>
+            <a:lvl7pPr marL="2595563" indent="-339725" algn="l" rtl="0" fontAlgn="base">
+              <a:spcBef>
+                <a:spcPct val="20000"/>
+              </a:spcBef>
+              <a:spcAft>
+                <a:spcPct val="0"/>
+              </a:spcAft>
+              <a:buClr>
+                <a:schemeClr val="accent1"/>
+              </a:buClr>
+              <a:buSzPct val="75000"/>
+              <a:buFont typeface="Wingdings" pitchFamily="2" charset="2"/>
+              <a:buChar char="§"/>
+              <a:defRPr sz="2000">
+                <a:solidFill>
+                  <a:schemeClr val="tx1"/>
+                </a:solidFill>
+                <a:latin typeface="+mn-lt"/>
+              </a:defRPr>
+            </a:lvl7pPr>
+            <a:lvl8pPr marL="3052763" indent="-339725" algn="l" rtl="0" fontAlgn="base">
+              <a:spcBef>
+                <a:spcPct val="20000"/>
+              </a:spcBef>
+              <a:spcAft>
+                <a:spcPct val="0"/>
+              </a:spcAft>
+              <a:buClr>
+                <a:schemeClr val="accent1"/>
+              </a:buClr>
+              <a:buSzPct val="75000"/>
+              <a:buFont typeface="Wingdings" pitchFamily="2" charset="2"/>
+              <a:buChar char="§"/>
+              <a:defRPr sz="2000">
+                <a:solidFill>
+                  <a:schemeClr val="tx1"/>
+                </a:solidFill>
+                <a:latin typeface="+mn-lt"/>
+              </a:defRPr>
+            </a:lvl8pPr>
+            <a:lvl9pPr marL="3509963" indent="-339725" algn="l" rtl="0" fontAlgn="base">
+              <a:spcBef>
+                <a:spcPct val="20000"/>
+              </a:spcBef>
+              <a:spcAft>
+                <a:spcPct val="0"/>
+              </a:spcAft>
+              <a:buClr>
+                <a:schemeClr val="accent1"/>
+              </a:buClr>
+              <a:buSzPct val="75000"/>
+              <a:buFont typeface="Wingdings" pitchFamily="2" charset="2"/>
+              <a:buChar char="§"/>
+              <a:defRPr sz="2000">
+                <a:solidFill>
+                  <a:schemeClr val="tx1"/>
+                </a:solidFill>
+                <a:latin typeface="+mn-lt"/>
+              </a:defRPr>
+            </a:lvl9pPr>
+          </a:lstStyle>
+          <a:p>
+            <a:pPr eaLnBrk="1" hangingPunct="1"/>
+            <a:endParaRPr lang="en-US" altLang="zh-CN" sz="1700" kern="0" dirty="0">
+              <a:ea typeface="新細明體" panose="02020500000000000000" pitchFamily="18" charset="-120"/>
+            </a:endParaRPr>
+          </a:p>
+          <a:p>
+            <a:pPr lvl="1" eaLnBrk="1" hangingPunct="1"/>
+            <a:endParaRPr lang="en-US" altLang="zh-CN" sz="1700" kern="0" dirty="0">
+              <a:ea typeface="新細明體" panose="02020500000000000000" pitchFamily="18" charset="-120"/>
+            </a:endParaRPr>
+          </a:p>
+        </p:txBody>
+      </p:sp>
+      <p:sp>
+        <p:nvSpPr>
+          <p:cNvPr id="6" name="頁尾版面配置區 2">
             <a:extLst>
               <a:ext uri="{FF2B5EF4-FFF2-40B4-BE49-F238E27FC236}">
                 <a16:creationId xmlns:a16="http://schemas.microsoft.com/office/drawing/2014/main" id="{61D255B9-2D4F-4013-951E-B50709A0B821}"/>
@@ -13664,10 +14347,113 @@
           </a:p>
         </p:txBody>
       </p:sp>
+      <p:sp>
+        <p:nvSpPr>
+          <p:cNvPr id="3" name="AutoShape 2" descr="tones.png">
+            <a:extLst>
+              <a:ext uri="{FF2B5EF4-FFF2-40B4-BE49-F238E27FC236}">
+                <a16:creationId xmlns:a16="http://schemas.microsoft.com/office/drawing/2014/main" id="{2D1FD832-8C6E-4C37-A52E-0AB1999D96AA}"/>
+              </a:ext>
+            </a:extLst>
+          </p:cNvPr>
+          <p:cNvSpPr>
+            <a:spLocks noChangeAspect="1" noChangeArrowheads="1"/>
+          </p:cNvSpPr>
+          <p:nvPr/>
+        </p:nvSpPr>
+        <p:spPr bwMode="auto">
+          <a:xfrm>
+            <a:off x="4419600" y="3276600"/>
+            <a:ext cx="304800" cy="304800"/>
+          </a:xfrm>
+          <a:prstGeom prst="rect">
+            <a:avLst/>
+          </a:prstGeom>
+          <a:noFill/>
+          <a:extLst>
+            <a:ext uri="{909E8E84-426E-40DD-AFC4-6F175D3DCCD1}">
+              <a14:hiddenFill xmlns:a14="http://schemas.microsoft.com/office/drawing/2010/main">
+                <a:solidFill>
+                  <a:srgbClr val="FFFFFF"/>
+                </a:solidFill>
+              </a14:hiddenFill>
+            </a:ext>
+          </a:extLst>
+        </p:spPr>
+        <p:txBody>
+          <a:bodyPr vert="horz" wrap="square" lIns="91440" tIns="45720" rIns="91440" bIns="45720" numCol="1" anchor="t" anchorCtr="0" compatLnSpc="1">
+            <a:prstTxWarp prst="textNoShape">
+              <a:avLst/>
+            </a:prstTxWarp>
+          </a:bodyPr>
+          <a:lstStyle/>
+          <a:p>
+            <a:endParaRPr lang="zh-CN" altLang="en-US"/>
+          </a:p>
+        </p:txBody>
+      </p:sp>
+      <p:pic>
+        <p:nvPicPr>
+          <p:cNvPr id="5" name="图片 4">
+            <a:extLst>
+              <a:ext uri="{FF2B5EF4-FFF2-40B4-BE49-F238E27FC236}">
+                <a16:creationId xmlns:a16="http://schemas.microsoft.com/office/drawing/2014/main" id="{4B515332-CF76-4E7E-A858-DB196B2BF24F}"/>
+              </a:ext>
+            </a:extLst>
+          </p:cNvPr>
+          <p:cNvPicPr>
+            <a:picLocks noChangeAspect="1"/>
+          </p:cNvPicPr>
+          <p:nvPr/>
+        </p:nvPicPr>
+        <p:blipFill rotWithShape="1">
+          <a:blip r:embed="rId2"/>
+          <a:srcRect l="8263" t="31800" r="16925" b="31800"/>
+          <a:stretch/>
+        </p:blipFill>
+        <p:spPr>
+          <a:xfrm>
+            <a:off x="710051" y="1398510"/>
+            <a:ext cx="7419098" cy="2030490"/>
+          </a:xfrm>
+          <a:prstGeom prst="rect">
+            <a:avLst/>
+          </a:prstGeom>
+        </p:spPr>
+      </p:pic>
+      <p:pic>
+        <p:nvPicPr>
+          <p:cNvPr id="8" name="图片 7">
+            <a:extLst>
+              <a:ext uri="{FF2B5EF4-FFF2-40B4-BE49-F238E27FC236}">
+                <a16:creationId xmlns:a16="http://schemas.microsoft.com/office/drawing/2014/main" id="{3EE67E6F-1758-4415-BC37-D13C1C210E23}"/>
+              </a:ext>
+            </a:extLst>
+          </p:cNvPr>
+          <p:cNvPicPr>
+            <a:picLocks noChangeAspect="1"/>
+          </p:cNvPicPr>
+          <p:nvPr/>
+        </p:nvPicPr>
+        <p:blipFill rotWithShape="1">
+          <a:blip r:embed="rId3"/>
+          <a:srcRect l="10001" t="64000" r="24012" b="10523"/>
+          <a:stretch/>
+        </p:blipFill>
+        <p:spPr>
+          <a:xfrm>
+            <a:off x="483887" y="4015055"/>
+            <a:ext cx="8046606" cy="1747529"/>
+          </a:xfrm>
+          <a:prstGeom prst="rect">
+            <a:avLst/>
+          </a:prstGeom>
+        </p:spPr>
+      </p:pic>
     </p:spTree>
     <p:extLst>
       <p:ext uri="{BB962C8B-B14F-4D97-AF65-F5344CB8AC3E}">
-        <p14:creationId xmlns:p14="http://schemas.microsoft.com/office/powerpoint/2010/main" val="3611447574"/>
+        <p14:creationId xmlns:p14="http://schemas.microsoft.com/office/powerpoint/2010/main" val="2705831269"/>
       </p:ext>
     </p:extLst>
   </p:cSld>
@@ -13725,8 +14511,13 @@
               <a:rPr lang="en-US" altLang="zh-CN" b="1" dirty="0">
                 <a:ea typeface="新細明體" panose="02020500000000000000" pitchFamily="18" charset="-120"/>
               </a:rPr>
-              <a:t>Further Development</a:t>
-            </a:r>
+              <a:t>Connecting Components</a:t>
+            </a:r>
+            <a:br>
+              <a:rPr lang="en-US" altLang="zh-TW" b="1" dirty="0">
+                <a:ea typeface="新細明體" panose="02020500000000000000" pitchFamily="18" charset="-120"/>
+              </a:rPr>
+            </a:br>
             <a:endParaRPr lang="zh-TW" altLang="en-US" b="1" dirty="0">
               <a:ea typeface="新細明體" panose="02020500000000000000" pitchFamily="18" charset="-120"/>
             </a:endParaRPr>
@@ -13784,7 +14575,7 @@
         </p:nvSpPr>
         <p:spPr bwMode="auto">
           <a:xfrm>
-            <a:off x="457200" y="1665515"/>
+            <a:off x="457200" y="1600200"/>
             <a:ext cx="8229600" cy="4530725"/>
           </a:xfrm>
           <a:prstGeom prst="rect">
@@ -14004,12 +14795,6 @@
               </a:defRPr>
             </a:lvl9pPr>
           </a:lstStyle>
-          <a:p>
-            <a:pPr eaLnBrk="1" hangingPunct="1"/>
-            <a:endParaRPr lang="en-US" altLang="zh-CN" sz="1700" kern="0" dirty="0">
-              <a:ea typeface="新細明體" panose="02020500000000000000" pitchFamily="18" charset="-120"/>
-            </a:endParaRPr>
-          </a:p>
           <a:p>
             <a:pPr lvl="1" eaLnBrk="1" hangingPunct="1"/>
             <a:endParaRPr lang="en-US" altLang="zh-CN" sz="1700" kern="0" dirty="0">
@@ -14055,368 +14840,40 @@
           </a:p>
         </p:txBody>
       </p:sp>
-      <p:sp>
-        <p:nvSpPr>
-          <p:cNvPr id="3" name="AutoShape 2" descr="tones.png">
+      <p:pic>
+        <p:nvPicPr>
+          <p:cNvPr id="3" name="图片 2" descr="屏幕剪辑"/>
+          <p:cNvPicPr>
+            <a:picLocks noChangeAspect="1"/>
+          </p:cNvPicPr>
+          <p:nvPr/>
+        </p:nvPicPr>
+        <p:blipFill>
+          <a:blip r:embed="rId2" cstate="print">
             <a:extLst>
-              <a:ext uri="{FF2B5EF4-FFF2-40B4-BE49-F238E27FC236}">
-                <a16:creationId xmlns:a16="http://schemas.microsoft.com/office/drawing/2014/main" id="{2D1FD832-8C6E-4C37-A52E-0AB1999D96AA}"/>
+              <a:ext uri="{28A0092B-C50C-407E-A947-70E740481C1C}">
+                <a14:useLocalDpi xmlns:a14="http://schemas.microsoft.com/office/drawing/2010/main" val="0"/>
               </a:ext>
             </a:extLst>
-          </p:cNvPr>
-          <p:cNvSpPr>
-            <a:spLocks noChangeAspect="1" noChangeArrowheads="1"/>
-          </p:cNvSpPr>
-          <p:nvPr/>
-        </p:nvSpPr>
-        <p:spPr bwMode="auto">
+          </a:blip>
+          <a:stretch>
+            <a:fillRect/>
+          </a:stretch>
+        </p:blipFill>
+        <p:spPr>
           <a:xfrm>
-            <a:off x="4419600" y="3276600"/>
-            <a:ext cx="304800" cy="304800"/>
+            <a:off x="2081780" y="1268760"/>
+            <a:ext cx="5180466" cy="4489974"/>
           </a:xfrm>
           <a:prstGeom prst="rect">
             <a:avLst/>
           </a:prstGeom>
-          <a:noFill/>
-          <a:extLst>
-            <a:ext uri="{909E8E84-426E-40DD-AFC4-6F175D3DCCD1}">
-              <a14:hiddenFill xmlns:a14="http://schemas.microsoft.com/office/drawing/2010/main">
-                <a:solidFill>
-                  <a:srgbClr val="FFFFFF"/>
-                </a:solidFill>
-              </a14:hiddenFill>
-            </a:ext>
-          </a:extLst>
         </p:spPr>
-        <p:txBody>
-          <a:bodyPr vert="horz" wrap="square" lIns="91440" tIns="45720" rIns="91440" bIns="45720" numCol="1" anchor="t" anchorCtr="0" compatLnSpc="1">
-            <a:prstTxWarp prst="textNoShape">
-              <a:avLst/>
-            </a:prstTxWarp>
-          </a:bodyPr>
-          <a:lstStyle/>
-          <a:p>
-            <a:endParaRPr lang="zh-CN" altLang="en-US"/>
-          </a:p>
-        </p:txBody>
-      </p:sp>
-      <p:sp>
-        <p:nvSpPr>
-          <p:cNvPr id="10" name="Content Placeholder 2">
-            <a:extLst>
-              <a:ext uri="{FF2B5EF4-FFF2-40B4-BE49-F238E27FC236}">
-                <a16:creationId xmlns:a16="http://schemas.microsoft.com/office/drawing/2014/main" id="{96302964-2C71-4A34-B8DC-9FC81032575D}"/>
-              </a:ext>
-            </a:extLst>
-          </p:cNvPr>
-          <p:cNvSpPr txBox="1">
-            <a:spLocks noChangeArrowheads="1"/>
-          </p:cNvSpPr>
-          <p:nvPr/>
-        </p:nvSpPr>
-        <p:spPr bwMode="auto">
-          <a:xfrm>
-            <a:off x="457200" y="1600200"/>
-            <a:ext cx="8229600" cy="4530725"/>
-          </a:xfrm>
-          <a:prstGeom prst="rect">
-            <a:avLst/>
-          </a:prstGeom>
-          <a:noFill/>
-          <a:ln>
-            <a:noFill/>
-          </a:ln>
-          <a:extLst>
-            <a:ext uri="{909E8E84-426E-40DD-AFC4-6F175D3DCCD1}">
-              <a14:hiddenFill xmlns:a14="http://schemas.microsoft.com/office/drawing/2010/main">
-                <a:solidFill>
-                  <a:srgbClr val="FFFFFF"/>
-                </a:solidFill>
-              </a14:hiddenFill>
-            </a:ext>
-            <a:ext uri="{91240B29-F687-4F45-9708-019B960494DF}">
-              <a14:hiddenLine xmlns:a14="http://schemas.microsoft.com/office/drawing/2010/main" w="9525">
-                <a:solidFill>
-                  <a:srgbClr val="000000"/>
-                </a:solidFill>
-                <a:miter lim="800000"/>
-                <a:headEnd/>
-                <a:tailEnd/>
-              </a14:hiddenLine>
-            </a:ext>
-          </a:extLst>
-        </p:spPr>
-        <p:txBody>
-          <a:bodyPr vert="horz" wrap="square" lIns="91440" tIns="45720" rIns="91440" bIns="45720" numCol="1" anchor="t" anchorCtr="0" compatLnSpc="1">
-            <a:prstTxWarp prst="textNoShape">
-              <a:avLst/>
-            </a:prstTxWarp>
-          </a:bodyPr>
-          <a:lstStyle>
-            <a:lvl1pPr marL="342900" indent="-342900" algn="l" rtl="0" eaLnBrk="0" fontAlgn="base" hangingPunct="0">
-              <a:spcBef>
-                <a:spcPct val="20000"/>
-              </a:spcBef>
-              <a:spcAft>
-                <a:spcPct val="0"/>
-              </a:spcAft>
-              <a:buClr>
-                <a:schemeClr val="accent1"/>
-              </a:buClr>
-              <a:buSzPct val="65000"/>
-              <a:buFont typeface="Wingdings" panose="05000000000000000000" pitchFamily="2" charset="2"/>
-              <a:buChar char="n"/>
-              <a:defRPr sz="3000">
-                <a:solidFill>
-                  <a:schemeClr val="tx1"/>
-                </a:solidFill>
-                <a:latin typeface="+mn-lt"/>
-                <a:ea typeface="+mn-ea"/>
-                <a:cs typeface="+mn-cs"/>
-              </a:defRPr>
-            </a:lvl1pPr>
-            <a:lvl2pPr marL="669925" indent="-325438" algn="l" rtl="0" eaLnBrk="0" fontAlgn="base" hangingPunct="0">
-              <a:spcBef>
-                <a:spcPct val="20000"/>
-              </a:spcBef>
-              <a:spcAft>
-                <a:spcPct val="0"/>
-              </a:spcAft>
-              <a:buClr>
-                <a:schemeClr val="accent2"/>
-              </a:buClr>
-              <a:buSzPct val="60000"/>
-              <a:buFont typeface="Wingdings" panose="05000000000000000000" pitchFamily="2" charset="2"/>
-              <a:buChar char="q"/>
-              <a:defRPr sz="2600">
-                <a:solidFill>
-                  <a:schemeClr val="tx1"/>
-                </a:solidFill>
-                <a:latin typeface="+mn-lt"/>
-              </a:defRPr>
-            </a:lvl2pPr>
-            <a:lvl3pPr marL="1022350" indent="-350838" algn="l" rtl="0" eaLnBrk="0" fontAlgn="base" hangingPunct="0">
-              <a:spcBef>
-                <a:spcPct val="20000"/>
-              </a:spcBef>
-              <a:spcAft>
-                <a:spcPct val="0"/>
-              </a:spcAft>
-              <a:buClr>
-                <a:schemeClr val="accent1"/>
-              </a:buClr>
-              <a:buSzPct val="65000"/>
-              <a:buFont typeface="Wingdings" panose="05000000000000000000" pitchFamily="2" charset="2"/>
-              <a:buChar char="n"/>
-              <a:defRPr sz="2200">
-                <a:solidFill>
-                  <a:schemeClr val="tx1"/>
-                </a:solidFill>
-                <a:latin typeface="+mn-lt"/>
-              </a:defRPr>
-            </a:lvl3pPr>
-            <a:lvl4pPr marL="1339850" indent="-315913" algn="l" rtl="0" eaLnBrk="0" fontAlgn="base" hangingPunct="0">
-              <a:spcBef>
-                <a:spcPct val="20000"/>
-              </a:spcBef>
-              <a:spcAft>
-                <a:spcPct val="0"/>
-              </a:spcAft>
-              <a:buClr>
-                <a:schemeClr val="accent2"/>
-              </a:buClr>
-              <a:buSzPct val="70000"/>
-              <a:buFont typeface="Wingdings" panose="05000000000000000000" pitchFamily="2" charset="2"/>
-              <a:buChar char="q"/>
-              <a:defRPr sz="2000">
-                <a:solidFill>
-                  <a:schemeClr val="tx1"/>
-                </a:solidFill>
-                <a:latin typeface="+mn-lt"/>
-              </a:defRPr>
-            </a:lvl4pPr>
-            <a:lvl5pPr marL="1681163" indent="-339725" algn="l" rtl="0" eaLnBrk="0" fontAlgn="base" hangingPunct="0">
-              <a:spcBef>
-                <a:spcPct val="20000"/>
-              </a:spcBef>
-              <a:spcAft>
-                <a:spcPct val="0"/>
-              </a:spcAft>
-              <a:buClr>
-                <a:schemeClr val="accent1"/>
-              </a:buClr>
-              <a:buSzPct val="75000"/>
-              <a:buFont typeface="Wingdings" panose="05000000000000000000" pitchFamily="2" charset="2"/>
-              <a:buChar char="§"/>
-              <a:defRPr sz="2000">
-                <a:solidFill>
-                  <a:schemeClr val="tx1"/>
-                </a:solidFill>
-                <a:latin typeface="+mn-lt"/>
-              </a:defRPr>
-            </a:lvl5pPr>
-            <a:lvl6pPr marL="2138363" indent="-339725" algn="l" rtl="0" fontAlgn="base">
-              <a:spcBef>
-                <a:spcPct val="20000"/>
-              </a:spcBef>
-              <a:spcAft>
-                <a:spcPct val="0"/>
-              </a:spcAft>
-              <a:buClr>
-                <a:schemeClr val="accent1"/>
-              </a:buClr>
-              <a:buSzPct val="75000"/>
-              <a:buFont typeface="Wingdings" pitchFamily="2" charset="2"/>
-              <a:buChar char="§"/>
-              <a:defRPr sz="2000">
-                <a:solidFill>
-                  <a:schemeClr val="tx1"/>
-                </a:solidFill>
-                <a:latin typeface="+mn-lt"/>
-              </a:defRPr>
-            </a:lvl6pPr>
-            <a:lvl7pPr marL="2595563" indent="-339725" algn="l" rtl="0" fontAlgn="base">
-              <a:spcBef>
-                <a:spcPct val="20000"/>
-              </a:spcBef>
-              <a:spcAft>
-                <a:spcPct val="0"/>
-              </a:spcAft>
-              <a:buClr>
-                <a:schemeClr val="accent1"/>
-              </a:buClr>
-              <a:buSzPct val="75000"/>
-              <a:buFont typeface="Wingdings" pitchFamily="2" charset="2"/>
-              <a:buChar char="§"/>
-              <a:defRPr sz="2000">
-                <a:solidFill>
-                  <a:schemeClr val="tx1"/>
-                </a:solidFill>
-                <a:latin typeface="+mn-lt"/>
-              </a:defRPr>
-            </a:lvl7pPr>
-            <a:lvl8pPr marL="3052763" indent="-339725" algn="l" rtl="0" fontAlgn="base">
-              <a:spcBef>
-                <a:spcPct val="20000"/>
-              </a:spcBef>
-              <a:spcAft>
-                <a:spcPct val="0"/>
-              </a:spcAft>
-              <a:buClr>
-                <a:schemeClr val="accent1"/>
-              </a:buClr>
-              <a:buSzPct val="75000"/>
-              <a:buFont typeface="Wingdings" pitchFamily="2" charset="2"/>
-              <a:buChar char="§"/>
-              <a:defRPr sz="2000">
-                <a:solidFill>
-                  <a:schemeClr val="tx1"/>
-                </a:solidFill>
-                <a:latin typeface="+mn-lt"/>
-              </a:defRPr>
-            </a:lvl8pPr>
-            <a:lvl9pPr marL="3509963" indent="-339725" algn="l" rtl="0" fontAlgn="base">
-              <a:spcBef>
-                <a:spcPct val="20000"/>
-              </a:spcBef>
-              <a:spcAft>
-                <a:spcPct val="0"/>
-              </a:spcAft>
-              <a:buClr>
-                <a:schemeClr val="accent1"/>
-              </a:buClr>
-              <a:buSzPct val="75000"/>
-              <a:buFont typeface="Wingdings" pitchFamily="2" charset="2"/>
-              <a:buChar char="§"/>
-              <a:defRPr sz="2000">
-                <a:solidFill>
-                  <a:schemeClr val="tx1"/>
-                </a:solidFill>
-                <a:latin typeface="+mn-lt"/>
-              </a:defRPr>
-            </a:lvl9pPr>
-          </a:lstStyle>
-          <a:p>
-            <a:pPr eaLnBrk="1" hangingPunct="1"/>
-            <a:r>
-              <a:rPr lang="en-US" altLang="zh-CN" sz="2400" kern="0" dirty="0">
-                <a:ea typeface="新細明體" panose="02020500000000000000" pitchFamily="18" charset="-120"/>
-              </a:rPr>
-              <a:t>Better volume/ DA output solution</a:t>
-            </a:r>
-          </a:p>
-          <a:p>
-            <a:pPr eaLnBrk="1" hangingPunct="1"/>
-            <a:r>
-              <a:rPr lang="en-US" altLang="zh-CN" sz="2400" kern="0" dirty="0">
-                <a:ea typeface="新細明體" panose="02020500000000000000" pitchFamily="18" charset="-120"/>
-              </a:rPr>
-              <a:t>Beats synthesizer</a:t>
-            </a:r>
-          </a:p>
-          <a:p>
-            <a:pPr eaLnBrk="1" hangingPunct="1"/>
-            <a:r>
-              <a:rPr lang="en-US" altLang="zh-CN" sz="2400" kern="0" dirty="0">
-                <a:ea typeface="新細明體" panose="02020500000000000000" pitchFamily="18" charset="-120"/>
-              </a:rPr>
-              <a:t>Synchronization ports</a:t>
-            </a:r>
-          </a:p>
-          <a:p>
-            <a:pPr eaLnBrk="1" hangingPunct="1"/>
-            <a:r>
-              <a:rPr lang="en-US" altLang="zh-CN" sz="2400" kern="0" dirty="0">
-                <a:ea typeface="新細明體" panose="02020500000000000000" pitchFamily="18" charset="-120"/>
-              </a:rPr>
-              <a:t>Selectable timbre (square, sine, </a:t>
-            </a:r>
-            <a:r>
-              <a:rPr lang="en-US" altLang="zh-CN" sz="2400" kern="0" dirty="0" err="1">
-                <a:ea typeface="新細明體" panose="02020500000000000000" pitchFamily="18" charset="-120"/>
-              </a:rPr>
-              <a:t>toothsaw</a:t>
-            </a:r>
-            <a:r>
-              <a:rPr lang="en-US" altLang="zh-CN" sz="2400" kern="0" dirty="0">
-                <a:ea typeface="新細明體" panose="02020500000000000000" pitchFamily="18" charset="-120"/>
-              </a:rPr>
-              <a:t>, etc.)</a:t>
-            </a:r>
-          </a:p>
-          <a:p>
-            <a:pPr eaLnBrk="1" hangingPunct="1"/>
-            <a:r>
-              <a:rPr lang="en-US" altLang="zh-CN" sz="2400" kern="0" dirty="0">
-                <a:ea typeface="新細明體" panose="02020500000000000000" pitchFamily="18" charset="-120"/>
-              </a:rPr>
-              <a:t>Changeable BPM</a:t>
-            </a:r>
-          </a:p>
-          <a:p>
-            <a:pPr eaLnBrk="1" hangingPunct="1"/>
-            <a:endParaRPr lang="en-US" altLang="zh-CN" sz="2400" kern="0" dirty="0">
-              <a:ea typeface="新細明體" panose="02020500000000000000" pitchFamily="18" charset="-120"/>
-            </a:endParaRPr>
-          </a:p>
-          <a:p>
-            <a:pPr eaLnBrk="1" hangingPunct="1"/>
-            <a:endParaRPr lang="en-US" altLang="zh-CN" sz="2400" kern="0" dirty="0">
-              <a:ea typeface="新細明體" panose="02020500000000000000" pitchFamily="18" charset="-120"/>
-            </a:endParaRPr>
-          </a:p>
-          <a:p>
-            <a:pPr lvl="1" eaLnBrk="1" hangingPunct="1"/>
-            <a:endParaRPr lang="en-US" altLang="zh-CN" sz="1700" kern="0" dirty="0">
-              <a:ea typeface="新細明體" panose="02020500000000000000" pitchFamily="18" charset="-120"/>
-            </a:endParaRPr>
-          </a:p>
-        </p:txBody>
-      </p:sp>
+      </p:pic>
     </p:spTree>
     <p:extLst>
       <p:ext uri="{BB962C8B-B14F-4D97-AF65-F5344CB8AC3E}">
-        <p14:creationId xmlns:p14="http://schemas.microsoft.com/office/powerpoint/2010/main" val="451073269"/>
+        <p14:creationId xmlns:p14="http://schemas.microsoft.com/office/powerpoint/2010/main" val="1723089868"/>
       </p:ext>
     </p:extLst>
   </p:cSld>
@@ -14427,6 +14884,144 @@
 </file>
 
 <file path=ppt/slides/slide23.xml><?xml version="1.0" encoding="utf-8"?>
+<p:sld xmlns:a="http://schemas.openxmlformats.org/drawingml/2006/main" xmlns:r="http://schemas.openxmlformats.org/officeDocument/2006/relationships" xmlns:p="http://schemas.openxmlformats.org/presentationml/2006/main">
+  <p:cSld>
+    <p:spTree>
+      <p:nvGrpSpPr>
+        <p:cNvPr id="1" name=""/>
+        <p:cNvGrpSpPr/>
+        <p:nvPr/>
+      </p:nvGrpSpPr>
+      <p:grpSpPr>
+        <a:xfrm>
+          <a:off x="0" y="0"/>
+          <a:ext cx="0" cy="0"/>
+          <a:chOff x="0" y="0"/>
+          <a:chExt cx="0" cy="0"/>
+        </a:xfrm>
+      </p:grpSpPr>
+      <p:sp>
+        <p:nvSpPr>
+          <p:cNvPr id="12290" name="Title 1">
+            <a:extLst>
+              <a:ext uri="{FF2B5EF4-FFF2-40B4-BE49-F238E27FC236}">
+                <a16:creationId xmlns:a16="http://schemas.microsoft.com/office/drawing/2014/main" id="{312D1348-727E-43BC-9440-FAC69CECF262}"/>
+              </a:ext>
+            </a:extLst>
+          </p:cNvPr>
+          <p:cNvSpPr>
+            <a:spLocks noGrp="1" noChangeArrowheads="1"/>
+          </p:cNvSpPr>
+          <p:nvPr>
+            <p:ph type="ctrTitle" idx="4294967295"/>
+          </p:nvPr>
+        </p:nvSpPr>
+        <p:spPr>
+          <a:xfrm>
+            <a:off x="685800" y="2130425"/>
+            <a:ext cx="7772400" cy="1470025"/>
+          </a:xfrm>
+        </p:spPr>
+        <p:txBody>
+          <a:bodyPr anchor="ctr"/>
+          <a:lstStyle/>
+          <a:p>
+            <a:pPr eaLnBrk="1" hangingPunct="1"/>
+            <a:r>
+              <a:rPr lang="fr-FR" altLang="zh-TW" sz="5400" b="1" dirty="0">
+                <a:ea typeface="新細明體" panose="02020500000000000000" pitchFamily="18" charset="-120"/>
+              </a:rPr>
+              <a:t>Result Demonstration</a:t>
+            </a:r>
+          </a:p>
+        </p:txBody>
+      </p:sp>
+      <p:sp>
+        <p:nvSpPr>
+          <p:cNvPr id="2" name="日期版面配置區 1">
+            <a:extLst>
+              <a:ext uri="{FF2B5EF4-FFF2-40B4-BE49-F238E27FC236}">
+                <a16:creationId xmlns:a16="http://schemas.microsoft.com/office/drawing/2014/main" id="{C55F9B2A-AB82-491B-A507-61EBC6B57F16}"/>
+              </a:ext>
+            </a:extLst>
+          </p:cNvPr>
+          <p:cNvSpPr>
+            <a:spLocks noGrp="1"/>
+          </p:cNvSpPr>
+          <p:nvPr>
+            <p:ph type="dt" sz="quarter" idx="10"/>
+          </p:nvPr>
+        </p:nvSpPr>
+        <p:spPr/>
+        <p:txBody>
+          <a:bodyPr/>
+          <a:lstStyle/>
+          <a:p>
+            <a:pPr>
+              <a:defRPr/>
+            </a:pPr>
+            <a:fld id="{A139BE96-596E-4F08-BDDA-DE03FA7E0288}" type="datetime1">
+              <a:rPr lang="en-US" altLang="en-US"/>
+              <a:pPr>
+                <a:defRPr/>
+              </a:pPr>
+              <a:t>6/14/2018</a:t>
+            </a:fld>
+            <a:endParaRPr lang="en-US" altLang="en-US" dirty="0"/>
+          </a:p>
+        </p:txBody>
+      </p:sp>
+      <p:sp>
+        <p:nvSpPr>
+          <p:cNvPr id="5" name="頁尾版面配置區 2">
+            <a:extLst>
+              <a:ext uri="{FF2B5EF4-FFF2-40B4-BE49-F238E27FC236}">
+                <a16:creationId xmlns:a16="http://schemas.microsoft.com/office/drawing/2014/main" id="{61D255B9-2D4F-4013-951E-B50709A0B821}"/>
+              </a:ext>
+            </a:extLst>
+          </p:cNvPr>
+          <p:cNvSpPr>
+            <a:spLocks noGrp="1"/>
+          </p:cNvSpPr>
+          <p:nvPr>
+            <p:ph type="ftr" sz="quarter" idx="11"/>
+          </p:nvPr>
+        </p:nvSpPr>
+        <p:spPr>
+          <a:xfrm>
+            <a:off x="3056012" y="6246036"/>
+            <a:ext cx="3031976" cy="457200"/>
+          </a:xfrm>
+        </p:spPr>
+        <p:txBody>
+          <a:bodyPr/>
+          <a:lstStyle/>
+          <a:p>
+            <a:pPr>
+              <a:defRPr/>
+            </a:pPr>
+            <a:r>
+              <a:rPr lang="en-US" altLang="zh-CN" dirty="0"/>
+              <a:t>Southern University of Science and Technology</a:t>
+            </a:r>
+            <a:endParaRPr lang="en-US" altLang="en-US" dirty="0"/>
+          </a:p>
+        </p:txBody>
+      </p:sp>
+    </p:spTree>
+    <p:extLst>
+      <p:ext uri="{BB962C8B-B14F-4D97-AF65-F5344CB8AC3E}">
+        <p14:creationId xmlns:p14="http://schemas.microsoft.com/office/powerpoint/2010/main" val="3611447574"/>
+      </p:ext>
+    </p:extLst>
+  </p:cSld>
+  <p:clrMapOvr>
+    <a:masterClrMapping/>
+  </p:clrMapOvr>
+</p:sld>
+</file>
+
+<file path=ppt/slides/slide24.xml><?xml version="1.0" encoding="utf-8"?>
 <p:sld xmlns:a="http://schemas.openxmlformats.org/drawingml/2006/main" xmlns:r="http://schemas.openxmlformats.org/officeDocument/2006/relationships" xmlns:p="http://schemas.openxmlformats.org/presentationml/2006/main">
   <p:cSld>
     <p:spTree>
@@ -14474,7 +15069,7 @@
               <a:rPr lang="en-US" altLang="zh-CN" b="1" dirty="0">
                 <a:ea typeface="新細明體" panose="02020500000000000000" pitchFamily="18" charset="-120"/>
               </a:rPr>
-              <a:t>Reference</a:t>
+              <a:t>Further Development</a:t>
             </a:r>
             <a:endParaRPr lang="zh-TW" altLang="en-US" b="1" dirty="0">
               <a:ea typeface="新細明體" panose="02020500000000000000" pitchFamily="18" charset="-120"/>
@@ -15088,90 +15683,75 @@
           <a:p>
             <a:pPr eaLnBrk="1" hangingPunct="1"/>
             <a:r>
-              <a:rPr lang="en-US" altLang="zh-CN" sz="2000" kern="0" dirty="0">
+              <a:rPr lang="en-US" altLang="zh-CN" sz="2400" kern="0" dirty="0">
                 <a:ea typeface="新細明體" panose="02020500000000000000" pitchFamily="18" charset="-120"/>
               </a:rPr>
-              <a:t>Frequencies for equal-tempered scale, A4 = 440 Hz </a:t>
-            </a:r>
-            <a:r>
-              <a:rPr lang="en-US" altLang="zh-CN" sz="2000" kern="0" dirty="0">
+              <a:t>Better volume/ DA output solution</a:t>
+            </a:r>
+          </a:p>
+          <a:p>
+            <a:pPr eaLnBrk="1" hangingPunct="1"/>
+            <a:r>
+              <a:rPr lang="en-US" altLang="zh-CN" sz="2400" kern="0" dirty="0">
                 <a:ea typeface="新細明體" panose="02020500000000000000" pitchFamily="18" charset="-120"/>
-                <a:hlinkClick r:id="rId2"/>
               </a:rPr>
-              <a:t>http://pages.mtu.edu/~suits/notefreqs.html</a:t>
-            </a:r>
-            <a:endParaRPr lang="en-US" altLang="zh-CN" sz="2000" kern="0" dirty="0">
+              <a:t>Beats synthesizer</a:t>
+            </a:r>
+          </a:p>
+          <a:p>
+            <a:pPr eaLnBrk="1" hangingPunct="1"/>
+            <a:r>
+              <a:rPr lang="en-US" altLang="zh-CN" sz="2400" kern="0" dirty="0">
+                <a:ea typeface="新細明體" panose="02020500000000000000" pitchFamily="18" charset="-120"/>
+              </a:rPr>
+              <a:t>Synchronization ports</a:t>
+            </a:r>
+          </a:p>
+          <a:p>
+            <a:pPr eaLnBrk="1" hangingPunct="1"/>
+            <a:r>
+              <a:rPr lang="en-US" altLang="zh-CN" sz="2400" kern="0" dirty="0">
+                <a:ea typeface="新細明體" panose="02020500000000000000" pitchFamily="18" charset="-120"/>
+              </a:rPr>
+              <a:t>Selectable timbre (square, sine, </a:t>
+            </a:r>
+            <a:r>
+              <a:rPr lang="en-US" altLang="zh-CN" sz="2400" kern="0" dirty="0" err="1">
+                <a:ea typeface="新細明體" panose="02020500000000000000" pitchFamily="18" charset="-120"/>
+              </a:rPr>
+              <a:t>toothsaw</a:t>
+            </a:r>
+            <a:r>
+              <a:rPr lang="en-US" altLang="zh-CN" sz="2400" kern="0" dirty="0">
+                <a:ea typeface="新細明體" panose="02020500000000000000" pitchFamily="18" charset="-120"/>
+              </a:rPr>
+              <a:t>, etc.)</a:t>
+            </a:r>
+          </a:p>
+          <a:p>
+            <a:pPr eaLnBrk="1" hangingPunct="1"/>
+            <a:r>
+              <a:rPr lang="en-US" altLang="zh-CN" sz="2400" kern="0" dirty="0">
+                <a:ea typeface="新細明體" panose="02020500000000000000" pitchFamily="18" charset="-120"/>
+              </a:rPr>
+              <a:t>Changeable BPM</a:t>
+            </a:r>
+          </a:p>
+          <a:p>
+            <a:pPr eaLnBrk="1" hangingPunct="1"/>
+            <a:endParaRPr lang="en-US" altLang="zh-CN" sz="2400" kern="0" dirty="0">
               <a:ea typeface="新細明體" panose="02020500000000000000" pitchFamily="18" charset="-120"/>
             </a:endParaRPr>
           </a:p>
           <a:p>
             <a:pPr eaLnBrk="1" hangingPunct="1"/>
-            <a:r>
-              <a:rPr lang="en-US" altLang="zh-CN" sz="2000" kern="0" dirty="0" err="1">
-                <a:ea typeface="新細明體" panose="02020500000000000000" pitchFamily="18" charset="-120"/>
-              </a:rPr>
-              <a:t>Nexys</a:t>
-            </a:r>
-            <a:r>
-              <a:rPr lang="en-US" altLang="zh-CN" sz="2000" kern="0" dirty="0">
-                <a:ea typeface="新細明體" panose="02020500000000000000" pitchFamily="18" charset="-120"/>
-              </a:rPr>
-              <a:t> 4 DDR Reference Manual </a:t>
-            </a:r>
-            <a:r>
-              <a:rPr lang="en-US" altLang="zh-CN" sz="2000" kern="0" dirty="0">
-                <a:ea typeface="新細明體" panose="02020500000000000000" pitchFamily="18" charset="-120"/>
-                <a:hlinkClick r:id="rId3"/>
-              </a:rPr>
-              <a:t>https://reference.digilentinc.com/reference/programmable-logic/nexys-4-ddr/reference-manual</a:t>
-            </a:r>
-            <a:endParaRPr lang="en-US" altLang="zh-CN" sz="2000" kern="0" dirty="0">
+            <a:endParaRPr lang="en-US" altLang="zh-CN" sz="2400" kern="0" dirty="0">
               <a:ea typeface="新細明體" panose="02020500000000000000" pitchFamily="18" charset="-120"/>
             </a:endParaRPr>
           </a:p>
           <a:p>
-            <a:pPr eaLnBrk="1" hangingPunct="1"/>
-            <a:r>
-              <a:rPr lang="en-US" altLang="zh-CN" sz="2000" kern="0" dirty="0">
-                <a:ea typeface="新細明體" panose="02020500000000000000" pitchFamily="18" charset="-120"/>
-              </a:rPr>
-              <a:t>PWM Audio Tutorial using a FPGA </a:t>
-            </a:r>
-            <a:r>
-              <a:rPr lang="en-US" altLang="zh-CN" sz="2000" kern="0" dirty="0">
-                <a:ea typeface="新細明體" panose="02020500000000000000" pitchFamily="18" charset="-120"/>
-                <a:hlinkClick r:id="rId4"/>
-              </a:rPr>
-              <a:t>https://www.youtube.com/watch?v=4byHVqXD-UI</a:t>
-            </a:r>
-            <a:endParaRPr lang="en-US" altLang="zh-CN" sz="2000" kern="0" dirty="0">
-              <a:ea typeface="新細明體" panose="02020500000000000000" pitchFamily="18" charset="-120"/>
-            </a:endParaRPr>
-          </a:p>
-          <a:p>
-            <a:pPr eaLnBrk="1" hangingPunct="1"/>
-            <a:r>
-              <a:rPr lang="en-US" altLang="zh-CN" sz="2000" kern="0" dirty="0">
-                <a:ea typeface="新細明體" panose="02020500000000000000" pitchFamily="18" charset="-120"/>
-              </a:rPr>
-              <a:t>Class Slides</a:t>
-            </a:r>
-          </a:p>
-          <a:p>
-            <a:pPr eaLnBrk="1" hangingPunct="1"/>
-            <a:endParaRPr lang="en-US" altLang="zh-CN" sz="2000" kern="0" dirty="0">
-              <a:ea typeface="新細明體" panose="02020500000000000000" pitchFamily="18" charset="-120"/>
-            </a:endParaRPr>
-          </a:p>
-          <a:p>
-            <a:pPr eaLnBrk="1" hangingPunct="1"/>
-            <a:endParaRPr lang="en-US" altLang="zh-CN" sz="2000" kern="0" dirty="0">
-              <a:ea typeface="新細明體" panose="02020500000000000000" pitchFamily="18" charset="-120"/>
-            </a:endParaRPr>
-          </a:p>
-          <a:p>
             <a:pPr lvl="1" eaLnBrk="1" hangingPunct="1"/>
-            <a:endParaRPr lang="en-US" altLang="zh-CN" sz="1600" kern="0" dirty="0">
+            <a:endParaRPr lang="en-US" altLang="zh-CN" sz="1700" kern="0" dirty="0">
               <a:ea typeface="新細明體" panose="02020500000000000000" pitchFamily="18" charset="-120"/>
             </a:endParaRPr>
           </a:p>
@@ -15180,145 +15760,7 @@
     </p:spTree>
     <p:extLst>
       <p:ext uri="{BB962C8B-B14F-4D97-AF65-F5344CB8AC3E}">
-        <p14:creationId xmlns:p14="http://schemas.microsoft.com/office/powerpoint/2010/main" val="1890420996"/>
-      </p:ext>
-    </p:extLst>
-  </p:cSld>
-  <p:clrMapOvr>
-    <a:masterClrMapping/>
-  </p:clrMapOvr>
-</p:sld>
-</file>
-
-<file path=ppt/slides/slide24.xml><?xml version="1.0" encoding="utf-8"?>
-<p:sld xmlns:a="http://schemas.openxmlformats.org/drawingml/2006/main" xmlns:r="http://schemas.openxmlformats.org/officeDocument/2006/relationships" xmlns:p="http://schemas.openxmlformats.org/presentationml/2006/main">
-  <p:cSld>
-    <p:spTree>
-      <p:nvGrpSpPr>
-        <p:cNvPr id="1" name=""/>
-        <p:cNvGrpSpPr/>
-        <p:nvPr/>
-      </p:nvGrpSpPr>
-      <p:grpSpPr>
-        <a:xfrm>
-          <a:off x="0" y="0"/>
-          <a:ext cx="0" cy="0"/>
-          <a:chOff x="0" y="0"/>
-          <a:chExt cx="0" cy="0"/>
-        </a:xfrm>
-      </p:grpSpPr>
-      <p:sp>
-        <p:nvSpPr>
-          <p:cNvPr id="12290" name="Title 1">
-            <a:extLst>
-              <a:ext uri="{FF2B5EF4-FFF2-40B4-BE49-F238E27FC236}">
-                <a16:creationId xmlns:a16="http://schemas.microsoft.com/office/drawing/2014/main" id="{312D1348-727E-43BC-9440-FAC69CECF262}"/>
-              </a:ext>
-            </a:extLst>
-          </p:cNvPr>
-          <p:cNvSpPr>
-            <a:spLocks noGrp="1" noChangeArrowheads="1"/>
-          </p:cNvSpPr>
-          <p:nvPr>
-            <p:ph type="ctrTitle" idx="4294967295"/>
-          </p:nvPr>
-        </p:nvSpPr>
-        <p:spPr>
-          <a:xfrm>
-            <a:off x="685800" y="2130425"/>
-            <a:ext cx="7772400" cy="1470025"/>
-          </a:xfrm>
-        </p:spPr>
-        <p:txBody>
-          <a:bodyPr anchor="ctr"/>
-          <a:lstStyle/>
-          <a:p>
-            <a:pPr eaLnBrk="1" hangingPunct="1"/>
-            <a:r>
-              <a:rPr lang="fr-FR" altLang="zh-TW" sz="5400" b="1" dirty="0">
-                <a:ea typeface="新細明體" panose="02020500000000000000" pitchFamily="18" charset="-120"/>
-              </a:rPr>
-              <a:t>Q&amp;A</a:t>
-            </a:r>
-          </a:p>
-        </p:txBody>
-      </p:sp>
-      <p:sp>
-        <p:nvSpPr>
-          <p:cNvPr id="2" name="日期版面配置區 1">
-            <a:extLst>
-              <a:ext uri="{FF2B5EF4-FFF2-40B4-BE49-F238E27FC236}">
-                <a16:creationId xmlns:a16="http://schemas.microsoft.com/office/drawing/2014/main" id="{C55F9B2A-AB82-491B-A507-61EBC6B57F16}"/>
-              </a:ext>
-            </a:extLst>
-          </p:cNvPr>
-          <p:cNvSpPr>
-            <a:spLocks noGrp="1"/>
-          </p:cNvSpPr>
-          <p:nvPr>
-            <p:ph type="dt" sz="quarter" idx="10"/>
-          </p:nvPr>
-        </p:nvSpPr>
-        <p:spPr/>
-        <p:txBody>
-          <a:bodyPr/>
-          <a:lstStyle/>
-          <a:p>
-            <a:pPr>
-              <a:defRPr/>
-            </a:pPr>
-            <a:fld id="{A139BE96-596E-4F08-BDDA-DE03FA7E0288}" type="datetime1">
-              <a:rPr lang="en-US" altLang="en-US"/>
-              <a:pPr>
-                <a:defRPr/>
-              </a:pPr>
-              <a:t>6/14/2018</a:t>
-            </a:fld>
-            <a:endParaRPr lang="en-US" altLang="en-US" dirty="0"/>
-          </a:p>
-        </p:txBody>
-      </p:sp>
-      <p:sp>
-        <p:nvSpPr>
-          <p:cNvPr id="5" name="頁尾版面配置區 2">
-            <a:extLst>
-              <a:ext uri="{FF2B5EF4-FFF2-40B4-BE49-F238E27FC236}">
-                <a16:creationId xmlns:a16="http://schemas.microsoft.com/office/drawing/2014/main" id="{61D255B9-2D4F-4013-951E-B50709A0B821}"/>
-              </a:ext>
-            </a:extLst>
-          </p:cNvPr>
-          <p:cNvSpPr>
-            <a:spLocks noGrp="1"/>
-          </p:cNvSpPr>
-          <p:nvPr>
-            <p:ph type="ftr" sz="quarter" idx="11"/>
-          </p:nvPr>
-        </p:nvSpPr>
-        <p:spPr>
-          <a:xfrm>
-            <a:off x="3056012" y="6246036"/>
-            <a:ext cx="3031976" cy="457200"/>
-          </a:xfrm>
-        </p:spPr>
-        <p:txBody>
-          <a:bodyPr/>
-          <a:lstStyle/>
-          <a:p>
-            <a:pPr>
-              <a:defRPr/>
-            </a:pPr>
-            <a:r>
-              <a:rPr lang="en-US" altLang="zh-CN" dirty="0"/>
-              <a:t>Southern University of Science and Technology</a:t>
-            </a:r>
-            <a:endParaRPr lang="en-US" altLang="en-US" dirty="0"/>
-          </a:p>
-        </p:txBody>
-      </p:sp>
-    </p:spTree>
-    <p:extLst>
-      <p:ext uri="{BB962C8B-B14F-4D97-AF65-F5344CB8AC3E}">
-        <p14:creationId xmlns:p14="http://schemas.microsoft.com/office/powerpoint/2010/main" val="1415247307"/>
+        <p14:creationId xmlns:p14="http://schemas.microsoft.com/office/powerpoint/2010/main" val="451073269"/>
       </p:ext>
     </p:extLst>
   </p:cSld>
@@ -15373,6 +15815,908 @@
           <a:p>
             <a:pPr eaLnBrk="1" hangingPunct="1"/>
             <a:r>
+              <a:rPr lang="en-US" altLang="zh-CN" b="1" dirty="0">
+                <a:ea typeface="新細明體" panose="02020500000000000000" pitchFamily="18" charset="-120"/>
+              </a:rPr>
+              <a:t>Reference</a:t>
+            </a:r>
+            <a:endParaRPr lang="zh-TW" altLang="en-US" b="1" dirty="0">
+              <a:ea typeface="新細明體" panose="02020500000000000000" pitchFamily="18" charset="-120"/>
+            </a:endParaRPr>
+          </a:p>
+        </p:txBody>
+      </p:sp>
+      <p:sp>
+        <p:nvSpPr>
+          <p:cNvPr id="2" name="日期版面配置區 1">
+            <a:extLst>
+              <a:ext uri="{FF2B5EF4-FFF2-40B4-BE49-F238E27FC236}">
+                <a16:creationId xmlns:a16="http://schemas.microsoft.com/office/drawing/2014/main" id="{EBBA9EE1-CF91-48B5-A5FC-39944E1C0D91}"/>
+              </a:ext>
+            </a:extLst>
+          </p:cNvPr>
+          <p:cNvSpPr>
+            <a:spLocks noGrp="1"/>
+          </p:cNvSpPr>
+          <p:nvPr>
+            <p:ph type="dt" sz="quarter" idx="10"/>
+          </p:nvPr>
+        </p:nvSpPr>
+        <p:spPr/>
+        <p:txBody>
+          <a:bodyPr/>
+          <a:lstStyle/>
+          <a:p>
+            <a:pPr>
+              <a:defRPr/>
+            </a:pPr>
+            <a:fld id="{579B02EA-46D1-47B1-8324-179A3B4D3F83}" type="datetime1">
+              <a:rPr lang="en-US" altLang="en-US"/>
+              <a:pPr>
+                <a:defRPr/>
+              </a:pPr>
+              <a:t>6/14/2018</a:t>
+            </a:fld>
+            <a:endParaRPr lang="en-US" altLang="en-US"/>
+          </a:p>
+        </p:txBody>
+      </p:sp>
+      <p:sp>
+        <p:nvSpPr>
+          <p:cNvPr id="9" name="Content Placeholder 2">
+            <a:extLst>
+              <a:ext uri="{FF2B5EF4-FFF2-40B4-BE49-F238E27FC236}">
+                <a16:creationId xmlns:a16="http://schemas.microsoft.com/office/drawing/2014/main" id="{F5C80A76-C6C0-4B40-B6C8-C5CC24D58369}"/>
+              </a:ext>
+            </a:extLst>
+          </p:cNvPr>
+          <p:cNvSpPr txBox="1">
+            <a:spLocks noChangeArrowheads="1"/>
+          </p:cNvSpPr>
+          <p:nvPr/>
+        </p:nvSpPr>
+        <p:spPr bwMode="auto">
+          <a:xfrm>
+            <a:off x="457200" y="1665515"/>
+            <a:ext cx="8229600" cy="4530725"/>
+          </a:xfrm>
+          <a:prstGeom prst="rect">
+            <a:avLst/>
+          </a:prstGeom>
+          <a:noFill/>
+          <a:ln>
+            <a:noFill/>
+          </a:ln>
+          <a:extLst>
+            <a:ext uri="{909E8E84-426E-40DD-AFC4-6F175D3DCCD1}">
+              <a14:hiddenFill xmlns:a14="http://schemas.microsoft.com/office/drawing/2010/main">
+                <a:solidFill>
+                  <a:srgbClr val="FFFFFF"/>
+                </a:solidFill>
+              </a14:hiddenFill>
+            </a:ext>
+            <a:ext uri="{91240B29-F687-4F45-9708-019B960494DF}">
+              <a14:hiddenLine xmlns:a14="http://schemas.microsoft.com/office/drawing/2010/main" w="9525">
+                <a:solidFill>
+                  <a:srgbClr val="000000"/>
+                </a:solidFill>
+                <a:miter lim="800000"/>
+                <a:headEnd/>
+                <a:tailEnd/>
+              </a14:hiddenLine>
+            </a:ext>
+          </a:extLst>
+        </p:spPr>
+        <p:txBody>
+          <a:bodyPr vert="horz" wrap="square" lIns="91440" tIns="45720" rIns="91440" bIns="45720" numCol="1" anchor="t" anchorCtr="0" compatLnSpc="1">
+            <a:prstTxWarp prst="textNoShape">
+              <a:avLst/>
+            </a:prstTxWarp>
+          </a:bodyPr>
+          <a:lstStyle>
+            <a:lvl1pPr marL="342900" indent="-342900" algn="l" rtl="0" eaLnBrk="0" fontAlgn="base" hangingPunct="0">
+              <a:spcBef>
+                <a:spcPct val="20000"/>
+              </a:spcBef>
+              <a:spcAft>
+                <a:spcPct val="0"/>
+              </a:spcAft>
+              <a:buClr>
+                <a:schemeClr val="accent1"/>
+              </a:buClr>
+              <a:buSzPct val="65000"/>
+              <a:buFont typeface="Wingdings" panose="05000000000000000000" pitchFamily="2" charset="2"/>
+              <a:buChar char="n"/>
+              <a:defRPr sz="3000">
+                <a:solidFill>
+                  <a:schemeClr val="tx1"/>
+                </a:solidFill>
+                <a:latin typeface="+mn-lt"/>
+                <a:ea typeface="+mn-ea"/>
+                <a:cs typeface="+mn-cs"/>
+              </a:defRPr>
+            </a:lvl1pPr>
+            <a:lvl2pPr marL="669925" indent="-325438" algn="l" rtl="0" eaLnBrk="0" fontAlgn="base" hangingPunct="0">
+              <a:spcBef>
+                <a:spcPct val="20000"/>
+              </a:spcBef>
+              <a:spcAft>
+                <a:spcPct val="0"/>
+              </a:spcAft>
+              <a:buClr>
+                <a:schemeClr val="accent2"/>
+              </a:buClr>
+              <a:buSzPct val="60000"/>
+              <a:buFont typeface="Wingdings" panose="05000000000000000000" pitchFamily="2" charset="2"/>
+              <a:buChar char="q"/>
+              <a:defRPr sz="2600">
+                <a:solidFill>
+                  <a:schemeClr val="tx1"/>
+                </a:solidFill>
+                <a:latin typeface="+mn-lt"/>
+              </a:defRPr>
+            </a:lvl2pPr>
+            <a:lvl3pPr marL="1022350" indent="-350838" algn="l" rtl="0" eaLnBrk="0" fontAlgn="base" hangingPunct="0">
+              <a:spcBef>
+                <a:spcPct val="20000"/>
+              </a:spcBef>
+              <a:spcAft>
+                <a:spcPct val="0"/>
+              </a:spcAft>
+              <a:buClr>
+                <a:schemeClr val="accent1"/>
+              </a:buClr>
+              <a:buSzPct val="65000"/>
+              <a:buFont typeface="Wingdings" panose="05000000000000000000" pitchFamily="2" charset="2"/>
+              <a:buChar char="n"/>
+              <a:defRPr sz="2200">
+                <a:solidFill>
+                  <a:schemeClr val="tx1"/>
+                </a:solidFill>
+                <a:latin typeface="+mn-lt"/>
+              </a:defRPr>
+            </a:lvl3pPr>
+            <a:lvl4pPr marL="1339850" indent="-315913" algn="l" rtl="0" eaLnBrk="0" fontAlgn="base" hangingPunct="0">
+              <a:spcBef>
+                <a:spcPct val="20000"/>
+              </a:spcBef>
+              <a:spcAft>
+                <a:spcPct val="0"/>
+              </a:spcAft>
+              <a:buClr>
+                <a:schemeClr val="accent2"/>
+              </a:buClr>
+              <a:buSzPct val="70000"/>
+              <a:buFont typeface="Wingdings" panose="05000000000000000000" pitchFamily="2" charset="2"/>
+              <a:buChar char="q"/>
+              <a:defRPr sz="2000">
+                <a:solidFill>
+                  <a:schemeClr val="tx1"/>
+                </a:solidFill>
+                <a:latin typeface="+mn-lt"/>
+              </a:defRPr>
+            </a:lvl4pPr>
+            <a:lvl5pPr marL="1681163" indent="-339725" algn="l" rtl="0" eaLnBrk="0" fontAlgn="base" hangingPunct="0">
+              <a:spcBef>
+                <a:spcPct val="20000"/>
+              </a:spcBef>
+              <a:spcAft>
+                <a:spcPct val="0"/>
+              </a:spcAft>
+              <a:buClr>
+                <a:schemeClr val="accent1"/>
+              </a:buClr>
+              <a:buSzPct val="75000"/>
+              <a:buFont typeface="Wingdings" panose="05000000000000000000" pitchFamily="2" charset="2"/>
+              <a:buChar char="§"/>
+              <a:defRPr sz="2000">
+                <a:solidFill>
+                  <a:schemeClr val="tx1"/>
+                </a:solidFill>
+                <a:latin typeface="+mn-lt"/>
+              </a:defRPr>
+            </a:lvl5pPr>
+            <a:lvl6pPr marL="2138363" indent="-339725" algn="l" rtl="0" fontAlgn="base">
+              <a:spcBef>
+                <a:spcPct val="20000"/>
+              </a:spcBef>
+              <a:spcAft>
+                <a:spcPct val="0"/>
+              </a:spcAft>
+              <a:buClr>
+                <a:schemeClr val="accent1"/>
+              </a:buClr>
+              <a:buSzPct val="75000"/>
+              <a:buFont typeface="Wingdings" pitchFamily="2" charset="2"/>
+              <a:buChar char="§"/>
+              <a:defRPr sz="2000">
+                <a:solidFill>
+                  <a:schemeClr val="tx1"/>
+                </a:solidFill>
+                <a:latin typeface="+mn-lt"/>
+              </a:defRPr>
+            </a:lvl6pPr>
+            <a:lvl7pPr marL="2595563" indent="-339725" algn="l" rtl="0" fontAlgn="base">
+              <a:spcBef>
+                <a:spcPct val="20000"/>
+              </a:spcBef>
+              <a:spcAft>
+                <a:spcPct val="0"/>
+              </a:spcAft>
+              <a:buClr>
+                <a:schemeClr val="accent1"/>
+              </a:buClr>
+              <a:buSzPct val="75000"/>
+              <a:buFont typeface="Wingdings" pitchFamily="2" charset="2"/>
+              <a:buChar char="§"/>
+              <a:defRPr sz="2000">
+                <a:solidFill>
+                  <a:schemeClr val="tx1"/>
+                </a:solidFill>
+                <a:latin typeface="+mn-lt"/>
+              </a:defRPr>
+            </a:lvl7pPr>
+            <a:lvl8pPr marL="3052763" indent="-339725" algn="l" rtl="0" fontAlgn="base">
+              <a:spcBef>
+                <a:spcPct val="20000"/>
+              </a:spcBef>
+              <a:spcAft>
+                <a:spcPct val="0"/>
+              </a:spcAft>
+              <a:buClr>
+                <a:schemeClr val="accent1"/>
+              </a:buClr>
+              <a:buSzPct val="75000"/>
+              <a:buFont typeface="Wingdings" pitchFamily="2" charset="2"/>
+              <a:buChar char="§"/>
+              <a:defRPr sz="2000">
+                <a:solidFill>
+                  <a:schemeClr val="tx1"/>
+                </a:solidFill>
+                <a:latin typeface="+mn-lt"/>
+              </a:defRPr>
+            </a:lvl8pPr>
+            <a:lvl9pPr marL="3509963" indent="-339725" algn="l" rtl="0" fontAlgn="base">
+              <a:spcBef>
+                <a:spcPct val="20000"/>
+              </a:spcBef>
+              <a:spcAft>
+                <a:spcPct val="0"/>
+              </a:spcAft>
+              <a:buClr>
+                <a:schemeClr val="accent1"/>
+              </a:buClr>
+              <a:buSzPct val="75000"/>
+              <a:buFont typeface="Wingdings" pitchFamily="2" charset="2"/>
+              <a:buChar char="§"/>
+              <a:defRPr sz="2000">
+                <a:solidFill>
+                  <a:schemeClr val="tx1"/>
+                </a:solidFill>
+                <a:latin typeface="+mn-lt"/>
+              </a:defRPr>
+            </a:lvl9pPr>
+          </a:lstStyle>
+          <a:p>
+            <a:pPr eaLnBrk="1" hangingPunct="1"/>
+            <a:endParaRPr lang="en-US" altLang="zh-CN" sz="1700" kern="0" dirty="0">
+              <a:ea typeface="新細明體" panose="02020500000000000000" pitchFamily="18" charset="-120"/>
+            </a:endParaRPr>
+          </a:p>
+          <a:p>
+            <a:pPr lvl="1" eaLnBrk="1" hangingPunct="1"/>
+            <a:endParaRPr lang="en-US" altLang="zh-CN" sz="1700" kern="0" dirty="0">
+              <a:ea typeface="新細明體" panose="02020500000000000000" pitchFamily="18" charset="-120"/>
+            </a:endParaRPr>
+          </a:p>
+        </p:txBody>
+      </p:sp>
+      <p:sp>
+        <p:nvSpPr>
+          <p:cNvPr id="6" name="頁尾版面配置區 2">
+            <a:extLst>
+              <a:ext uri="{FF2B5EF4-FFF2-40B4-BE49-F238E27FC236}">
+                <a16:creationId xmlns:a16="http://schemas.microsoft.com/office/drawing/2014/main" id="{61D255B9-2D4F-4013-951E-B50709A0B821}"/>
+              </a:ext>
+            </a:extLst>
+          </p:cNvPr>
+          <p:cNvSpPr>
+            <a:spLocks noGrp="1"/>
+          </p:cNvSpPr>
+          <p:nvPr>
+            <p:ph type="ftr" sz="quarter" idx="11"/>
+          </p:nvPr>
+        </p:nvSpPr>
+        <p:spPr>
+          <a:xfrm>
+            <a:off x="3056012" y="6246036"/>
+            <a:ext cx="3031976" cy="457200"/>
+          </a:xfrm>
+        </p:spPr>
+        <p:txBody>
+          <a:bodyPr/>
+          <a:lstStyle/>
+          <a:p>
+            <a:pPr>
+              <a:defRPr/>
+            </a:pPr>
+            <a:r>
+              <a:rPr lang="en-US" altLang="zh-CN" dirty="0"/>
+              <a:t>Southern University of Science and Technology</a:t>
+            </a:r>
+            <a:endParaRPr lang="en-US" altLang="en-US" dirty="0"/>
+          </a:p>
+        </p:txBody>
+      </p:sp>
+      <p:sp>
+        <p:nvSpPr>
+          <p:cNvPr id="3" name="AutoShape 2" descr="tones.png">
+            <a:extLst>
+              <a:ext uri="{FF2B5EF4-FFF2-40B4-BE49-F238E27FC236}">
+                <a16:creationId xmlns:a16="http://schemas.microsoft.com/office/drawing/2014/main" id="{2D1FD832-8C6E-4C37-A52E-0AB1999D96AA}"/>
+              </a:ext>
+            </a:extLst>
+          </p:cNvPr>
+          <p:cNvSpPr>
+            <a:spLocks noChangeAspect="1" noChangeArrowheads="1"/>
+          </p:cNvSpPr>
+          <p:nvPr/>
+        </p:nvSpPr>
+        <p:spPr bwMode="auto">
+          <a:xfrm>
+            <a:off x="4419600" y="3276600"/>
+            <a:ext cx="304800" cy="304800"/>
+          </a:xfrm>
+          <a:prstGeom prst="rect">
+            <a:avLst/>
+          </a:prstGeom>
+          <a:noFill/>
+          <a:extLst>
+            <a:ext uri="{909E8E84-426E-40DD-AFC4-6F175D3DCCD1}">
+              <a14:hiddenFill xmlns:a14="http://schemas.microsoft.com/office/drawing/2010/main">
+                <a:solidFill>
+                  <a:srgbClr val="FFFFFF"/>
+                </a:solidFill>
+              </a14:hiddenFill>
+            </a:ext>
+          </a:extLst>
+        </p:spPr>
+        <p:txBody>
+          <a:bodyPr vert="horz" wrap="square" lIns="91440" tIns="45720" rIns="91440" bIns="45720" numCol="1" anchor="t" anchorCtr="0" compatLnSpc="1">
+            <a:prstTxWarp prst="textNoShape">
+              <a:avLst/>
+            </a:prstTxWarp>
+          </a:bodyPr>
+          <a:lstStyle/>
+          <a:p>
+            <a:endParaRPr lang="zh-CN" altLang="en-US"/>
+          </a:p>
+        </p:txBody>
+      </p:sp>
+      <p:sp>
+        <p:nvSpPr>
+          <p:cNvPr id="10" name="Content Placeholder 2">
+            <a:extLst>
+              <a:ext uri="{FF2B5EF4-FFF2-40B4-BE49-F238E27FC236}">
+                <a16:creationId xmlns:a16="http://schemas.microsoft.com/office/drawing/2014/main" id="{96302964-2C71-4A34-B8DC-9FC81032575D}"/>
+              </a:ext>
+            </a:extLst>
+          </p:cNvPr>
+          <p:cNvSpPr txBox="1">
+            <a:spLocks noChangeArrowheads="1"/>
+          </p:cNvSpPr>
+          <p:nvPr/>
+        </p:nvSpPr>
+        <p:spPr bwMode="auto">
+          <a:xfrm>
+            <a:off x="457200" y="1600200"/>
+            <a:ext cx="8229600" cy="4530725"/>
+          </a:xfrm>
+          <a:prstGeom prst="rect">
+            <a:avLst/>
+          </a:prstGeom>
+          <a:noFill/>
+          <a:ln>
+            <a:noFill/>
+          </a:ln>
+          <a:extLst>
+            <a:ext uri="{909E8E84-426E-40DD-AFC4-6F175D3DCCD1}">
+              <a14:hiddenFill xmlns:a14="http://schemas.microsoft.com/office/drawing/2010/main">
+                <a:solidFill>
+                  <a:srgbClr val="FFFFFF"/>
+                </a:solidFill>
+              </a14:hiddenFill>
+            </a:ext>
+            <a:ext uri="{91240B29-F687-4F45-9708-019B960494DF}">
+              <a14:hiddenLine xmlns:a14="http://schemas.microsoft.com/office/drawing/2010/main" w="9525">
+                <a:solidFill>
+                  <a:srgbClr val="000000"/>
+                </a:solidFill>
+                <a:miter lim="800000"/>
+                <a:headEnd/>
+                <a:tailEnd/>
+              </a14:hiddenLine>
+            </a:ext>
+          </a:extLst>
+        </p:spPr>
+        <p:txBody>
+          <a:bodyPr vert="horz" wrap="square" lIns="91440" tIns="45720" rIns="91440" bIns="45720" numCol="1" anchor="t" anchorCtr="0" compatLnSpc="1">
+            <a:prstTxWarp prst="textNoShape">
+              <a:avLst/>
+            </a:prstTxWarp>
+          </a:bodyPr>
+          <a:lstStyle>
+            <a:lvl1pPr marL="342900" indent="-342900" algn="l" rtl="0" eaLnBrk="0" fontAlgn="base" hangingPunct="0">
+              <a:spcBef>
+                <a:spcPct val="20000"/>
+              </a:spcBef>
+              <a:spcAft>
+                <a:spcPct val="0"/>
+              </a:spcAft>
+              <a:buClr>
+                <a:schemeClr val="accent1"/>
+              </a:buClr>
+              <a:buSzPct val="65000"/>
+              <a:buFont typeface="Wingdings" panose="05000000000000000000" pitchFamily="2" charset="2"/>
+              <a:buChar char="n"/>
+              <a:defRPr sz="3000">
+                <a:solidFill>
+                  <a:schemeClr val="tx1"/>
+                </a:solidFill>
+                <a:latin typeface="+mn-lt"/>
+                <a:ea typeface="+mn-ea"/>
+                <a:cs typeface="+mn-cs"/>
+              </a:defRPr>
+            </a:lvl1pPr>
+            <a:lvl2pPr marL="669925" indent="-325438" algn="l" rtl="0" eaLnBrk="0" fontAlgn="base" hangingPunct="0">
+              <a:spcBef>
+                <a:spcPct val="20000"/>
+              </a:spcBef>
+              <a:spcAft>
+                <a:spcPct val="0"/>
+              </a:spcAft>
+              <a:buClr>
+                <a:schemeClr val="accent2"/>
+              </a:buClr>
+              <a:buSzPct val="60000"/>
+              <a:buFont typeface="Wingdings" panose="05000000000000000000" pitchFamily="2" charset="2"/>
+              <a:buChar char="q"/>
+              <a:defRPr sz="2600">
+                <a:solidFill>
+                  <a:schemeClr val="tx1"/>
+                </a:solidFill>
+                <a:latin typeface="+mn-lt"/>
+              </a:defRPr>
+            </a:lvl2pPr>
+            <a:lvl3pPr marL="1022350" indent="-350838" algn="l" rtl="0" eaLnBrk="0" fontAlgn="base" hangingPunct="0">
+              <a:spcBef>
+                <a:spcPct val="20000"/>
+              </a:spcBef>
+              <a:spcAft>
+                <a:spcPct val="0"/>
+              </a:spcAft>
+              <a:buClr>
+                <a:schemeClr val="accent1"/>
+              </a:buClr>
+              <a:buSzPct val="65000"/>
+              <a:buFont typeface="Wingdings" panose="05000000000000000000" pitchFamily="2" charset="2"/>
+              <a:buChar char="n"/>
+              <a:defRPr sz="2200">
+                <a:solidFill>
+                  <a:schemeClr val="tx1"/>
+                </a:solidFill>
+                <a:latin typeface="+mn-lt"/>
+              </a:defRPr>
+            </a:lvl3pPr>
+            <a:lvl4pPr marL="1339850" indent="-315913" algn="l" rtl="0" eaLnBrk="0" fontAlgn="base" hangingPunct="0">
+              <a:spcBef>
+                <a:spcPct val="20000"/>
+              </a:spcBef>
+              <a:spcAft>
+                <a:spcPct val="0"/>
+              </a:spcAft>
+              <a:buClr>
+                <a:schemeClr val="accent2"/>
+              </a:buClr>
+              <a:buSzPct val="70000"/>
+              <a:buFont typeface="Wingdings" panose="05000000000000000000" pitchFamily="2" charset="2"/>
+              <a:buChar char="q"/>
+              <a:defRPr sz="2000">
+                <a:solidFill>
+                  <a:schemeClr val="tx1"/>
+                </a:solidFill>
+                <a:latin typeface="+mn-lt"/>
+              </a:defRPr>
+            </a:lvl4pPr>
+            <a:lvl5pPr marL="1681163" indent="-339725" algn="l" rtl="0" eaLnBrk="0" fontAlgn="base" hangingPunct="0">
+              <a:spcBef>
+                <a:spcPct val="20000"/>
+              </a:spcBef>
+              <a:spcAft>
+                <a:spcPct val="0"/>
+              </a:spcAft>
+              <a:buClr>
+                <a:schemeClr val="accent1"/>
+              </a:buClr>
+              <a:buSzPct val="75000"/>
+              <a:buFont typeface="Wingdings" panose="05000000000000000000" pitchFamily="2" charset="2"/>
+              <a:buChar char="§"/>
+              <a:defRPr sz="2000">
+                <a:solidFill>
+                  <a:schemeClr val="tx1"/>
+                </a:solidFill>
+                <a:latin typeface="+mn-lt"/>
+              </a:defRPr>
+            </a:lvl5pPr>
+            <a:lvl6pPr marL="2138363" indent="-339725" algn="l" rtl="0" fontAlgn="base">
+              <a:spcBef>
+                <a:spcPct val="20000"/>
+              </a:spcBef>
+              <a:spcAft>
+                <a:spcPct val="0"/>
+              </a:spcAft>
+              <a:buClr>
+                <a:schemeClr val="accent1"/>
+              </a:buClr>
+              <a:buSzPct val="75000"/>
+              <a:buFont typeface="Wingdings" pitchFamily="2" charset="2"/>
+              <a:buChar char="§"/>
+              <a:defRPr sz="2000">
+                <a:solidFill>
+                  <a:schemeClr val="tx1"/>
+                </a:solidFill>
+                <a:latin typeface="+mn-lt"/>
+              </a:defRPr>
+            </a:lvl6pPr>
+            <a:lvl7pPr marL="2595563" indent="-339725" algn="l" rtl="0" fontAlgn="base">
+              <a:spcBef>
+                <a:spcPct val="20000"/>
+              </a:spcBef>
+              <a:spcAft>
+                <a:spcPct val="0"/>
+              </a:spcAft>
+              <a:buClr>
+                <a:schemeClr val="accent1"/>
+              </a:buClr>
+              <a:buSzPct val="75000"/>
+              <a:buFont typeface="Wingdings" pitchFamily="2" charset="2"/>
+              <a:buChar char="§"/>
+              <a:defRPr sz="2000">
+                <a:solidFill>
+                  <a:schemeClr val="tx1"/>
+                </a:solidFill>
+                <a:latin typeface="+mn-lt"/>
+              </a:defRPr>
+            </a:lvl7pPr>
+            <a:lvl8pPr marL="3052763" indent="-339725" algn="l" rtl="0" fontAlgn="base">
+              <a:spcBef>
+                <a:spcPct val="20000"/>
+              </a:spcBef>
+              <a:spcAft>
+                <a:spcPct val="0"/>
+              </a:spcAft>
+              <a:buClr>
+                <a:schemeClr val="accent1"/>
+              </a:buClr>
+              <a:buSzPct val="75000"/>
+              <a:buFont typeface="Wingdings" pitchFamily="2" charset="2"/>
+              <a:buChar char="§"/>
+              <a:defRPr sz="2000">
+                <a:solidFill>
+                  <a:schemeClr val="tx1"/>
+                </a:solidFill>
+                <a:latin typeface="+mn-lt"/>
+              </a:defRPr>
+            </a:lvl8pPr>
+            <a:lvl9pPr marL="3509963" indent="-339725" algn="l" rtl="0" fontAlgn="base">
+              <a:spcBef>
+                <a:spcPct val="20000"/>
+              </a:spcBef>
+              <a:spcAft>
+                <a:spcPct val="0"/>
+              </a:spcAft>
+              <a:buClr>
+                <a:schemeClr val="accent1"/>
+              </a:buClr>
+              <a:buSzPct val="75000"/>
+              <a:buFont typeface="Wingdings" pitchFamily="2" charset="2"/>
+              <a:buChar char="§"/>
+              <a:defRPr sz="2000">
+                <a:solidFill>
+                  <a:schemeClr val="tx1"/>
+                </a:solidFill>
+                <a:latin typeface="+mn-lt"/>
+              </a:defRPr>
+            </a:lvl9pPr>
+          </a:lstStyle>
+          <a:p>
+            <a:pPr eaLnBrk="1" hangingPunct="1"/>
+            <a:r>
+              <a:rPr lang="en-US" altLang="zh-CN" sz="2000" kern="0" dirty="0">
+                <a:ea typeface="新細明體" panose="02020500000000000000" pitchFamily="18" charset="-120"/>
+              </a:rPr>
+              <a:t>Frequencies for equal-tempered scale, A4 = 440 Hz </a:t>
+            </a:r>
+            <a:r>
+              <a:rPr lang="en-US" altLang="zh-CN" sz="2000" kern="0" dirty="0">
+                <a:ea typeface="新細明體" panose="02020500000000000000" pitchFamily="18" charset="-120"/>
+                <a:hlinkClick r:id="rId2"/>
+              </a:rPr>
+              <a:t>http://pages.mtu.edu/~suits/notefreqs.html</a:t>
+            </a:r>
+            <a:endParaRPr lang="en-US" altLang="zh-CN" sz="2000" kern="0" dirty="0">
+              <a:ea typeface="新細明體" panose="02020500000000000000" pitchFamily="18" charset="-120"/>
+            </a:endParaRPr>
+          </a:p>
+          <a:p>
+            <a:pPr eaLnBrk="1" hangingPunct="1"/>
+            <a:r>
+              <a:rPr lang="en-US" altLang="zh-CN" sz="2000" kern="0" dirty="0" err="1">
+                <a:ea typeface="新細明體" panose="02020500000000000000" pitchFamily="18" charset="-120"/>
+              </a:rPr>
+              <a:t>Nexys</a:t>
+            </a:r>
+            <a:r>
+              <a:rPr lang="en-US" altLang="zh-CN" sz="2000" kern="0" dirty="0">
+                <a:ea typeface="新細明體" panose="02020500000000000000" pitchFamily="18" charset="-120"/>
+              </a:rPr>
+              <a:t> 4 DDR Reference Manual </a:t>
+            </a:r>
+            <a:r>
+              <a:rPr lang="en-US" altLang="zh-CN" sz="2000" kern="0" dirty="0">
+                <a:ea typeface="新細明體" panose="02020500000000000000" pitchFamily="18" charset="-120"/>
+                <a:hlinkClick r:id="rId3"/>
+              </a:rPr>
+              <a:t>https://reference.digilentinc.com/reference/programmable-logic/nexys-4-ddr/reference-manual</a:t>
+            </a:r>
+            <a:endParaRPr lang="en-US" altLang="zh-CN" sz="2000" kern="0" dirty="0">
+              <a:ea typeface="新細明體" panose="02020500000000000000" pitchFamily="18" charset="-120"/>
+            </a:endParaRPr>
+          </a:p>
+          <a:p>
+            <a:pPr eaLnBrk="1" hangingPunct="1"/>
+            <a:r>
+              <a:rPr lang="en-US" altLang="zh-CN" sz="2000" kern="0" dirty="0">
+                <a:ea typeface="新細明體" panose="02020500000000000000" pitchFamily="18" charset="-120"/>
+              </a:rPr>
+              <a:t>PWM Audio Tutorial using a FPGA </a:t>
+            </a:r>
+            <a:r>
+              <a:rPr lang="en-US" altLang="zh-CN" sz="2000" kern="0" dirty="0">
+                <a:ea typeface="新細明體" panose="02020500000000000000" pitchFamily="18" charset="-120"/>
+                <a:hlinkClick r:id="rId4"/>
+              </a:rPr>
+              <a:t>https://www.youtube.com/watch?v=4byHVqXD-UI</a:t>
+            </a:r>
+            <a:endParaRPr lang="en-US" altLang="zh-CN" sz="2000" kern="0" dirty="0">
+              <a:ea typeface="新細明體" panose="02020500000000000000" pitchFamily="18" charset="-120"/>
+            </a:endParaRPr>
+          </a:p>
+          <a:p>
+            <a:pPr eaLnBrk="1" hangingPunct="1"/>
+            <a:r>
+              <a:rPr lang="en-US" altLang="zh-CN" sz="2000" kern="0" dirty="0">
+                <a:ea typeface="新細明體" panose="02020500000000000000" pitchFamily="18" charset="-120"/>
+              </a:rPr>
+              <a:t>Class Slides</a:t>
+            </a:r>
+          </a:p>
+          <a:p>
+            <a:pPr eaLnBrk="1" hangingPunct="1"/>
+            <a:endParaRPr lang="en-US" altLang="zh-CN" sz="2000" kern="0" dirty="0">
+              <a:ea typeface="新細明體" panose="02020500000000000000" pitchFamily="18" charset="-120"/>
+            </a:endParaRPr>
+          </a:p>
+          <a:p>
+            <a:pPr eaLnBrk="1" hangingPunct="1"/>
+            <a:endParaRPr lang="en-US" altLang="zh-CN" sz="2000" kern="0" dirty="0">
+              <a:ea typeface="新細明體" panose="02020500000000000000" pitchFamily="18" charset="-120"/>
+            </a:endParaRPr>
+          </a:p>
+          <a:p>
+            <a:pPr lvl="1" eaLnBrk="1" hangingPunct="1"/>
+            <a:endParaRPr lang="en-US" altLang="zh-CN" sz="1600" kern="0" dirty="0">
+              <a:ea typeface="新細明體" panose="02020500000000000000" pitchFamily="18" charset="-120"/>
+            </a:endParaRPr>
+          </a:p>
+        </p:txBody>
+      </p:sp>
+    </p:spTree>
+    <p:extLst>
+      <p:ext uri="{BB962C8B-B14F-4D97-AF65-F5344CB8AC3E}">
+        <p14:creationId xmlns:p14="http://schemas.microsoft.com/office/powerpoint/2010/main" val="1890420996"/>
+      </p:ext>
+    </p:extLst>
+  </p:cSld>
+  <p:clrMapOvr>
+    <a:masterClrMapping/>
+  </p:clrMapOvr>
+</p:sld>
+</file>
+
+<file path=ppt/slides/slide26.xml><?xml version="1.0" encoding="utf-8"?>
+<p:sld xmlns:a="http://schemas.openxmlformats.org/drawingml/2006/main" xmlns:r="http://schemas.openxmlformats.org/officeDocument/2006/relationships" xmlns:p="http://schemas.openxmlformats.org/presentationml/2006/main">
+  <p:cSld>
+    <p:spTree>
+      <p:nvGrpSpPr>
+        <p:cNvPr id="1" name=""/>
+        <p:cNvGrpSpPr/>
+        <p:nvPr/>
+      </p:nvGrpSpPr>
+      <p:grpSpPr>
+        <a:xfrm>
+          <a:off x="0" y="0"/>
+          <a:ext cx="0" cy="0"/>
+          <a:chOff x="0" y="0"/>
+          <a:chExt cx="0" cy="0"/>
+        </a:xfrm>
+      </p:grpSpPr>
+      <p:sp>
+        <p:nvSpPr>
+          <p:cNvPr id="12290" name="Title 1">
+            <a:extLst>
+              <a:ext uri="{FF2B5EF4-FFF2-40B4-BE49-F238E27FC236}">
+                <a16:creationId xmlns:a16="http://schemas.microsoft.com/office/drawing/2014/main" id="{312D1348-727E-43BC-9440-FAC69CECF262}"/>
+              </a:ext>
+            </a:extLst>
+          </p:cNvPr>
+          <p:cNvSpPr>
+            <a:spLocks noGrp="1" noChangeArrowheads="1"/>
+          </p:cNvSpPr>
+          <p:nvPr>
+            <p:ph type="ctrTitle" idx="4294967295"/>
+          </p:nvPr>
+        </p:nvSpPr>
+        <p:spPr>
+          <a:xfrm>
+            <a:off x="685800" y="2130425"/>
+            <a:ext cx="7772400" cy="1470025"/>
+          </a:xfrm>
+        </p:spPr>
+        <p:txBody>
+          <a:bodyPr anchor="ctr"/>
+          <a:lstStyle/>
+          <a:p>
+            <a:pPr eaLnBrk="1" hangingPunct="1"/>
+            <a:r>
+              <a:rPr lang="fr-FR" altLang="zh-TW" sz="5400" b="1" dirty="0">
+                <a:ea typeface="新細明體" panose="02020500000000000000" pitchFamily="18" charset="-120"/>
+              </a:rPr>
+              <a:t>Q&amp;A</a:t>
+            </a:r>
+          </a:p>
+        </p:txBody>
+      </p:sp>
+      <p:sp>
+        <p:nvSpPr>
+          <p:cNvPr id="2" name="日期版面配置區 1">
+            <a:extLst>
+              <a:ext uri="{FF2B5EF4-FFF2-40B4-BE49-F238E27FC236}">
+                <a16:creationId xmlns:a16="http://schemas.microsoft.com/office/drawing/2014/main" id="{C55F9B2A-AB82-491B-A507-61EBC6B57F16}"/>
+              </a:ext>
+            </a:extLst>
+          </p:cNvPr>
+          <p:cNvSpPr>
+            <a:spLocks noGrp="1"/>
+          </p:cNvSpPr>
+          <p:nvPr>
+            <p:ph type="dt" sz="quarter" idx="10"/>
+          </p:nvPr>
+        </p:nvSpPr>
+        <p:spPr/>
+        <p:txBody>
+          <a:bodyPr/>
+          <a:lstStyle/>
+          <a:p>
+            <a:pPr>
+              <a:defRPr/>
+            </a:pPr>
+            <a:fld id="{A139BE96-596E-4F08-BDDA-DE03FA7E0288}" type="datetime1">
+              <a:rPr lang="en-US" altLang="en-US"/>
+              <a:pPr>
+                <a:defRPr/>
+              </a:pPr>
+              <a:t>6/14/2018</a:t>
+            </a:fld>
+            <a:endParaRPr lang="en-US" altLang="en-US" dirty="0"/>
+          </a:p>
+        </p:txBody>
+      </p:sp>
+      <p:sp>
+        <p:nvSpPr>
+          <p:cNvPr id="5" name="頁尾版面配置區 2">
+            <a:extLst>
+              <a:ext uri="{FF2B5EF4-FFF2-40B4-BE49-F238E27FC236}">
+                <a16:creationId xmlns:a16="http://schemas.microsoft.com/office/drawing/2014/main" id="{61D255B9-2D4F-4013-951E-B50709A0B821}"/>
+              </a:ext>
+            </a:extLst>
+          </p:cNvPr>
+          <p:cNvSpPr>
+            <a:spLocks noGrp="1"/>
+          </p:cNvSpPr>
+          <p:nvPr>
+            <p:ph type="ftr" sz="quarter" idx="11"/>
+          </p:nvPr>
+        </p:nvSpPr>
+        <p:spPr>
+          <a:xfrm>
+            <a:off x="3056012" y="6246036"/>
+            <a:ext cx="3031976" cy="457200"/>
+          </a:xfrm>
+        </p:spPr>
+        <p:txBody>
+          <a:bodyPr/>
+          <a:lstStyle/>
+          <a:p>
+            <a:pPr>
+              <a:defRPr/>
+            </a:pPr>
+            <a:r>
+              <a:rPr lang="en-US" altLang="zh-CN" dirty="0"/>
+              <a:t>Southern University of Science and Technology</a:t>
+            </a:r>
+            <a:endParaRPr lang="en-US" altLang="en-US" dirty="0"/>
+          </a:p>
+        </p:txBody>
+      </p:sp>
+    </p:spTree>
+    <p:extLst>
+      <p:ext uri="{BB962C8B-B14F-4D97-AF65-F5344CB8AC3E}">
+        <p14:creationId xmlns:p14="http://schemas.microsoft.com/office/powerpoint/2010/main" val="1415247307"/>
+      </p:ext>
+    </p:extLst>
+  </p:cSld>
+  <p:clrMapOvr>
+    <a:masterClrMapping/>
+  </p:clrMapOvr>
+</p:sld>
+</file>
+
+<file path=ppt/slides/slide27.xml><?xml version="1.0" encoding="utf-8"?>
+<p:sld xmlns:a="http://schemas.openxmlformats.org/drawingml/2006/main" xmlns:r="http://schemas.openxmlformats.org/officeDocument/2006/relationships" xmlns:p="http://schemas.openxmlformats.org/presentationml/2006/main">
+  <p:cSld>
+    <p:spTree>
+      <p:nvGrpSpPr>
+        <p:cNvPr id="1" name=""/>
+        <p:cNvGrpSpPr/>
+        <p:nvPr/>
+      </p:nvGrpSpPr>
+      <p:grpSpPr>
+        <a:xfrm>
+          <a:off x="0" y="0"/>
+          <a:ext cx="0" cy="0"/>
+          <a:chOff x="0" y="0"/>
+          <a:chExt cx="0" cy="0"/>
+        </a:xfrm>
+      </p:grpSpPr>
+      <p:sp>
+        <p:nvSpPr>
+          <p:cNvPr id="13314" name="Title 1">
+            <a:extLst>
+              <a:ext uri="{FF2B5EF4-FFF2-40B4-BE49-F238E27FC236}">
+                <a16:creationId xmlns:a16="http://schemas.microsoft.com/office/drawing/2014/main" id="{A3FB24C1-DD16-4D31-96FE-40461E6C9FF3}"/>
+              </a:ext>
+            </a:extLst>
+          </p:cNvPr>
+          <p:cNvSpPr>
+            <a:spLocks noGrp="1" noChangeArrowheads="1"/>
+          </p:cNvSpPr>
+          <p:nvPr>
+            <p:ph type="title" idx="4294967295"/>
+          </p:nvPr>
+        </p:nvSpPr>
+        <p:spPr>
+          <a:xfrm>
+            <a:off x="557213" y="360363"/>
+            <a:ext cx="8229600" cy="1139825"/>
+          </a:xfrm>
+        </p:spPr>
+        <p:txBody>
+          <a:bodyPr anchor="ctr"/>
+          <a:lstStyle/>
+          <a:p>
+            <a:pPr eaLnBrk="1" hangingPunct="1"/>
+            <a:r>
               <a:rPr lang="en-US" altLang="zh-TW" b="1" dirty="0">
                 <a:ea typeface="新細明體" panose="02020500000000000000" pitchFamily="18" charset="-120"/>
               </a:rPr>
@@ -15758,7 +17102,7 @@
 </p:sld>
 </file>
 
-<file path=ppt/slides/slide26.xml><?xml version="1.0" encoding="utf-8"?>
+<file path=ppt/slides/slide28.xml><?xml version="1.0" encoding="utf-8"?>
 <p:sld xmlns:a="http://schemas.openxmlformats.org/drawingml/2006/main" xmlns:r="http://schemas.openxmlformats.org/officeDocument/2006/relationships" xmlns:p="http://schemas.openxmlformats.org/presentationml/2006/main">
   <p:cSld>
     <p:spTree>
